--- a/영훈/절차적 생성 패턴.pptx
+++ b/영훈/절차적 생성 패턴.pptx
@@ -4,9 +4,16 @@
   <p:sldMasterIdLst>
     <p:sldMasterId id="2147483660" r:id="rId1"/>
   </p:sldMasterIdLst>
+  <p:notesMasterIdLst>
+    <p:notesMasterId r:id="rId8"/>
+  </p:notesMasterIdLst>
   <p:sldIdLst>
     <p:sldId id="256" r:id="rId2"/>
     <p:sldId id="257" r:id="rId3"/>
+    <p:sldId id="258" r:id="rId4"/>
+    <p:sldId id="259" r:id="rId5"/>
+    <p:sldId id="260" r:id="rId6"/>
+    <p:sldId id="261" r:id="rId7"/>
   </p:sldIdLst>
   <p:sldSz cx="9144000" cy="6858000" type="screen4x3"/>
   <p:notesSz cx="6858000" cy="9144000"/>
@@ -106,6 +113,440 @@
     </a:lvl9pPr>
   </p:defaultTextStyle>
 </p:presentation>
+</file>
+
+<file path=ppt/notesMasters/notesMaster1.xml><?xml version="1.0" encoding="utf-8"?>
+<p:notesMaster xmlns:a="http://schemas.openxmlformats.org/drawingml/2006/main" xmlns:r="http://schemas.openxmlformats.org/officeDocument/2006/relationships" xmlns:p="http://schemas.openxmlformats.org/presentationml/2006/main">
+  <p:cSld>
+    <p:bg>
+      <p:bgRef idx="1001">
+        <a:schemeClr val="bg1"/>
+      </p:bgRef>
+    </p:bg>
+    <p:spTree>
+      <p:nvGrpSpPr>
+        <p:cNvPr id="1" name=""/>
+        <p:cNvGrpSpPr/>
+        <p:nvPr/>
+      </p:nvGrpSpPr>
+      <p:grpSpPr>
+        <a:xfrm>
+          <a:off x="0" y="0"/>
+          <a:ext cx="0" cy="0"/>
+          <a:chOff x="0" y="0"/>
+          <a:chExt cx="0" cy="0"/>
+        </a:xfrm>
+      </p:grpSpPr>
+      <p:sp>
+        <p:nvSpPr>
+          <p:cNvPr id="2" name="머리글 개체 틀 1"/>
+          <p:cNvSpPr>
+            <a:spLocks noGrp="1"/>
+          </p:cNvSpPr>
+          <p:nvPr>
+            <p:ph type="hdr" sz="quarter"/>
+          </p:nvPr>
+        </p:nvSpPr>
+        <p:spPr>
+          <a:xfrm>
+            <a:off x="0" y="0"/>
+            <a:ext cx="2971800" cy="457200"/>
+          </a:xfrm>
+          <a:prstGeom prst="rect">
+            <a:avLst/>
+          </a:prstGeom>
+        </p:spPr>
+        <p:txBody>
+          <a:bodyPr vert="horz" lIns="91440" tIns="45720" rIns="91440" bIns="45720" rtlCol="0"/>
+          <a:lstStyle>
+            <a:lvl1pPr algn="l">
+              <a:defRPr sz="1200"/>
+            </a:lvl1pPr>
+          </a:lstStyle>
+          <a:p>
+            <a:endParaRPr lang="ko-KR" altLang="en-US"/>
+          </a:p>
+        </p:txBody>
+      </p:sp>
+      <p:sp>
+        <p:nvSpPr>
+          <p:cNvPr id="3" name="날짜 개체 틀 2"/>
+          <p:cNvSpPr>
+            <a:spLocks noGrp="1"/>
+          </p:cNvSpPr>
+          <p:nvPr>
+            <p:ph type="dt" idx="1"/>
+          </p:nvPr>
+        </p:nvSpPr>
+        <p:spPr>
+          <a:xfrm>
+            <a:off x="3884613" y="0"/>
+            <a:ext cx="2971800" cy="457200"/>
+          </a:xfrm>
+          <a:prstGeom prst="rect">
+            <a:avLst/>
+          </a:prstGeom>
+        </p:spPr>
+        <p:txBody>
+          <a:bodyPr vert="horz" lIns="91440" tIns="45720" rIns="91440" bIns="45720" rtlCol="0"/>
+          <a:lstStyle>
+            <a:lvl1pPr algn="r">
+              <a:defRPr sz="1200"/>
+            </a:lvl1pPr>
+          </a:lstStyle>
+          <a:p>
+            <a:fld id="{C96EFF08-7F32-4850-82A8-4808AF89F894}" type="datetimeFigureOut">
+              <a:rPr lang="ko-KR" altLang="en-US" smtClean="0"/>
+              <a:t>2022-01-19</a:t>
+            </a:fld>
+            <a:endParaRPr lang="ko-KR" altLang="en-US"/>
+          </a:p>
+        </p:txBody>
+      </p:sp>
+      <p:sp>
+        <p:nvSpPr>
+          <p:cNvPr id="4" name="슬라이드 이미지 개체 틀 3"/>
+          <p:cNvSpPr>
+            <a:spLocks noGrp="1" noRot="1" noChangeAspect="1"/>
+          </p:cNvSpPr>
+          <p:nvPr>
+            <p:ph type="sldImg" idx="2"/>
+          </p:nvPr>
+        </p:nvSpPr>
+        <p:spPr>
+          <a:xfrm>
+            <a:off x="1143000" y="685800"/>
+            <a:ext cx="4572000" cy="3429000"/>
+          </a:xfrm>
+          <a:prstGeom prst="rect">
+            <a:avLst/>
+          </a:prstGeom>
+          <a:noFill/>
+          <a:ln w="12700">
+            <a:solidFill>
+              <a:prstClr val="black"/>
+            </a:solidFill>
+          </a:ln>
+        </p:spPr>
+        <p:txBody>
+          <a:bodyPr vert="horz" lIns="91440" tIns="45720" rIns="91440" bIns="45720" rtlCol="0" anchor="ctr"/>
+          <a:lstStyle/>
+          <a:p>
+            <a:endParaRPr lang="ko-KR" altLang="en-US"/>
+          </a:p>
+        </p:txBody>
+      </p:sp>
+      <p:sp>
+        <p:nvSpPr>
+          <p:cNvPr id="5" name="슬라이드 노트 개체 틀 4"/>
+          <p:cNvSpPr>
+            <a:spLocks noGrp="1"/>
+          </p:cNvSpPr>
+          <p:nvPr>
+            <p:ph type="body" sz="quarter" idx="3"/>
+          </p:nvPr>
+        </p:nvSpPr>
+        <p:spPr>
+          <a:xfrm>
+            <a:off x="685800" y="4343400"/>
+            <a:ext cx="5486400" cy="4114800"/>
+          </a:xfrm>
+          <a:prstGeom prst="rect">
+            <a:avLst/>
+          </a:prstGeom>
+        </p:spPr>
+        <p:txBody>
+          <a:bodyPr vert="horz" lIns="91440" tIns="45720" rIns="91440" bIns="45720" rtlCol="0"/>
+          <a:lstStyle/>
+          <a:p>
+            <a:pPr lvl="0"/>
+            <a:r>
+              <a:rPr lang="ko-KR" altLang="en-US" smtClean="0"/>
+              <a:t>마스터 텍스트 스타일을 편집합니다</a:t>
+            </a:r>
+          </a:p>
+          <a:p>
+            <a:pPr lvl="1"/>
+            <a:r>
+              <a:rPr lang="ko-KR" altLang="en-US" smtClean="0"/>
+              <a:t>둘째 수준</a:t>
+            </a:r>
+          </a:p>
+          <a:p>
+            <a:pPr lvl="2"/>
+            <a:r>
+              <a:rPr lang="ko-KR" altLang="en-US" smtClean="0"/>
+              <a:t>셋째 수준</a:t>
+            </a:r>
+          </a:p>
+          <a:p>
+            <a:pPr lvl="3"/>
+            <a:r>
+              <a:rPr lang="ko-KR" altLang="en-US" smtClean="0"/>
+              <a:t>넷째 수준</a:t>
+            </a:r>
+          </a:p>
+          <a:p>
+            <a:pPr lvl="4"/>
+            <a:r>
+              <a:rPr lang="ko-KR" altLang="en-US" smtClean="0"/>
+              <a:t>다섯째 수준</a:t>
+            </a:r>
+            <a:endParaRPr lang="ko-KR" altLang="en-US"/>
+          </a:p>
+        </p:txBody>
+      </p:sp>
+      <p:sp>
+        <p:nvSpPr>
+          <p:cNvPr id="6" name="바닥글 개체 틀 5"/>
+          <p:cNvSpPr>
+            <a:spLocks noGrp="1"/>
+          </p:cNvSpPr>
+          <p:nvPr>
+            <p:ph type="ftr" sz="quarter" idx="4"/>
+          </p:nvPr>
+        </p:nvSpPr>
+        <p:spPr>
+          <a:xfrm>
+            <a:off x="0" y="8685213"/>
+            <a:ext cx="2971800" cy="457200"/>
+          </a:xfrm>
+          <a:prstGeom prst="rect">
+            <a:avLst/>
+          </a:prstGeom>
+        </p:spPr>
+        <p:txBody>
+          <a:bodyPr vert="horz" lIns="91440" tIns="45720" rIns="91440" bIns="45720" rtlCol="0" anchor="b"/>
+          <a:lstStyle>
+            <a:lvl1pPr algn="l">
+              <a:defRPr sz="1200"/>
+            </a:lvl1pPr>
+          </a:lstStyle>
+          <a:p>
+            <a:endParaRPr lang="ko-KR" altLang="en-US"/>
+          </a:p>
+        </p:txBody>
+      </p:sp>
+      <p:sp>
+        <p:nvSpPr>
+          <p:cNvPr id="7" name="슬라이드 번호 개체 틀 6"/>
+          <p:cNvSpPr>
+            <a:spLocks noGrp="1"/>
+          </p:cNvSpPr>
+          <p:nvPr>
+            <p:ph type="sldNum" sz="quarter" idx="5"/>
+          </p:nvPr>
+        </p:nvSpPr>
+        <p:spPr>
+          <a:xfrm>
+            <a:off x="3884613" y="8685213"/>
+            <a:ext cx="2971800" cy="457200"/>
+          </a:xfrm>
+          <a:prstGeom prst="rect">
+            <a:avLst/>
+          </a:prstGeom>
+        </p:spPr>
+        <p:txBody>
+          <a:bodyPr vert="horz" lIns="91440" tIns="45720" rIns="91440" bIns="45720" rtlCol="0" anchor="b"/>
+          <a:lstStyle>
+            <a:lvl1pPr algn="r">
+              <a:defRPr sz="1200"/>
+            </a:lvl1pPr>
+          </a:lstStyle>
+          <a:p>
+            <a:fld id="{ADED2DF2-C422-43AE-8805-946E4C5A997E}" type="slidenum">
+              <a:rPr lang="ko-KR" altLang="en-US" smtClean="0"/>
+              <a:t>‹#›</a:t>
+            </a:fld>
+            <a:endParaRPr lang="ko-KR" altLang="en-US"/>
+          </a:p>
+        </p:txBody>
+      </p:sp>
+    </p:spTree>
+    <p:extLst>
+      <p:ext uri="{BB962C8B-B14F-4D97-AF65-F5344CB8AC3E}">
+        <p14:creationId xmlns:p14="http://schemas.microsoft.com/office/powerpoint/2010/main" val="973488096"/>
+      </p:ext>
+    </p:extLst>
+  </p:cSld>
+  <p:clrMap bg1="lt1" tx1="dk1" bg2="lt2" tx2="dk2" accent1="accent1" accent2="accent2" accent3="accent3" accent4="accent4" accent5="accent5" accent6="accent6" hlink="hlink" folHlink="folHlink"/>
+  <p:notesStyle>
+    <a:lvl1pPr marL="0" algn="l" defTabSz="914400" rtl="0" eaLnBrk="1" latinLnBrk="1" hangingPunct="1">
+      <a:defRPr sz="1200" kern="1200">
+        <a:solidFill>
+          <a:schemeClr val="tx1"/>
+        </a:solidFill>
+        <a:latin typeface="+mn-lt"/>
+        <a:ea typeface="+mn-ea"/>
+        <a:cs typeface="+mn-cs"/>
+      </a:defRPr>
+    </a:lvl1pPr>
+    <a:lvl2pPr marL="457200" algn="l" defTabSz="914400" rtl="0" eaLnBrk="1" latinLnBrk="1" hangingPunct="1">
+      <a:defRPr sz="1200" kern="1200">
+        <a:solidFill>
+          <a:schemeClr val="tx1"/>
+        </a:solidFill>
+        <a:latin typeface="+mn-lt"/>
+        <a:ea typeface="+mn-ea"/>
+        <a:cs typeface="+mn-cs"/>
+      </a:defRPr>
+    </a:lvl2pPr>
+    <a:lvl3pPr marL="914400" algn="l" defTabSz="914400" rtl="0" eaLnBrk="1" latinLnBrk="1" hangingPunct="1">
+      <a:defRPr sz="1200" kern="1200">
+        <a:solidFill>
+          <a:schemeClr val="tx1"/>
+        </a:solidFill>
+        <a:latin typeface="+mn-lt"/>
+        <a:ea typeface="+mn-ea"/>
+        <a:cs typeface="+mn-cs"/>
+      </a:defRPr>
+    </a:lvl3pPr>
+    <a:lvl4pPr marL="1371600" algn="l" defTabSz="914400" rtl="0" eaLnBrk="1" latinLnBrk="1" hangingPunct="1">
+      <a:defRPr sz="1200" kern="1200">
+        <a:solidFill>
+          <a:schemeClr val="tx1"/>
+        </a:solidFill>
+        <a:latin typeface="+mn-lt"/>
+        <a:ea typeface="+mn-ea"/>
+        <a:cs typeface="+mn-cs"/>
+      </a:defRPr>
+    </a:lvl4pPr>
+    <a:lvl5pPr marL="1828800" algn="l" defTabSz="914400" rtl="0" eaLnBrk="1" latinLnBrk="1" hangingPunct="1">
+      <a:defRPr sz="1200" kern="1200">
+        <a:solidFill>
+          <a:schemeClr val="tx1"/>
+        </a:solidFill>
+        <a:latin typeface="+mn-lt"/>
+        <a:ea typeface="+mn-ea"/>
+        <a:cs typeface="+mn-cs"/>
+      </a:defRPr>
+    </a:lvl5pPr>
+    <a:lvl6pPr marL="2286000" algn="l" defTabSz="914400" rtl="0" eaLnBrk="1" latinLnBrk="1" hangingPunct="1">
+      <a:defRPr sz="1200" kern="1200">
+        <a:solidFill>
+          <a:schemeClr val="tx1"/>
+        </a:solidFill>
+        <a:latin typeface="+mn-lt"/>
+        <a:ea typeface="+mn-ea"/>
+        <a:cs typeface="+mn-cs"/>
+      </a:defRPr>
+    </a:lvl6pPr>
+    <a:lvl7pPr marL="2743200" algn="l" defTabSz="914400" rtl="0" eaLnBrk="1" latinLnBrk="1" hangingPunct="1">
+      <a:defRPr sz="1200" kern="1200">
+        <a:solidFill>
+          <a:schemeClr val="tx1"/>
+        </a:solidFill>
+        <a:latin typeface="+mn-lt"/>
+        <a:ea typeface="+mn-ea"/>
+        <a:cs typeface="+mn-cs"/>
+      </a:defRPr>
+    </a:lvl7pPr>
+    <a:lvl8pPr marL="3200400" algn="l" defTabSz="914400" rtl="0" eaLnBrk="1" latinLnBrk="1" hangingPunct="1">
+      <a:defRPr sz="1200" kern="1200">
+        <a:solidFill>
+          <a:schemeClr val="tx1"/>
+        </a:solidFill>
+        <a:latin typeface="+mn-lt"/>
+        <a:ea typeface="+mn-ea"/>
+        <a:cs typeface="+mn-cs"/>
+      </a:defRPr>
+    </a:lvl8pPr>
+    <a:lvl9pPr marL="3657600" algn="l" defTabSz="914400" rtl="0" eaLnBrk="1" latinLnBrk="1" hangingPunct="1">
+      <a:defRPr sz="1200" kern="1200">
+        <a:solidFill>
+          <a:schemeClr val="tx1"/>
+        </a:solidFill>
+        <a:latin typeface="+mn-lt"/>
+        <a:ea typeface="+mn-ea"/>
+        <a:cs typeface="+mn-cs"/>
+      </a:defRPr>
+    </a:lvl9pPr>
+  </p:notesStyle>
+</p:notesMaster>
+</file>
+
+<file path=ppt/notesSlides/notesSlide1.xml><?xml version="1.0" encoding="utf-8"?>
+<p:notes xmlns:a="http://schemas.openxmlformats.org/drawingml/2006/main" xmlns:r="http://schemas.openxmlformats.org/officeDocument/2006/relationships" xmlns:p="http://schemas.openxmlformats.org/presentationml/2006/main">
+  <p:cSld>
+    <p:spTree>
+      <p:nvGrpSpPr>
+        <p:cNvPr id="1" name=""/>
+        <p:cNvGrpSpPr/>
+        <p:nvPr/>
+      </p:nvGrpSpPr>
+      <p:grpSpPr>
+        <a:xfrm>
+          <a:off x="0" y="0"/>
+          <a:ext cx="0" cy="0"/>
+          <a:chOff x="0" y="0"/>
+          <a:chExt cx="0" cy="0"/>
+        </a:xfrm>
+      </p:grpSpPr>
+      <p:sp>
+        <p:nvSpPr>
+          <p:cNvPr id="2" name="슬라이드 이미지 개체 틀 1"/>
+          <p:cNvSpPr>
+            <a:spLocks noGrp="1" noRot="1" noChangeAspect="1"/>
+          </p:cNvSpPr>
+          <p:nvPr>
+            <p:ph type="sldImg"/>
+          </p:nvPr>
+        </p:nvSpPr>
+        <p:spPr/>
+      </p:sp>
+      <p:sp>
+        <p:nvSpPr>
+          <p:cNvPr id="3" name="슬라이드 노트 개체 틀 2"/>
+          <p:cNvSpPr>
+            <a:spLocks noGrp="1"/>
+          </p:cNvSpPr>
+          <p:nvPr>
+            <p:ph type="body" idx="1"/>
+          </p:nvPr>
+        </p:nvSpPr>
+        <p:spPr/>
+        <p:txBody>
+          <a:bodyPr/>
+          <a:lstStyle/>
+          <a:p>
+            <a:endParaRPr lang="ko-KR" altLang="en-US" dirty="0"/>
+          </a:p>
+        </p:txBody>
+      </p:sp>
+      <p:sp>
+        <p:nvSpPr>
+          <p:cNvPr id="4" name="슬라이드 번호 개체 틀 3"/>
+          <p:cNvSpPr>
+            <a:spLocks noGrp="1"/>
+          </p:cNvSpPr>
+          <p:nvPr>
+            <p:ph type="sldNum" sz="quarter" idx="10"/>
+          </p:nvPr>
+        </p:nvSpPr>
+        <p:spPr/>
+        <p:txBody>
+          <a:bodyPr/>
+          <a:lstStyle/>
+          <a:p>
+            <a:fld id="{ADED2DF2-C422-43AE-8805-946E4C5A997E}" type="slidenum">
+              <a:rPr lang="ko-KR" altLang="en-US" smtClean="0"/>
+              <a:t>5</a:t>
+            </a:fld>
+            <a:endParaRPr lang="ko-KR" altLang="en-US"/>
+          </a:p>
+        </p:txBody>
+      </p:sp>
+    </p:spTree>
+    <p:extLst>
+      <p:ext uri="{BB962C8B-B14F-4D97-AF65-F5344CB8AC3E}">
+        <p14:creationId xmlns:p14="http://schemas.microsoft.com/office/powerpoint/2010/main" val="2587386846"/>
+      </p:ext>
+    </p:extLst>
+  </p:cSld>
+  <p:clrMapOvr>
+    <a:masterClrMapping/>
+  </p:clrMapOvr>
+</p:notes>
 </file>
 
 <file path=ppt/slideLayouts/slideLayout1.xml><?xml version="1.0" encoding="utf-8"?>
@@ -576,7 +1017,7 @@
           <a:p>
             <a:fld id="{697C0DED-E396-4803-911E-0A034BC491DA}" type="datetimeFigureOut">
               <a:rPr lang="ko-KR" altLang="en-US" smtClean="0"/>
-              <a:t>2022-01-15</a:t>
+              <a:t>2022-01-18</a:t>
             </a:fld>
             <a:endParaRPr lang="ko-KR" altLang="en-US"/>
           </a:p>
@@ -741,7 +1182,7 @@
           <a:p>
             <a:fld id="{697C0DED-E396-4803-911E-0A034BC491DA}" type="datetimeFigureOut">
               <a:rPr lang="ko-KR" altLang="en-US" smtClean="0"/>
-              <a:t>2022-01-15</a:t>
+              <a:t>2022-01-18</a:t>
             </a:fld>
             <a:endParaRPr lang="ko-KR" altLang="en-US"/>
           </a:p>
@@ -916,7 +1357,7 @@
           <a:p>
             <a:fld id="{697C0DED-E396-4803-911E-0A034BC491DA}" type="datetimeFigureOut">
               <a:rPr lang="ko-KR" altLang="en-US" smtClean="0"/>
-              <a:t>2022-01-15</a:t>
+              <a:t>2022-01-18</a:t>
             </a:fld>
             <a:endParaRPr lang="ko-KR" altLang="en-US"/>
           </a:p>
@@ -1081,7 +1522,7 @@
           <a:p>
             <a:fld id="{697C0DED-E396-4803-911E-0A034BC491DA}" type="datetimeFigureOut">
               <a:rPr lang="ko-KR" altLang="en-US" smtClean="0"/>
-              <a:t>2022-01-15</a:t>
+              <a:t>2022-01-18</a:t>
             </a:fld>
             <a:endParaRPr lang="ko-KR" altLang="en-US"/>
           </a:p>
@@ -1634,7 +2075,7 @@
           <a:p>
             <a:fld id="{697C0DED-E396-4803-911E-0A034BC491DA}" type="datetimeFigureOut">
               <a:rPr lang="ko-KR" altLang="en-US" smtClean="0"/>
-              <a:t>2022-01-15</a:t>
+              <a:t>2022-01-18</a:t>
             </a:fld>
             <a:endParaRPr lang="ko-KR" altLang="en-US"/>
           </a:p>
@@ -1894,7 +2335,7 @@
           <a:p>
             <a:fld id="{697C0DED-E396-4803-911E-0A034BC491DA}" type="datetimeFigureOut">
               <a:rPr lang="ko-KR" altLang="en-US" smtClean="0"/>
-              <a:t>2022-01-15</a:t>
+              <a:t>2022-01-18</a:t>
             </a:fld>
             <a:endParaRPr lang="ko-KR" altLang="en-US"/>
           </a:p>
@@ -2382,7 +2823,7 @@
           <a:p>
             <a:fld id="{697C0DED-E396-4803-911E-0A034BC491DA}" type="datetimeFigureOut">
               <a:rPr lang="ko-KR" altLang="en-US" smtClean="0"/>
-              <a:t>2022-01-15</a:t>
+              <a:t>2022-01-18</a:t>
             </a:fld>
             <a:endParaRPr lang="ko-KR" altLang="en-US"/>
           </a:p>
@@ -2495,7 +2936,7 @@
           <a:p>
             <a:fld id="{697C0DED-E396-4803-911E-0A034BC491DA}" type="datetimeFigureOut">
               <a:rPr lang="ko-KR" altLang="en-US" smtClean="0"/>
-              <a:t>2022-01-15</a:t>
+              <a:t>2022-01-18</a:t>
             </a:fld>
             <a:endParaRPr lang="ko-KR" altLang="en-US"/>
           </a:p>
@@ -2585,7 +3026,7 @@
           <a:p>
             <a:fld id="{697C0DED-E396-4803-911E-0A034BC491DA}" type="datetimeFigureOut">
               <a:rPr lang="ko-KR" altLang="en-US" smtClean="0"/>
-              <a:t>2022-01-15</a:t>
+              <a:t>2022-01-18</a:t>
             </a:fld>
             <a:endParaRPr lang="ko-KR" altLang="en-US"/>
           </a:p>
@@ -3015,7 +3456,7 @@
           <a:p>
             <a:fld id="{697C0DED-E396-4803-911E-0A034BC491DA}" type="datetimeFigureOut">
               <a:rPr lang="ko-KR" altLang="en-US" smtClean="0"/>
-              <a:t>2022-01-15</a:t>
+              <a:t>2022-01-18</a:t>
             </a:fld>
             <a:endParaRPr lang="ko-KR" altLang="en-US"/>
           </a:p>
@@ -3548,7 +3989,7 @@
           <a:p>
             <a:fld id="{697C0DED-E396-4803-911E-0A034BC491DA}" type="datetimeFigureOut">
               <a:rPr lang="ko-KR" altLang="en-US" smtClean="0"/>
-              <a:t>2022-01-15</a:t>
+              <a:t>2022-01-18</a:t>
             </a:fld>
             <a:endParaRPr lang="ko-KR" altLang="en-US"/>
           </a:p>
@@ -4388,7 +4829,7 @@
           <a:p>
             <a:fld id="{697C0DED-E396-4803-911E-0A034BC491DA}" type="datetimeFigureOut">
               <a:rPr lang="ko-KR" altLang="en-US" smtClean="0"/>
-              <a:t>2022-01-15</a:t>
+              <a:t>2022-01-18</a:t>
             </a:fld>
             <a:endParaRPr lang="ko-KR" altLang="en-US"/>
           </a:p>
@@ -4858,6 +5299,169 @@
           <a:chExt cx="0" cy="0"/>
         </a:xfrm>
       </p:grpSpPr>
+      <p:sp>
+        <p:nvSpPr>
+          <p:cNvPr id="2" name="TextBox 1"/>
+          <p:cNvSpPr txBox="1"/>
+          <p:nvPr/>
+        </p:nvSpPr>
+        <p:spPr>
+          <a:xfrm>
+            <a:off x="1115616" y="1484784"/>
+            <a:ext cx="8028384" cy="2554545"/>
+          </a:xfrm>
+          <a:prstGeom prst="rect">
+            <a:avLst/>
+          </a:prstGeom>
+          <a:noFill/>
+        </p:spPr>
+        <p:txBody>
+          <a:bodyPr wrap="square" rtlCol="0">
+            <a:spAutoFit/>
+          </a:bodyPr>
+          <a:lstStyle/>
+          <a:p>
+            <a:r>
+              <a:rPr lang="en-US" altLang="ko-KR" sz="3200" dirty="0" smtClean="0">
+                <a:latin typeface="카페24 고운밤" pitchFamily="2" charset="-127"/>
+                <a:ea typeface="카페24 고운밤" pitchFamily="2" charset="-127"/>
+              </a:rPr>
+              <a:t>-   </a:t>
+            </a:r>
+            <a:r>
+              <a:rPr lang="ko-KR" altLang="en-US" sz="3200" dirty="0" smtClean="0">
+                <a:latin typeface="카페24 고운밤" pitchFamily="2" charset="-127"/>
+                <a:ea typeface="카페24 고운밤" pitchFamily="2" charset="-127"/>
+              </a:rPr>
+              <a:t>절차적 생성 패턴이란</a:t>
+            </a:r>
+            <a:r>
+              <a:rPr lang="en-US" altLang="ko-KR" sz="3200" dirty="0" smtClean="0">
+                <a:latin typeface="카페24 고운밤" pitchFamily="2" charset="-127"/>
+                <a:ea typeface="카페24 고운밤" pitchFamily="2" charset="-127"/>
+              </a:rPr>
+              <a:t>?</a:t>
+            </a:r>
+          </a:p>
+          <a:p>
+            <a:r>
+              <a:rPr lang="en-US" altLang="ko-KR" sz="3200" dirty="0" smtClean="0">
+                <a:latin typeface="카페24 고운밤" pitchFamily="2" charset="-127"/>
+                <a:ea typeface="카페24 고운밤" pitchFamily="2" charset="-127"/>
+              </a:rPr>
+              <a:t>-   Noise? </a:t>
+            </a:r>
+            <a:r>
+              <a:rPr lang="en-US" altLang="ko-KR" sz="3200" dirty="0" err="1">
+                <a:latin typeface="카페24 고운밤" pitchFamily="2" charset="-127"/>
+                <a:ea typeface="카페24 고운밤" pitchFamily="2" charset="-127"/>
+              </a:rPr>
+              <a:t>PerlinNoise</a:t>
+            </a:r>
+            <a:r>
+              <a:rPr lang="en-US" altLang="ko-KR" sz="3200" dirty="0" smtClean="0">
+                <a:latin typeface="카페24 고운밤" pitchFamily="2" charset="-127"/>
+                <a:ea typeface="카페24 고운밤" pitchFamily="2" charset="-127"/>
+              </a:rPr>
+              <a:t>?</a:t>
+            </a:r>
+          </a:p>
+          <a:p>
+            <a:pPr marL="457200" indent="-457200">
+              <a:buFontTx/>
+              <a:buChar char="-"/>
+            </a:pPr>
+            <a:r>
+              <a:rPr lang="ko-KR" altLang="en-US" sz="3200" dirty="0" smtClean="0">
+                <a:latin typeface="카페24 고운밤" pitchFamily="2" charset="-127"/>
+                <a:ea typeface="카페24 고운밤" pitchFamily="2" charset="-127"/>
+              </a:rPr>
+              <a:t>절차적 생성 패턴 작동 방식</a:t>
+            </a:r>
+            <a:endParaRPr lang="en-US" altLang="ko-KR" sz="3200" dirty="0" smtClean="0">
+              <a:latin typeface="카페24 고운밤" pitchFamily="2" charset="-127"/>
+              <a:ea typeface="카페24 고운밤" pitchFamily="2" charset="-127"/>
+            </a:endParaRPr>
+          </a:p>
+          <a:p>
+            <a:pPr marL="457200" indent="-457200">
+              <a:buFontTx/>
+              <a:buChar char="-"/>
+            </a:pPr>
+            <a:r>
+              <a:rPr lang="ko-KR" altLang="en-US" sz="3200" dirty="0" smtClean="0">
+                <a:latin typeface="카페24 고운밤" pitchFamily="2" charset="-127"/>
+                <a:ea typeface="카페24 고운밤" pitchFamily="2" charset="-127"/>
+              </a:rPr>
+              <a:t>코드 설명</a:t>
+            </a:r>
+            <a:endParaRPr lang="en-US" altLang="ko-KR" sz="3200" dirty="0" smtClean="0">
+              <a:latin typeface="카페24 고운밤" pitchFamily="2" charset="-127"/>
+              <a:ea typeface="카페24 고운밤" pitchFamily="2" charset="-127"/>
+            </a:endParaRPr>
+          </a:p>
+          <a:p>
+            <a:pPr marL="457200" indent="-457200">
+              <a:buFontTx/>
+              <a:buChar char="-"/>
+            </a:pPr>
+            <a:r>
+              <a:rPr lang="ko-KR" altLang="en-US" sz="3200" dirty="0" err="1" smtClean="0">
+                <a:latin typeface="카페24 고운밤" pitchFamily="2" charset="-127"/>
+                <a:ea typeface="카페24 고운밤" pitchFamily="2" charset="-127"/>
+              </a:rPr>
+              <a:t>유니티</a:t>
+            </a:r>
+            <a:r>
+              <a:rPr lang="ko-KR" altLang="en-US" sz="3200" dirty="0" smtClean="0">
+                <a:latin typeface="카페24 고운밤" pitchFamily="2" charset="-127"/>
+                <a:ea typeface="카페24 고운밤" pitchFamily="2" charset="-127"/>
+              </a:rPr>
+              <a:t> 프로그램 실행</a:t>
+            </a:r>
+            <a:endParaRPr lang="ko-KR" altLang="en-US" sz="3200" dirty="0">
+              <a:latin typeface="카페24 고운밤" pitchFamily="2" charset="-127"/>
+              <a:ea typeface="카페24 고운밤" pitchFamily="2" charset="-127"/>
+            </a:endParaRPr>
+          </a:p>
+        </p:txBody>
+      </p:sp>
+      <p:sp>
+        <p:nvSpPr>
+          <p:cNvPr id="3" name="TextBox 2"/>
+          <p:cNvSpPr txBox="1"/>
+          <p:nvPr/>
+        </p:nvSpPr>
+        <p:spPr>
+          <a:xfrm>
+            <a:off x="323528" y="404664"/>
+            <a:ext cx="8820472" cy="1015663"/>
+          </a:xfrm>
+          <a:prstGeom prst="rect">
+            <a:avLst/>
+          </a:prstGeom>
+          <a:noFill/>
+        </p:spPr>
+        <p:txBody>
+          <a:bodyPr wrap="square" rtlCol="0">
+            <a:spAutoFit/>
+          </a:bodyPr>
+          <a:lstStyle/>
+          <a:p>
+            <a:r>
+              <a:rPr lang="ko-KR" altLang="en-US" sz="6000" dirty="0" smtClean="0">
+                <a:latin typeface="카페24 고운밤" pitchFamily="2" charset="-127"/>
+                <a:ea typeface="카페24 고운밤" pitchFamily="2" charset="-127"/>
+              </a:rPr>
+              <a:t>목차</a:t>
+            </a:r>
+            <a:endParaRPr lang="ko-KR" altLang="en-US" sz="6000" dirty="0">
+              <a:latin typeface="카페24 고운밤" pitchFamily="2" charset="-127"/>
+              <a:ea typeface="카페24 고운밤" pitchFamily="2" charset="-127"/>
+            </a:endParaRPr>
+          </a:p>
+        </p:txBody>
+      </p:sp>
     </p:spTree>
     <p:extLst>
       <p:ext uri="{BB962C8B-B14F-4D97-AF65-F5344CB8AC3E}">
@@ -4874,6 +5478,8745 @@
         <p:cTn id="1" dur="indefinite" restart="never" nodeType="tmRoot"/>
       </p:par>
     </p:tnLst>
+  </p:timing>
+</p:sld>
+</file>
+
+<file path=ppt/slides/slide3.xml><?xml version="1.0" encoding="utf-8"?>
+<p:sld xmlns:a="http://schemas.openxmlformats.org/drawingml/2006/main" xmlns:r="http://schemas.openxmlformats.org/officeDocument/2006/relationships" xmlns:p="http://schemas.openxmlformats.org/presentationml/2006/main">
+  <p:cSld>
+    <p:spTree>
+      <p:nvGrpSpPr>
+        <p:cNvPr id="1" name=""/>
+        <p:cNvGrpSpPr/>
+        <p:nvPr/>
+      </p:nvGrpSpPr>
+      <p:grpSpPr>
+        <a:xfrm>
+          <a:off x="0" y="0"/>
+          <a:ext cx="0" cy="0"/>
+          <a:chOff x="0" y="0"/>
+          <a:chExt cx="0" cy="0"/>
+        </a:xfrm>
+      </p:grpSpPr>
+      <p:sp>
+        <p:nvSpPr>
+          <p:cNvPr id="4" name="TextBox 3"/>
+          <p:cNvSpPr txBox="1"/>
+          <p:nvPr/>
+        </p:nvSpPr>
+        <p:spPr>
+          <a:xfrm>
+            <a:off x="179512" y="332656"/>
+            <a:ext cx="8964488" cy="707886"/>
+          </a:xfrm>
+          <a:prstGeom prst="rect">
+            <a:avLst/>
+          </a:prstGeom>
+          <a:noFill/>
+        </p:spPr>
+        <p:txBody>
+          <a:bodyPr wrap="square" rtlCol="0">
+            <a:spAutoFit/>
+          </a:bodyPr>
+          <a:lstStyle/>
+          <a:p>
+            <a:r>
+              <a:rPr lang="en-US" altLang="ko-KR" sz="4000" dirty="0" smtClean="0">
+                <a:latin typeface="카페24 고운밤" pitchFamily="2" charset="-127"/>
+                <a:ea typeface="카페24 고운밤" pitchFamily="2" charset="-127"/>
+              </a:rPr>
+              <a:t>Noise? </a:t>
+            </a:r>
+            <a:r>
+              <a:rPr lang="en-US" altLang="ko-KR" sz="4000" dirty="0" err="1">
+                <a:latin typeface="카페24 고운밤" pitchFamily="2" charset="-127"/>
+                <a:ea typeface="카페24 고운밤" pitchFamily="2" charset="-127"/>
+              </a:rPr>
+              <a:t>PerlinNoise</a:t>
+            </a:r>
+            <a:r>
+              <a:rPr lang="en-US" altLang="ko-KR" sz="4000" dirty="0">
+                <a:latin typeface="카페24 고운밤" pitchFamily="2" charset="-127"/>
+                <a:ea typeface="카페24 고운밤" pitchFamily="2" charset="-127"/>
+              </a:rPr>
+              <a:t>?</a:t>
+            </a:r>
+            <a:endParaRPr lang="ko-KR" altLang="en-US" sz="4000" dirty="0">
+              <a:latin typeface="카페24 고운밤" pitchFamily="2" charset="-127"/>
+              <a:ea typeface="카페24 고운밤" pitchFamily="2" charset="-127"/>
+            </a:endParaRPr>
+          </a:p>
+        </p:txBody>
+      </p:sp>
+      <p:sp>
+        <p:nvSpPr>
+          <p:cNvPr id="5" name="TextBox 4"/>
+          <p:cNvSpPr txBox="1"/>
+          <p:nvPr/>
+        </p:nvSpPr>
+        <p:spPr>
+          <a:xfrm>
+            <a:off x="899592" y="1484784"/>
+            <a:ext cx="4546437" cy="369332"/>
+          </a:xfrm>
+          <a:prstGeom prst="rect">
+            <a:avLst/>
+          </a:prstGeom>
+          <a:noFill/>
+        </p:spPr>
+        <p:txBody>
+          <a:bodyPr wrap="none" rtlCol="0">
+            <a:spAutoFit/>
+          </a:bodyPr>
+          <a:lstStyle/>
+          <a:p>
+            <a:r>
+              <a:rPr lang="en-US" altLang="ko-KR" dirty="0" smtClean="0">
+                <a:latin typeface="카페24 고운밤" pitchFamily="2" charset="-127"/>
+                <a:ea typeface="카페24 고운밤" pitchFamily="2" charset="-127"/>
+              </a:rPr>
+              <a:t>Noise</a:t>
+            </a:r>
+            <a:r>
+              <a:rPr lang="ko-KR" altLang="en-US" dirty="0" smtClean="0">
+                <a:latin typeface="카페24 고운밤" pitchFamily="2" charset="-127"/>
+                <a:ea typeface="카페24 고운밤" pitchFamily="2" charset="-127"/>
+              </a:rPr>
+              <a:t>는 </a:t>
+            </a:r>
+            <a:r>
+              <a:rPr lang="en-US" altLang="ko-KR" dirty="0" smtClean="0">
+                <a:latin typeface="카페24 고운밤" pitchFamily="2" charset="-127"/>
+                <a:ea typeface="카페24 고운밤" pitchFamily="2" charset="-127"/>
+              </a:rPr>
+              <a:t>0</a:t>
+            </a:r>
+            <a:r>
+              <a:rPr lang="ko-KR" altLang="en-US" dirty="0" smtClean="0">
+                <a:latin typeface="카페24 고운밤" pitchFamily="2" charset="-127"/>
+                <a:ea typeface="카페24 고운밤" pitchFamily="2" charset="-127"/>
+              </a:rPr>
+              <a:t>과 </a:t>
+            </a:r>
+            <a:r>
+              <a:rPr lang="en-US" altLang="ko-KR" dirty="0" smtClean="0">
+                <a:latin typeface="카페24 고운밤" pitchFamily="2" charset="-127"/>
+                <a:ea typeface="카페24 고운밤" pitchFamily="2" charset="-127"/>
+              </a:rPr>
+              <a:t>1</a:t>
+            </a:r>
+            <a:r>
+              <a:rPr lang="ko-KR" altLang="en-US" dirty="0" smtClean="0">
+                <a:latin typeface="카페24 고운밤" pitchFamily="2" charset="-127"/>
+                <a:ea typeface="카페24 고운밤" pitchFamily="2" charset="-127"/>
+              </a:rPr>
+              <a:t>사이 랜덤 값을 각 픽셀마다 적용된 것</a:t>
+            </a:r>
+            <a:endParaRPr lang="ko-KR" altLang="en-US" dirty="0">
+              <a:latin typeface="카페24 고운밤" pitchFamily="2" charset="-127"/>
+              <a:ea typeface="카페24 고운밤" pitchFamily="2" charset="-127"/>
+            </a:endParaRPr>
+          </a:p>
+        </p:txBody>
+      </p:sp>
+      <p:pic>
+        <p:nvPicPr>
+          <p:cNvPr id="1026" name="Picture 2" descr="The 13 Best White Noise Apps"/>
+          <p:cNvPicPr>
+            <a:picLocks noChangeAspect="1" noChangeArrowheads="1"/>
+          </p:cNvPicPr>
+          <p:nvPr/>
+        </p:nvPicPr>
+        <p:blipFill>
+          <a:blip r:embed="rId2">
+            <a:extLst>
+              <a:ext uri="{28A0092B-C50C-407E-A947-70E740481C1C}">
+                <a14:useLocalDpi xmlns:a14="http://schemas.microsoft.com/office/drawing/2010/main" val="0"/>
+              </a:ext>
+            </a:extLst>
+          </a:blip>
+          <a:srcRect/>
+          <a:stretch>
+            <a:fillRect/>
+          </a:stretch>
+        </p:blipFill>
+        <p:spPr bwMode="auto">
+          <a:xfrm>
+            <a:off x="2465512" y="1988840"/>
+            <a:ext cx="4392488" cy="2929790"/>
+          </a:xfrm>
+          <a:prstGeom prst="rect">
+            <a:avLst/>
+          </a:prstGeom>
+          <a:noFill/>
+          <a:extLst>
+            <a:ext uri="{909E8E84-426E-40DD-AFC4-6F175D3DCCD1}">
+              <a14:hiddenFill xmlns:a14="http://schemas.microsoft.com/office/drawing/2010/main">
+                <a:solidFill>
+                  <a:srgbClr val="FFFFFF"/>
+                </a:solidFill>
+              </a14:hiddenFill>
+            </a:ext>
+          </a:extLst>
+        </p:spPr>
+      </p:pic>
+      <p:sp>
+        <p:nvSpPr>
+          <p:cNvPr id="6" name="TextBox 5"/>
+          <p:cNvSpPr txBox="1"/>
+          <p:nvPr/>
+        </p:nvSpPr>
+        <p:spPr>
+          <a:xfrm>
+            <a:off x="899593" y="1484784"/>
+            <a:ext cx="8244408" cy="646331"/>
+          </a:xfrm>
+          <a:prstGeom prst="rect">
+            <a:avLst/>
+          </a:prstGeom>
+          <a:noFill/>
+        </p:spPr>
+        <p:txBody>
+          <a:bodyPr wrap="square" rtlCol="0">
+            <a:spAutoFit/>
+          </a:bodyPr>
+          <a:lstStyle/>
+          <a:p>
+            <a:r>
+              <a:rPr lang="en-US" altLang="ko-KR" dirty="0" err="1" smtClean="0">
+                <a:latin typeface="카페24 고운밤" pitchFamily="2" charset="-127"/>
+                <a:ea typeface="카페24 고운밤" pitchFamily="2" charset="-127"/>
+              </a:rPr>
+              <a:t>PerlinNoise</a:t>
+            </a:r>
+            <a:r>
+              <a:rPr lang="ko-KR" altLang="en-US" dirty="0" smtClean="0">
+                <a:latin typeface="카페24 고운밤" pitchFamily="2" charset="-127"/>
+                <a:ea typeface="카페24 고운밤" pitchFamily="2" charset="-127"/>
+              </a:rPr>
+              <a:t>는 </a:t>
+            </a:r>
+            <a:r>
+              <a:rPr lang="en-US" altLang="ko-KR" dirty="0" smtClean="0">
+                <a:latin typeface="카페24 고운밤" pitchFamily="2" charset="-127"/>
+                <a:ea typeface="카페24 고운밤" pitchFamily="2" charset="-127"/>
+              </a:rPr>
+              <a:t>Noise</a:t>
+            </a:r>
+            <a:r>
+              <a:rPr lang="ko-KR" altLang="en-US" dirty="0" smtClean="0">
+                <a:latin typeface="카페24 고운밤" pitchFamily="2" charset="-127"/>
+                <a:ea typeface="카페24 고운밤" pitchFamily="2" charset="-127"/>
+              </a:rPr>
+              <a:t>와 같이 </a:t>
+            </a:r>
+            <a:r>
+              <a:rPr lang="en-US" altLang="ko-KR" dirty="0" smtClean="0">
+                <a:latin typeface="카페24 고운밤" pitchFamily="2" charset="-127"/>
+                <a:ea typeface="카페24 고운밤" pitchFamily="2" charset="-127"/>
+              </a:rPr>
+              <a:t>0</a:t>
+            </a:r>
+            <a:r>
+              <a:rPr lang="ko-KR" altLang="en-US" dirty="0" smtClean="0">
+                <a:latin typeface="카페24 고운밤" pitchFamily="2" charset="-127"/>
+                <a:ea typeface="카페24 고운밤" pitchFamily="2" charset="-127"/>
+              </a:rPr>
+              <a:t>과 </a:t>
+            </a:r>
+            <a:r>
+              <a:rPr lang="en-US" altLang="ko-KR" dirty="0" smtClean="0">
+                <a:latin typeface="카페24 고운밤" pitchFamily="2" charset="-127"/>
+                <a:ea typeface="카페24 고운밤" pitchFamily="2" charset="-127"/>
+              </a:rPr>
+              <a:t>1 </a:t>
+            </a:r>
+            <a:r>
+              <a:rPr lang="ko-KR" altLang="en-US" dirty="0" smtClean="0">
+                <a:latin typeface="카페24 고운밤" pitchFamily="2" charset="-127"/>
+                <a:ea typeface="카페24 고운밤" pitchFamily="2" charset="-127"/>
+              </a:rPr>
+              <a:t>사이의 랜덤 값을 가지지만 근처 픽셀의 값을 보간 하여 서서히 </a:t>
+            </a:r>
+            <a:r>
+              <a:rPr lang="en-US" altLang="ko-KR" dirty="0" smtClean="0">
+                <a:latin typeface="카페24 고운밤" pitchFamily="2" charset="-127"/>
+                <a:ea typeface="카페24 고운밤" pitchFamily="2" charset="-127"/>
+              </a:rPr>
+              <a:t>0</a:t>
+            </a:r>
+            <a:r>
+              <a:rPr lang="ko-KR" altLang="en-US" dirty="0" smtClean="0">
+                <a:latin typeface="카페24 고운밤" pitchFamily="2" charset="-127"/>
+                <a:ea typeface="카페24 고운밤" pitchFamily="2" charset="-127"/>
+              </a:rPr>
+              <a:t>으로 또는 </a:t>
+            </a:r>
+            <a:r>
+              <a:rPr lang="en-US" altLang="ko-KR" dirty="0" smtClean="0">
+                <a:latin typeface="카페24 고운밤" pitchFamily="2" charset="-127"/>
+                <a:ea typeface="카페24 고운밤" pitchFamily="2" charset="-127"/>
+              </a:rPr>
+              <a:t>1</a:t>
+            </a:r>
+            <a:r>
+              <a:rPr lang="ko-KR" altLang="en-US" dirty="0" smtClean="0">
+                <a:latin typeface="카페24 고운밤" pitchFamily="2" charset="-127"/>
+                <a:ea typeface="카페24 고운밤" pitchFamily="2" charset="-127"/>
+              </a:rPr>
+              <a:t>로 가까워지는 것 </a:t>
+            </a:r>
+            <a:endParaRPr lang="ko-KR" altLang="en-US" dirty="0">
+              <a:latin typeface="카페24 고운밤" pitchFamily="2" charset="-127"/>
+              <a:ea typeface="카페24 고운밤" pitchFamily="2" charset="-127"/>
+            </a:endParaRPr>
+          </a:p>
+        </p:txBody>
+      </p:sp>
+      <p:pic>
+        <p:nvPicPr>
+          <p:cNvPr id="1027" name="Picture 3"/>
+          <p:cNvPicPr>
+            <a:picLocks noChangeAspect="1" noChangeArrowheads="1"/>
+          </p:cNvPicPr>
+          <p:nvPr/>
+        </p:nvPicPr>
+        <p:blipFill>
+          <a:blip r:embed="rId3" cstate="print">
+            <a:extLst>
+              <a:ext uri="{28A0092B-C50C-407E-A947-70E740481C1C}">
+                <a14:useLocalDpi xmlns:a14="http://schemas.microsoft.com/office/drawing/2010/main" val="0"/>
+              </a:ext>
+            </a:extLst>
+          </a:blip>
+          <a:srcRect/>
+          <a:stretch>
+            <a:fillRect/>
+          </a:stretch>
+        </p:blipFill>
+        <p:spPr bwMode="auto">
+          <a:xfrm>
+            <a:off x="3014146" y="2003129"/>
+            <a:ext cx="3295220" cy="2902918"/>
+          </a:xfrm>
+          <a:prstGeom prst="rect">
+            <a:avLst/>
+          </a:prstGeom>
+          <a:noFill/>
+          <a:ln>
+            <a:noFill/>
+          </a:ln>
+          <a:effectLst/>
+          <a:extLst>
+            <a:ext uri="{909E8E84-426E-40DD-AFC4-6F175D3DCCD1}">
+              <a14:hiddenFill xmlns:a14="http://schemas.microsoft.com/office/drawing/2010/main">
+                <a:solidFill>
+                  <a:schemeClr val="accent1"/>
+                </a:solidFill>
+              </a14:hiddenFill>
+            </a:ext>
+            <a:ext uri="{91240B29-F687-4F45-9708-019B960494DF}">
+              <a14:hiddenLine xmlns:a14="http://schemas.microsoft.com/office/drawing/2010/main" w="9525">
+                <a:solidFill>
+                  <a:schemeClr val="tx1"/>
+                </a:solidFill>
+                <a:miter lim="800000"/>
+                <a:headEnd/>
+                <a:tailEnd/>
+              </a14:hiddenLine>
+            </a:ext>
+            <a:ext uri="{AF507438-7753-43E0-B8FC-AC1667EBCBE1}">
+              <a14:hiddenEffects xmlns:a14="http://schemas.microsoft.com/office/drawing/2010/main">
+                <a:effectLst>
+                  <a:outerShdw dist="35921" dir="2700000" algn="ctr" rotWithShape="0">
+                    <a:schemeClr val="bg2"/>
+                  </a:outerShdw>
+                </a:effectLst>
+              </a14:hiddenEffects>
+            </a:ext>
+          </a:extLst>
+        </p:spPr>
+      </p:pic>
+      <p:pic>
+        <p:nvPicPr>
+          <p:cNvPr id="1029" name="Picture 5"/>
+          <p:cNvPicPr>
+            <a:picLocks noChangeAspect="1" noChangeArrowheads="1"/>
+          </p:cNvPicPr>
+          <p:nvPr/>
+        </p:nvPicPr>
+        <p:blipFill>
+          <a:blip r:embed="rId4">
+            <a:extLst>
+              <a:ext uri="{28A0092B-C50C-407E-A947-70E740481C1C}">
+                <a14:useLocalDpi xmlns:a14="http://schemas.microsoft.com/office/drawing/2010/main" val="0"/>
+              </a:ext>
+            </a:extLst>
+          </a:blip>
+          <a:srcRect/>
+          <a:stretch>
+            <a:fillRect/>
+          </a:stretch>
+        </p:blipFill>
+        <p:spPr bwMode="auto">
+          <a:xfrm>
+            <a:off x="1977458" y="2131115"/>
+            <a:ext cx="5368596" cy="2662909"/>
+          </a:xfrm>
+          <a:prstGeom prst="rect">
+            <a:avLst/>
+          </a:prstGeom>
+          <a:noFill/>
+          <a:ln>
+            <a:noFill/>
+          </a:ln>
+          <a:effectLst/>
+          <a:extLst>
+            <a:ext uri="{909E8E84-426E-40DD-AFC4-6F175D3DCCD1}">
+              <a14:hiddenFill xmlns:a14="http://schemas.microsoft.com/office/drawing/2010/main">
+                <a:solidFill>
+                  <a:schemeClr val="accent1"/>
+                </a:solidFill>
+              </a14:hiddenFill>
+            </a:ext>
+            <a:ext uri="{91240B29-F687-4F45-9708-019B960494DF}">
+              <a14:hiddenLine xmlns:a14="http://schemas.microsoft.com/office/drawing/2010/main" w="9525">
+                <a:solidFill>
+                  <a:schemeClr val="tx1"/>
+                </a:solidFill>
+                <a:miter lim="800000"/>
+                <a:headEnd/>
+                <a:tailEnd/>
+              </a14:hiddenLine>
+            </a:ext>
+            <a:ext uri="{AF507438-7753-43E0-B8FC-AC1667EBCBE1}">
+              <a14:hiddenEffects xmlns:a14="http://schemas.microsoft.com/office/drawing/2010/main">
+                <a:effectLst>
+                  <a:outerShdw dist="35921" dir="2700000" algn="ctr" rotWithShape="0">
+                    <a:schemeClr val="bg2"/>
+                  </a:outerShdw>
+                </a:effectLst>
+              </a14:hiddenEffects>
+            </a:ext>
+          </a:extLst>
+        </p:spPr>
+      </p:pic>
+      <p:pic>
+        <p:nvPicPr>
+          <p:cNvPr id="1030" name="Picture 6"/>
+          <p:cNvPicPr>
+            <a:picLocks noChangeAspect="1" noChangeArrowheads="1"/>
+          </p:cNvPicPr>
+          <p:nvPr/>
+        </p:nvPicPr>
+        <p:blipFill>
+          <a:blip r:embed="rId5" cstate="print">
+            <a:extLst>
+              <a:ext uri="{28A0092B-C50C-407E-A947-70E740481C1C}">
+                <a14:useLocalDpi xmlns:a14="http://schemas.microsoft.com/office/drawing/2010/main" val="0"/>
+              </a:ext>
+            </a:extLst>
+          </a:blip>
+          <a:srcRect/>
+          <a:stretch>
+            <a:fillRect/>
+          </a:stretch>
+        </p:blipFill>
+        <p:spPr bwMode="auto">
+          <a:xfrm>
+            <a:off x="2777133" y="2267144"/>
+            <a:ext cx="3769246" cy="2373182"/>
+          </a:xfrm>
+          <a:prstGeom prst="rect">
+            <a:avLst/>
+          </a:prstGeom>
+          <a:noFill/>
+          <a:ln>
+            <a:noFill/>
+          </a:ln>
+          <a:effectLst/>
+          <a:extLst>
+            <a:ext uri="{909E8E84-426E-40DD-AFC4-6F175D3DCCD1}">
+              <a14:hiddenFill xmlns:a14="http://schemas.microsoft.com/office/drawing/2010/main">
+                <a:solidFill>
+                  <a:schemeClr val="accent1"/>
+                </a:solidFill>
+              </a14:hiddenFill>
+            </a:ext>
+            <a:ext uri="{91240B29-F687-4F45-9708-019B960494DF}">
+              <a14:hiddenLine xmlns:a14="http://schemas.microsoft.com/office/drawing/2010/main" w="9525">
+                <a:solidFill>
+                  <a:schemeClr val="tx1"/>
+                </a:solidFill>
+                <a:miter lim="800000"/>
+                <a:headEnd/>
+                <a:tailEnd/>
+              </a14:hiddenLine>
+            </a:ext>
+            <a:ext uri="{AF507438-7753-43E0-B8FC-AC1667EBCBE1}">
+              <a14:hiddenEffects xmlns:a14="http://schemas.microsoft.com/office/drawing/2010/main">
+                <a:effectLst>
+                  <a:outerShdw dist="35921" dir="2700000" algn="ctr" rotWithShape="0">
+                    <a:schemeClr val="bg2"/>
+                  </a:outerShdw>
+                </a:effectLst>
+              </a14:hiddenEffects>
+            </a:ext>
+          </a:extLst>
+        </p:spPr>
+      </p:pic>
+      <p:pic>
+        <p:nvPicPr>
+          <p:cNvPr id="1031" name="Picture 7"/>
+          <p:cNvPicPr>
+            <a:picLocks noChangeAspect="1" noChangeArrowheads="1"/>
+          </p:cNvPicPr>
+          <p:nvPr/>
+        </p:nvPicPr>
+        <p:blipFill>
+          <a:blip r:embed="rId6">
+            <a:extLst>
+              <a:ext uri="{28A0092B-C50C-407E-A947-70E740481C1C}">
+                <a14:useLocalDpi xmlns:a14="http://schemas.microsoft.com/office/drawing/2010/main" val="0"/>
+              </a:ext>
+            </a:extLst>
+          </a:blip>
+          <a:srcRect/>
+          <a:stretch>
+            <a:fillRect/>
+          </a:stretch>
+        </p:blipFill>
+        <p:spPr bwMode="auto">
+          <a:xfrm>
+            <a:off x="2257425" y="3028950"/>
+            <a:ext cx="4629150" cy="800100"/>
+          </a:xfrm>
+          <a:prstGeom prst="rect">
+            <a:avLst/>
+          </a:prstGeom>
+          <a:noFill/>
+          <a:ln>
+            <a:noFill/>
+          </a:ln>
+          <a:effectLst/>
+          <a:extLst>
+            <a:ext uri="{909E8E84-426E-40DD-AFC4-6F175D3DCCD1}">
+              <a14:hiddenFill xmlns:a14="http://schemas.microsoft.com/office/drawing/2010/main">
+                <a:solidFill>
+                  <a:schemeClr val="accent1"/>
+                </a:solidFill>
+              </a14:hiddenFill>
+            </a:ext>
+            <a:ext uri="{91240B29-F687-4F45-9708-019B960494DF}">
+              <a14:hiddenLine xmlns:a14="http://schemas.microsoft.com/office/drawing/2010/main" w="9525">
+                <a:solidFill>
+                  <a:schemeClr val="tx1"/>
+                </a:solidFill>
+                <a:miter lim="800000"/>
+                <a:headEnd/>
+                <a:tailEnd/>
+              </a14:hiddenLine>
+            </a:ext>
+            <a:ext uri="{AF507438-7753-43E0-B8FC-AC1667EBCBE1}">
+              <a14:hiddenEffects xmlns:a14="http://schemas.microsoft.com/office/drawing/2010/main">
+                <a:effectLst>
+                  <a:outerShdw dist="35921" dir="2700000" algn="ctr" rotWithShape="0">
+                    <a:schemeClr val="bg2"/>
+                  </a:outerShdw>
+                </a:effectLst>
+              </a14:hiddenEffects>
+            </a:ext>
+          </a:extLst>
+        </p:spPr>
+      </p:pic>
+    </p:spTree>
+    <p:extLst>
+      <p:ext uri="{BB962C8B-B14F-4D97-AF65-F5344CB8AC3E}">
+        <p14:creationId xmlns:p14="http://schemas.microsoft.com/office/powerpoint/2010/main" val="3740924200"/>
+      </p:ext>
+    </p:extLst>
+  </p:cSld>
+  <p:clrMapOvr>
+    <a:masterClrMapping/>
+  </p:clrMapOvr>
+  <p:timing>
+    <p:tnLst>
+      <p:par>
+        <p:cTn id="1" dur="indefinite" restart="never" nodeType="tmRoot">
+          <p:childTnLst>
+            <p:seq concurrent="1" nextAc="seek">
+              <p:cTn id="2" dur="indefinite" nodeType="mainSeq">
+                <p:childTnLst>
+                  <p:par>
+                    <p:cTn id="3" fill="hold">
+                      <p:stCondLst>
+                        <p:cond delay="indefinite"/>
+                      </p:stCondLst>
+                      <p:childTnLst>
+                        <p:par>
+                          <p:cTn id="4" fill="hold">
+                            <p:stCondLst>
+                              <p:cond delay="0"/>
+                            </p:stCondLst>
+                            <p:childTnLst>
+                              <p:par>
+                                <p:cTn id="5" presetID="1" presetClass="entr" presetSubtype="0" fill="hold" grpId="0" nodeType="clickEffect">
+                                  <p:stCondLst>
+                                    <p:cond delay="0"/>
+                                  </p:stCondLst>
+                                  <p:childTnLst>
+                                    <p:set>
+                                      <p:cBhvr>
+                                        <p:cTn id="6" dur="1" fill="hold">
+                                          <p:stCondLst>
+                                            <p:cond delay="0"/>
+                                          </p:stCondLst>
+                                        </p:cTn>
+                                        <p:tgtEl>
+                                          <p:spTgt spid="5"/>
+                                        </p:tgtEl>
+                                        <p:attrNameLst>
+                                          <p:attrName>style.visibility</p:attrName>
+                                        </p:attrNameLst>
+                                      </p:cBhvr>
+                                      <p:to>
+                                        <p:strVal val="visible"/>
+                                      </p:to>
+                                    </p:set>
+                                  </p:childTnLst>
+                                </p:cTn>
+                              </p:par>
+                            </p:childTnLst>
+                          </p:cTn>
+                        </p:par>
+                      </p:childTnLst>
+                    </p:cTn>
+                  </p:par>
+                  <p:par>
+                    <p:cTn id="7" fill="hold">
+                      <p:stCondLst>
+                        <p:cond delay="indefinite"/>
+                      </p:stCondLst>
+                      <p:childTnLst>
+                        <p:par>
+                          <p:cTn id="8" fill="hold">
+                            <p:stCondLst>
+                              <p:cond delay="0"/>
+                            </p:stCondLst>
+                            <p:childTnLst>
+                              <p:par>
+                                <p:cTn id="9" presetID="1" presetClass="entr" presetSubtype="0" fill="hold" nodeType="clickEffect">
+                                  <p:stCondLst>
+                                    <p:cond delay="0"/>
+                                  </p:stCondLst>
+                                  <p:childTnLst>
+                                    <p:set>
+                                      <p:cBhvr>
+                                        <p:cTn id="10" dur="1" fill="hold">
+                                          <p:stCondLst>
+                                            <p:cond delay="0"/>
+                                          </p:stCondLst>
+                                        </p:cTn>
+                                        <p:tgtEl>
+                                          <p:spTgt spid="1026"/>
+                                        </p:tgtEl>
+                                        <p:attrNameLst>
+                                          <p:attrName>style.visibility</p:attrName>
+                                        </p:attrNameLst>
+                                      </p:cBhvr>
+                                      <p:to>
+                                        <p:strVal val="visible"/>
+                                      </p:to>
+                                    </p:set>
+                                  </p:childTnLst>
+                                </p:cTn>
+                              </p:par>
+                            </p:childTnLst>
+                          </p:cTn>
+                        </p:par>
+                      </p:childTnLst>
+                    </p:cTn>
+                  </p:par>
+                  <p:par>
+                    <p:cTn id="11" fill="hold">
+                      <p:stCondLst>
+                        <p:cond delay="indefinite"/>
+                      </p:stCondLst>
+                      <p:childTnLst>
+                        <p:par>
+                          <p:cTn id="12" fill="hold">
+                            <p:stCondLst>
+                              <p:cond delay="0"/>
+                            </p:stCondLst>
+                            <p:childTnLst>
+                              <p:par>
+                                <p:cTn id="13" presetID="1" presetClass="entr" presetSubtype="0" fill="hold" nodeType="clickEffect">
+                                  <p:stCondLst>
+                                    <p:cond delay="0"/>
+                                  </p:stCondLst>
+                                  <p:childTnLst>
+                                    <p:set>
+                                      <p:cBhvr>
+                                        <p:cTn id="14" dur="1" fill="hold">
+                                          <p:stCondLst>
+                                            <p:cond delay="0"/>
+                                          </p:stCondLst>
+                                        </p:cTn>
+                                        <p:tgtEl>
+                                          <p:spTgt spid="1027"/>
+                                        </p:tgtEl>
+                                        <p:attrNameLst>
+                                          <p:attrName>style.visibility</p:attrName>
+                                        </p:attrNameLst>
+                                      </p:cBhvr>
+                                      <p:to>
+                                        <p:strVal val="visible"/>
+                                      </p:to>
+                                    </p:set>
+                                  </p:childTnLst>
+                                </p:cTn>
+                              </p:par>
+                            </p:childTnLst>
+                          </p:cTn>
+                        </p:par>
+                      </p:childTnLst>
+                    </p:cTn>
+                  </p:par>
+                  <p:par>
+                    <p:cTn id="15" fill="hold">
+                      <p:stCondLst>
+                        <p:cond delay="indefinite"/>
+                      </p:stCondLst>
+                      <p:childTnLst>
+                        <p:par>
+                          <p:cTn id="16" fill="hold">
+                            <p:stCondLst>
+                              <p:cond delay="0"/>
+                            </p:stCondLst>
+                            <p:childTnLst>
+                              <p:par>
+                                <p:cTn id="17" presetID="1" presetClass="entr" presetSubtype="0" fill="hold" grpId="0" nodeType="clickEffect">
+                                  <p:stCondLst>
+                                    <p:cond delay="0"/>
+                                  </p:stCondLst>
+                                  <p:childTnLst>
+                                    <p:set>
+                                      <p:cBhvr>
+                                        <p:cTn id="18" dur="1" fill="hold">
+                                          <p:stCondLst>
+                                            <p:cond delay="0"/>
+                                          </p:stCondLst>
+                                        </p:cTn>
+                                        <p:tgtEl>
+                                          <p:spTgt spid="6"/>
+                                        </p:tgtEl>
+                                        <p:attrNameLst>
+                                          <p:attrName>style.visibility</p:attrName>
+                                        </p:attrNameLst>
+                                      </p:cBhvr>
+                                      <p:to>
+                                        <p:strVal val="visible"/>
+                                      </p:to>
+                                    </p:set>
+                                  </p:childTnLst>
+                                </p:cTn>
+                              </p:par>
+                              <p:par>
+                                <p:cTn id="19" presetID="1" presetClass="exit" presetSubtype="0" fill="hold" grpId="1" nodeType="withEffect">
+                                  <p:stCondLst>
+                                    <p:cond delay="0"/>
+                                  </p:stCondLst>
+                                  <p:childTnLst>
+                                    <p:set>
+                                      <p:cBhvr>
+                                        <p:cTn id="20" dur="1" fill="hold">
+                                          <p:stCondLst>
+                                            <p:cond delay="0"/>
+                                          </p:stCondLst>
+                                        </p:cTn>
+                                        <p:tgtEl>
+                                          <p:spTgt spid="5"/>
+                                        </p:tgtEl>
+                                        <p:attrNameLst>
+                                          <p:attrName>style.visibility</p:attrName>
+                                        </p:attrNameLst>
+                                      </p:cBhvr>
+                                      <p:to>
+                                        <p:strVal val="hidden"/>
+                                      </p:to>
+                                    </p:set>
+                                  </p:childTnLst>
+                                </p:cTn>
+                              </p:par>
+                              <p:par>
+                                <p:cTn id="21" presetID="1" presetClass="exit" presetSubtype="0" fill="hold" nodeType="withEffect">
+                                  <p:stCondLst>
+                                    <p:cond delay="0"/>
+                                  </p:stCondLst>
+                                  <p:childTnLst>
+                                    <p:set>
+                                      <p:cBhvr>
+                                        <p:cTn id="22" dur="1" fill="hold">
+                                          <p:stCondLst>
+                                            <p:cond delay="0"/>
+                                          </p:stCondLst>
+                                        </p:cTn>
+                                        <p:tgtEl>
+                                          <p:spTgt spid="1026"/>
+                                        </p:tgtEl>
+                                        <p:attrNameLst>
+                                          <p:attrName>style.visibility</p:attrName>
+                                        </p:attrNameLst>
+                                      </p:cBhvr>
+                                      <p:to>
+                                        <p:strVal val="hidden"/>
+                                      </p:to>
+                                    </p:set>
+                                  </p:childTnLst>
+                                </p:cTn>
+                              </p:par>
+                              <p:par>
+                                <p:cTn id="23" presetID="1" presetClass="exit" presetSubtype="0" fill="hold" nodeType="withEffect">
+                                  <p:stCondLst>
+                                    <p:cond delay="0"/>
+                                  </p:stCondLst>
+                                  <p:childTnLst>
+                                    <p:set>
+                                      <p:cBhvr>
+                                        <p:cTn id="24" dur="1" fill="hold">
+                                          <p:stCondLst>
+                                            <p:cond delay="0"/>
+                                          </p:stCondLst>
+                                        </p:cTn>
+                                        <p:tgtEl>
+                                          <p:spTgt spid="1027"/>
+                                        </p:tgtEl>
+                                        <p:attrNameLst>
+                                          <p:attrName>style.visibility</p:attrName>
+                                        </p:attrNameLst>
+                                      </p:cBhvr>
+                                      <p:to>
+                                        <p:strVal val="hidden"/>
+                                      </p:to>
+                                    </p:set>
+                                  </p:childTnLst>
+                                </p:cTn>
+                              </p:par>
+                            </p:childTnLst>
+                          </p:cTn>
+                        </p:par>
+                      </p:childTnLst>
+                    </p:cTn>
+                  </p:par>
+                  <p:par>
+                    <p:cTn id="25" fill="hold">
+                      <p:stCondLst>
+                        <p:cond delay="indefinite"/>
+                      </p:stCondLst>
+                      <p:childTnLst>
+                        <p:par>
+                          <p:cTn id="26" fill="hold">
+                            <p:stCondLst>
+                              <p:cond delay="0"/>
+                            </p:stCondLst>
+                            <p:childTnLst>
+                              <p:par>
+                                <p:cTn id="27" presetID="1" presetClass="entr" presetSubtype="0" fill="hold" nodeType="clickEffect">
+                                  <p:stCondLst>
+                                    <p:cond delay="0"/>
+                                  </p:stCondLst>
+                                  <p:childTnLst>
+                                    <p:set>
+                                      <p:cBhvr>
+                                        <p:cTn id="28" dur="1" fill="hold">
+                                          <p:stCondLst>
+                                            <p:cond delay="0"/>
+                                          </p:stCondLst>
+                                        </p:cTn>
+                                        <p:tgtEl>
+                                          <p:spTgt spid="1029"/>
+                                        </p:tgtEl>
+                                        <p:attrNameLst>
+                                          <p:attrName>style.visibility</p:attrName>
+                                        </p:attrNameLst>
+                                      </p:cBhvr>
+                                      <p:to>
+                                        <p:strVal val="visible"/>
+                                      </p:to>
+                                    </p:set>
+                                  </p:childTnLst>
+                                </p:cTn>
+                              </p:par>
+                            </p:childTnLst>
+                          </p:cTn>
+                        </p:par>
+                      </p:childTnLst>
+                    </p:cTn>
+                  </p:par>
+                  <p:par>
+                    <p:cTn id="29" fill="hold">
+                      <p:stCondLst>
+                        <p:cond delay="indefinite"/>
+                      </p:stCondLst>
+                      <p:childTnLst>
+                        <p:par>
+                          <p:cTn id="30" fill="hold">
+                            <p:stCondLst>
+                              <p:cond delay="0"/>
+                            </p:stCondLst>
+                            <p:childTnLst>
+                              <p:par>
+                                <p:cTn id="31" presetID="1" presetClass="entr" presetSubtype="0" fill="hold" nodeType="clickEffect">
+                                  <p:stCondLst>
+                                    <p:cond delay="0"/>
+                                  </p:stCondLst>
+                                  <p:childTnLst>
+                                    <p:set>
+                                      <p:cBhvr>
+                                        <p:cTn id="32" dur="1" fill="hold">
+                                          <p:stCondLst>
+                                            <p:cond delay="0"/>
+                                          </p:stCondLst>
+                                        </p:cTn>
+                                        <p:tgtEl>
+                                          <p:spTgt spid="1030"/>
+                                        </p:tgtEl>
+                                        <p:attrNameLst>
+                                          <p:attrName>style.visibility</p:attrName>
+                                        </p:attrNameLst>
+                                      </p:cBhvr>
+                                      <p:to>
+                                        <p:strVal val="visible"/>
+                                      </p:to>
+                                    </p:set>
+                                  </p:childTnLst>
+                                </p:cTn>
+                              </p:par>
+                            </p:childTnLst>
+                          </p:cTn>
+                        </p:par>
+                      </p:childTnLst>
+                    </p:cTn>
+                  </p:par>
+                  <p:par>
+                    <p:cTn id="33" fill="hold">
+                      <p:stCondLst>
+                        <p:cond delay="indefinite"/>
+                      </p:stCondLst>
+                      <p:childTnLst>
+                        <p:par>
+                          <p:cTn id="34" fill="hold">
+                            <p:stCondLst>
+                              <p:cond delay="0"/>
+                            </p:stCondLst>
+                            <p:childTnLst>
+                              <p:par>
+                                <p:cTn id="35" presetID="1" presetClass="entr" presetSubtype="0" fill="hold" nodeType="clickEffect">
+                                  <p:stCondLst>
+                                    <p:cond delay="0"/>
+                                  </p:stCondLst>
+                                  <p:childTnLst>
+                                    <p:set>
+                                      <p:cBhvr>
+                                        <p:cTn id="36" dur="1" fill="hold">
+                                          <p:stCondLst>
+                                            <p:cond delay="0"/>
+                                          </p:stCondLst>
+                                        </p:cTn>
+                                        <p:tgtEl>
+                                          <p:spTgt spid="1031"/>
+                                        </p:tgtEl>
+                                        <p:attrNameLst>
+                                          <p:attrName>style.visibility</p:attrName>
+                                        </p:attrNameLst>
+                                      </p:cBhvr>
+                                      <p:to>
+                                        <p:strVal val="visible"/>
+                                      </p:to>
+                                    </p:set>
+                                  </p:childTnLst>
+                                </p:cTn>
+                              </p:par>
+                            </p:childTnLst>
+                          </p:cTn>
+                        </p:par>
+                      </p:childTnLst>
+                    </p:cTn>
+                  </p:par>
+                </p:childTnLst>
+              </p:cTn>
+              <p:prevCondLst>
+                <p:cond evt="onPrev" delay="0">
+                  <p:tgtEl>
+                    <p:sldTgt/>
+                  </p:tgtEl>
+                </p:cond>
+              </p:prevCondLst>
+              <p:nextCondLst>
+                <p:cond evt="onNext" delay="0">
+                  <p:tgtEl>
+                    <p:sldTgt/>
+                  </p:tgtEl>
+                </p:cond>
+              </p:nextCondLst>
+            </p:seq>
+          </p:childTnLst>
+        </p:cTn>
+      </p:par>
+    </p:tnLst>
+    <p:bldLst>
+      <p:bldP spid="5" grpId="0"/>
+      <p:bldP spid="5" grpId="1"/>
+      <p:bldP spid="6" grpId="0"/>
+    </p:bldLst>
+  </p:timing>
+</p:sld>
+</file>
+
+<file path=ppt/slides/slide4.xml><?xml version="1.0" encoding="utf-8"?>
+<p:sld xmlns:a="http://schemas.openxmlformats.org/drawingml/2006/main" xmlns:r="http://schemas.openxmlformats.org/officeDocument/2006/relationships" xmlns:p="http://schemas.openxmlformats.org/presentationml/2006/main">
+  <p:cSld>
+    <p:spTree>
+      <p:nvGrpSpPr>
+        <p:cNvPr id="1" name=""/>
+        <p:cNvGrpSpPr/>
+        <p:nvPr/>
+      </p:nvGrpSpPr>
+      <p:grpSpPr>
+        <a:xfrm>
+          <a:off x="0" y="0"/>
+          <a:ext cx="0" cy="0"/>
+          <a:chOff x="0" y="0"/>
+          <a:chExt cx="0" cy="0"/>
+        </a:xfrm>
+      </p:grpSpPr>
+      <p:sp>
+        <p:nvSpPr>
+          <p:cNvPr id="4" name="TextBox 3"/>
+          <p:cNvSpPr txBox="1"/>
+          <p:nvPr/>
+        </p:nvSpPr>
+        <p:spPr>
+          <a:xfrm>
+            <a:off x="179512" y="332656"/>
+            <a:ext cx="8964488" cy="707886"/>
+          </a:xfrm>
+          <a:prstGeom prst="rect">
+            <a:avLst/>
+          </a:prstGeom>
+          <a:noFill/>
+        </p:spPr>
+        <p:txBody>
+          <a:bodyPr wrap="square" rtlCol="0">
+            <a:spAutoFit/>
+          </a:bodyPr>
+          <a:lstStyle/>
+          <a:p>
+            <a:r>
+              <a:rPr lang="ko-KR" altLang="en-US" sz="4000" smtClean="0">
+                <a:latin typeface="카페24 고운밤" pitchFamily="2" charset="-127"/>
+                <a:ea typeface="카페24 고운밤" pitchFamily="2" charset="-127"/>
+              </a:rPr>
+              <a:t>절차적 생성 패턴 작동 방식</a:t>
+            </a:r>
+            <a:endParaRPr lang="ko-KR" altLang="en-US" sz="4000" dirty="0">
+              <a:latin typeface="카페24 고운밤" pitchFamily="2" charset="-127"/>
+              <a:ea typeface="카페24 고운밤" pitchFamily="2" charset="-127"/>
+            </a:endParaRPr>
+          </a:p>
+        </p:txBody>
+      </p:sp>
+      <p:cxnSp>
+        <p:nvCxnSpPr>
+          <p:cNvPr id="6" name="직선 화살표 연결선 5"/>
+          <p:cNvCxnSpPr/>
+          <p:nvPr/>
+        </p:nvCxnSpPr>
+        <p:spPr>
+          <a:xfrm>
+            <a:off x="1547664" y="2852936"/>
+            <a:ext cx="6912768" cy="0"/>
+          </a:xfrm>
+          <a:prstGeom prst="straightConnector1">
+            <a:avLst/>
+          </a:prstGeom>
+          <a:ln w="47625">
+            <a:solidFill>
+              <a:schemeClr val="bg2"/>
+            </a:solidFill>
+            <a:tailEnd type="none"/>
+          </a:ln>
+        </p:spPr>
+        <p:style>
+          <a:lnRef idx="1">
+            <a:schemeClr val="accent1"/>
+          </a:lnRef>
+          <a:fillRef idx="0">
+            <a:schemeClr val="accent1"/>
+          </a:fillRef>
+          <a:effectRef idx="0">
+            <a:schemeClr val="accent1"/>
+          </a:effectRef>
+          <a:fontRef idx="minor">
+            <a:schemeClr val="tx1"/>
+          </a:fontRef>
+        </p:style>
+      </p:cxnSp>
+      <p:cxnSp>
+        <p:nvCxnSpPr>
+          <p:cNvPr id="7" name="직선 화살표 연결선 6"/>
+          <p:cNvCxnSpPr/>
+          <p:nvPr/>
+        </p:nvCxnSpPr>
+        <p:spPr>
+          <a:xfrm flipV="1">
+            <a:off x="1552181" y="1340768"/>
+            <a:ext cx="0" cy="3024336"/>
+          </a:xfrm>
+          <a:prstGeom prst="straightConnector1">
+            <a:avLst/>
+          </a:prstGeom>
+          <a:ln w="47625">
+            <a:solidFill>
+              <a:schemeClr val="tx1"/>
+            </a:solidFill>
+            <a:tailEnd type="none"/>
+          </a:ln>
+        </p:spPr>
+        <p:style>
+          <a:lnRef idx="1">
+            <a:schemeClr val="accent1"/>
+          </a:lnRef>
+          <a:fillRef idx="0">
+            <a:schemeClr val="accent1"/>
+          </a:fillRef>
+          <a:effectRef idx="0">
+            <a:schemeClr val="accent1"/>
+          </a:effectRef>
+          <a:fontRef idx="minor">
+            <a:schemeClr val="tx1"/>
+          </a:fontRef>
+        </p:style>
+      </p:cxnSp>
+      <p:sp>
+        <p:nvSpPr>
+          <p:cNvPr id="12" name="TextBox 11"/>
+          <p:cNvSpPr txBox="1"/>
+          <p:nvPr/>
+        </p:nvSpPr>
+        <p:spPr>
+          <a:xfrm>
+            <a:off x="179512" y="2404261"/>
+            <a:ext cx="1163652" cy="646331"/>
+          </a:xfrm>
+          <a:prstGeom prst="rect">
+            <a:avLst/>
+          </a:prstGeom>
+          <a:noFill/>
+        </p:spPr>
+        <p:txBody>
+          <a:bodyPr wrap="none" rtlCol="0">
+            <a:spAutoFit/>
+          </a:bodyPr>
+          <a:lstStyle/>
+          <a:p>
+            <a:pPr algn="ctr"/>
+            <a:r>
+              <a:rPr lang="en-US" altLang="ko-KR" dirty="0" smtClean="0"/>
+              <a:t>Amplitude</a:t>
+            </a:r>
+          </a:p>
+          <a:p>
+            <a:pPr algn="ctr"/>
+            <a:r>
+              <a:rPr lang="ko-KR" altLang="en-US" dirty="0" smtClean="0"/>
+              <a:t>진폭</a:t>
+            </a:r>
+            <a:endParaRPr lang="ko-KR" altLang="en-US" dirty="0"/>
+          </a:p>
+        </p:txBody>
+      </p:sp>
+      <p:sp>
+        <p:nvSpPr>
+          <p:cNvPr id="13" name="TextBox 12"/>
+          <p:cNvSpPr txBox="1"/>
+          <p:nvPr/>
+        </p:nvSpPr>
+        <p:spPr>
+          <a:xfrm>
+            <a:off x="4036732" y="4509120"/>
+            <a:ext cx="1934632" cy="369332"/>
+          </a:xfrm>
+          <a:prstGeom prst="rect">
+            <a:avLst/>
+          </a:prstGeom>
+          <a:noFill/>
+        </p:spPr>
+        <p:txBody>
+          <a:bodyPr wrap="none" rtlCol="0">
+            <a:spAutoFit/>
+          </a:bodyPr>
+          <a:lstStyle/>
+          <a:p>
+            <a:r>
+              <a:rPr lang="en-US" altLang="ko-KR" dirty="0" smtClean="0"/>
+              <a:t>Frequency </a:t>
+            </a:r>
+            <a:r>
+              <a:rPr lang="ko-KR" altLang="en-US" dirty="0" smtClean="0"/>
+              <a:t>빈도수</a:t>
+            </a:r>
+            <a:endParaRPr lang="ko-KR" altLang="en-US" dirty="0"/>
+          </a:p>
+        </p:txBody>
+      </p:sp>
+      <p:cxnSp>
+        <p:nvCxnSpPr>
+          <p:cNvPr id="14" name="직선 화살표 연결선 13"/>
+          <p:cNvCxnSpPr/>
+          <p:nvPr/>
+        </p:nvCxnSpPr>
+        <p:spPr>
+          <a:xfrm flipV="1">
+            <a:off x="8460432" y="1340768"/>
+            <a:ext cx="0" cy="3024336"/>
+          </a:xfrm>
+          <a:prstGeom prst="straightConnector1">
+            <a:avLst/>
+          </a:prstGeom>
+          <a:ln w="47625">
+            <a:solidFill>
+              <a:schemeClr val="tx1"/>
+            </a:solidFill>
+            <a:tailEnd type="none"/>
+          </a:ln>
+        </p:spPr>
+        <p:style>
+          <a:lnRef idx="1">
+            <a:schemeClr val="accent1"/>
+          </a:lnRef>
+          <a:fillRef idx="0">
+            <a:schemeClr val="accent1"/>
+          </a:fillRef>
+          <a:effectRef idx="0">
+            <a:schemeClr val="accent1"/>
+          </a:effectRef>
+          <a:fontRef idx="minor">
+            <a:schemeClr val="tx1"/>
+          </a:fontRef>
+        </p:style>
+      </p:cxnSp>
+      <p:sp>
+        <p:nvSpPr>
+          <p:cNvPr id="20" name="자유형 19"/>
+          <p:cNvSpPr/>
+          <p:nvPr/>
+        </p:nvSpPr>
+        <p:spPr>
+          <a:xfrm>
+            <a:off x="1542153" y="1020966"/>
+            <a:ext cx="6928516" cy="2820563"/>
+          </a:xfrm>
+          <a:custGeom>
+            <a:avLst/>
+            <a:gdLst>
+              <a:gd name="connsiteX0" fmla="*/ 12327 w 6928516"/>
+              <a:gd name="connsiteY0" fmla="*/ 1763798 h 2820563"/>
+              <a:gd name="connsiteX1" fmla="*/ 112080 w 6928516"/>
+              <a:gd name="connsiteY1" fmla="*/ 1763798 h 2820563"/>
+              <a:gd name="connsiteX2" fmla="*/ 826974 w 6928516"/>
+              <a:gd name="connsiteY2" fmla="*/ 2270874 h 2820563"/>
+              <a:gd name="connsiteX3" fmla="*/ 1774625 w 6928516"/>
+              <a:gd name="connsiteY3" fmla="*/ 1738859 h 2820563"/>
+              <a:gd name="connsiteX4" fmla="*/ 2622523 w 6928516"/>
+              <a:gd name="connsiteY4" fmla="*/ 209318 h 2820563"/>
+              <a:gd name="connsiteX5" fmla="*/ 3262603 w 6928516"/>
+              <a:gd name="connsiteY5" fmla="*/ 101252 h 2820563"/>
+              <a:gd name="connsiteX6" fmla="*/ 3753054 w 6928516"/>
+              <a:gd name="connsiteY6" fmla="*/ 1032278 h 2820563"/>
+              <a:gd name="connsiteX7" fmla="*/ 4168691 w 6928516"/>
+              <a:gd name="connsiteY7" fmla="*/ 2146183 h 2820563"/>
+              <a:gd name="connsiteX8" fmla="*/ 4418072 w 6928516"/>
+              <a:gd name="connsiteY8" fmla="*/ 2719761 h 2820563"/>
+              <a:gd name="connsiteX9" fmla="*/ 4800458 w 6928516"/>
+              <a:gd name="connsiteY9" fmla="*/ 2678198 h 2820563"/>
+              <a:gd name="connsiteX10" fmla="*/ 5615105 w 6928516"/>
+              <a:gd name="connsiteY10" fmla="*/ 1323223 h 2820563"/>
+              <a:gd name="connsiteX11" fmla="*/ 6172058 w 6928516"/>
+              <a:gd name="connsiteY11" fmla="*/ 1148656 h 2820563"/>
+              <a:gd name="connsiteX12" fmla="*/ 6928516 w 6928516"/>
+              <a:gd name="connsiteY12" fmla="*/ 2603383 h 2820563"/>
+            </a:gdLst>
+            <a:ahLst/>
+            <a:cxnLst>
+              <a:cxn ang="0">
+                <a:pos x="connsiteX0" y="connsiteY0"/>
+              </a:cxn>
+              <a:cxn ang="0">
+                <a:pos x="connsiteX1" y="connsiteY1"/>
+              </a:cxn>
+              <a:cxn ang="0">
+                <a:pos x="connsiteX2" y="connsiteY2"/>
+              </a:cxn>
+              <a:cxn ang="0">
+                <a:pos x="connsiteX3" y="connsiteY3"/>
+              </a:cxn>
+              <a:cxn ang="0">
+                <a:pos x="connsiteX4" y="connsiteY4"/>
+              </a:cxn>
+              <a:cxn ang="0">
+                <a:pos x="connsiteX5" y="connsiteY5"/>
+              </a:cxn>
+              <a:cxn ang="0">
+                <a:pos x="connsiteX6" y="connsiteY6"/>
+              </a:cxn>
+              <a:cxn ang="0">
+                <a:pos x="connsiteX7" y="connsiteY7"/>
+              </a:cxn>
+              <a:cxn ang="0">
+                <a:pos x="connsiteX8" y="connsiteY8"/>
+              </a:cxn>
+              <a:cxn ang="0">
+                <a:pos x="connsiteX9" y="connsiteY9"/>
+              </a:cxn>
+              <a:cxn ang="0">
+                <a:pos x="connsiteX10" y="connsiteY10"/>
+              </a:cxn>
+              <a:cxn ang="0">
+                <a:pos x="connsiteX11" y="connsiteY11"/>
+              </a:cxn>
+              <a:cxn ang="0">
+                <a:pos x="connsiteX12" y="connsiteY12"/>
+              </a:cxn>
+            </a:cxnLst>
+            <a:rect l="l" t="t" r="r" b="b"/>
+            <a:pathLst>
+              <a:path w="6928516" h="2820563">
+                <a:moveTo>
+                  <a:pt x="12327" y="1763798"/>
+                </a:moveTo>
+                <a:cubicBezTo>
+                  <a:pt x="-5684" y="1721541"/>
+                  <a:pt x="-23695" y="1679285"/>
+                  <a:pt x="112080" y="1763798"/>
+                </a:cubicBezTo>
+                <a:cubicBezTo>
+                  <a:pt x="247855" y="1848311"/>
+                  <a:pt x="549883" y="2275030"/>
+                  <a:pt x="826974" y="2270874"/>
+                </a:cubicBezTo>
+                <a:cubicBezTo>
+                  <a:pt x="1104065" y="2266718"/>
+                  <a:pt x="1475367" y="2082452"/>
+                  <a:pt x="1774625" y="1738859"/>
+                </a:cubicBezTo>
+                <a:cubicBezTo>
+                  <a:pt x="2073883" y="1395266"/>
+                  <a:pt x="2374527" y="482252"/>
+                  <a:pt x="2622523" y="209318"/>
+                </a:cubicBezTo>
+                <a:cubicBezTo>
+                  <a:pt x="2870519" y="-63617"/>
+                  <a:pt x="3074181" y="-35908"/>
+                  <a:pt x="3262603" y="101252"/>
+                </a:cubicBezTo>
+                <a:cubicBezTo>
+                  <a:pt x="3451025" y="238412"/>
+                  <a:pt x="3602039" y="691456"/>
+                  <a:pt x="3753054" y="1032278"/>
+                </a:cubicBezTo>
+                <a:cubicBezTo>
+                  <a:pt x="3904069" y="1373100"/>
+                  <a:pt x="4057855" y="1864936"/>
+                  <a:pt x="4168691" y="2146183"/>
+                </a:cubicBezTo>
+                <a:cubicBezTo>
+                  <a:pt x="4279527" y="2427430"/>
+                  <a:pt x="4312778" y="2631092"/>
+                  <a:pt x="4418072" y="2719761"/>
+                </a:cubicBezTo>
+                <a:cubicBezTo>
+                  <a:pt x="4523367" y="2808430"/>
+                  <a:pt x="4600953" y="2910954"/>
+                  <a:pt x="4800458" y="2678198"/>
+                </a:cubicBezTo>
+                <a:cubicBezTo>
+                  <a:pt x="4999963" y="2445442"/>
+                  <a:pt x="5386505" y="1578147"/>
+                  <a:pt x="5615105" y="1323223"/>
+                </a:cubicBezTo>
+                <a:cubicBezTo>
+                  <a:pt x="5843705" y="1068299"/>
+                  <a:pt x="5953156" y="935296"/>
+                  <a:pt x="6172058" y="1148656"/>
+                </a:cubicBezTo>
+                <a:cubicBezTo>
+                  <a:pt x="6390960" y="1362016"/>
+                  <a:pt x="6801054" y="2358158"/>
+                  <a:pt x="6928516" y="2603383"/>
+                </a:cubicBezTo>
+              </a:path>
+            </a:pathLst>
+          </a:custGeom>
+          <a:noFill/>
+          <a:ln>
+            <a:solidFill>
+              <a:schemeClr val="tx1"/>
+            </a:solidFill>
+          </a:ln>
+        </p:spPr>
+        <p:style>
+          <a:lnRef idx="2">
+            <a:schemeClr val="accent1">
+              <a:shade val="50000"/>
+            </a:schemeClr>
+          </a:lnRef>
+          <a:fillRef idx="1">
+            <a:schemeClr val="accent1"/>
+          </a:fillRef>
+          <a:effectRef idx="0">
+            <a:schemeClr val="accent1"/>
+          </a:effectRef>
+          <a:fontRef idx="minor">
+            <a:schemeClr val="lt1"/>
+          </a:fontRef>
+        </p:style>
+        <p:txBody>
+          <a:bodyPr rtlCol="0" anchor="ctr"/>
+          <a:lstStyle/>
+          <a:p>
+            <a:pPr algn="ctr"/>
+            <a:endParaRPr lang="ko-KR" altLang="en-US"/>
+          </a:p>
+        </p:txBody>
+      </p:sp>
+      <p:sp>
+        <p:nvSpPr>
+          <p:cNvPr id="25" name="자유형 24"/>
+          <p:cNvSpPr/>
+          <p:nvPr/>
+        </p:nvSpPr>
+        <p:spPr>
+          <a:xfrm>
+            <a:off x="1527340" y="379735"/>
+            <a:ext cx="6943329" cy="3764880"/>
+          </a:xfrm>
+          <a:custGeom>
+            <a:avLst/>
+            <a:gdLst>
+              <a:gd name="connsiteX0" fmla="*/ 10515 w 6943329"/>
+              <a:gd name="connsiteY0" fmla="*/ 2355152 h 3764880"/>
+              <a:gd name="connsiteX1" fmla="*/ 126893 w 6943329"/>
+              <a:gd name="connsiteY1" fmla="*/ 2363465 h 3764880"/>
+              <a:gd name="connsiteX2" fmla="*/ 908289 w 6943329"/>
+              <a:gd name="connsiteY2" fmla="*/ 2978607 h 3764880"/>
+              <a:gd name="connsiteX3" fmla="*/ 1290675 w 6943329"/>
+              <a:gd name="connsiteY3" fmla="*/ 2870541 h 3764880"/>
+              <a:gd name="connsiteX4" fmla="*/ 1673060 w 6943329"/>
+              <a:gd name="connsiteY4" fmla="*/ 2413341 h 3764880"/>
+              <a:gd name="connsiteX5" fmla="*/ 2072071 w 6943329"/>
+              <a:gd name="connsiteY5" fmla="*/ 1681821 h 3764880"/>
+              <a:gd name="connsiteX6" fmla="*/ 2421205 w 6943329"/>
+              <a:gd name="connsiteY6" fmla="*/ 950301 h 3764880"/>
+              <a:gd name="connsiteX7" fmla="*/ 2687213 w 6943329"/>
+              <a:gd name="connsiteY7" fmla="*/ 451538 h 3764880"/>
+              <a:gd name="connsiteX8" fmla="*/ 2820216 w 6943329"/>
+              <a:gd name="connsiteY8" fmla="*/ 218781 h 3764880"/>
+              <a:gd name="connsiteX9" fmla="*/ 3028035 w 6943329"/>
+              <a:gd name="connsiteY9" fmla="*/ 27589 h 3764880"/>
+              <a:gd name="connsiteX10" fmla="*/ 3210915 w 6943329"/>
+              <a:gd name="connsiteY10" fmla="*/ 35901 h 3764880"/>
+              <a:gd name="connsiteX11" fmla="*/ 3377169 w 6943329"/>
+              <a:gd name="connsiteY11" fmla="*/ 351785 h 3764880"/>
+              <a:gd name="connsiteX12" fmla="*/ 3909184 w 6943329"/>
+              <a:gd name="connsiteY12" fmla="*/ 1856389 h 3764880"/>
+              <a:gd name="connsiteX13" fmla="*/ 4449511 w 6943329"/>
+              <a:gd name="connsiteY13" fmla="*/ 3535560 h 3764880"/>
+              <a:gd name="connsiteX14" fmla="*/ 4831896 w 6943329"/>
+              <a:gd name="connsiteY14" fmla="*/ 3710127 h 3764880"/>
+              <a:gd name="connsiteX15" fmla="*/ 5097904 w 6943329"/>
+              <a:gd name="connsiteY15" fmla="*/ 3161487 h 3764880"/>
+              <a:gd name="connsiteX16" fmla="*/ 5471976 w 6943329"/>
+              <a:gd name="connsiteY16" fmla="*/ 2205523 h 3764880"/>
+              <a:gd name="connsiteX17" fmla="*/ 5704733 w 6943329"/>
+              <a:gd name="connsiteY17" fmla="*/ 1607007 h 3764880"/>
+              <a:gd name="connsiteX18" fmla="*/ 5912551 w 6943329"/>
+              <a:gd name="connsiteY18" fmla="*/ 1307749 h 3764880"/>
+              <a:gd name="connsiteX19" fmla="*/ 6195184 w 6943329"/>
+              <a:gd name="connsiteY19" fmla="*/ 1415814 h 3764880"/>
+              <a:gd name="connsiteX20" fmla="*/ 6569256 w 6943329"/>
+              <a:gd name="connsiteY20" fmla="*/ 2313589 h 3764880"/>
+              <a:gd name="connsiteX21" fmla="*/ 6943329 w 6943329"/>
+              <a:gd name="connsiteY21" fmla="*/ 3344367 h 3764880"/>
+            </a:gdLst>
+            <a:ahLst/>
+            <a:cxnLst>
+              <a:cxn ang="0">
+                <a:pos x="connsiteX0" y="connsiteY0"/>
+              </a:cxn>
+              <a:cxn ang="0">
+                <a:pos x="connsiteX1" y="connsiteY1"/>
+              </a:cxn>
+              <a:cxn ang="0">
+                <a:pos x="connsiteX2" y="connsiteY2"/>
+              </a:cxn>
+              <a:cxn ang="0">
+                <a:pos x="connsiteX3" y="connsiteY3"/>
+              </a:cxn>
+              <a:cxn ang="0">
+                <a:pos x="connsiteX4" y="connsiteY4"/>
+              </a:cxn>
+              <a:cxn ang="0">
+                <a:pos x="connsiteX5" y="connsiteY5"/>
+              </a:cxn>
+              <a:cxn ang="0">
+                <a:pos x="connsiteX6" y="connsiteY6"/>
+              </a:cxn>
+              <a:cxn ang="0">
+                <a:pos x="connsiteX7" y="connsiteY7"/>
+              </a:cxn>
+              <a:cxn ang="0">
+                <a:pos x="connsiteX8" y="connsiteY8"/>
+              </a:cxn>
+              <a:cxn ang="0">
+                <a:pos x="connsiteX9" y="connsiteY9"/>
+              </a:cxn>
+              <a:cxn ang="0">
+                <a:pos x="connsiteX10" y="connsiteY10"/>
+              </a:cxn>
+              <a:cxn ang="0">
+                <a:pos x="connsiteX11" y="connsiteY11"/>
+              </a:cxn>
+              <a:cxn ang="0">
+                <a:pos x="connsiteX12" y="connsiteY12"/>
+              </a:cxn>
+              <a:cxn ang="0">
+                <a:pos x="connsiteX13" y="connsiteY13"/>
+              </a:cxn>
+              <a:cxn ang="0">
+                <a:pos x="connsiteX14" y="connsiteY14"/>
+              </a:cxn>
+              <a:cxn ang="0">
+                <a:pos x="connsiteX15" y="connsiteY15"/>
+              </a:cxn>
+              <a:cxn ang="0">
+                <a:pos x="connsiteX16" y="connsiteY16"/>
+              </a:cxn>
+              <a:cxn ang="0">
+                <a:pos x="connsiteX17" y="connsiteY17"/>
+              </a:cxn>
+              <a:cxn ang="0">
+                <a:pos x="connsiteX18" y="connsiteY18"/>
+              </a:cxn>
+              <a:cxn ang="0">
+                <a:pos x="connsiteX19" y="connsiteY19"/>
+              </a:cxn>
+              <a:cxn ang="0">
+                <a:pos x="connsiteX20" y="connsiteY20"/>
+              </a:cxn>
+              <a:cxn ang="0">
+                <a:pos x="connsiteX21" y="connsiteY21"/>
+              </a:cxn>
+            </a:cxnLst>
+            <a:rect l="l" t="t" r="r" b="b"/>
+            <a:pathLst>
+              <a:path w="6943329" h="3764880">
+                <a:moveTo>
+                  <a:pt x="10515" y="2355152"/>
+                </a:moveTo>
+                <a:cubicBezTo>
+                  <a:pt x="-6111" y="2307354"/>
+                  <a:pt x="-22736" y="2259556"/>
+                  <a:pt x="126893" y="2363465"/>
+                </a:cubicBezTo>
+                <a:cubicBezTo>
+                  <a:pt x="276522" y="2467374"/>
+                  <a:pt x="714325" y="2894094"/>
+                  <a:pt x="908289" y="2978607"/>
+                </a:cubicBezTo>
+                <a:cubicBezTo>
+                  <a:pt x="1102253" y="3063120"/>
+                  <a:pt x="1163213" y="2964752"/>
+                  <a:pt x="1290675" y="2870541"/>
+                </a:cubicBezTo>
+                <a:cubicBezTo>
+                  <a:pt x="1418137" y="2776330"/>
+                  <a:pt x="1542827" y="2611461"/>
+                  <a:pt x="1673060" y="2413341"/>
+                </a:cubicBezTo>
+                <a:cubicBezTo>
+                  <a:pt x="1803293" y="2215221"/>
+                  <a:pt x="1947380" y="1925661"/>
+                  <a:pt x="2072071" y="1681821"/>
+                </a:cubicBezTo>
+                <a:cubicBezTo>
+                  <a:pt x="2196762" y="1437981"/>
+                  <a:pt x="2318681" y="1155348"/>
+                  <a:pt x="2421205" y="950301"/>
+                </a:cubicBezTo>
+                <a:cubicBezTo>
+                  <a:pt x="2523729" y="745254"/>
+                  <a:pt x="2620711" y="573458"/>
+                  <a:pt x="2687213" y="451538"/>
+                </a:cubicBezTo>
+                <a:cubicBezTo>
+                  <a:pt x="2753715" y="329618"/>
+                  <a:pt x="2763412" y="289439"/>
+                  <a:pt x="2820216" y="218781"/>
+                </a:cubicBezTo>
+                <a:cubicBezTo>
+                  <a:pt x="2877020" y="148123"/>
+                  <a:pt x="2962919" y="58069"/>
+                  <a:pt x="3028035" y="27589"/>
+                </a:cubicBezTo>
+                <a:cubicBezTo>
+                  <a:pt x="3093151" y="-2891"/>
+                  <a:pt x="3152726" y="-18132"/>
+                  <a:pt x="3210915" y="35901"/>
+                </a:cubicBezTo>
+                <a:cubicBezTo>
+                  <a:pt x="3269104" y="89934"/>
+                  <a:pt x="3260791" y="48370"/>
+                  <a:pt x="3377169" y="351785"/>
+                </a:cubicBezTo>
+                <a:cubicBezTo>
+                  <a:pt x="3493547" y="655200"/>
+                  <a:pt x="3730460" y="1325760"/>
+                  <a:pt x="3909184" y="1856389"/>
+                </a:cubicBezTo>
+                <a:cubicBezTo>
+                  <a:pt x="4087908" y="2387018"/>
+                  <a:pt x="4295726" y="3226604"/>
+                  <a:pt x="4449511" y="3535560"/>
+                </a:cubicBezTo>
+                <a:cubicBezTo>
+                  <a:pt x="4603296" y="3844516"/>
+                  <a:pt x="4723831" y="3772472"/>
+                  <a:pt x="4831896" y="3710127"/>
+                </a:cubicBezTo>
+                <a:cubicBezTo>
+                  <a:pt x="4939961" y="3647782"/>
+                  <a:pt x="4991224" y="3412254"/>
+                  <a:pt x="5097904" y="3161487"/>
+                </a:cubicBezTo>
+                <a:cubicBezTo>
+                  <a:pt x="5204584" y="2910720"/>
+                  <a:pt x="5471976" y="2205523"/>
+                  <a:pt x="5471976" y="2205523"/>
+                </a:cubicBezTo>
+                <a:cubicBezTo>
+                  <a:pt x="5573114" y="1946443"/>
+                  <a:pt x="5631304" y="1756636"/>
+                  <a:pt x="5704733" y="1607007"/>
+                </a:cubicBezTo>
+                <a:cubicBezTo>
+                  <a:pt x="5778162" y="1457378"/>
+                  <a:pt x="5830809" y="1339614"/>
+                  <a:pt x="5912551" y="1307749"/>
+                </a:cubicBezTo>
+                <a:cubicBezTo>
+                  <a:pt x="5994293" y="1275883"/>
+                  <a:pt x="6085733" y="1248174"/>
+                  <a:pt x="6195184" y="1415814"/>
+                </a:cubicBezTo>
+                <a:cubicBezTo>
+                  <a:pt x="6304635" y="1583454"/>
+                  <a:pt x="6444565" y="1992164"/>
+                  <a:pt x="6569256" y="2313589"/>
+                </a:cubicBezTo>
+                <a:cubicBezTo>
+                  <a:pt x="6693947" y="2635014"/>
+                  <a:pt x="6878213" y="3155945"/>
+                  <a:pt x="6943329" y="3344367"/>
+                </a:cubicBezTo>
+              </a:path>
+            </a:pathLst>
+          </a:custGeom>
+          <a:noFill/>
+          <a:ln>
+            <a:solidFill>
+              <a:srgbClr val="92D050"/>
+            </a:solidFill>
+          </a:ln>
+        </p:spPr>
+        <p:style>
+          <a:lnRef idx="2">
+            <a:schemeClr val="accent1">
+              <a:shade val="50000"/>
+            </a:schemeClr>
+          </a:lnRef>
+          <a:fillRef idx="1">
+            <a:schemeClr val="accent1"/>
+          </a:fillRef>
+          <a:effectRef idx="0">
+            <a:schemeClr val="accent1"/>
+          </a:effectRef>
+          <a:fontRef idx="minor">
+            <a:schemeClr val="lt1"/>
+          </a:fontRef>
+        </p:style>
+        <p:txBody>
+          <a:bodyPr rtlCol="0" anchor="ctr"/>
+          <a:lstStyle/>
+          <a:p>
+            <a:pPr algn="ctr"/>
+            <a:endParaRPr lang="ko-KR" altLang="en-US"/>
+          </a:p>
+        </p:txBody>
+      </p:sp>
+      <p:sp>
+        <p:nvSpPr>
+          <p:cNvPr id="26" name="자유형 25"/>
+          <p:cNvSpPr/>
+          <p:nvPr/>
+        </p:nvSpPr>
+        <p:spPr>
+          <a:xfrm>
+            <a:off x="1535398" y="2600283"/>
+            <a:ext cx="6976835" cy="492052"/>
+          </a:xfrm>
+          <a:custGeom>
+            <a:avLst/>
+            <a:gdLst>
+              <a:gd name="connsiteX0" fmla="*/ 19082 w 6976835"/>
+              <a:gd name="connsiteY0" fmla="*/ 101353 h 492052"/>
+              <a:gd name="connsiteX1" fmla="*/ 127147 w 6976835"/>
+              <a:gd name="connsiteY1" fmla="*/ 101353 h 492052"/>
+              <a:gd name="connsiteX2" fmla="*/ 975046 w 6976835"/>
+              <a:gd name="connsiteY2" fmla="*/ 375673 h 492052"/>
+              <a:gd name="connsiteX3" fmla="*/ 2429773 w 6976835"/>
+              <a:gd name="connsiteY3" fmla="*/ 84728 h 492052"/>
+              <a:gd name="connsiteX4" fmla="*/ 3635118 w 6976835"/>
+              <a:gd name="connsiteY4" fmla="*/ 26539 h 492052"/>
+              <a:gd name="connsiteX5" fmla="*/ 4981780 w 6976835"/>
+              <a:gd name="connsiteY5" fmla="*/ 467113 h 492052"/>
+              <a:gd name="connsiteX6" fmla="*/ 6261940 w 6976835"/>
+              <a:gd name="connsiteY6" fmla="*/ 142917 h 492052"/>
+              <a:gd name="connsiteX7" fmla="*/ 6976835 w 6976835"/>
+              <a:gd name="connsiteY7" fmla="*/ 492052 h 492052"/>
+            </a:gdLst>
+            <a:ahLst/>
+            <a:cxnLst>
+              <a:cxn ang="0">
+                <a:pos x="connsiteX0" y="connsiteY0"/>
+              </a:cxn>
+              <a:cxn ang="0">
+                <a:pos x="connsiteX1" y="connsiteY1"/>
+              </a:cxn>
+              <a:cxn ang="0">
+                <a:pos x="connsiteX2" y="connsiteY2"/>
+              </a:cxn>
+              <a:cxn ang="0">
+                <a:pos x="connsiteX3" y="connsiteY3"/>
+              </a:cxn>
+              <a:cxn ang="0">
+                <a:pos x="connsiteX4" y="connsiteY4"/>
+              </a:cxn>
+              <a:cxn ang="0">
+                <a:pos x="connsiteX5" y="connsiteY5"/>
+              </a:cxn>
+              <a:cxn ang="0">
+                <a:pos x="connsiteX6" y="connsiteY6"/>
+              </a:cxn>
+              <a:cxn ang="0">
+                <a:pos x="connsiteX7" y="connsiteY7"/>
+              </a:cxn>
+            </a:cxnLst>
+            <a:rect l="l" t="t" r="r" b="b"/>
+            <a:pathLst>
+              <a:path w="6976835" h="492052">
+                <a:moveTo>
+                  <a:pt x="19082" y="101353"/>
+                </a:moveTo>
+                <a:cubicBezTo>
+                  <a:pt x="-6549" y="78493"/>
+                  <a:pt x="-32180" y="55633"/>
+                  <a:pt x="127147" y="101353"/>
+                </a:cubicBezTo>
+                <a:cubicBezTo>
+                  <a:pt x="286474" y="147073"/>
+                  <a:pt x="591275" y="378444"/>
+                  <a:pt x="975046" y="375673"/>
+                </a:cubicBezTo>
+                <a:cubicBezTo>
+                  <a:pt x="1358817" y="372902"/>
+                  <a:pt x="1986428" y="142917"/>
+                  <a:pt x="2429773" y="84728"/>
+                </a:cubicBezTo>
+                <a:cubicBezTo>
+                  <a:pt x="2873118" y="26539"/>
+                  <a:pt x="3209784" y="-37192"/>
+                  <a:pt x="3635118" y="26539"/>
+                </a:cubicBezTo>
+                <a:cubicBezTo>
+                  <a:pt x="4060452" y="90270"/>
+                  <a:pt x="4543976" y="447717"/>
+                  <a:pt x="4981780" y="467113"/>
+                </a:cubicBezTo>
+                <a:cubicBezTo>
+                  <a:pt x="5419584" y="486509"/>
+                  <a:pt x="5929431" y="138761"/>
+                  <a:pt x="6261940" y="142917"/>
+                </a:cubicBezTo>
+                <a:cubicBezTo>
+                  <a:pt x="6594449" y="147074"/>
+                  <a:pt x="6853530" y="435248"/>
+                  <a:pt x="6976835" y="492052"/>
+                </a:cubicBezTo>
+              </a:path>
+            </a:pathLst>
+          </a:custGeom>
+          <a:noFill/>
+          <a:ln>
+            <a:solidFill>
+              <a:srgbClr val="FF0000"/>
+            </a:solidFill>
+          </a:ln>
+        </p:spPr>
+        <p:style>
+          <a:lnRef idx="2">
+            <a:schemeClr val="accent1">
+              <a:shade val="50000"/>
+            </a:schemeClr>
+          </a:lnRef>
+          <a:fillRef idx="1">
+            <a:schemeClr val="accent1"/>
+          </a:fillRef>
+          <a:effectRef idx="0">
+            <a:schemeClr val="accent1"/>
+          </a:effectRef>
+          <a:fontRef idx="minor">
+            <a:schemeClr val="lt1"/>
+          </a:fontRef>
+        </p:style>
+        <p:txBody>
+          <a:bodyPr rtlCol="0" anchor="ctr"/>
+          <a:lstStyle/>
+          <a:p>
+            <a:pPr algn="ctr"/>
+            <a:endParaRPr lang="ko-KR" altLang="en-US"/>
+          </a:p>
+        </p:txBody>
+      </p:sp>
+      <p:sp>
+        <p:nvSpPr>
+          <p:cNvPr id="27" name="자유형 26"/>
+          <p:cNvSpPr/>
+          <p:nvPr/>
+        </p:nvSpPr>
+        <p:spPr>
+          <a:xfrm>
+            <a:off x="1537855" y="431681"/>
+            <a:ext cx="6899563" cy="4032422"/>
+          </a:xfrm>
+          <a:custGeom>
+            <a:avLst/>
+            <a:gdLst>
+              <a:gd name="connsiteX0" fmla="*/ 0 w 6899563"/>
+              <a:gd name="connsiteY0" fmla="*/ 2269955 h 4032422"/>
+              <a:gd name="connsiteX1" fmla="*/ 74814 w 6899563"/>
+              <a:gd name="connsiteY1" fmla="*/ 2269955 h 4032422"/>
+              <a:gd name="connsiteX2" fmla="*/ 274320 w 6899563"/>
+              <a:gd name="connsiteY2" fmla="*/ 3250857 h 4032422"/>
+              <a:gd name="connsiteX3" fmla="*/ 532014 w 6899563"/>
+              <a:gd name="connsiteY3" fmla="*/ 732101 h 4032422"/>
+              <a:gd name="connsiteX4" fmla="*/ 523701 w 6899563"/>
+              <a:gd name="connsiteY4" fmla="*/ 3633243 h 4032422"/>
+              <a:gd name="connsiteX5" fmla="*/ 864523 w 6899563"/>
+              <a:gd name="connsiteY5" fmla="*/ 1180988 h 4032422"/>
+              <a:gd name="connsiteX6" fmla="*/ 1097280 w 6899563"/>
+              <a:gd name="connsiteY6" fmla="*/ 3051352 h 4032422"/>
+              <a:gd name="connsiteX7" fmla="*/ 1105592 w 6899563"/>
+              <a:gd name="connsiteY7" fmla="*/ 898355 h 4032422"/>
+              <a:gd name="connsiteX8" fmla="*/ 1446414 w 6899563"/>
+              <a:gd name="connsiteY8" fmla="*/ 3109541 h 4032422"/>
+              <a:gd name="connsiteX9" fmla="*/ 1803861 w 6899563"/>
+              <a:gd name="connsiteY9" fmla="*/ 840166 h 4032422"/>
+              <a:gd name="connsiteX10" fmla="*/ 2236123 w 6899563"/>
+              <a:gd name="connsiteY10" fmla="*/ 4032254 h 4032422"/>
+              <a:gd name="connsiteX11" fmla="*/ 2468880 w 6899563"/>
+              <a:gd name="connsiteY11" fmla="*/ 682224 h 4032422"/>
+              <a:gd name="connsiteX12" fmla="*/ 2709949 w 6899563"/>
+              <a:gd name="connsiteY12" fmla="*/ 2818595 h 4032422"/>
+              <a:gd name="connsiteX13" fmla="*/ 2909454 w 6899563"/>
+              <a:gd name="connsiteY13" fmla="*/ 1671439 h 4032422"/>
+              <a:gd name="connsiteX14" fmla="*/ 3108960 w 6899563"/>
+              <a:gd name="connsiteY14" fmla="*/ 2893410 h 4032422"/>
+              <a:gd name="connsiteX15" fmla="*/ 3283527 w 6899563"/>
+              <a:gd name="connsiteY15" fmla="*/ 1762879 h 4032422"/>
+              <a:gd name="connsiteX16" fmla="*/ 3616036 w 6899563"/>
+              <a:gd name="connsiteY16" fmla="*/ 3417112 h 4032422"/>
+              <a:gd name="connsiteX17" fmla="*/ 4131425 w 6899563"/>
+              <a:gd name="connsiteY17" fmla="*/ 581 h 4032422"/>
+              <a:gd name="connsiteX18" fmla="*/ 4231178 w 6899563"/>
+              <a:gd name="connsiteY18" fmla="*/ 3716370 h 4032422"/>
+              <a:gd name="connsiteX19" fmla="*/ 4364181 w 6899563"/>
+              <a:gd name="connsiteY19" fmla="*/ 1854319 h 4032422"/>
+              <a:gd name="connsiteX20" fmla="*/ 4621876 w 6899563"/>
+              <a:gd name="connsiteY20" fmla="*/ 3259170 h 4032422"/>
+              <a:gd name="connsiteX21" fmla="*/ 4829694 w 6899563"/>
+              <a:gd name="connsiteY21" fmla="*/ 2095388 h 4032422"/>
+              <a:gd name="connsiteX22" fmla="*/ 4971010 w 6899563"/>
+              <a:gd name="connsiteY22" fmla="*/ 3333984 h 4032422"/>
+              <a:gd name="connsiteX23" fmla="*/ 5162203 w 6899563"/>
+              <a:gd name="connsiteY23" fmla="*/ 2236704 h 4032422"/>
+              <a:gd name="connsiteX24" fmla="*/ 5345083 w 6899563"/>
+              <a:gd name="connsiteY24" fmla="*/ 2652341 h 4032422"/>
+              <a:gd name="connsiteX25" fmla="*/ 5486400 w 6899563"/>
+              <a:gd name="connsiteY25" fmla="*/ 2353083 h 4032422"/>
+              <a:gd name="connsiteX26" fmla="*/ 5602778 w 6899563"/>
+              <a:gd name="connsiteY26" fmla="*/ 2477774 h 4032422"/>
+              <a:gd name="connsiteX27" fmla="*/ 5669280 w 6899563"/>
+              <a:gd name="connsiteY27" fmla="*/ 2012261 h 4032422"/>
+              <a:gd name="connsiteX28" fmla="*/ 5827221 w 6899563"/>
+              <a:gd name="connsiteY28" fmla="*/ 3616617 h 4032422"/>
+              <a:gd name="connsiteX29" fmla="*/ 5835534 w 6899563"/>
+              <a:gd name="connsiteY29" fmla="*/ 1172675 h 4032422"/>
+              <a:gd name="connsiteX30" fmla="*/ 6084916 w 6899563"/>
+              <a:gd name="connsiteY30" fmla="*/ 3134479 h 4032422"/>
+              <a:gd name="connsiteX31" fmla="*/ 6201294 w 6899563"/>
+              <a:gd name="connsiteY31" fmla="*/ 1887570 h 4032422"/>
+              <a:gd name="connsiteX32" fmla="*/ 6350923 w 6899563"/>
+              <a:gd name="connsiteY32" fmla="*/ 2693904 h 4032422"/>
+              <a:gd name="connsiteX33" fmla="*/ 6442363 w 6899563"/>
+              <a:gd name="connsiteY33" fmla="*/ 2261643 h 4032422"/>
+              <a:gd name="connsiteX34" fmla="*/ 6525490 w 6899563"/>
+              <a:gd name="connsiteY34" fmla="*/ 2469461 h 4032422"/>
+              <a:gd name="connsiteX35" fmla="*/ 6658494 w 6899563"/>
+              <a:gd name="connsiteY35" fmla="*/ 2253330 h 4032422"/>
+              <a:gd name="connsiteX36" fmla="*/ 6774872 w 6899563"/>
+              <a:gd name="connsiteY36" fmla="*/ 2752094 h 4032422"/>
+              <a:gd name="connsiteX37" fmla="*/ 6833061 w 6899563"/>
+              <a:gd name="connsiteY37" fmla="*/ 1945759 h 4032422"/>
+              <a:gd name="connsiteX38" fmla="*/ 6899563 w 6899563"/>
+              <a:gd name="connsiteY38" fmla="*/ 2535963 h 4032422"/>
+            </a:gdLst>
+            <a:ahLst/>
+            <a:cxnLst>
+              <a:cxn ang="0">
+                <a:pos x="connsiteX0" y="connsiteY0"/>
+              </a:cxn>
+              <a:cxn ang="0">
+                <a:pos x="connsiteX1" y="connsiteY1"/>
+              </a:cxn>
+              <a:cxn ang="0">
+                <a:pos x="connsiteX2" y="connsiteY2"/>
+              </a:cxn>
+              <a:cxn ang="0">
+                <a:pos x="connsiteX3" y="connsiteY3"/>
+              </a:cxn>
+              <a:cxn ang="0">
+                <a:pos x="connsiteX4" y="connsiteY4"/>
+              </a:cxn>
+              <a:cxn ang="0">
+                <a:pos x="connsiteX5" y="connsiteY5"/>
+              </a:cxn>
+              <a:cxn ang="0">
+                <a:pos x="connsiteX6" y="connsiteY6"/>
+              </a:cxn>
+              <a:cxn ang="0">
+                <a:pos x="connsiteX7" y="connsiteY7"/>
+              </a:cxn>
+              <a:cxn ang="0">
+                <a:pos x="connsiteX8" y="connsiteY8"/>
+              </a:cxn>
+              <a:cxn ang="0">
+                <a:pos x="connsiteX9" y="connsiteY9"/>
+              </a:cxn>
+              <a:cxn ang="0">
+                <a:pos x="connsiteX10" y="connsiteY10"/>
+              </a:cxn>
+              <a:cxn ang="0">
+                <a:pos x="connsiteX11" y="connsiteY11"/>
+              </a:cxn>
+              <a:cxn ang="0">
+                <a:pos x="connsiteX12" y="connsiteY12"/>
+              </a:cxn>
+              <a:cxn ang="0">
+                <a:pos x="connsiteX13" y="connsiteY13"/>
+              </a:cxn>
+              <a:cxn ang="0">
+                <a:pos x="connsiteX14" y="connsiteY14"/>
+              </a:cxn>
+              <a:cxn ang="0">
+                <a:pos x="connsiteX15" y="connsiteY15"/>
+              </a:cxn>
+              <a:cxn ang="0">
+                <a:pos x="connsiteX16" y="connsiteY16"/>
+              </a:cxn>
+              <a:cxn ang="0">
+                <a:pos x="connsiteX17" y="connsiteY17"/>
+              </a:cxn>
+              <a:cxn ang="0">
+                <a:pos x="connsiteX18" y="connsiteY18"/>
+              </a:cxn>
+              <a:cxn ang="0">
+                <a:pos x="connsiteX19" y="connsiteY19"/>
+              </a:cxn>
+              <a:cxn ang="0">
+                <a:pos x="connsiteX20" y="connsiteY20"/>
+              </a:cxn>
+              <a:cxn ang="0">
+                <a:pos x="connsiteX21" y="connsiteY21"/>
+              </a:cxn>
+              <a:cxn ang="0">
+                <a:pos x="connsiteX22" y="connsiteY22"/>
+              </a:cxn>
+              <a:cxn ang="0">
+                <a:pos x="connsiteX23" y="connsiteY23"/>
+              </a:cxn>
+              <a:cxn ang="0">
+                <a:pos x="connsiteX24" y="connsiteY24"/>
+              </a:cxn>
+              <a:cxn ang="0">
+                <a:pos x="connsiteX25" y="connsiteY25"/>
+              </a:cxn>
+              <a:cxn ang="0">
+                <a:pos x="connsiteX26" y="connsiteY26"/>
+              </a:cxn>
+              <a:cxn ang="0">
+                <a:pos x="connsiteX27" y="connsiteY27"/>
+              </a:cxn>
+              <a:cxn ang="0">
+                <a:pos x="connsiteX28" y="connsiteY28"/>
+              </a:cxn>
+              <a:cxn ang="0">
+                <a:pos x="connsiteX29" y="connsiteY29"/>
+              </a:cxn>
+              <a:cxn ang="0">
+                <a:pos x="connsiteX30" y="connsiteY30"/>
+              </a:cxn>
+              <a:cxn ang="0">
+                <a:pos x="connsiteX31" y="connsiteY31"/>
+              </a:cxn>
+              <a:cxn ang="0">
+                <a:pos x="connsiteX32" y="connsiteY32"/>
+              </a:cxn>
+              <a:cxn ang="0">
+                <a:pos x="connsiteX33" y="connsiteY33"/>
+              </a:cxn>
+              <a:cxn ang="0">
+                <a:pos x="connsiteX34" y="connsiteY34"/>
+              </a:cxn>
+              <a:cxn ang="0">
+                <a:pos x="connsiteX35" y="connsiteY35"/>
+              </a:cxn>
+              <a:cxn ang="0">
+                <a:pos x="connsiteX36" y="connsiteY36"/>
+              </a:cxn>
+              <a:cxn ang="0">
+                <a:pos x="connsiteX37" y="connsiteY37"/>
+              </a:cxn>
+              <a:cxn ang="0">
+                <a:pos x="connsiteX38" y="connsiteY38"/>
+              </a:cxn>
+            </a:cxnLst>
+            <a:rect l="l" t="t" r="r" b="b"/>
+            <a:pathLst>
+              <a:path w="6899563" h="4032422">
+                <a:moveTo>
+                  <a:pt x="0" y="2269955"/>
+                </a:moveTo>
+                <a:cubicBezTo>
+                  <a:pt x="14547" y="2188213"/>
+                  <a:pt x="29094" y="2106471"/>
+                  <a:pt x="74814" y="2269955"/>
+                </a:cubicBezTo>
+                <a:cubicBezTo>
+                  <a:pt x="120534" y="2433439"/>
+                  <a:pt x="198120" y="3507166"/>
+                  <a:pt x="274320" y="3250857"/>
+                </a:cubicBezTo>
+                <a:cubicBezTo>
+                  <a:pt x="350520" y="2994548"/>
+                  <a:pt x="490451" y="668370"/>
+                  <a:pt x="532014" y="732101"/>
+                </a:cubicBezTo>
+                <a:cubicBezTo>
+                  <a:pt x="573577" y="795832"/>
+                  <a:pt x="468283" y="3558429"/>
+                  <a:pt x="523701" y="3633243"/>
+                </a:cubicBezTo>
+                <a:cubicBezTo>
+                  <a:pt x="579119" y="3708057"/>
+                  <a:pt x="768927" y="1277970"/>
+                  <a:pt x="864523" y="1180988"/>
+                </a:cubicBezTo>
+                <a:cubicBezTo>
+                  <a:pt x="960119" y="1084006"/>
+                  <a:pt x="1057102" y="3098458"/>
+                  <a:pt x="1097280" y="3051352"/>
+                </a:cubicBezTo>
+                <a:cubicBezTo>
+                  <a:pt x="1137458" y="3004247"/>
+                  <a:pt x="1047403" y="888657"/>
+                  <a:pt x="1105592" y="898355"/>
+                </a:cubicBezTo>
+                <a:cubicBezTo>
+                  <a:pt x="1163781" y="908053"/>
+                  <a:pt x="1330036" y="3119239"/>
+                  <a:pt x="1446414" y="3109541"/>
+                </a:cubicBezTo>
+                <a:cubicBezTo>
+                  <a:pt x="1562792" y="3099843"/>
+                  <a:pt x="1672243" y="686381"/>
+                  <a:pt x="1803861" y="840166"/>
+                </a:cubicBezTo>
+                <a:cubicBezTo>
+                  <a:pt x="1935479" y="993951"/>
+                  <a:pt x="2125287" y="4058578"/>
+                  <a:pt x="2236123" y="4032254"/>
+                </a:cubicBezTo>
+                <a:cubicBezTo>
+                  <a:pt x="2346959" y="4005930"/>
+                  <a:pt x="2389909" y="884500"/>
+                  <a:pt x="2468880" y="682224"/>
+                </a:cubicBezTo>
+                <a:cubicBezTo>
+                  <a:pt x="2547851" y="479947"/>
+                  <a:pt x="2636520" y="2653726"/>
+                  <a:pt x="2709949" y="2818595"/>
+                </a:cubicBezTo>
+                <a:cubicBezTo>
+                  <a:pt x="2783378" y="2983464"/>
+                  <a:pt x="2842952" y="1658970"/>
+                  <a:pt x="2909454" y="1671439"/>
+                </a:cubicBezTo>
+                <a:cubicBezTo>
+                  <a:pt x="2975956" y="1683908"/>
+                  <a:pt x="3046614" y="2878170"/>
+                  <a:pt x="3108960" y="2893410"/>
+                </a:cubicBezTo>
+                <a:cubicBezTo>
+                  <a:pt x="3171306" y="2908650"/>
+                  <a:pt x="3199015" y="1675596"/>
+                  <a:pt x="3283527" y="1762879"/>
+                </a:cubicBezTo>
+                <a:cubicBezTo>
+                  <a:pt x="3368039" y="1850162"/>
+                  <a:pt x="3474720" y="3710828"/>
+                  <a:pt x="3616036" y="3417112"/>
+                </a:cubicBezTo>
+                <a:cubicBezTo>
+                  <a:pt x="3757352" y="3123396"/>
+                  <a:pt x="4028901" y="-49295"/>
+                  <a:pt x="4131425" y="581"/>
+                </a:cubicBezTo>
+                <a:cubicBezTo>
+                  <a:pt x="4233949" y="50457"/>
+                  <a:pt x="4192385" y="3407414"/>
+                  <a:pt x="4231178" y="3716370"/>
+                </a:cubicBezTo>
+                <a:cubicBezTo>
+                  <a:pt x="4269971" y="4025326"/>
+                  <a:pt x="4299065" y="1930519"/>
+                  <a:pt x="4364181" y="1854319"/>
+                </a:cubicBezTo>
+                <a:cubicBezTo>
+                  <a:pt x="4429297" y="1778119"/>
+                  <a:pt x="4544291" y="3218992"/>
+                  <a:pt x="4621876" y="3259170"/>
+                </a:cubicBezTo>
+                <a:cubicBezTo>
+                  <a:pt x="4699461" y="3299348"/>
+                  <a:pt x="4771505" y="2082919"/>
+                  <a:pt x="4829694" y="2095388"/>
+                </a:cubicBezTo>
+                <a:cubicBezTo>
+                  <a:pt x="4887883" y="2107857"/>
+                  <a:pt x="4915592" y="3310431"/>
+                  <a:pt x="4971010" y="3333984"/>
+                </a:cubicBezTo>
+                <a:cubicBezTo>
+                  <a:pt x="5026428" y="3357537"/>
+                  <a:pt x="5099858" y="2350311"/>
+                  <a:pt x="5162203" y="2236704"/>
+                </a:cubicBezTo>
+                <a:cubicBezTo>
+                  <a:pt x="5224548" y="2123097"/>
+                  <a:pt x="5291050" y="2632945"/>
+                  <a:pt x="5345083" y="2652341"/>
+                </a:cubicBezTo>
+                <a:cubicBezTo>
+                  <a:pt x="5399116" y="2671738"/>
+                  <a:pt x="5443451" y="2382177"/>
+                  <a:pt x="5486400" y="2353083"/>
+                </a:cubicBezTo>
+                <a:cubicBezTo>
+                  <a:pt x="5529349" y="2323989"/>
+                  <a:pt x="5572298" y="2534578"/>
+                  <a:pt x="5602778" y="2477774"/>
+                </a:cubicBezTo>
+                <a:cubicBezTo>
+                  <a:pt x="5633258" y="2420970"/>
+                  <a:pt x="5631873" y="1822454"/>
+                  <a:pt x="5669280" y="2012261"/>
+                </a:cubicBezTo>
+                <a:cubicBezTo>
+                  <a:pt x="5706687" y="2202068"/>
+                  <a:pt x="5799512" y="3756548"/>
+                  <a:pt x="5827221" y="3616617"/>
+                </a:cubicBezTo>
+                <a:cubicBezTo>
+                  <a:pt x="5854930" y="3476686"/>
+                  <a:pt x="5792585" y="1253031"/>
+                  <a:pt x="5835534" y="1172675"/>
+                </a:cubicBezTo>
+                <a:cubicBezTo>
+                  <a:pt x="5878483" y="1092319"/>
+                  <a:pt x="6023956" y="3015330"/>
+                  <a:pt x="6084916" y="3134479"/>
+                </a:cubicBezTo>
+                <a:cubicBezTo>
+                  <a:pt x="6145876" y="3253628"/>
+                  <a:pt x="6156960" y="1960999"/>
+                  <a:pt x="6201294" y="1887570"/>
+                </a:cubicBezTo>
+                <a:cubicBezTo>
+                  <a:pt x="6245628" y="1814141"/>
+                  <a:pt x="6310745" y="2631559"/>
+                  <a:pt x="6350923" y="2693904"/>
+                </a:cubicBezTo>
+                <a:cubicBezTo>
+                  <a:pt x="6391101" y="2756249"/>
+                  <a:pt x="6413269" y="2299050"/>
+                  <a:pt x="6442363" y="2261643"/>
+                </a:cubicBezTo>
+                <a:cubicBezTo>
+                  <a:pt x="6471457" y="2224236"/>
+                  <a:pt x="6489468" y="2470847"/>
+                  <a:pt x="6525490" y="2469461"/>
+                </a:cubicBezTo>
+                <a:cubicBezTo>
+                  <a:pt x="6561512" y="2468076"/>
+                  <a:pt x="6616930" y="2206224"/>
+                  <a:pt x="6658494" y="2253330"/>
+                </a:cubicBezTo>
+                <a:cubicBezTo>
+                  <a:pt x="6700058" y="2300436"/>
+                  <a:pt x="6745778" y="2803356"/>
+                  <a:pt x="6774872" y="2752094"/>
+                </a:cubicBezTo>
+                <a:cubicBezTo>
+                  <a:pt x="6803966" y="2700832"/>
+                  <a:pt x="6812279" y="1981781"/>
+                  <a:pt x="6833061" y="1945759"/>
+                </a:cubicBezTo>
+                <a:cubicBezTo>
+                  <a:pt x="6853843" y="1909737"/>
+                  <a:pt x="6881552" y="2400189"/>
+                  <a:pt x="6899563" y="2535963"/>
+                </a:cubicBezTo>
+              </a:path>
+            </a:pathLst>
+          </a:custGeom>
+          <a:noFill/>
+          <a:ln>
+            <a:solidFill>
+              <a:srgbClr val="92D050"/>
+            </a:solidFill>
+          </a:ln>
+        </p:spPr>
+        <p:style>
+          <a:lnRef idx="2">
+            <a:schemeClr val="accent1">
+              <a:shade val="50000"/>
+            </a:schemeClr>
+          </a:lnRef>
+          <a:fillRef idx="1">
+            <a:schemeClr val="accent1"/>
+          </a:fillRef>
+          <a:effectRef idx="0">
+            <a:schemeClr val="accent1"/>
+          </a:effectRef>
+          <a:fontRef idx="minor">
+            <a:schemeClr val="lt1"/>
+          </a:fontRef>
+        </p:style>
+        <p:txBody>
+          <a:bodyPr rtlCol="0" anchor="ctr"/>
+          <a:lstStyle/>
+          <a:p>
+            <a:pPr algn="ctr"/>
+            <a:endParaRPr lang="ko-KR" altLang="en-US"/>
+          </a:p>
+        </p:txBody>
+      </p:sp>
+    </p:spTree>
+    <p:extLst>
+      <p:ext uri="{BB962C8B-B14F-4D97-AF65-F5344CB8AC3E}">
+        <p14:creationId xmlns:p14="http://schemas.microsoft.com/office/powerpoint/2010/main" val="3240047742"/>
+      </p:ext>
+    </p:extLst>
+  </p:cSld>
+  <p:clrMapOvr>
+    <a:masterClrMapping/>
+  </p:clrMapOvr>
+  <p:timing>
+    <p:tnLst>
+      <p:par>
+        <p:cTn id="1" dur="indefinite" restart="never" nodeType="tmRoot">
+          <p:childTnLst>
+            <p:seq concurrent="1" nextAc="seek">
+              <p:cTn id="2" dur="indefinite" nodeType="mainSeq">
+                <p:childTnLst>
+                  <p:par>
+                    <p:cTn id="3" fill="hold">
+                      <p:stCondLst>
+                        <p:cond delay="indefinite"/>
+                      </p:stCondLst>
+                      <p:childTnLst>
+                        <p:par>
+                          <p:cTn id="4" fill="hold">
+                            <p:stCondLst>
+                              <p:cond delay="0"/>
+                            </p:stCondLst>
+                            <p:childTnLst>
+                              <p:par>
+                                <p:cTn id="5" presetID="1" presetClass="entr" presetSubtype="0" fill="hold" grpId="0" nodeType="clickEffect">
+                                  <p:stCondLst>
+                                    <p:cond delay="0"/>
+                                  </p:stCondLst>
+                                  <p:childTnLst>
+                                    <p:set>
+                                      <p:cBhvr>
+                                        <p:cTn id="6" dur="1" fill="hold">
+                                          <p:stCondLst>
+                                            <p:cond delay="0"/>
+                                          </p:stCondLst>
+                                        </p:cTn>
+                                        <p:tgtEl>
+                                          <p:spTgt spid="20"/>
+                                        </p:tgtEl>
+                                        <p:attrNameLst>
+                                          <p:attrName>style.visibility</p:attrName>
+                                        </p:attrNameLst>
+                                      </p:cBhvr>
+                                      <p:to>
+                                        <p:strVal val="visible"/>
+                                      </p:to>
+                                    </p:set>
+                                  </p:childTnLst>
+                                </p:cTn>
+                              </p:par>
+                            </p:childTnLst>
+                          </p:cTn>
+                        </p:par>
+                      </p:childTnLst>
+                    </p:cTn>
+                  </p:par>
+                  <p:par>
+                    <p:cTn id="7" fill="hold">
+                      <p:stCondLst>
+                        <p:cond delay="indefinite"/>
+                      </p:stCondLst>
+                      <p:childTnLst>
+                        <p:par>
+                          <p:cTn id="8" fill="hold">
+                            <p:stCondLst>
+                              <p:cond delay="0"/>
+                            </p:stCondLst>
+                            <p:childTnLst>
+                              <p:par>
+                                <p:cTn id="9" presetID="1" presetClass="entr" presetSubtype="0" fill="hold" grpId="0" nodeType="clickEffect">
+                                  <p:stCondLst>
+                                    <p:cond delay="0"/>
+                                  </p:stCondLst>
+                                  <p:childTnLst>
+                                    <p:set>
+                                      <p:cBhvr>
+                                        <p:cTn id="10" dur="1" fill="hold">
+                                          <p:stCondLst>
+                                            <p:cond delay="0"/>
+                                          </p:stCondLst>
+                                        </p:cTn>
+                                        <p:tgtEl>
+                                          <p:spTgt spid="25"/>
+                                        </p:tgtEl>
+                                        <p:attrNameLst>
+                                          <p:attrName>style.visibility</p:attrName>
+                                        </p:attrNameLst>
+                                      </p:cBhvr>
+                                      <p:to>
+                                        <p:strVal val="visible"/>
+                                      </p:to>
+                                    </p:set>
+                                  </p:childTnLst>
+                                </p:cTn>
+                              </p:par>
+                            </p:childTnLst>
+                          </p:cTn>
+                        </p:par>
+                      </p:childTnLst>
+                    </p:cTn>
+                  </p:par>
+                  <p:par>
+                    <p:cTn id="11" fill="hold">
+                      <p:stCondLst>
+                        <p:cond delay="indefinite"/>
+                      </p:stCondLst>
+                      <p:childTnLst>
+                        <p:par>
+                          <p:cTn id="12" fill="hold">
+                            <p:stCondLst>
+                              <p:cond delay="0"/>
+                            </p:stCondLst>
+                            <p:childTnLst>
+                              <p:par>
+                                <p:cTn id="13" presetID="1" presetClass="entr" presetSubtype="0" fill="hold" grpId="0" nodeType="clickEffect">
+                                  <p:stCondLst>
+                                    <p:cond delay="0"/>
+                                  </p:stCondLst>
+                                  <p:childTnLst>
+                                    <p:set>
+                                      <p:cBhvr>
+                                        <p:cTn id="14" dur="1" fill="hold">
+                                          <p:stCondLst>
+                                            <p:cond delay="0"/>
+                                          </p:stCondLst>
+                                        </p:cTn>
+                                        <p:tgtEl>
+                                          <p:spTgt spid="26"/>
+                                        </p:tgtEl>
+                                        <p:attrNameLst>
+                                          <p:attrName>style.visibility</p:attrName>
+                                        </p:attrNameLst>
+                                      </p:cBhvr>
+                                      <p:to>
+                                        <p:strVal val="visible"/>
+                                      </p:to>
+                                    </p:set>
+                                  </p:childTnLst>
+                                </p:cTn>
+                              </p:par>
+                            </p:childTnLst>
+                          </p:cTn>
+                        </p:par>
+                      </p:childTnLst>
+                    </p:cTn>
+                  </p:par>
+                  <p:par>
+                    <p:cTn id="15" fill="hold">
+                      <p:stCondLst>
+                        <p:cond delay="indefinite"/>
+                      </p:stCondLst>
+                      <p:childTnLst>
+                        <p:par>
+                          <p:cTn id="16" fill="hold">
+                            <p:stCondLst>
+                              <p:cond delay="0"/>
+                            </p:stCondLst>
+                            <p:childTnLst>
+                              <p:par>
+                                <p:cTn id="17" presetID="1" presetClass="exit" presetSubtype="0" fill="hold" grpId="1" nodeType="clickEffect">
+                                  <p:stCondLst>
+                                    <p:cond delay="0"/>
+                                  </p:stCondLst>
+                                  <p:childTnLst>
+                                    <p:set>
+                                      <p:cBhvr>
+                                        <p:cTn id="18" dur="1" fill="hold">
+                                          <p:stCondLst>
+                                            <p:cond delay="0"/>
+                                          </p:stCondLst>
+                                        </p:cTn>
+                                        <p:tgtEl>
+                                          <p:spTgt spid="25"/>
+                                        </p:tgtEl>
+                                        <p:attrNameLst>
+                                          <p:attrName>style.visibility</p:attrName>
+                                        </p:attrNameLst>
+                                      </p:cBhvr>
+                                      <p:to>
+                                        <p:strVal val="hidden"/>
+                                      </p:to>
+                                    </p:set>
+                                  </p:childTnLst>
+                                </p:cTn>
+                              </p:par>
+                              <p:par>
+                                <p:cTn id="19" presetID="1" presetClass="exit" presetSubtype="0" fill="hold" grpId="1" nodeType="withEffect">
+                                  <p:stCondLst>
+                                    <p:cond delay="0"/>
+                                  </p:stCondLst>
+                                  <p:childTnLst>
+                                    <p:set>
+                                      <p:cBhvr>
+                                        <p:cTn id="20" dur="1" fill="hold">
+                                          <p:stCondLst>
+                                            <p:cond delay="0"/>
+                                          </p:stCondLst>
+                                        </p:cTn>
+                                        <p:tgtEl>
+                                          <p:spTgt spid="26"/>
+                                        </p:tgtEl>
+                                        <p:attrNameLst>
+                                          <p:attrName>style.visibility</p:attrName>
+                                        </p:attrNameLst>
+                                      </p:cBhvr>
+                                      <p:to>
+                                        <p:strVal val="hidden"/>
+                                      </p:to>
+                                    </p:set>
+                                  </p:childTnLst>
+                                </p:cTn>
+                              </p:par>
+                            </p:childTnLst>
+                          </p:cTn>
+                        </p:par>
+                      </p:childTnLst>
+                    </p:cTn>
+                  </p:par>
+                  <p:par>
+                    <p:cTn id="21" fill="hold">
+                      <p:stCondLst>
+                        <p:cond delay="indefinite"/>
+                      </p:stCondLst>
+                      <p:childTnLst>
+                        <p:par>
+                          <p:cTn id="22" fill="hold">
+                            <p:stCondLst>
+                              <p:cond delay="0"/>
+                            </p:stCondLst>
+                            <p:childTnLst>
+                              <p:par>
+                                <p:cTn id="23" presetID="1" presetClass="entr" presetSubtype="0" fill="hold" grpId="0" nodeType="clickEffect">
+                                  <p:stCondLst>
+                                    <p:cond delay="0"/>
+                                  </p:stCondLst>
+                                  <p:childTnLst>
+                                    <p:set>
+                                      <p:cBhvr>
+                                        <p:cTn id="24" dur="1" fill="hold">
+                                          <p:stCondLst>
+                                            <p:cond delay="0"/>
+                                          </p:stCondLst>
+                                        </p:cTn>
+                                        <p:tgtEl>
+                                          <p:spTgt spid="27"/>
+                                        </p:tgtEl>
+                                        <p:attrNameLst>
+                                          <p:attrName>style.visibility</p:attrName>
+                                        </p:attrNameLst>
+                                      </p:cBhvr>
+                                      <p:to>
+                                        <p:strVal val="visible"/>
+                                      </p:to>
+                                    </p:set>
+                                  </p:childTnLst>
+                                </p:cTn>
+                              </p:par>
+                            </p:childTnLst>
+                          </p:cTn>
+                        </p:par>
+                      </p:childTnLst>
+                    </p:cTn>
+                  </p:par>
+                </p:childTnLst>
+              </p:cTn>
+              <p:prevCondLst>
+                <p:cond evt="onPrev" delay="0">
+                  <p:tgtEl>
+                    <p:sldTgt/>
+                  </p:tgtEl>
+                </p:cond>
+              </p:prevCondLst>
+              <p:nextCondLst>
+                <p:cond evt="onNext" delay="0">
+                  <p:tgtEl>
+                    <p:sldTgt/>
+                  </p:tgtEl>
+                </p:cond>
+              </p:nextCondLst>
+            </p:seq>
+          </p:childTnLst>
+        </p:cTn>
+      </p:par>
+    </p:tnLst>
+    <p:bldLst>
+      <p:bldP spid="20" grpId="0" animBg="1"/>
+      <p:bldP spid="25" grpId="0" animBg="1"/>
+      <p:bldP spid="25" grpId="1" animBg="1"/>
+      <p:bldP spid="26" grpId="0" animBg="1"/>
+      <p:bldP spid="26" grpId="1" animBg="1"/>
+      <p:bldP spid="27" grpId="0" animBg="1"/>
+    </p:bldLst>
+  </p:timing>
+</p:sld>
+</file>
+
+<file path=ppt/slides/slide5.xml><?xml version="1.0" encoding="utf-8"?>
+<p:sld xmlns:a="http://schemas.openxmlformats.org/drawingml/2006/main" xmlns:r="http://schemas.openxmlformats.org/officeDocument/2006/relationships" xmlns:p="http://schemas.openxmlformats.org/presentationml/2006/main">
+  <p:cSld>
+    <p:spTree>
+      <p:nvGrpSpPr>
+        <p:cNvPr id="1" name=""/>
+        <p:cNvGrpSpPr/>
+        <p:nvPr/>
+      </p:nvGrpSpPr>
+      <p:grpSpPr>
+        <a:xfrm>
+          <a:off x="0" y="0"/>
+          <a:ext cx="0" cy="0"/>
+          <a:chOff x="0" y="0"/>
+          <a:chExt cx="0" cy="0"/>
+        </a:xfrm>
+      </p:grpSpPr>
+      <p:sp>
+        <p:nvSpPr>
+          <p:cNvPr id="4" name="TextBox 3"/>
+          <p:cNvSpPr txBox="1"/>
+          <p:nvPr/>
+        </p:nvSpPr>
+        <p:spPr>
+          <a:xfrm>
+            <a:off x="179512" y="332656"/>
+            <a:ext cx="8964488" cy="707886"/>
+          </a:xfrm>
+          <a:prstGeom prst="rect">
+            <a:avLst/>
+          </a:prstGeom>
+          <a:noFill/>
+        </p:spPr>
+        <p:txBody>
+          <a:bodyPr wrap="square" rtlCol="0">
+            <a:spAutoFit/>
+          </a:bodyPr>
+          <a:lstStyle/>
+          <a:p>
+            <a:r>
+              <a:rPr lang="ko-KR" altLang="en-US" sz="4000" smtClean="0">
+                <a:latin typeface="카페24 고운밤" pitchFamily="2" charset="-127"/>
+                <a:ea typeface="카페24 고운밤" pitchFamily="2" charset="-127"/>
+              </a:rPr>
+              <a:t>절차적 생성 패턴 작동 방식</a:t>
+            </a:r>
+            <a:endParaRPr lang="ko-KR" altLang="en-US" sz="4000" dirty="0">
+              <a:latin typeface="카페24 고운밤" pitchFamily="2" charset="-127"/>
+              <a:ea typeface="카페24 고운밤" pitchFamily="2" charset="-127"/>
+            </a:endParaRPr>
+          </a:p>
+        </p:txBody>
+      </p:sp>
+      <p:grpSp>
+        <p:nvGrpSpPr>
+          <p:cNvPr id="3" name="그룹 2"/>
+          <p:cNvGrpSpPr/>
+          <p:nvPr/>
+        </p:nvGrpSpPr>
+        <p:grpSpPr>
+          <a:xfrm>
+            <a:off x="683568" y="1625262"/>
+            <a:ext cx="1856090" cy="895866"/>
+            <a:chOff x="1542153" y="1020966"/>
+            <a:chExt cx="6928516" cy="3344138"/>
+          </a:xfrm>
+        </p:grpSpPr>
+        <p:cxnSp>
+          <p:nvCxnSpPr>
+            <p:cNvPr id="17" name="직선 화살표 연결선 16"/>
+            <p:cNvCxnSpPr/>
+            <p:nvPr/>
+          </p:nvCxnSpPr>
+          <p:spPr>
+            <a:xfrm flipV="1">
+              <a:off x="8460432" y="1340768"/>
+              <a:ext cx="0" cy="3024336"/>
+            </a:xfrm>
+            <a:prstGeom prst="straightConnector1">
+              <a:avLst/>
+            </a:prstGeom>
+            <a:ln w="47625">
+              <a:solidFill>
+                <a:schemeClr val="tx1"/>
+              </a:solidFill>
+              <a:tailEnd type="none"/>
+            </a:ln>
+          </p:spPr>
+          <p:style>
+            <a:lnRef idx="1">
+              <a:schemeClr val="accent1"/>
+            </a:lnRef>
+            <a:fillRef idx="0">
+              <a:schemeClr val="accent1"/>
+            </a:fillRef>
+            <a:effectRef idx="0">
+              <a:schemeClr val="accent1"/>
+            </a:effectRef>
+            <a:fontRef idx="minor">
+              <a:schemeClr val="tx1"/>
+            </a:fontRef>
+          </p:style>
+        </p:cxnSp>
+        <p:grpSp>
+          <p:nvGrpSpPr>
+            <p:cNvPr id="2" name="그룹 1"/>
+            <p:cNvGrpSpPr/>
+            <p:nvPr/>
+          </p:nvGrpSpPr>
+          <p:grpSpPr>
+            <a:xfrm>
+              <a:off x="1542153" y="1020966"/>
+              <a:ext cx="6928516" cy="3344138"/>
+              <a:chOff x="1542153" y="1020966"/>
+              <a:chExt cx="6928516" cy="3344138"/>
+            </a:xfrm>
+          </p:grpSpPr>
+          <p:cxnSp>
+            <p:nvCxnSpPr>
+              <p:cNvPr id="15" name="직선 화살표 연결선 14"/>
+              <p:cNvCxnSpPr/>
+              <p:nvPr/>
+            </p:nvCxnSpPr>
+            <p:spPr>
+              <a:xfrm>
+                <a:off x="1547664" y="2852936"/>
+                <a:ext cx="6912768" cy="0"/>
+              </a:xfrm>
+              <a:prstGeom prst="straightConnector1">
+                <a:avLst/>
+              </a:prstGeom>
+              <a:ln w="47625">
+                <a:solidFill>
+                  <a:schemeClr val="bg2"/>
+                </a:solidFill>
+                <a:tailEnd type="none"/>
+              </a:ln>
+            </p:spPr>
+            <p:style>
+              <a:lnRef idx="1">
+                <a:schemeClr val="accent1"/>
+              </a:lnRef>
+              <a:fillRef idx="0">
+                <a:schemeClr val="accent1"/>
+              </a:fillRef>
+              <a:effectRef idx="0">
+                <a:schemeClr val="accent1"/>
+              </a:effectRef>
+              <a:fontRef idx="minor">
+                <a:schemeClr val="tx1"/>
+              </a:fontRef>
+            </p:style>
+          </p:cxnSp>
+          <p:cxnSp>
+            <p:nvCxnSpPr>
+              <p:cNvPr id="16" name="직선 화살표 연결선 15"/>
+              <p:cNvCxnSpPr/>
+              <p:nvPr/>
+            </p:nvCxnSpPr>
+            <p:spPr>
+              <a:xfrm flipV="1">
+                <a:off x="1552181" y="1340768"/>
+                <a:ext cx="0" cy="3024336"/>
+              </a:xfrm>
+              <a:prstGeom prst="straightConnector1">
+                <a:avLst/>
+              </a:prstGeom>
+              <a:ln w="47625">
+                <a:solidFill>
+                  <a:schemeClr val="tx1"/>
+                </a:solidFill>
+                <a:tailEnd type="none"/>
+              </a:ln>
+            </p:spPr>
+            <p:style>
+              <a:lnRef idx="1">
+                <a:schemeClr val="accent1"/>
+              </a:lnRef>
+              <a:fillRef idx="0">
+                <a:schemeClr val="accent1"/>
+              </a:fillRef>
+              <a:effectRef idx="0">
+                <a:schemeClr val="accent1"/>
+              </a:effectRef>
+              <a:fontRef idx="minor">
+                <a:schemeClr val="tx1"/>
+              </a:fontRef>
+            </p:style>
+          </p:cxnSp>
+          <p:sp>
+            <p:nvSpPr>
+              <p:cNvPr id="18" name="자유형 17"/>
+              <p:cNvSpPr/>
+              <p:nvPr/>
+            </p:nvSpPr>
+            <p:spPr>
+              <a:xfrm>
+                <a:off x="1542153" y="1020966"/>
+                <a:ext cx="6928516" cy="2820563"/>
+              </a:xfrm>
+              <a:custGeom>
+                <a:avLst/>
+                <a:gdLst>
+                  <a:gd name="connsiteX0" fmla="*/ 12327 w 6928516"/>
+                  <a:gd name="connsiteY0" fmla="*/ 1763798 h 2820563"/>
+                  <a:gd name="connsiteX1" fmla="*/ 112080 w 6928516"/>
+                  <a:gd name="connsiteY1" fmla="*/ 1763798 h 2820563"/>
+                  <a:gd name="connsiteX2" fmla="*/ 826974 w 6928516"/>
+                  <a:gd name="connsiteY2" fmla="*/ 2270874 h 2820563"/>
+                  <a:gd name="connsiteX3" fmla="*/ 1774625 w 6928516"/>
+                  <a:gd name="connsiteY3" fmla="*/ 1738859 h 2820563"/>
+                  <a:gd name="connsiteX4" fmla="*/ 2622523 w 6928516"/>
+                  <a:gd name="connsiteY4" fmla="*/ 209318 h 2820563"/>
+                  <a:gd name="connsiteX5" fmla="*/ 3262603 w 6928516"/>
+                  <a:gd name="connsiteY5" fmla="*/ 101252 h 2820563"/>
+                  <a:gd name="connsiteX6" fmla="*/ 3753054 w 6928516"/>
+                  <a:gd name="connsiteY6" fmla="*/ 1032278 h 2820563"/>
+                  <a:gd name="connsiteX7" fmla="*/ 4168691 w 6928516"/>
+                  <a:gd name="connsiteY7" fmla="*/ 2146183 h 2820563"/>
+                  <a:gd name="connsiteX8" fmla="*/ 4418072 w 6928516"/>
+                  <a:gd name="connsiteY8" fmla="*/ 2719761 h 2820563"/>
+                  <a:gd name="connsiteX9" fmla="*/ 4800458 w 6928516"/>
+                  <a:gd name="connsiteY9" fmla="*/ 2678198 h 2820563"/>
+                  <a:gd name="connsiteX10" fmla="*/ 5615105 w 6928516"/>
+                  <a:gd name="connsiteY10" fmla="*/ 1323223 h 2820563"/>
+                  <a:gd name="connsiteX11" fmla="*/ 6172058 w 6928516"/>
+                  <a:gd name="connsiteY11" fmla="*/ 1148656 h 2820563"/>
+                  <a:gd name="connsiteX12" fmla="*/ 6928516 w 6928516"/>
+                  <a:gd name="connsiteY12" fmla="*/ 2603383 h 2820563"/>
+                </a:gdLst>
+                <a:ahLst/>
+                <a:cxnLst>
+                  <a:cxn ang="0">
+                    <a:pos x="connsiteX0" y="connsiteY0"/>
+                  </a:cxn>
+                  <a:cxn ang="0">
+                    <a:pos x="connsiteX1" y="connsiteY1"/>
+                  </a:cxn>
+                  <a:cxn ang="0">
+                    <a:pos x="connsiteX2" y="connsiteY2"/>
+                  </a:cxn>
+                  <a:cxn ang="0">
+                    <a:pos x="connsiteX3" y="connsiteY3"/>
+                  </a:cxn>
+                  <a:cxn ang="0">
+                    <a:pos x="connsiteX4" y="connsiteY4"/>
+                  </a:cxn>
+                  <a:cxn ang="0">
+                    <a:pos x="connsiteX5" y="connsiteY5"/>
+                  </a:cxn>
+                  <a:cxn ang="0">
+                    <a:pos x="connsiteX6" y="connsiteY6"/>
+                  </a:cxn>
+                  <a:cxn ang="0">
+                    <a:pos x="connsiteX7" y="connsiteY7"/>
+                  </a:cxn>
+                  <a:cxn ang="0">
+                    <a:pos x="connsiteX8" y="connsiteY8"/>
+                  </a:cxn>
+                  <a:cxn ang="0">
+                    <a:pos x="connsiteX9" y="connsiteY9"/>
+                  </a:cxn>
+                  <a:cxn ang="0">
+                    <a:pos x="connsiteX10" y="connsiteY10"/>
+                  </a:cxn>
+                  <a:cxn ang="0">
+                    <a:pos x="connsiteX11" y="connsiteY11"/>
+                  </a:cxn>
+                  <a:cxn ang="0">
+                    <a:pos x="connsiteX12" y="connsiteY12"/>
+                  </a:cxn>
+                </a:cxnLst>
+                <a:rect l="l" t="t" r="r" b="b"/>
+                <a:pathLst>
+                  <a:path w="6928516" h="2820563">
+                    <a:moveTo>
+                      <a:pt x="12327" y="1763798"/>
+                    </a:moveTo>
+                    <a:cubicBezTo>
+                      <a:pt x="-5684" y="1721541"/>
+                      <a:pt x="-23695" y="1679285"/>
+                      <a:pt x="112080" y="1763798"/>
+                    </a:cubicBezTo>
+                    <a:cubicBezTo>
+                      <a:pt x="247855" y="1848311"/>
+                      <a:pt x="549883" y="2275030"/>
+                      <a:pt x="826974" y="2270874"/>
+                    </a:cubicBezTo>
+                    <a:cubicBezTo>
+                      <a:pt x="1104065" y="2266718"/>
+                      <a:pt x="1475367" y="2082452"/>
+                      <a:pt x="1774625" y="1738859"/>
+                    </a:cubicBezTo>
+                    <a:cubicBezTo>
+                      <a:pt x="2073883" y="1395266"/>
+                      <a:pt x="2374527" y="482252"/>
+                      <a:pt x="2622523" y="209318"/>
+                    </a:cubicBezTo>
+                    <a:cubicBezTo>
+                      <a:pt x="2870519" y="-63617"/>
+                      <a:pt x="3074181" y="-35908"/>
+                      <a:pt x="3262603" y="101252"/>
+                    </a:cubicBezTo>
+                    <a:cubicBezTo>
+                      <a:pt x="3451025" y="238412"/>
+                      <a:pt x="3602039" y="691456"/>
+                      <a:pt x="3753054" y="1032278"/>
+                    </a:cubicBezTo>
+                    <a:cubicBezTo>
+                      <a:pt x="3904069" y="1373100"/>
+                      <a:pt x="4057855" y="1864936"/>
+                      <a:pt x="4168691" y="2146183"/>
+                    </a:cubicBezTo>
+                    <a:cubicBezTo>
+                      <a:pt x="4279527" y="2427430"/>
+                      <a:pt x="4312778" y="2631092"/>
+                      <a:pt x="4418072" y="2719761"/>
+                    </a:cubicBezTo>
+                    <a:cubicBezTo>
+                      <a:pt x="4523367" y="2808430"/>
+                      <a:pt x="4600953" y="2910954"/>
+                      <a:pt x="4800458" y="2678198"/>
+                    </a:cubicBezTo>
+                    <a:cubicBezTo>
+                      <a:pt x="4999963" y="2445442"/>
+                      <a:pt x="5386505" y="1578147"/>
+                      <a:pt x="5615105" y="1323223"/>
+                    </a:cubicBezTo>
+                    <a:cubicBezTo>
+                      <a:pt x="5843705" y="1068299"/>
+                      <a:pt x="5953156" y="935296"/>
+                      <a:pt x="6172058" y="1148656"/>
+                    </a:cubicBezTo>
+                    <a:cubicBezTo>
+                      <a:pt x="6390960" y="1362016"/>
+                      <a:pt x="6801054" y="2358158"/>
+                      <a:pt x="6928516" y="2603383"/>
+                    </a:cubicBezTo>
+                  </a:path>
+                </a:pathLst>
+              </a:custGeom>
+              <a:noFill/>
+              <a:ln>
+                <a:solidFill>
+                  <a:srgbClr val="00B0F0"/>
+                </a:solidFill>
+              </a:ln>
+            </p:spPr>
+            <p:style>
+              <a:lnRef idx="2">
+                <a:schemeClr val="accent1">
+                  <a:shade val="50000"/>
+                </a:schemeClr>
+              </a:lnRef>
+              <a:fillRef idx="1">
+                <a:schemeClr val="accent1"/>
+              </a:fillRef>
+              <a:effectRef idx="0">
+                <a:schemeClr val="accent1"/>
+              </a:effectRef>
+              <a:fontRef idx="minor">
+                <a:schemeClr val="lt1"/>
+              </a:fontRef>
+            </p:style>
+            <p:txBody>
+              <a:bodyPr rtlCol="0" anchor="ctr"/>
+              <a:lstStyle/>
+              <a:p>
+                <a:pPr algn="ctr"/>
+                <a:endParaRPr lang="ko-KR" altLang="en-US"/>
+              </a:p>
+            </p:txBody>
+          </p:sp>
+        </p:grpSp>
+      </p:grpSp>
+      <p:grpSp>
+        <p:nvGrpSpPr>
+          <p:cNvPr id="19" name="그룹 18"/>
+          <p:cNvGrpSpPr/>
+          <p:nvPr/>
+        </p:nvGrpSpPr>
+        <p:grpSpPr>
+          <a:xfrm>
+            <a:off x="3203848" y="1626125"/>
+            <a:ext cx="1856090" cy="895866"/>
+            <a:chOff x="1542153" y="1020966"/>
+            <a:chExt cx="6928516" cy="3344138"/>
+          </a:xfrm>
+        </p:grpSpPr>
+        <p:cxnSp>
+          <p:nvCxnSpPr>
+            <p:cNvPr id="21" name="직선 화살표 연결선 20"/>
+            <p:cNvCxnSpPr/>
+            <p:nvPr/>
+          </p:nvCxnSpPr>
+          <p:spPr>
+            <a:xfrm flipV="1">
+              <a:off x="8460432" y="1340768"/>
+              <a:ext cx="0" cy="3024336"/>
+            </a:xfrm>
+            <a:prstGeom prst="straightConnector1">
+              <a:avLst/>
+            </a:prstGeom>
+            <a:ln w="47625">
+              <a:solidFill>
+                <a:schemeClr val="tx1"/>
+              </a:solidFill>
+              <a:tailEnd type="none"/>
+            </a:ln>
+          </p:spPr>
+          <p:style>
+            <a:lnRef idx="1">
+              <a:schemeClr val="accent1"/>
+            </a:lnRef>
+            <a:fillRef idx="0">
+              <a:schemeClr val="accent1"/>
+            </a:fillRef>
+            <a:effectRef idx="0">
+              <a:schemeClr val="accent1"/>
+            </a:effectRef>
+            <a:fontRef idx="minor">
+              <a:schemeClr val="tx1"/>
+            </a:fontRef>
+          </p:style>
+        </p:cxnSp>
+        <p:grpSp>
+          <p:nvGrpSpPr>
+            <p:cNvPr id="22" name="그룹 21"/>
+            <p:cNvGrpSpPr/>
+            <p:nvPr/>
+          </p:nvGrpSpPr>
+          <p:grpSpPr>
+            <a:xfrm>
+              <a:off x="1542153" y="1020966"/>
+              <a:ext cx="6928516" cy="3344138"/>
+              <a:chOff x="1542153" y="1020966"/>
+              <a:chExt cx="6928516" cy="3344138"/>
+            </a:xfrm>
+          </p:grpSpPr>
+          <p:cxnSp>
+            <p:nvCxnSpPr>
+              <p:cNvPr id="23" name="직선 화살표 연결선 22"/>
+              <p:cNvCxnSpPr/>
+              <p:nvPr/>
+            </p:nvCxnSpPr>
+            <p:spPr>
+              <a:xfrm>
+                <a:off x="1547664" y="2852936"/>
+                <a:ext cx="6912768" cy="0"/>
+              </a:xfrm>
+              <a:prstGeom prst="straightConnector1">
+                <a:avLst/>
+              </a:prstGeom>
+              <a:ln w="47625">
+                <a:solidFill>
+                  <a:schemeClr val="bg2"/>
+                </a:solidFill>
+                <a:tailEnd type="none"/>
+              </a:ln>
+            </p:spPr>
+            <p:style>
+              <a:lnRef idx="1">
+                <a:schemeClr val="accent1"/>
+              </a:lnRef>
+              <a:fillRef idx="0">
+                <a:schemeClr val="accent1"/>
+              </a:fillRef>
+              <a:effectRef idx="0">
+                <a:schemeClr val="accent1"/>
+              </a:effectRef>
+              <a:fontRef idx="minor">
+                <a:schemeClr val="tx1"/>
+              </a:fontRef>
+            </p:style>
+          </p:cxnSp>
+          <p:cxnSp>
+            <p:nvCxnSpPr>
+              <p:cNvPr id="24" name="직선 화살표 연결선 23"/>
+              <p:cNvCxnSpPr/>
+              <p:nvPr/>
+            </p:nvCxnSpPr>
+            <p:spPr>
+              <a:xfrm flipV="1">
+                <a:off x="1552181" y="1340768"/>
+                <a:ext cx="0" cy="3024336"/>
+              </a:xfrm>
+              <a:prstGeom prst="straightConnector1">
+                <a:avLst/>
+              </a:prstGeom>
+              <a:ln w="47625">
+                <a:solidFill>
+                  <a:schemeClr val="tx1"/>
+                </a:solidFill>
+                <a:tailEnd type="none"/>
+              </a:ln>
+            </p:spPr>
+            <p:style>
+              <a:lnRef idx="1">
+                <a:schemeClr val="accent1"/>
+              </a:lnRef>
+              <a:fillRef idx="0">
+                <a:schemeClr val="accent1"/>
+              </a:fillRef>
+              <a:effectRef idx="0">
+                <a:schemeClr val="accent1"/>
+              </a:effectRef>
+              <a:fontRef idx="minor">
+                <a:schemeClr val="tx1"/>
+              </a:fontRef>
+            </p:style>
+          </p:cxnSp>
+          <p:sp>
+            <p:nvSpPr>
+              <p:cNvPr id="28" name="자유형 27"/>
+              <p:cNvSpPr/>
+              <p:nvPr/>
+            </p:nvSpPr>
+            <p:spPr>
+              <a:xfrm>
+                <a:off x="1542153" y="1020966"/>
+                <a:ext cx="6928516" cy="2820563"/>
+              </a:xfrm>
+              <a:custGeom>
+                <a:avLst/>
+                <a:gdLst>
+                  <a:gd name="connsiteX0" fmla="*/ 12327 w 6928516"/>
+                  <a:gd name="connsiteY0" fmla="*/ 1763798 h 2820563"/>
+                  <a:gd name="connsiteX1" fmla="*/ 112080 w 6928516"/>
+                  <a:gd name="connsiteY1" fmla="*/ 1763798 h 2820563"/>
+                  <a:gd name="connsiteX2" fmla="*/ 826974 w 6928516"/>
+                  <a:gd name="connsiteY2" fmla="*/ 2270874 h 2820563"/>
+                  <a:gd name="connsiteX3" fmla="*/ 1774625 w 6928516"/>
+                  <a:gd name="connsiteY3" fmla="*/ 1738859 h 2820563"/>
+                  <a:gd name="connsiteX4" fmla="*/ 2622523 w 6928516"/>
+                  <a:gd name="connsiteY4" fmla="*/ 209318 h 2820563"/>
+                  <a:gd name="connsiteX5" fmla="*/ 3262603 w 6928516"/>
+                  <a:gd name="connsiteY5" fmla="*/ 101252 h 2820563"/>
+                  <a:gd name="connsiteX6" fmla="*/ 3753054 w 6928516"/>
+                  <a:gd name="connsiteY6" fmla="*/ 1032278 h 2820563"/>
+                  <a:gd name="connsiteX7" fmla="*/ 4168691 w 6928516"/>
+                  <a:gd name="connsiteY7" fmla="*/ 2146183 h 2820563"/>
+                  <a:gd name="connsiteX8" fmla="*/ 4418072 w 6928516"/>
+                  <a:gd name="connsiteY8" fmla="*/ 2719761 h 2820563"/>
+                  <a:gd name="connsiteX9" fmla="*/ 4800458 w 6928516"/>
+                  <a:gd name="connsiteY9" fmla="*/ 2678198 h 2820563"/>
+                  <a:gd name="connsiteX10" fmla="*/ 5615105 w 6928516"/>
+                  <a:gd name="connsiteY10" fmla="*/ 1323223 h 2820563"/>
+                  <a:gd name="connsiteX11" fmla="*/ 6172058 w 6928516"/>
+                  <a:gd name="connsiteY11" fmla="*/ 1148656 h 2820563"/>
+                  <a:gd name="connsiteX12" fmla="*/ 6928516 w 6928516"/>
+                  <a:gd name="connsiteY12" fmla="*/ 2603383 h 2820563"/>
+                </a:gdLst>
+                <a:ahLst/>
+                <a:cxnLst>
+                  <a:cxn ang="0">
+                    <a:pos x="connsiteX0" y="connsiteY0"/>
+                  </a:cxn>
+                  <a:cxn ang="0">
+                    <a:pos x="connsiteX1" y="connsiteY1"/>
+                  </a:cxn>
+                  <a:cxn ang="0">
+                    <a:pos x="connsiteX2" y="connsiteY2"/>
+                  </a:cxn>
+                  <a:cxn ang="0">
+                    <a:pos x="connsiteX3" y="connsiteY3"/>
+                  </a:cxn>
+                  <a:cxn ang="0">
+                    <a:pos x="connsiteX4" y="connsiteY4"/>
+                  </a:cxn>
+                  <a:cxn ang="0">
+                    <a:pos x="connsiteX5" y="connsiteY5"/>
+                  </a:cxn>
+                  <a:cxn ang="0">
+                    <a:pos x="connsiteX6" y="connsiteY6"/>
+                  </a:cxn>
+                  <a:cxn ang="0">
+                    <a:pos x="connsiteX7" y="connsiteY7"/>
+                  </a:cxn>
+                  <a:cxn ang="0">
+                    <a:pos x="connsiteX8" y="connsiteY8"/>
+                  </a:cxn>
+                  <a:cxn ang="0">
+                    <a:pos x="connsiteX9" y="connsiteY9"/>
+                  </a:cxn>
+                  <a:cxn ang="0">
+                    <a:pos x="connsiteX10" y="connsiteY10"/>
+                  </a:cxn>
+                  <a:cxn ang="0">
+                    <a:pos x="connsiteX11" y="connsiteY11"/>
+                  </a:cxn>
+                  <a:cxn ang="0">
+                    <a:pos x="connsiteX12" y="connsiteY12"/>
+                  </a:cxn>
+                </a:cxnLst>
+                <a:rect l="l" t="t" r="r" b="b"/>
+                <a:pathLst>
+                  <a:path w="6928516" h="2820563">
+                    <a:moveTo>
+                      <a:pt x="12327" y="1763798"/>
+                    </a:moveTo>
+                    <a:cubicBezTo>
+                      <a:pt x="-5684" y="1721541"/>
+                      <a:pt x="-23695" y="1679285"/>
+                      <a:pt x="112080" y="1763798"/>
+                    </a:cubicBezTo>
+                    <a:cubicBezTo>
+                      <a:pt x="247855" y="1848311"/>
+                      <a:pt x="549883" y="2275030"/>
+                      <a:pt x="826974" y="2270874"/>
+                    </a:cubicBezTo>
+                    <a:cubicBezTo>
+                      <a:pt x="1104065" y="2266718"/>
+                      <a:pt x="1475367" y="2082452"/>
+                      <a:pt x="1774625" y="1738859"/>
+                    </a:cubicBezTo>
+                    <a:cubicBezTo>
+                      <a:pt x="2073883" y="1395266"/>
+                      <a:pt x="2374527" y="482252"/>
+                      <a:pt x="2622523" y="209318"/>
+                    </a:cubicBezTo>
+                    <a:cubicBezTo>
+                      <a:pt x="2870519" y="-63617"/>
+                      <a:pt x="3074181" y="-35908"/>
+                      <a:pt x="3262603" y="101252"/>
+                    </a:cubicBezTo>
+                    <a:cubicBezTo>
+                      <a:pt x="3451025" y="238412"/>
+                      <a:pt x="3602039" y="691456"/>
+                      <a:pt x="3753054" y="1032278"/>
+                    </a:cubicBezTo>
+                    <a:cubicBezTo>
+                      <a:pt x="3904069" y="1373100"/>
+                      <a:pt x="4057855" y="1864936"/>
+                      <a:pt x="4168691" y="2146183"/>
+                    </a:cubicBezTo>
+                    <a:cubicBezTo>
+                      <a:pt x="4279527" y="2427430"/>
+                      <a:pt x="4312778" y="2631092"/>
+                      <a:pt x="4418072" y="2719761"/>
+                    </a:cubicBezTo>
+                    <a:cubicBezTo>
+                      <a:pt x="4523367" y="2808430"/>
+                      <a:pt x="4600953" y="2910954"/>
+                      <a:pt x="4800458" y="2678198"/>
+                    </a:cubicBezTo>
+                    <a:cubicBezTo>
+                      <a:pt x="4999963" y="2445442"/>
+                      <a:pt x="5386505" y="1578147"/>
+                      <a:pt x="5615105" y="1323223"/>
+                    </a:cubicBezTo>
+                    <a:cubicBezTo>
+                      <a:pt x="5843705" y="1068299"/>
+                      <a:pt x="5953156" y="935296"/>
+                      <a:pt x="6172058" y="1148656"/>
+                    </a:cubicBezTo>
+                    <a:cubicBezTo>
+                      <a:pt x="6390960" y="1362016"/>
+                      <a:pt x="6801054" y="2358158"/>
+                      <a:pt x="6928516" y="2603383"/>
+                    </a:cubicBezTo>
+                  </a:path>
+                </a:pathLst>
+              </a:custGeom>
+              <a:noFill/>
+              <a:ln>
+                <a:solidFill>
+                  <a:srgbClr val="00B0F0"/>
+                </a:solidFill>
+              </a:ln>
+            </p:spPr>
+            <p:style>
+              <a:lnRef idx="2">
+                <a:schemeClr val="accent1">
+                  <a:shade val="50000"/>
+                </a:schemeClr>
+              </a:lnRef>
+              <a:fillRef idx="1">
+                <a:schemeClr val="accent1"/>
+              </a:fillRef>
+              <a:effectRef idx="0">
+                <a:schemeClr val="accent1"/>
+              </a:effectRef>
+              <a:fontRef idx="minor">
+                <a:schemeClr val="lt1"/>
+              </a:fontRef>
+            </p:style>
+            <p:txBody>
+              <a:bodyPr rtlCol="0" anchor="ctr"/>
+              <a:lstStyle/>
+              <a:p>
+                <a:pPr algn="ctr"/>
+                <a:endParaRPr lang="ko-KR" altLang="en-US"/>
+              </a:p>
+            </p:txBody>
+          </p:sp>
+        </p:grpSp>
+      </p:grpSp>
+      <p:grpSp>
+        <p:nvGrpSpPr>
+          <p:cNvPr id="29" name="그룹 28"/>
+          <p:cNvGrpSpPr/>
+          <p:nvPr/>
+        </p:nvGrpSpPr>
+        <p:grpSpPr>
+          <a:xfrm>
+            <a:off x="5724128" y="1625262"/>
+            <a:ext cx="1856090" cy="895866"/>
+            <a:chOff x="1542153" y="1020966"/>
+            <a:chExt cx="6928516" cy="3344138"/>
+          </a:xfrm>
+        </p:grpSpPr>
+        <p:cxnSp>
+          <p:nvCxnSpPr>
+            <p:cNvPr id="30" name="직선 화살표 연결선 29"/>
+            <p:cNvCxnSpPr/>
+            <p:nvPr/>
+          </p:nvCxnSpPr>
+          <p:spPr>
+            <a:xfrm flipV="1">
+              <a:off x="8460432" y="1340768"/>
+              <a:ext cx="0" cy="3024336"/>
+            </a:xfrm>
+            <a:prstGeom prst="straightConnector1">
+              <a:avLst/>
+            </a:prstGeom>
+            <a:ln w="47625">
+              <a:solidFill>
+                <a:schemeClr val="tx1"/>
+              </a:solidFill>
+              <a:tailEnd type="none"/>
+            </a:ln>
+          </p:spPr>
+          <p:style>
+            <a:lnRef idx="1">
+              <a:schemeClr val="accent1"/>
+            </a:lnRef>
+            <a:fillRef idx="0">
+              <a:schemeClr val="accent1"/>
+            </a:fillRef>
+            <a:effectRef idx="0">
+              <a:schemeClr val="accent1"/>
+            </a:effectRef>
+            <a:fontRef idx="minor">
+              <a:schemeClr val="tx1"/>
+            </a:fontRef>
+          </p:style>
+        </p:cxnSp>
+        <p:grpSp>
+          <p:nvGrpSpPr>
+            <p:cNvPr id="31" name="그룹 30"/>
+            <p:cNvGrpSpPr/>
+            <p:nvPr/>
+          </p:nvGrpSpPr>
+          <p:grpSpPr>
+            <a:xfrm>
+              <a:off x="1542153" y="1020966"/>
+              <a:ext cx="6928516" cy="3344138"/>
+              <a:chOff x="1542153" y="1020966"/>
+              <a:chExt cx="6928516" cy="3344138"/>
+            </a:xfrm>
+          </p:grpSpPr>
+          <p:cxnSp>
+            <p:nvCxnSpPr>
+              <p:cNvPr id="32" name="직선 화살표 연결선 31"/>
+              <p:cNvCxnSpPr/>
+              <p:nvPr/>
+            </p:nvCxnSpPr>
+            <p:spPr>
+              <a:xfrm>
+                <a:off x="1547664" y="2852936"/>
+                <a:ext cx="6912768" cy="0"/>
+              </a:xfrm>
+              <a:prstGeom prst="straightConnector1">
+                <a:avLst/>
+              </a:prstGeom>
+              <a:ln w="47625">
+                <a:solidFill>
+                  <a:schemeClr val="bg2"/>
+                </a:solidFill>
+                <a:tailEnd type="none"/>
+              </a:ln>
+            </p:spPr>
+            <p:style>
+              <a:lnRef idx="1">
+                <a:schemeClr val="accent1"/>
+              </a:lnRef>
+              <a:fillRef idx="0">
+                <a:schemeClr val="accent1"/>
+              </a:fillRef>
+              <a:effectRef idx="0">
+                <a:schemeClr val="accent1"/>
+              </a:effectRef>
+              <a:fontRef idx="minor">
+                <a:schemeClr val="tx1"/>
+              </a:fontRef>
+            </p:style>
+          </p:cxnSp>
+          <p:cxnSp>
+            <p:nvCxnSpPr>
+              <p:cNvPr id="33" name="직선 화살표 연결선 32"/>
+              <p:cNvCxnSpPr/>
+              <p:nvPr/>
+            </p:nvCxnSpPr>
+            <p:spPr>
+              <a:xfrm flipV="1">
+                <a:off x="1552181" y="1340768"/>
+                <a:ext cx="0" cy="3024336"/>
+              </a:xfrm>
+              <a:prstGeom prst="straightConnector1">
+                <a:avLst/>
+              </a:prstGeom>
+              <a:ln w="47625">
+                <a:solidFill>
+                  <a:schemeClr val="tx1"/>
+                </a:solidFill>
+                <a:tailEnd type="none"/>
+              </a:ln>
+            </p:spPr>
+            <p:style>
+              <a:lnRef idx="1">
+                <a:schemeClr val="accent1"/>
+              </a:lnRef>
+              <a:fillRef idx="0">
+                <a:schemeClr val="accent1"/>
+              </a:fillRef>
+              <a:effectRef idx="0">
+                <a:schemeClr val="accent1"/>
+              </a:effectRef>
+              <a:fontRef idx="minor">
+                <a:schemeClr val="tx1"/>
+              </a:fontRef>
+            </p:style>
+          </p:cxnSp>
+          <p:sp>
+            <p:nvSpPr>
+              <p:cNvPr id="34" name="자유형 33"/>
+              <p:cNvSpPr/>
+              <p:nvPr/>
+            </p:nvSpPr>
+            <p:spPr>
+              <a:xfrm>
+                <a:off x="1542153" y="1020966"/>
+                <a:ext cx="6928516" cy="2820563"/>
+              </a:xfrm>
+              <a:custGeom>
+                <a:avLst/>
+                <a:gdLst>
+                  <a:gd name="connsiteX0" fmla="*/ 12327 w 6928516"/>
+                  <a:gd name="connsiteY0" fmla="*/ 1763798 h 2820563"/>
+                  <a:gd name="connsiteX1" fmla="*/ 112080 w 6928516"/>
+                  <a:gd name="connsiteY1" fmla="*/ 1763798 h 2820563"/>
+                  <a:gd name="connsiteX2" fmla="*/ 826974 w 6928516"/>
+                  <a:gd name="connsiteY2" fmla="*/ 2270874 h 2820563"/>
+                  <a:gd name="connsiteX3" fmla="*/ 1774625 w 6928516"/>
+                  <a:gd name="connsiteY3" fmla="*/ 1738859 h 2820563"/>
+                  <a:gd name="connsiteX4" fmla="*/ 2622523 w 6928516"/>
+                  <a:gd name="connsiteY4" fmla="*/ 209318 h 2820563"/>
+                  <a:gd name="connsiteX5" fmla="*/ 3262603 w 6928516"/>
+                  <a:gd name="connsiteY5" fmla="*/ 101252 h 2820563"/>
+                  <a:gd name="connsiteX6" fmla="*/ 3753054 w 6928516"/>
+                  <a:gd name="connsiteY6" fmla="*/ 1032278 h 2820563"/>
+                  <a:gd name="connsiteX7" fmla="*/ 4168691 w 6928516"/>
+                  <a:gd name="connsiteY7" fmla="*/ 2146183 h 2820563"/>
+                  <a:gd name="connsiteX8" fmla="*/ 4418072 w 6928516"/>
+                  <a:gd name="connsiteY8" fmla="*/ 2719761 h 2820563"/>
+                  <a:gd name="connsiteX9" fmla="*/ 4800458 w 6928516"/>
+                  <a:gd name="connsiteY9" fmla="*/ 2678198 h 2820563"/>
+                  <a:gd name="connsiteX10" fmla="*/ 5615105 w 6928516"/>
+                  <a:gd name="connsiteY10" fmla="*/ 1323223 h 2820563"/>
+                  <a:gd name="connsiteX11" fmla="*/ 6172058 w 6928516"/>
+                  <a:gd name="connsiteY11" fmla="*/ 1148656 h 2820563"/>
+                  <a:gd name="connsiteX12" fmla="*/ 6928516 w 6928516"/>
+                  <a:gd name="connsiteY12" fmla="*/ 2603383 h 2820563"/>
+                </a:gdLst>
+                <a:ahLst/>
+                <a:cxnLst>
+                  <a:cxn ang="0">
+                    <a:pos x="connsiteX0" y="connsiteY0"/>
+                  </a:cxn>
+                  <a:cxn ang="0">
+                    <a:pos x="connsiteX1" y="connsiteY1"/>
+                  </a:cxn>
+                  <a:cxn ang="0">
+                    <a:pos x="connsiteX2" y="connsiteY2"/>
+                  </a:cxn>
+                  <a:cxn ang="0">
+                    <a:pos x="connsiteX3" y="connsiteY3"/>
+                  </a:cxn>
+                  <a:cxn ang="0">
+                    <a:pos x="connsiteX4" y="connsiteY4"/>
+                  </a:cxn>
+                  <a:cxn ang="0">
+                    <a:pos x="connsiteX5" y="connsiteY5"/>
+                  </a:cxn>
+                  <a:cxn ang="0">
+                    <a:pos x="connsiteX6" y="connsiteY6"/>
+                  </a:cxn>
+                  <a:cxn ang="0">
+                    <a:pos x="connsiteX7" y="connsiteY7"/>
+                  </a:cxn>
+                  <a:cxn ang="0">
+                    <a:pos x="connsiteX8" y="connsiteY8"/>
+                  </a:cxn>
+                  <a:cxn ang="0">
+                    <a:pos x="connsiteX9" y="connsiteY9"/>
+                  </a:cxn>
+                  <a:cxn ang="0">
+                    <a:pos x="connsiteX10" y="connsiteY10"/>
+                  </a:cxn>
+                  <a:cxn ang="0">
+                    <a:pos x="connsiteX11" y="connsiteY11"/>
+                  </a:cxn>
+                  <a:cxn ang="0">
+                    <a:pos x="connsiteX12" y="connsiteY12"/>
+                  </a:cxn>
+                </a:cxnLst>
+                <a:rect l="l" t="t" r="r" b="b"/>
+                <a:pathLst>
+                  <a:path w="6928516" h="2820563">
+                    <a:moveTo>
+                      <a:pt x="12327" y="1763798"/>
+                    </a:moveTo>
+                    <a:cubicBezTo>
+                      <a:pt x="-5684" y="1721541"/>
+                      <a:pt x="-23695" y="1679285"/>
+                      <a:pt x="112080" y="1763798"/>
+                    </a:cubicBezTo>
+                    <a:cubicBezTo>
+                      <a:pt x="247855" y="1848311"/>
+                      <a:pt x="549883" y="2275030"/>
+                      <a:pt x="826974" y="2270874"/>
+                    </a:cubicBezTo>
+                    <a:cubicBezTo>
+                      <a:pt x="1104065" y="2266718"/>
+                      <a:pt x="1475367" y="2082452"/>
+                      <a:pt x="1774625" y="1738859"/>
+                    </a:cubicBezTo>
+                    <a:cubicBezTo>
+                      <a:pt x="2073883" y="1395266"/>
+                      <a:pt x="2374527" y="482252"/>
+                      <a:pt x="2622523" y="209318"/>
+                    </a:cubicBezTo>
+                    <a:cubicBezTo>
+                      <a:pt x="2870519" y="-63617"/>
+                      <a:pt x="3074181" y="-35908"/>
+                      <a:pt x="3262603" y="101252"/>
+                    </a:cubicBezTo>
+                    <a:cubicBezTo>
+                      <a:pt x="3451025" y="238412"/>
+                      <a:pt x="3602039" y="691456"/>
+                      <a:pt x="3753054" y="1032278"/>
+                    </a:cubicBezTo>
+                    <a:cubicBezTo>
+                      <a:pt x="3904069" y="1373100"/>
+                      <a:pt x="4057855" y="1864936"/>
+                      <a:pt x="4168691" y="2146183"/>
+                    </a:cubicBezTo>
+                    <a:cubicBezTo>
+                      <a:pt x="4279527" y="2427430"/>
+                      <a:pt x="4312778" y="2631092"/>
+                      <a:pt x="4418072" y="2719761"/>
+                    </a:cubicBezTo>
+                    <a:cubicBezTo>
+                      <a:pt x="4523367" y="2808430"/>
+                      <a:pt x="4600953" y="2910954"/>
+                      <a:pt x="4800458" y="2678198"/>
+                    </a:cubicBezTo>
+                    <a:cubicBezTo>
+                      <a:pt x="4999963" y="2445442"/>
+                      <a:pt x="5386505" y="1578147"/>
+                      <a:pt x="5615105" y="1323223"/>
+                    </a:cubicBezTo>
+                    <a:cubicBezTo>
+                      <a:pt x="5843705" y="1068299"/>
+                      <a:pt x="5953156" y="935296"/>
+                      <a:pt x="6172058" y="1148656"/>
+                    </a:cubicBezTo>
+                    <a:cubicBezTo>
+                      <a:pt x="6390960" y="1362016"/>
+                      <a:pt x="6801054" y="2358158"/>
+                      <a:pt x="6928516" y="2603383"/>
+                    </a:cubicBezTo>
+                  </a:path>
+                </a:pathLst>
+              </a:custGeom>
+              <a:noFill/>
+              <a:ln>
+                <a:solidFill>
+                  <a:srgbClr val="00B0F0"/>
+                </a:solidFill>
+              </a:ln>
+            </p:spPr>
+            <p:style>
+              <a:lnRef idx="2">
+                <a:schemeClr val="accent1">
+                  <a:shade val="50000"/>
+                </a:schemeClr>
+              </a:lnRef>
+              <a:fillRef idx="1">
+                <a:schemeClr val="accent1"/>
+              </a:fillRef>
+              <a:effectRef idx="0">
+                <a:schemeClr val="accent1"/>
+              </a:effectRef>
+              <a:fontRef idx="minor">
+                <a:schemeClr val="lt1"/>
+              </a:fontRef>
+            </p:style>
+            <p:txBody>
+              <a:bodyPr rtlCol="0" anchor="ctr"/>
+              <a:lstStyle/>
+              <a:p>
+                <a:pPr algn="ctr"/>
+                <a:endParaRPr lang="ko-KR" altLang="en-US"/>
+              </a:p>
+            </p:txBody>
+          </p:sp>
+        </p:grpSp>
+      </p:grpSp>
+      <p:sp>
+        <p:nvSpPr>
+          <p:cNvPr id="5" name="TextBox 4"/>
+          <p:cNvSpPr txBox="1"/>
+          <p:nvPr/>
+        </p:nvSpPr>
+        <p:spPr>
+          <a:xfrm>
+            <a:off x="2544693" y="1484784"/>
+            <a:ext cx="659155" cy="1323439"/>
+          </a:xfrm>
+          <a:prstGeom prst="rect">
+            <a:avLst/>
+          </a:prstGeom>
+          <a:noFill/>
+        </p:spPr>
+        <p:txBody>
+          <a:bodyPr wrap="none" rtlCol="0">
+            <a:spAutoFit/>
+          </a:bodyPr>
+          <a:lstStyle/>
+          <a:p>
+            <a:r>
+              <a:rPr lang="en-US" altLang="ko-KR" sz="8000" dirty="0" smtClean="0">
+                <a:latin typeface="카페24 고운밤" pitchFamily="2" charset="-127"/>
+                <a:ea typeface="카페24 고운밤" pitchFamily="2" charset="-127"/>
+              </a:rPr>
+              <a:t>+</a:t>
+            </a:r>
+            <a:endParaRPr lang="ko-KR" altLang="en-US" sz="8000" dirty="0">
+              <a:latin typeface="카페24 고운밤" pitchFamily="2" charset="-127"/>
+              <a:ea typeface="카페24 고운밤" pitchFamily="2" charset="-127"/>
+            </a:endParaRPr>
+          </a:p>
+        </p:txBody>
+      </p:sp>
+      <p:sp>
+        <p:nvSpPr>
+          <p:cNvPr id="35" name="TextBox 34"/>
+          <p:cNvSpPr txBox="1"/>
+          <p:nvPr/>
+        </p:nvSpPr>
+        <p:spPr>
+          <a:xfrm>
+            <a:off x="5064973" y="1484784"/>
+            <a:ext cx="659155" cy="1323439"/>
+          </a:xfrm>
+          <a:prstGeom prst="rect">
+            <a:avLst/>
+          </a:prstGeom>
+          <a:noFill/>
+        </p:spPr>
+        <p:txBody>
+          <a:bodyPr wrap="none" rtlCol="0">
+            <a:spAutoFit/>
+          </a:bodyPr>
+          <a:lstStyle/>
+          <a:p>
+            <a:r>
+              <a:rPr lang="en-US" altLang="ko-KR" sz="8000" dirty="0" smtClean="0">
+                <a:latin typeface="카페24 고운밤" pitchFamily="2" charset="-127"/>
+                <a:ea typeface="카페24 고운밤" pitchFamily="2" charset="-127"/>
+              </a:rPr>
+              <a:t>+</a:t>
+            </a:r>
+            <a:endParaRPr lang="ko-KR" altLang="en-US" sz="8000" dirty="0">
+              <a:latin typeface="카페24 고운밤" pitchFamily="2" charset="-127"/>
+              <a:ea typeface="카페24 고운밤" pitchFamily="2" charset="-127"/>
+            </a:endParaRPr>
+          </a:p>
+        </p:txBody>
+      </p:sp>
+      <p:sp>
+        <p:nvSpPr>
+          <p:cNvPr id="36" name="TextBox 35"/>
+          <p:cNvSpPr txBox="1"/>
+          <p:nvPr/>
+        </p:nvSpPr>
+        <p:spPr>
+          <a:xfrm>
+            <a:off x="7596336" y="1889537"/>
+            <a:ext cx="1087157" cy="1323439"/>
+          </a:xfrm>
+          <a:prstGeom prst="rect">
+            <a:avLst/>
+          </a:prstGeom>
+          <a:noFill/>
+        </p:spPr>
+        <p:txBody>
+          <a:bodyPr wrap="none" rtlCol="0">
+            <a:spAutoFit/>
+          </a:bodyPr>
+          <a:lstStyle/>
+          <a:p>
+            <a:r>
+              <a:rPr lang="en-US" altLang="ko-KR" sz="8000" dirty="0" smtClean="0">
+                <a:latin typeface="카페24 고운밤" pitchFamily="2" charset="-127"/>
+                <a:ea typeface="카페24 고운밤" pitchFamily="2" charset="-127"/>
+              </a:rPr>
+              <a:t>…</a:t>
+            </a:r>
+            <a:endParaRPr lang="ko-KR" altLang="en-US" sz="8000" dirty="0">
+              <a:latin typeface="카페24 고운밤" pitchFamily="2" charset="-127"/>
+              <a:ea typeface="카페24 고운밤" pitchFamily="2" charset="-127"/>
+            </a:endParaRPr>
+          </a:p>
+        </p:txBody>
+      </p:sp>
+      <p:grpSp>
+        <p:nvGrpSpPr>
+          <p:cNvPr id="37" name="그룹 36"/>
+          <p:cNvGrpSpPr/>
+          <p:nvPr/>
+        </p:nvGrpSpPr>
+        <p:grpSpPr>
+          <a:xfrm>
+            <a:off x="3652014" y="3933056"/>
+            <a:ext cx="1856090" cy="895866"/>
+            <a:chOff x="1542153" y="1020966"/>
+            <a:chExt cx="6928516" cy="3344138"/>
+          </a:xfrm>
+        </p:grpSpPr>
+        <p:cxnSp>
+          <p:nvCxnSpPr>
+            <p:cNvPr id="38" name="직선 화살표 연결선 37"/>
+            <p:cNvCxnSpPr/>
+            <p:nvPr/>
+          </p:nvCxnSpPr>
+          <p:spPr>
+            <a:xfrm flipV="1">
+              <a:off x="8460432" y="1340768"/>
+              <a:ext cx="0" cy="3024336"/>
+            </a:xfrm>
+            <a:prstGeom prst="straightConnector1">
+              <a:avLst/>
+            </a:prstGeom>
+            <a:ln w="47625">
+              <a:solidFill>
+                <a:schemeClr val="tx1"/>
+              </a:solidFill>
+              <a:tailEnd type="none"/>
+            </a:ln>
+          </p:spPr>
+          <p:style>
+            <a:lnRef idx="1">
+              <a:schemeClr val="accent1"/>
+            </a:lnRef>
+            <a:fillRef idx="0">
+              <a:schemeClr val="accent1"/>
+            </a:fillRef>
+            <a:effectRef idx="0">
+              <a:schemeClr val="accent1"/>
+            </a:effectRef>
+            <a:fontRef idx="minor">
+              <a:schemeClr val="tx1"/>
+            </a:fontRef>
+          </p:style>
+        </p:cxnSp>
+        <p:grpSp>
+          <p:nvGrpSpPr>
+            <p:cNvPr id="39" name="그룹 38"/>
+            <p:cNvGrpSpPr/>
+            <p:nvPr/>
+          </p:nvGrpSpPr>
+          <p:grpSpPr>
+            <a:xfrm>
+              <a:off x="1542153" y="1020966"/>
+              <a:ext cx="6928516" cy="3344138"/>
+              <a:chOff x="1542153" y="1020966"/>
+              <a:chExt cx="6928516" cy="3344138"/>
+            </a:xfrm>
+          </p:grpSpPr>
+          <p:cxnSp>
+            <p:nvCxnSpPr>
+              <p:cNvPr id="40" name="직선 화살표 연결선 39"/>
+              <p:cNvCxnSpPr/>
+              <p:nvPr/>
+            </p:nvCxnSpPr>
+            <p:spPr>
+              <a:xfrm>
+                <a:off x="1547664" y="2852936"/>
+                <a:ext cx="6912768" cy="0"/>
+              </a:xfrm>
+              <a:prstGeom prst="straightConnector1">
+                <a:avLst/>
+              </a:prstGeom>
+              <a:ln w="47625">
+                <a:solidFill>
+                  <a:schemeClr val="bg2"/>
+                </a:solidFill>
+                <a:tailEnd type="none"/>
+              </a:ln>
+            </p:spPr>
+            <p:style>
+              <a:lnRef idx="1">
+                <a:schemeClr val="accent1"/>
+              </a:lnRef>
+              <a:fillRef idx="0">
+                <a:schemeClr val="accent1"/>
+              </a:fillRef>
+              <a:effectRef idx="0">
+                <a:schemeClr val="accent1"/>
+              </a:effectRef>
+              <a:fontRef idx="minor">
+                <a:schemeClr val="tx1"/>
+              </a:fontRef>
+            </p:style>
+          </p:cxnSp>
+          <p:cxnSp>
+            <p:nvCxnSpPr>
+              <p:cNvPr id="41" name="직선 화살표 연결선 40"/>
+              <p:cNvCxnSpPr/>
+              <p:nvPr/>
+            </p:nvCxnSpPr>
+            <p:spPr>
+              <a:xfrm flipV="1">
+                <a:off x="1552181" y="1340768"/>
+                <a:ext cx="0" cy="3024336"/>
+              </a:xfrm>
+              <a:prstGeom prst="straightConnector1">
+                <a:avLst/>
+              </a:prstGeom>
+              <a:ln w="47625">
+                <a:solidFill>
+                  <a:schemeClr val="tx1"/>
+                </a:solidFill>
+                <a:tailEnd type="none"/>
+              </a:ln>
+            </p:spPr>
+            <p:style>
+              <a:lnRef idx="1">
+                <a:schemeClr val="accent1"/>
+              </a:lnRef>
+              <a:fillRef idx="0">
+                <a:schemeClr val="accent1"/>
+              </a:fillRef>
+              <a:effectRef idx="0">
+                <a:schemeClr val="accent1"/>
+              </a:effectRef>
+              <a:fontRef idx="minor">
+                <a:schemeClr val="tx1"/>
+              </a:fontRef>
+            </p:style>
+          </p:cxnSp>
+          <p:sp>
+            <p:nvSpPr>
+              <p:cNvPr id="42" name="자유형 41"/>
+              <p:cNvSpPr/>
+              <p:nvPr/>
+            </p:nvSpPr>
+            <p:spPr>
+              <a:xfrm>
+                <a:off x="1542153" y="1020966"/>
+                <a:ext cx="6928516" cy="2820563"/>
+              </a:xfrm>
+              <a:custGeom>
+                <a:avLst/>
+                <a:gdLst>
+                  <a:gd name="connsiteX0" fmla="*/ 12327 w 6928516"/>
+                  <a:gd name="connsiteY0" fmla="*/ 1763798 h 2820563"/>
+                  <a:gd name="connsiteX1" fmla="*/ 112080 w 6928516"/>
+                  <a:gd name="connsiteY1" fmla="*/ 1763798 h 2820563"/>
+                  <a:gd name="connsiteX2" fmla="*/ 826974 w 6928516"/>
+                  <a:gd name="connsiteY2" fmla="*/ 2270874 h 2820563"/>
+                  <a:gd name="connsiteX3" fmla="*/ 1774625 w 6928516"/>
+                  <a:gd name="connsiteY3" fmla="*/ 1738859 h 2820563"/>
+                  <a:gd name="connsiteX4" fmla="*/ 2622523 w 6928516"/>
+                  <a:gd name="connsiteY4" fmla="*/ 209318 h 2820563"/>
+                  <a:gd name="connsiteX5" fmla="*/ 3262603 w 6928516"/>
+                  <a:gd name="connsiteY5" fmla="*/ 101252 h 2820563"/>
+                  <a:gd name="connsiteX6" fmla="*/ 3753054 w 6928516"/>
+                  <a:gd name="connsiteY6" fmla="*/ 1032278 h 2820563"/>
+                  <a:gd name="connsiteX7" fmla="*/ 4168691 w 6928516"/>
+                  <a:gd name="connsiteY7" fmla="*/ 2146183 h 2820563"/>
+                  <a:gd name="connsiteX8" fmla="*/ 4418072 w 6928516"/>
+                  <a:gd name="connsiteY8" fmla="*/ 2719761 h 2820563"/>
+                  <a:gd name="connsiteX9" fmla="*/ 4800458 w 6928516"/>
+                  <a:gd name="connsiteY9" fmla="*/ 2678198 h 2820563"/>
+                  <a:gd name="connsiteX10" fmla="*/ 5615105 w 6928516"/>
+                  <a:gd name="connsiteY10" fmla="*/ 1323223 h 2820563"/>
+                  <a:gd name="connsiteX11" fmla="*/ 6172058 w 6928516"/>
+                  <a:gd name="connsiteY11" fmla="*/ 1148656 h 2820563"/>
+                  <a:gd name="connsiteX12" fmla="*/ 6928516 w 6928516"/>
+                  <a:gd name="connsiteY12" fmla="*/ 2603383 h 2820563"/>
+                </a:gdLst>
+                <a:ahLst/>
+                <a:cxnLst>
+                  <a:cxn ang="0">
+                    <a:pos x="connsiteX0" y="connsiteY0"/>
+                  </a:cxn>
+                  <a:cxn ang="0">
+                    <a:pos x="connsiteX1" y="connsiteY1"/>
+                  </a:cxn>
+                  <a:cxn ang="0">
+                    <a:pos x="connsiteX2" y="connsiteY2"/>
+                  </a:cxn>
+                  <a:cxn ang="0">
+                    <a:pos x="connsiteX3" y="connsiteY3"/>
+                  </a:cxn>
+                  <a:cxn ang="0">
+                    <a:pos x="connsiteX4" y="connsiteY4"/>
+                  </a:cxn>
+                  <a:cxn ang="0">
+                    <a:pos x="connsiteX5" y="connsiteY5"/>
+                  </a:cxn>
+                  <a:cxn ang="0">
+                    <a:pos x="connsiteX6" y="connsiteY6"/>
+                  </a:cxn>
+                  <a:cxn ang="0">
+                    <a:pos x="connsiteX7" y="connsiteY7"/>
+                  </a:cxn>
+                  <a:cxn ang="0">
+                    <a:pos x="connsiteX8" y="connsiteY8"/>
+                  </a:cxn>
+                  <a:cxn ang="0">
+                    <a:pos x="connsiteX9" y="connsiteY9"/>
+                  </a:cxn>
+                  <a:cxn ang="0">
+                    <a:pos x="connsiteX10" y="connsiteY10"/>
+                  </a:cxn>
+                  <a:cxn ang="0">
+                    <a:pos x="connsiteX11" y="connsiteY11"/>
+                  </a:cxn>
+                  <a:cxn ang="0">
+                    <a:pos x="connsiteX12" y="connsiteY12"/>
+                  </a:cxn>
+                </a:cxnLst>
+                <a:rect l="l" t="t" r="r" b="b"/>
+                <a:pathLst>
+                  <a:path w="6928516" h="2820563">
+                    <a:moveTo>
+                      <a:pt x="12327" y="1763798"/>
+                    </a:moveTo>
+                    <a:cubicBezTo>
+                      <a:pt x="-5684" y="1721541"/>
+                      <a:pt x="-23695" y="1679285"/>
+                      <a:pt x="112080" y="1763798"/>
+                    </a:cubicBezTo>
+                    <a:cubicBezTo>
+                      <a:pt x="247855" y="1848311"/>
+                      <a:pt x="549883" y="2275030"/>
+                      <a:pt x="826974" y="2270874"/>
+                    </a:cubicBezTo>
+                    <a:cubicBezTo>
+                      <a:pt x="1104065" y="2266718"/>
+                      <a:pt x="1475367" y="2082452"/>
+                      <a:pt x="1774625" y="1738859"/>
+                    </a:cubicBezTo>
+                    <a:cubicBezTo>
+                      <a:pt x="2073883" y="1395266"/>
+                      <a:pt x="2374527" y="482252"/>
+                      <a:pt x="2622523" y="209318"/>
+                    </a:cubicBezTo>
+                    <a:cubicBezTo>
+                      <a:pt x="2870519" y="-63617"/>
+                      <a:pt x="3074181" y="-35908"/>
+                      <a:pt x="3262603" y="101252"/>
+                    </a:cubicBezTo>
+                    <a:cubicBezTo>
+                      <a:pt x="3451025" y="238412"/>
+                      <a:pt x="3602039" y="691456"/>
+                      <a:pt x="3753054" y="1032278"/>
+                    </a:cubicBezTo>
+                    <a:cubicBezTo>
+                      <a:pt x="3904069" y="1373100"/>
+                      <a:pt x="4057855" y="1864936"/>
+                      <a:pt x="4168691" y="2146183"/>
+                    </a:cubicBezTo>
+                    <a:cubicBezTo>
+                      <a:pt x="4279527" y="2427430"/>
+                      <a:pt x="4312778" y="2631092"/>
+                      <a:pt x="4418072" y="2719761"/>
+                    </a:cubicBezTo>
+                    <a:cubicBezTo>
+                      <a:pt x="4523367" y="2808430"/>
+                      <a:pt x="4600953" y="2910954"/>
+                      <a:pt x="4800458" y="2678198"/>
+                    </a:cubicBezTo>
+                    <a:cubicBezTo>
+                      <a:pt x="4999963" y="2445442"/>
+                      <a:pt x="5386505" y="1578147"/>
+                      <a:pt x="5615105" y="1323223"/>
+                    </a:cubicBezTo>
+                    <a:cubicBezTo>
+                      <a:pt x="5843705" y="1068299"/>
+                      <a:pt x="5953156" y="935296"/>
+                      <a:pt x="6172058" y="1148656"/>
+                    </a:cubicBezTo>
+                    <a:cubicBezTo>
+                      <a:pt x="6390960" y="1362016"/>
+                      <a:pt x="6801054" y="2358158"/>
+                      <a:pt x="6928516" y="2603383"/>
+                    </a:cubicBezTo>
+                  </a:path>
+                </a:pathLst>
+              </a:custGeom>
+              <a:noFill/>
+              <a:ln>
+                <a:solidFill>
+                  <a:srgbClr val="FF0000"/>
+                </a:solidFill>
+              </a:ln>
+            </p:spPr>
+            <p:style>
+              <a:lnRef idx="2">
+                <a:schemeClr val="accent1">
+                  <a:shade val="50000"/>
+                </a:schemeClr>
+              </a:lnRef>
+              <a:fillRef idx="1">
+                <a:schemeClr val="accent1"/>
+              </a:fillRef>
+              <a:effectRef idx="0">
+                <a:schemeClr val="accent1"/>
+              </a:effectRef>
+              <a:fontRef idx="minor">
+                <a:schemeClr val="lt1"/>
+              </a:fontRef>
+            </p:style>
+            <p:txBody>
+              <a:bodyPr rtlCol="0" anchor="ctr"/>
+              <a:lstStyle/>
+              <a:p>
+                <a:pPr algn="ctr"/>
+                <a:endParaRPr lang="ko-KR" altLang="en-US"/>
+              </a:p>
+            </p:txBody>
+          </p:sp>
+        </p:grpSp>
+      </p:grpSp>
+      <p:sp>
+        <p:nvSpPr>
+          <p:cNvPr id="8" name="TextBox 7"/>
+          <p:cNvSpPr txBox="1"/>
+          <p:nvPr/>
+        </p:nvSpPr>
+        <p:spPr>
+          <a:xfrm>
+            <a:off x="3316390" y="1025368"/>
+            <a:ext cx="2175596" cy="523220"/>
+          </a:xfrm>
+          <a:prstGeom prst="rect">
+            <a:avLst/>
+          </a:prstGeom>
+          <a:noFill/>
+        </p:spPr>
+        <p:txBody>
+          <a:bodyPr wrap="none" rtlCol="0">
+            <a:spAutoFit/>
+          </a:bodyPr>
+          <a:lstStyle/>
+          <a:p>
+            <a:r>
+              <a:rPr lang="en-US" altLang="ko-KR" sz="2800" dirty="0" smtClean="0">
+                <a:latin typeface="카페24 고운밤" pitchFamily="2" charset="-127"/>
+                <a:ea typeface="카페24 고운밤" pitchFamily="2" charset="-127"/>
+              </a:rPr>
+              <a:t>Octaves </a:t>
+            </a:r>
+            <a:r>
+              <a:rPr lang="ko-KR" altLang="en-US" sz="2800" dirty="0" smtClean="0">
+                <a:latin typeface="카페24 고운밤" pitchFamily="2" charset="-127"/>
+                <a:ea typeface="카페24 고운밤" pitchFamily="2" charset="-127"/>
+              </a:rPr>
+              <a:t>옥타브</a:t>
+            </a:r>
+            <a:endParaRPr lang="ko-KR" altLang="en-US" sz="2800" dirty="0">
+              <a:latin typeface="카페24 고운밤" pitchFamily="2" charset="-127"/>
+              <a:ea typeface="카페24 고운밤" pitchFamily="2" charset="-127"/>
+            </a:endParaRPr>
+          </a:p>
+        </p:txBody>
+      </p:sp>
+      <p:sp>
+        <p:nvSpPr>
+          <p:cNvPr id="43" name="TextBox 42"/>
+          <p:cNvSpPr txBox="1"/>
+          <p:nvPr/>
+        </p:nvSpPr>
+        <p:spPr>
+          <a:xfrm rot="5400000">
+            <a:off x="4209323" y="2551256"/>
+            <a:ext cx="957313" cy="1323439"/>
+          </a:xfrm>
+          <a:prstGeom prst="rect">
+            <a:avLst/>
+          </a:prstGeom>
+          <a:noFill/>
+        </p:spPr>
+        <p:txBody>
+          <a:bodyPr wrap="none" rtlCol="0">
+            <a:spAutoFit/>
+          </a:bodyPr>
+          <a:lstStyle/>
+          <a:p>
+            <a:r>
+              <a:rPr lang="en-US" altLang="ko-KR" sz="8000" dirty="0" smtClean="0">
+                <a:latin typeface="카페24 고운밤" pitchFamily="2" charset="-127"/>
+                <a:ea typeface="카페24 고운밤" pitchFamily="2" charset="-127"/>
+              </a:rPr>
+              <a:t>=&gt;</a:t>
+            </a:r>
+            <a:endParaRPr lang="ko-KR" altLang="en-US" sz="8000" dirty="0">
+              <a:latin typeface="카페24 고운밤" pitchFamily="2" charset="-127"/>
+              <a:ea typeface="카페24 고운밤" pitchFamily="2" charset="-127"/>
+            </a:endParaRPr>
+          </a:p>
+        </p:txBody>
+      </p:sp>
+      <p:sp>
+        <p:nvSpPr>
+          <p:cNvPr id="9" name="TextBox 8"/>
+          <p:cNvSpPr txBox="1"/>
+          <p:nvPr/>
+        </p:nvSpPr>
+        <p:spPr>
+          <a:xfrm>
+            <a:off x="735707" y="3573016"/>
+            <a:ext cx="1085554" cy="646331"/>
+          </a:xfrm>
+          <a:prstGeom prst="rect">
+            <a:avLst/>
+          </a:prstGeom>
+          <a:noFill/>
+        </p:spPr>
+        <p:txBody>
+          <a:bodyPr wrap="none" rtlCol="0">
+            <a:spAutoFit/>
+          </a:bodyPr>
+          <a:lstStyle/>
+          <a:p>
+            <a:pPr algn="ctr"/>
+            <a:r>
+              <a:rPr lang="en-US" altLang="ko-KR" dirty="0" err="1" smtClean="0">
+                <a:latin typeface="카페24 고운밤" pitchFamily="2" charset="-127"/>
+                <a:ea typeface="카페24 고운밤" pitchFamily="2" charset="-127"/>
+              </a:rPr>
+              <a:t>Lacunarity</a:t>
+            </a:r>
+            <a:endParaRPr lang="en-US" altLang="ko-KR" dirty="0" smtClean="0">
+              <a:latin typeface="카페24 고운밤" pitchFamily="2" charset="-127"/>
+              <a:ea typeface="카페24 고운밤" pitchFamily="2" charset="-127"/>
+            </a:endParaRPr>
+          </a:p>
+          <a:p>
+            <a:pPr algn="ctr"/>
+            <a:r>
+              <a:rPr lang="ko-KR" altLang="en-US" dirty="0" smtClean="0">
+                <a:latin typeface="카페24 고운밤" pitchFamily="2" charset="-127"/>
+                <a:ea typeface="카페24 고운밤" pitchFamily="2" charset="-127"/>
+              </a:rPr>
+              <a:t>세심</a:t>
+            </a:r>
+            <a:r>
+              <a:rPr lang="ko-KR" altLang="en-US" dirty="0">
+                <a:latin typeface="카페24 고운밤" pitchFamily="2" charset="-127"/>
+                <a:ea typeface="카페24 고운밤" pitchFamily="2" charset="-127"/>
+              </a:rPr>
+              <a:t>한</a:t>
+            </a:r>
+          </a:p>
+        </p:txBody>
+      </p:sp>
+      <p:sp>
+        <p:nvSpPr>
+          <p:cNvPr id="10" name="TextBox 9"/>
+          <p:cNvSpPr txBox="1"/>
+          <p:nvPr/>
+        </p:nvSpPr>
+        <p:spPr>
+          <a:xfrm>
+            <a:off x="543852" y="2716215"/>
+            <a:ext cx="2135521" cy="338554"/>
+          </a:xfrm>
+          <a:prstGeom prst="rect">
+            <a:avLst/>
+          </a:prstGeom>
+          <a:noFill/>
+        </p:spPr>
+        <p:txBody>
+          <a:bodyPr wrap="none" rtlCol="0">
+            <a:spAutoFit/>
+          </a:bodyPr>
+          <a:lstStyle/>
+          <a:p>
+            <a:r>
+              <a:rPr lang="en-US" altLang="ko-KR" sz="1600" dirty="0" smtClean="0">
+                <a:latin typeface="카페24 고운밤" pitchFamily="2" charset="-127"/>
+                <a:ea typeface="카페24 고운밤" pitchFamily="2" charset="-127"/>
+              </a:rPr>
+              <a:t>frequency = </a:t>
+            </a:r>
+            <a:r>
+              <a:rPr lang="en-US" altLang="ko-KR" sz="1600" dirty="0" err="1" smtClean="0">
+                <a:latin typeface="카페24 고운밤" pitchFamily="2" charset="-127"/>
+                <a:ea typeface="카페24 고운밤" pitchFamily="2" charset="-127"/>
+              </a:rPr>
+              <a:t>lacunarity</a:t>
+            </a:r>
+            <a:r>
+              <a:rPr lang="en-US" altLang="ko-KR" sz="1600" dirty="0" smtClean="0">
+                <a:latin typeface="카페24 고운밤" pitchFamily="2" charset="-127"/>
+                <a:ea typeface="카페24 고운밤" pitchFamily="2" charset="-127"/>
+              </a:rPr>
+              <a:t> ^ 0</a:t>
+            </a:r>
+            <a:endParaRPr lang="ko-KR" altLang="en-US" sz="1600" dirty="0">
+              <a:latin typeface="카페24 고운밤" pitchFamily="2" charset="-127"/>
+              <a:ea typeface="카페24 고운밤" pitchFamily="2" charset="-127"/>
+            </a:endParaRPr>
+          </a:p>
+        </p:txBody>
+      </p:sp>
+      <p:sp>
+        <p:nvSpPr>
+          <p:cNvPr id="44" name="TextBox 43"/>
+          <p:cNvSpPr txBox="1"/>
+          <p:nvPr/>
+        </p:nvSpPr>
+        <p:spPr>
+          <a:xfrm>
+            <a:off x="3064131" y="2716215"/>
+            <a:ext cx="2105063" cy="338554"/>
+          </a:xfrm>
+          <a:prstGeom prst="rect">
+            <a:avLst/>
+          </a:prstGeom>
+          <a:noFill/>
+        </p:spPr>
+        <p:txBody>
+          <a:bodyPr wrap="none" rtlCol="0">
+            <a:spAutoFit/>
+          </a:bodyPr>
+          <a:lstStyle/>
+          <a:p>
+            <a:r>
+              <a:rPr lang="en-US" altLang="ko-KR" sz="1600" dirty="0" smtClean="0">
+                <a:latin typeface="카페24 고운밤" pitchFamily="2" charset="-127"/>
+                <a:ea typeface="카페24 고운밤" pitchFamily="2" charset="-127"/>
+              </a:rPr>
+              <a:t>frequency = </a:t>
+            </a:r>
+            <a:r>
+              <a:rPr lang="en-US" altLang="ko-KR" sz="1600" dirty="0" err="1" smtClean="0">
+                <a:latin typeface="카페24 고운밤" pitchFamily="2" charset="-127"/>
+                <a:ea typeface="카페24 고운밤" pitchFamily="2" charset="-127"/>
+              </a:rPr>
+              <a:t>lacunarity</a:t>
+            </a:r>
+            <a:r>
+              <a:rPr lang="en-US" altLang="ko-KR" sz="1600" dirty="0" smtClean="0">
+                <a:latin typeface="카페24 고운밤" pitchFamily="2" charset="-127"/>
+                <a:ea typeface="카페24 고운밤" pitchFamily="2" charset="-127"/>
+              </a:rPr>
+              <a:t> ^ 1</a:t>
+            </a:r>
+            <a:endParaRPr lang="ko-KR" altLang="en-US" sz="1600" dirty="0">
+              <a:latin typeface="카페24 고운밤" pitchFamily="2" charset="-127"/>
+              <a:ea typeface="카페24 고운밤" pitchFamily="2" charset="-127"/>
+            </a:endParaRPr>
+          </a:p>
+        </p:txBody>
+      </p:sp>
+      <p:sp>
+        <p:nvSpPr>
+          <p:cNvPr id="45" name="TextBox 44"/>
+          <p:cNvSpPr txBox="1"/>
+          <p:nvPr/>
+        </p:nvSpPr>
+        <p:spPr>
+          <a:xfrm>
+            <a:off x="5584412" y="2716215"/>
+            <a:ext cx="2135521" cy="338554"/>
+          </a:xfrm>
+          <a:prstGeom prst="rect">
+            <a:avLst/>
+          </a:prstGeom>
+          <a:noFill/>
+        </p:spPr>
+        <p:txBody>
+          <a:bodyPr wrap="none" rtlCol="0">
+            <a:spAutoFit/>
+          </a:bodyPr>
+          <a:lstStyle/>
+          <a:p>
+            <a:r>
+              <a:rPr lang="en-US" altLang="ko-KR" sz="1600" dirty="0" smtClean="0">
+                <a:latin typeface="카페24 고운밤" pitchFamily="2" charset="-127"/>
+                <a:ea typeface="카페24 고운밤" pitchFamily="2" charset="-127"/>
+              </a:rPr>
+              <a:t>frequency = </a:t>
+            </a:r>
+            <a:r>
+              <a:rPr lang="en-US" altLang="ko-KR" sz="1600" dirty="0" err="1" smtClean="0">
+                <a:latin typeface="카페24 고운밤" pitchFamily="2" charset="-127"/>
+                <a:ea typeface="카페24 고운밤" pitchFamily="2" charset="-127"/>
+              </a:rPr>
+              <a:t>lacunarity</a:t>
+            </a:r>
+            <a:r>
+              <a:rPr lang="en-US" altLang="ko-KR" sz="1600" dirty="0" smtClean="0">
+                <a:latin typeface="카페24 고운밤" pitchFamily="2" charset="-127"/>
+                <a:ea typeface="카페24 고운밤" pitchFamily="2" charset="-127"/>
+              </a:rPr>
+              <a:t> ^ 2</a:t>
+            </a:r>
+            <a:endParaRPr lang="ko-KR" altLang="en-US" sz="1600" dirty="0">
+              <a:latin typeface="카페24 고운밤" pitchFamily="2" charset="-127"/>
+              <a:ea typeface="카페24 고운밤" pitchFamily="2" charset="-127"/>
+            </a:endParaRPr>
+          </a:p>
+        </p:txBody>
+      </p:sp>
+      <p:sp>
+        <p:nvSpPr>
+          <p:cNvPr id="47" name="TextBox 46"/>
+          <p:cNvSpPr txBox="1"/>
+          <p:nvPr/>
+        </p:nvSpPr>
+        <p:spPr>
+          <a:xfrm>
+            <a:off x="542044" y="2713379"/>
+            <a:ext cx="2390398" cy="338554"/>
+          </a:xfrm>
+          <a:prstGeom prst="rect">
+            <a:avLst/>
+          </a:prstGeom>
+          <a:noFill/>
+        </p:spPr>
+        <p:txBody>
+          <a:bodyPr wrap="none" rtlCol="0">
+            <a:spAutoFit/>
+          </a:bodyPr>
+          <a:lstStyle/>
+          <a:p>
+            <a:r>
+              <a:rPr lang="en-US" altLang="ko-KR" sz="1600" dirty="0" smtClean="0">
+                <a:latin typeface="카페24 고운밤" pitchFamily="2" charset="-127"/>
+                <a:ea typeface="카페24 고운밤" pitchFamily="2" charset="-127"/>
+              </a:rPr>
+              <a:t>frequency = </a:t>
+            </a:r>
+            <a:r>
+              <a:rPr lang="en-US" altLang="ko-KR" sz="1600" dirty="0" err="1" smtClean="0">
+                <a:latin typeface="카페24 고운밤" pitchFamily="2" charset="-127"/>
+                <a:ea typeface="카페24 고운밤" pitchFamily="2" charset="-127"/>
+              </a:rPr>
+              <a:t>lacunarity</a:t>
+            </a:r>
+            <a:r>
+              <a:rPr lang="en-US" altLang="ko-KR" sz="1600" dirty="0" smtClean="0">
+                <a:latin typeface="카페24 고운밤" pitchFamily="2" charset="-127"/>
+                <a:ea typeface="카페24 고운밤" pitchFamily="2" charset="-127"/>
+              </a:rPr>
+              <a:t> ^ 0 = 1</a:t>
+            </a:r>
+            <a:endParaRPr lang="ko-KR" altLang="en-US" sz="1600" dirty="0">
+              <a:latin typeface="카페24 고운밤" pitchFamily="2" charset="-127"/>
+              <a:ea typeface="카페24 고운밤" pitchFamily="2" charset="-127"/>
+            </a:endParaRPr>
+          </a:p>
+        </p:txBody>
+      </p:sp>
+      <p:sp>
+        <p:nvSpPr>
+          <p:cNvPr id="48" name="TextBox 47"/>
+          <p:cNvSpPr txBox="1"/>
+          <p:nvPr/>
+        </p:nvSpPr>
+        <p:spPr>
+          <a:xfrm>
+            <a:off x="3063494" y="2717233"/>
+            <a:ext cx="2359941" cy="338554"/>
+          </a:xfrm>
+          <a:prstGeom prst="rect">
+            <a:avLst/>
+          </a:prstGeom>
+          <a:noFill/>
+        </p:spPr>
+        <p:txBody>
+          <a:bodyPr wrap="none" rtlCol="0">
+            <a:spAutoFit/>
+          </a:bodyPr>
+          <a:lstStyle/>
+          <a:p>
+            <a:r>
+              <a:rPr lang="en-US" altLang="ko-KR" sz="1600" dirty="0" smtClean="0">
+                <a:latin typeface="카페24 고운밤" pitchFamily="2" charset="-127"/>
+                <a:ea typeface="카페24 고운밤" pitchFamily="2" charset="-127"/>
+              </a:rPr>
+              <a:t>frequency = </a:t>
+            </a:r>
+            <a:r>
+              <a:rPr lang="en-US" altLang="ko-KR" sz="1600" dirty="0" err="1" smtClean="0">
+                <a:latin typeface="카페24 고운밤" pitchFamily="2" charset="-127"/>
+                <a:ea typeface="카페24 고운밤" pitchFamily="2" charset="-127"/>
+              </a:rPr>
+              <a:t>lacunarity</a:t>
+            </a:r>
+            <a:r>
+              <a:rPr lang="en-US" altLang="ko-KR" sz="1600" dirty="0" smtClean="0">
+                <a:latin typeface="카페24 고운밤" pitchFamily="2" charset="-127"/>
+                <a:ea typeface="카페24 고운밤" pitchFamily="2" charset="-127"/>
+              </a:rPr>
+              <a:t> ^ 1 = 2</a:t>
+            </a:r>
+            <a:endParaRPr lang="ko-KR" altLang="en-US" sz="1600" dirty="0">
+              <a:latin typeface="카페24 고운밤" pitchFamily="2" charset="-127"/>
+              <a:ea typeface="카페24 고운밤" pitchFamily="2" charset="-127"/>
+            </a:endParaRPr>
+          </a:p>
+        </p:txBody>
+      </p:sp>
+      <p:sp>
+        <p:nvSpPr>
+          <p:cNvPr id="49" name="TextBox 48"/>
+          <p:cNvSpPr txBox="1"/>
+          <p:nvPr/>
+        </p:nvSpPr>
+        <p:spPr>
+          <a:xfrm>
+            <a:off x="5585250" y="2717233"/>
+            <a:ext cx="2401619" cy="338554"/>
+          </a:xfrm>
+          <a:prstGeom prst="rect">
+            <a:avLst/>
+          </a:prstGeom>
+          <a:noFill/>
+        </p:spPr>
+        <p:txBody>
+          <a:bodyPr wrap="none" rtlCol="0">
+            <a:spAutoFit/>
+          </a:bodyPr>
+          <a:lstStyle/>
+          <a:p>
+            <a:r>
+              <a:rPr lang="en-US" altLang="ko-KR" sz="1600" dirty="0" smtClean="0">
+                <a:latin typeface="카페24 고운밤" pitchFamily="2" charset="-127"/>
+                <a:ea typeface="카페24 고운밤" pitchFamily="2" charset="-127"/>
+              </a:rPr>
+              <a:t>frequency = </a:t>
+            </a:r>
+            <a:r>
+              <a:rPr lang="en-US" altLang="ko-KR" sz="1600" dirty="0" err="1" smtClean="0">
+                <a:latin typeface="카페24 고운밤" pitchFamily="2" charset="-127"/>
+                <a:ea typeface="카페24 고운밤" pitchFamily="2" charset="-127"/>
+              </a:rPr>
+              <a:t>lacunarity</a:t>
+            </a:r>
+            <a:r>
+              <a:rPr lang="en-US" altLang="ko-KR" sz="1600" dirty="0" smtClean="0">
+                <a:latin typeface="카페24 고운밤" pitchFamily="2" charset="-127"/>
+                <a:ea typeface="카페24 고운밤" pitchFamily="2" charset="-127"/>
+              </a:rPr>
+              <a:t> ^ 2 = 4</a:t>
+            </a:r>
+            <a:endParaRPr lang="ko-KR" altLang="en-US" sz="1600" dirty="0">
+              <a:latin typeface="카페24 고운밤" pitchFamily="2" charset="-127"/>
+              <a:ea typeface="카페24 고운밤" pitchFamily="2" charset="-127"/>
+            </a:endParaRPr>
+          </a:p>
+        </p:txBody>
+      </p:sp>
+      <p:sp>
+        <p:nvSpPr>
+          <p:cNvPr id="50" name="TextBox 49"/>
+          <p:cNvSpPr txBox="1"/>
+          <p:nvPr/>
+        </p:nvSpPr>
+        <p:spPr>
+          <a:xfrm>
+            <a:off x="583176" y="3573016"/>
+            <a:ext cx="1396536" cy="646331"/>
+          </a:xfrm>
+          <a:prstGeom prst="rect">
+            <a:avLst/>
+          </a:prstGeom>
+          <a:noFill/>
+        </p:spPr>
+        <p:txBody>
+          <a:bodyPr wrap="none" rtlCol="0">
+            <a:spAutoFit/>
+          </a:bodyPr>
+          <a:lstStyle/>
+          <a:p>
+            <a:pPr algn="ctr"/>
+            <a:r>
+              <a:rPr lang="en-US" altLang="ko-KR" dirty="0" err="1" smtClean="0">
+                <a:latin typeface="카페24 고운밤" pitchFamily="2" charset="-127"/>
+                <a:ea typeface="카페24 고운밤" pitchFamily="2" charset="-127"/>
+              </a:rPr>
+              <a:t>Lacunarity</a:t>
+            </a:r>
+            <a:r>
+              <a:rPr lang="en-US" altLang="ko-KR" dirty="0" smtClean="0">
+                <a:latin typeface="카페24 고운밤" pitchFamily="2" charset="-127"/>
+                <a:ea typeface="카페24 고운밤" pitchFamily="2" charset="-127"/>
+              </a:rPr>
+              <a:t> = 2</a:t>
+            </a:r>
+          </a:p>
+          <a:p>
+            <a:pPr algn="ctr"/>
+            <a:r>
+              <a:rPr lang="ko-KR" altLang="en-US" dirty="0" smtClean="0">
+                <a:latin typeface="카페24 고운밤" pitchFamily="2" charset="-127"/>
+                <a:ea typeface="카페24 고운밤" pitchFamily="2" charset="-127"/>
+              </a:rPr>
+              <a:t>세심</a:t>
+            </a:r>
+            <a:r>
+              <a:rPr lang="ko-KR" altLang="en-US" dirty="0">
+                <a:latin typeface="카페24 고운밤" pitchFamily="2" charset="-127"/>
+                <a:ea typeface="카페24 고운밤" pitchFamily="2" charset="-127"/>
+              </a:rPr>
+              <a:t>한</a:t>
+            </a:r>
+          </a:p>
+        </p:txBody>
+      </p:sp>
+      <p:sp>
+        <p:nvSpPr>
+          <p:cNvPr id="11" name="TextBox 10"/>
+          <p:cNvSpPr txBox="1"/>
+          <p:nvPr/>
+        </p:nvSpPr>
+        <p:spPr>
+          <a:xfrm>
+            <a:off x="674802" y="4293096"/>
+            <a:ext cx="1160894" cy="646331"/>
+          </a:xfrm>
+          <a:prstGeom prst="rect">
+            <a:avLst/>
+          </a:prstGeom>
+          <a:noFill/>
+        </p:spPr>
+        <p:txBody>
+          <a:bodyPr wrap="none" rtlCol="0">
+            <a:spAutoFit/>
+          </a:bodyPr>
+          <a:lstStyle/>
+          <a:p>
+            <a:pPr algn="ctr"/>
+            <a:r>
+              <a:rPr lang="en-US" altLang="ko-KR" dirty="0" err="1" smtClean="0">
+                <a:latin typeface="카페24 고운밤" pitchFamily="2" charset="-127"/>
+                <a:ea typeface="카페24 고운밤" pitchFamily="2" charset="-127"/>
+              </a:rPr>
+              <a:t>Persistance</a:t>
+            </a:r>
+            <a:endParaRPr lang="en-US" altLang="ko-KR" dirty="0" smtClean="0">
+              <a:latin typeface="카페24 고운밤" pitchFamily="2" charset="-127"/>
+              <a:ea typeface="카페24 고운밤" pitchFamily="2" charset="-127"/>
+            </a:endParaRPr>
+          </a:p>
+          <a:p>
+            <a:pPr algn="ctr"/>
+            <a:r>
+              <a:rPr lang="ko-KR" altLang="en-US" dirty="0" smtClean="0">
+                <a:latin typeface="카페24 고운밤" pitchFamily="2" charset="-127"/>
+                <a:ea typeface="카페24 고운밤" pitchFamily="2" charset="-127"/>
+              </a:rPr>
+              <a:t>지속</a:t>
+            </a:r>
+            <a:r>
+              <a:rPr lang="ko-KR" altLang="en-US" dirty="0">
+                <a:latin typeface="카페24 고운밤" pitchFamily="2" charset="-127"/>
+                <a:ea typeface="카페24 고운밤" pitchFamily="2" charset="-127"/>
+              </a:rPr>
+              <a:t>성</a:t>
+            </a:r>
+          </a:p>
+        </p:txBody>
+      </p:sp>
+      <p:sp>
+        <p:nvSpPr>
+          <p:cNvPr id="51" name="TextBox 50"/>
+          <p:cNvSpPr txBox="1"/>
+          <p:nvPr/>
+        </p:nvSpPr>
+        <p:spPr>
+          <a:xfrm>
+            <a:off x="539552" y="3068960"/>
+            <a:ext cx="2252540" cy="338554"/>
+          </a:xfrm>
+          <a:prstGeom prst="rect">
+            <a:avLst/>
+          </a:prstGeom>
+          <a:noFill/>
+        </p:spPr>
+        <p:txBody>
+          <a:bodyPr wrap="none" rtlCol="0">
+            <a:spAutoFit/>
+          </a:bodyPr>
+          <a:lstStyle/>
+          <a:p>
+            <a:r>
+              <a:rPr lang="en-US" altLang="ko-KR" sz="1600" dirty="0" smtClean="0">
+                <a:latin typeface="카페24 고운밤" pitchFamily="2" charset="-127"/>
+                <a:ea typeface="카페24 고운밤" pitchFamily="2" charset="-127"/>
+              </a:rPr>
+              <a:t>amplitude = </a:t>
+            </a:r>
+            <a:r>
+              <a:rPr lang="en-US" altLang="ko-KR" sz="1600" dirty="0" err="1" smtClean="0">
+                <a:latin typeface="카페24 고운밤" pitchFamily="2" charset="-127"/>
+                <a:ea typeface="카페24 고운밤" pitchFamily="2" charset="-127"/>
+              </a:rPr>
+              <a:t>persistance</a:t>
+            </a:r>
+            <a:r>
+              <a:rPr lang="en-US" altLang="ko-KR" sz="1600" dirty="0" smtClean="0">
+                <a:latin typeface="카페24 고운밤" pitchFamily="2" charset="-127"/>
+                <a:ea typeface="카페24 고운밤" pitchFamily="2" charset="-127"/>
+              </a:rPr>
+              <a:t> ^ 0</a:t>
+            </a:r>
+            <a:endParaRPr lang="ko-KR" altLang="en-US" sz="1600" dirty="0">
+              <a:latin typeface="카페24 고운밤" pitchFamily="2" charset="-127"/>
+              <a:ea typeface="카페24 고운밤" pitchFamily="2" charset="-127"/>
+            </a:endParaRPr>
+          </a:p>
+        </p:txBody>
+      </p:sp>
+      <p:sp>
+        <p:nvSpPr>
+          <p:cNvPr id="52" name="TextBox 51"/>
+          <p:cNvSpPr txBox="1"/>
+          <p:nvPr/>
+        </p:nvSpPr>
+        <p:spPr>
+          <a:xfrm>
+            <a:off x="3063494" y="3054769"/>
+            <a:ext cx="2222083" cy="338554"/>
+          </a:xfrm>
+          <a:prstGeom prst="rect">
+            <a:avLst/>
+          </a:prstGeom>
+          <a:noFill/>
+        </p:spPr>
+        <p:txBody>
+          <a:bodyPr wrap="none" rtlCol="0">
+            <a:spAutoFit/>
+          </a:bodyPr>
+          <a:lstStyle/>
+          <a:p>
+            <a:r>
+              <a:rPr lang="en-US" altLang="ko-KR" sz="1600" dirty="0" smtClean="0">
+                <a:latin typeface="카페24 고운밤" pitchFamily="2" charset="-127"/>
+                <a:ea typeface="카페24 고운밤" pitchFamily="2" charset="-127"/>
+              </a:rPr>
+              <a:t>amplitude = </a:t>
+            </a:r>
+            <a:r>
+              <a:rPr lang="en-US" altLang="ko-KR" sz="1600" dirty="0" err="1" smtClean="0">
+                <a:latin typeface="카페24 고운밤" pitchFamily="2" charset="-127"/>
+                <a:ea typeface="카페24 고운밤" pitchFamily="2" charset="-127"/>
+              </a:rPr>
+              <a:t>persistance</a:t>
+            </a:r>
+            <a:r>
+              <a:rPr lang="en-US" altLang="ko-KR" sz="1600" dirty="0" smtClean="0">
+                <a:latin typeface="카페24 고운밤" pitchFamily="2" charset="-127"/>
+                <a:ea typeface="카페24 고운밤" pitchFamily="2" charset="-127"/>
+              </a:rPr>
+              <a:t> ^ 1</a:t>
+            </a:r>
+            <a:endParaRPr lang="ko-KR" altLang="en-US" sz="1600" dirty="0">
+              <a:latin typeface="카페24 고운밤" pitchFamily="2" charset="-127"/>
+              <a:ea typeface="카페24 고운밤" pitchFamily="2" charset="-127"/>
+            </a:endParaRPr>
+          </a:p>
+        </p:txBody>
+      </p:sp>
+      <p:sp>
+        <p:nvSpPr>
+          <p:cNvPr id="53" name="TextBox 52"/>
+          <p:cNvSpPr txBox="1"/>
+          <p:nvPr/>
+        </p:nvSpPr>
+        <p:spPr>
+          <a:xfrm>
+            <a:off x="5585250" y="3054769"/>
+            <a:ext cx="2242922" cy="338554"/>
+          </a:xfrm>
+          <a:prstGeom prst="rect">
+            <a:avLst/>
+          </a:prstGeom>
+          <a:noFill/>
+        </p:spPr>
+        <p:txBody>
+          <a:bodyPr wrap="none" rtlCol="0">
+            <a:spAutoFit/>
+          </a:bodyPr>
+          <a:lstStyle/>
+          <a:p>
+            <a:r>
+              <a:rPr lang="en-US" altLang="ko-KR" sz="1600" dirty="0" smtClean="0">
+                <a:latin typeface="카페24 고운밤" pitchFamily="2" charset="-127"/>
+                <a:ea typeface="카페24 고운밤" pitchFamily="2" charset="-127"/>
+              </a:rPr>
+              <a:t>amplitude = </a:t>
+            </a:r>
+            <a:r>
+              <a:rPr lang="en-US" altLang="ko-KR" sz="1600" dirty="0" err="1" smtClean="0">
+                <a:latin typeface="카페24 고운밤" pitchFamily="2" charset="-127"/>
+                <a:ea typeface="카페24 고운밤" pitchFamily="2" charset="-127"/>
+              </a:rPr>
+              <a:t>persistance</a:t>
+            </a:r>
+            <a:r>
+              <a:rPr lang="en-US" altLang="ko-KR" sz="1600" dirty="0" smtClean="0">
+                <a:latin typeface="카페24 고운밤" pitchFamily="2" charset="-127"/>
+                <a:ea typeface="카페24 고운밤" pitchFamily="2" charset="-127"/>
+              </a:rPr>
+              <a:t> ^ 2</a:t>
+            </a:r>
+            <a:endParaRPr lang="ko-KR" altLang="en-US" sz="1600" dirty="0">
+              <a:latin typeface="카페24 고운밤" pitchFamily="2" charset="-127"/>
+              <a:ea typeface="카페24 고운밤" pitchFamily="2" charset="-127"/>
+            </a:endParaRPr>
+          </a:p>
+        </p:txBody>
+      </p:sp>
+      <p:sp>
+        <p:nvSpPr>
+          <p:cNvPr id="54" name="TextBox 53"/>
+          <p:cNvSpPr txBox="1"/>
+          <p:nvPr/>
+        </p:nvSpPr>
+        <p:spPr>
+          <a:xfrm>
+            <a:off x="442362" y="4293096"/>
+            <a:ext cx="1633781" cy="646331"/>
+          </a:xfrm>
+          <a:prstGeom prst="rect">
+            <a:avLst/>
+          </a:prstGeom>
+          <a:noFill/>
+        </p:spPr>
+        <p:txBody>
+          <a:bodyPr wrap="none" rtlCol="0">
+            <a:spAutoFit/>
+          </a:bodyPr>
+          <a:lstStyle/>
+          <a:p>
+            <a:pPr algn="ctr"/>
+            <a:r>
+              <a:rPr lang="en-US" altLang="ko-KR" dirty="0" err="1" smtClean="0">
+                <a:latin typeface="카페24 고운밤" pitchFamily="2" charset="-127"/>
+                <a:ea typeface="카페24 고운밤" pitchFamily="2" charset="-127"/>
+              </a:rPr>
+              <a:t>Persistance</a:t>
+            </a:r>
+            <a:r>
+              <a:rPr lang="en-US" altLang="ko-KR" dirty="0" smtClean="0">
+                <a:latin typeface="카페24 고운밤" pitchFamily="2" charset="-127"/>
+                <a:ea typeface="카페24 고운밤" pitchFamily="2" charset="-127"/>
+              </a:rPr>
+              <a:t> = 0.5</a:t>
+            </a:r>
+          </a:p>
+          <a:p>
+            <a:pPr algn="ctr"/>
+            <a:r>
+              <a:rPr lang="ko-KR" altLang="en-US" dirty="0" smtClean="0">
+                <a:latin typeface="카페24 고운밤" pitchFamily="2" charset="-127"/>
+                <a:ea typeface="카페24 고운밤" pitchFamily="2" charset="-127"/>
+              </a:rPr>
+              <a:t>지속</a:t>
+            </a:r>
+            <a:r>
+              <a:rPr lang="ko-KR" altLang="en-US" dirty="0">
+                <a:latin typeface="카페24 고운밤" pitchFamily="2" charset="-127"/>
+                <a:ea typeface="카페24 고운밤" pitchFamily="2" charset="-127"/>
+              </a:rPr>
+              <a:t>성</a:t>
+            </a:r>
+          </a:p>
+        </p:txBody>
+      </p:sp>
+      <p:sp>
+        <p:nvSpPr>
+          <p:cNvPr id="55" name="TextBox 54"/>
+          <p:cNvSpPr txBox="1"/>
+          <p:nvPr/>
+        </p:nvSpPr>
+        <p:spPr>
+          <a:xfrm>
+            <a:off x="539714" y="3069757"/>
+            <a:ext cx="2507418" cy="338554"/>
+          </a:xfrm>
+          <a:prstGeom prst="rect">
+            <a:avLst/>
+          </a:prstGeom>
+          <a:noFill/>
+        </p:spPr>
+        <p:txBody>
+          <a:bodyPr wrap="none" rtlCol="0">
+            <a:spAutoFit/>
+          </a:bodyPr>
+          <a:lstStyle/>
+          <a:p>
+            <a:r>
+              <a:rPr lang="en-US" altLang="ko-KR" sz="1600" dirty="0" smtClean="0">
+                <a:latin typeface="카페24 고운밤" pitchFamily="2" charset="-127"/>
+                <a:ea typeface="카페24 고운밤" pitchFamily="2" charset="-127"/>
+              </a:rPr>
+              <a:t>amplitude = </a:t>
+            </a:r>
+            <a:r>
+              <a:rPr lang="en-US" altLang="ko-KR" sz="1600" dirty="0" err="1" smtClean="0">
+                <a:latin typeface="카페24 고운밤" pitchFamily="2" charset="-127"/>
+                <a:ea typeface="카페24 고운밤" pitchFamily="2" charset="-127"/>
+              </a:rPr>
+              <a:t>persistance</a:t>
+            </a:r>
+            <a:r>
+              <a:rPr lang="en-US" altLang="ko-KR" sz="1600" dirty="0" smtClean="0">
+                <a:latin typeface="카페24 고운밤" pitchFamily="2" charset="-127"/>
+                <a:ea typeface="카페24 고운밤" pitchFamily="2" charset="-127"/>
+              </a:rPr>
+              <a:t> ^ 0 = 1</a:t>
+            </a:r>
+            <a:endParaRPr lang="ko-KR" altLang="en-US" sz="1600" dirty="0">
+              <a:latin typeface="카페24 고운밤" pitchFamily="2" charset="-127"/>
+              <a:ea typeface="카페24 고운밤" pitchFamily="2" charset="-127"/>
+            </a:endParaRPr>
+          </a:p>
+        </p:txBody>
+      </p:sp>
+      <p:sp>
+        <p:nvSpPr>
+          <p:cNvPr id="56" name="TextBox 55"/>
+          <p:cNvSpPr txBox="1"/>
+          <p:nvPr/>
+        </p:nvSpPr>
+        <p:spPr>
+          <a:xfrm>
+            <a:off x="3064594" y="3054785"/>
+            <a:ext cx="2643672" cy="338554"/>
+          </a:xfrm>
+          <a:prstGeom prst="rect">
+            <a:avLst/>
+          </a:prstGeom>
+          <a:noFill/>
+        </p:spPr>
+        <p:txBody>
+          <a:bodyPr wrap="none" rtlCol="0">
+            <a:spAutoFit/>
+          </a:bodyPr>
+          <a:lstStyle/>
+          <a:p>
+            <a:r>
+              <a:rPr lang="en-US" altLang="ko-KR" sz="1600" dirty="0" smtClean="0">
+                <a:latin typeface="카페24 고운밤" pitchFamily="2" charset="-127"/>
+                <a:ea typeface="카페24 고운밤" pitchFamily="2" charset="-127"/>
+              </a:rPr>
+              <a:t>amplitude = </a:t>
+            </a:r>
+            <a:r>
+              <a:rPr lang="en-US" altLang="ko-KR" sz="1600" dirty="0" err="1" smtClean="0">
+                <a:latin typeface="카페24 고운밤" pitchFamily="2" charset="-127"/>
+                <a:ea typeface="카페24 고운밤" pitchFamily="2" charset="-127"/>
+              </a:rPr>
+              <a:t>persistance</a:t>
+            </a:r>
+            <a:r>
+              <a:rPr lang="en-US" altLang="ko-KR" sz="1600" dirty="0" smtClean="0">
+                <a:latin typeface="카페24 고운밤" pitchFamily="2" charset="-127"/>
+                <a:ea typeface="카페24 고운밤" pitchFamily="2" charset="-127"/>
+              </a:rPr>
+              <a:t> ^ 1 = 0.5</a:t>
+            </a:r>
+            <a:endParaRPr lang="ko-KR" altLang="en-US" sz="1600" dirty="0">
+              <a:latin typeface="카페24 고운밤" pitchFamily="2" charset="-127"/>
+              <a:ea typeface="카페24 고운밤" pitchFamily="2" charset="-127"/>
+            </a:endParaRPr>
+          </a:p>
+        </p:txBody>
+      </p:sp>
+      <p:sp>
+        <p:nvSpPr>
+          <p:cNvPr id="57" name="TextBox 56"/>
+          <p:cNvSpPr txBox="1"/>
+          <p:nvPr/>
+        </p:nvSpPr>
+        <p:spPr>
+          <a:xfrm>
+            <a:off x="5585266" y="3054785"/>
+            <a:ext cx="2754280" cy="338554"/>
+          </a:xfrm>
+          <a:prstGeom prst="rect">
+            <a:avLst/>
+          </a:prstGeom>
+          <a:noFill/>
+        </p:spPr>
+        <p:txBody>
+          <a:bodyPr wrap="none" rtlCol="0">
+            <a:spAutoFit/>
+          </a:bodyPr>
+          <a:lstStyle/>
+          <a:p>
+            <a:r>
+              <a:rPr lang="en-US" altLang="ko-KR" sz="1600" dirty="0" smtClean="0">
+                <a:latin typeface="카페24 고운밤" pitchFamily="2" charset="-127"/>
+                <a:ea typeface="카페24 고운밤" pitchFamily="2" charset="-127"/>
+              </a:rPr>
+              <a:t>amplitude = </a:t>
+            </a:r>
+            <a:r>
+              <a:rPr lang="en-US" altLang="ko-KR" sz="1600" dirty="0" err="1" smtClean="0">
+                <a:latin typeface="카페24 고운밤" pitchFamily="2" charset="-127"/>
+                <a:ea typeface="카페24 고운밤" pitchFamily="2" charset="-127"/>
+              </a:rPr>
+              <a:t>persistance</a:t>
+            </a:r>
+            <a:r>
+              <a:rPr lang="en-US" altLang="ko-KR" sz="1600" dirty="0" smtClean="0">
+                <a:latin typeface="카페24 고운밤" pitchFamily="2" charset="-127"/>
+                <a:ea typeface="카페24 고운밤" pitchFamily="2" charset="-127"/>
+              </a:rPr>
+              <a:t> ^ 2 = 0.25</a:t>
+            </a:r>
+            <a:endParaRPr lang="ko-KR" altLang="en-US" sz="1600" dirty="0">
+              <a:latin typeface="카페24 고운밤" pitchFamily="2" charset="-127"/>
+              <a:ea typeface="카페24 고운밤" pitchFamily="2" charset="-127"/>
+            </a:endParaRPr>
+          </a:p>
+        </p:txBody>
+      </p:sp>
+      <p:grpSp>
+        <p:nvGrpSpPr>
+          <p:cNvPr id="65" name="그룹 64"/>
+          <p:cNvGrpSpPr/>
+          <p:nvPr/>
+        </p:nvGrpSpPr>
+        <p:grpSpPr>
+          <a:xfrm>
+            <a:off x="1169539" y="1480966"/>
+            <a:ext cx="6831461" cy="3274120"/>
+            <a:chOff x="1169539" y="1480966"/>
+            <a:chExt cx="6831461" cy="3274120"/>
+          </a:xfrm>
+        </p:grpSpPr>
+        <p:grpSp>
+          <p:nvGrpSpPr>
+            <p:cNvPr id="58" name="그룹 57"/>
+            <p:cNvGrpSpPr/>
+            <p:nvPr/>
+          </p:nvGrpSpPr>
+          <p:grpSpPr>
+            <a:xfrm>
+              <a:off x="1169539" y="1773474"/>
+              <a:ext cx="6815111" cy="2981612"/>
+              <a:chOff x="1547664" y="1340768"/>
+              <a:chExt cx="6912768" cy="3024336"/>
+            </a:xfrm>
+          </p:grpSpPr>
+          <p:cxnSp>
+            <p:nvCxnSpPr>
+              <p:cNvPr id="59" name="직선 화살표 연결선 58"/>
+              <p:cNvCxnSpPr/>
+              <p:nvPr/>
+            </p:nvCxnSpPr>
+            <p:spPr>
+              <a:xfrm flipV="1">
+                <a:off x="8460432" y="1340768"/>
+                <a:ext cx="0" cy="3024336"/>
+              </a:xfrm>
+              <a:prstGeom prst="straightConnector1">
+                <a:avLst/>
+              </a:prstGeom>
+              <a:ln w="47625">
+                <a:solidFill>
+                  <a:schemeClr val="tx1"/>
+                </a:solidFill>
+                <a:tailEnd type="none"/>
+              </a:ln>
+            </p:spPr>
+            <p:style>
+              <a:lnRef idx="1">
+                <a:schemeClr val="accent1"/>
+              </a:lnRef>
+              <a:fillRef idx="0">
+                <a:schemeClr val="accent1"/>
+              </a:fillRef>
+              <a:effectRef idx="0">
+                <a:schemeClr val="accent1"/>
+              </a:effectRef>
+              <a:fontRef idx="minor">
+                <a:schemeClr val="tx1"/>
+              </a:fontRef>
+            </p:style>
+          </p:cxnSp>
+          <p:grpSp>
+            <p:nvGrpSpPr>
+              <p:cNvPr id="60" name="그룹 59"/>
+              <p:cNvGrpSpPr/>
+              <p:nvPr/>
+            </p:nvGrpSpPr>
+            <p:grpSpPr>
+              <a:xfrm>
+                <a:off x="1547664" y="1340768"/>
+                <a:ext cx="6912768" cy="3024336"/>
+                <a:chOff x="1547664" y="1340768"/>
+                <a:chExt cx="6912768" cy="3024336"/>
+              </a:xfrm>
+            </p:grpSpPr>
+            <p:cxnSp>
+              <p:nvCxnSpPr>
+                <p:cNvPr id="61" name="직선 화살표 연결선 60"/>
+                <p:cNvCxnSpPr/>
+                <p:nvPr/>
+              </p:nvCxnSpPr>
+              <p:spPr>
+                <a:xfrm>
+                  <a:off x="1547664" y="2852936"/>
+                  <a:ext cx="6912768" cy="0"/>
+                </a:xfrm>
+                <a:prstGeom prst="straightConnector1">
+                  <a:avLst/>
+                </a:prstGeom>
+                <a:ln w="47625">
+                  <a:solidFill>
+                    <a:schemeClr val="bg2"/>
+                  </a:solidFill>
+                  <a:tailEnd type="none"/>
+                </a:ln>
+              </p:spPr>
+              <p:style>
+                <a:lnRef idx="1">
+                  <a:schemeClr val="accent1"/>
+                </a:lnRef>
+                <a:fillRef idx="0">
+                  <a:schemeClr val="accent1"/>
+                </a:fillRef>
+                <a:effectRef idx="0">
+                  <a:schemeClr val="accent1"/>
+                </a:effectRef>
+                <a:fontRef idx="minor">
+                  <a:schemeClr val="tx1"/>
+                </a:fontRef>
+              </p:style>
+            </p:cxnSp>
+            <p:cxnSp>
+              <p:nvCxnSpPr>
+                <p:cNvPr id="62" name="직선 화살표 연결선 61"/>
+                <p:cNvCxnSpPr/>
+                <p:nvPr/>
+              </p:nvCxnSpPr>
+              <p:spPr>
+                <a:xfrm flipV="1">
+                  <a:off x="1552181" y="1340768"/>
+                  <a:ext cx="0" cy="3024336"/>
+                </a:xfrm>
+                <a:prstGeom prst="straightConnector1">
+                  <a:avLst/>
+                </a:prstGeom>
+                <a:ln w="47625">
+                  <a:solidFill>
+                    <a:schemeClr val="tx1"/>
+                  </a:solidFill>
+                  <a:tailEnd type="none"/>
+                </a:ln>
+              </p:spPr>
+              <p:style>
+                <a:lnRef idx="1">
+                  <a:schemeClr val="accent1"/>
+                </a:lnRef>
+                <a:fillRef idx="0">
+                  <a:schemeClr val="accent1"/>
+                </a:fillRef>
+                <a:effectRef idx="0">
+                  <a:schemeClr val="accent1"/>
+                </a:effectRef>
+                <a:fontRef idx="minor">
+                  <a:schemeClr val="tx1"/>
+                </a:fontRef>
+              </p:style>
+            </p:cxnSp>
+          </p:grpSp>
+        </p:grpSp>
+        <p:sp>
+          <p:nvSpPr>
+            <p:cNvPr id="64" name="자유형 63"/>
+            <p:cNvSpPr/>
+            <p:nvPr/>
+          </p:nvSpPr>
+          <p:spPr>
+            <a:xfrm>
+              <a:off x="1171575" y="1480966"/>
+              <a:ext cx="6829425" cy="3129180"/>
+            </a:xfrm>
+            <a:custGeom>
+              <a:avLst/>
+              <a:gdLst>
+                <a:gd name="connsiteX0" fmla="*/ 0 w 6829425"/>
+                <a:gd name="connsiteY0" fmla="*/ 1709909 h 3129180"/>
+                <a:gd name="connsiteX1" fmla="*/ 76200 w 6829425"/>
+                <a:gd name="connsiteY1" fmla="*/ 1709909 h 3129180"/>
+                <a:gd name="connsiteX2" fmla="*/ 171450 w 6829425"/>
+                <a:gd name="connsiteY2" fmla="*/ 1814684 h 3129180"/>
+                <a:gd name="connsiteX3" fmla="*/ 438150 w 6829425"/>
+                <a:gd name="connsiteY3" fmla="*/ 1738484 h 3129180"/>
+                <a:gd name="connsiteX4" fmla="*/ 638175 w 6829425"/>
+                <a:gd name="connsiteY4" fmla="*/ 1833734 h 3129180"/>
+                <a:gd name="connsiteX5" fmla="*/ 714375 w 6829425"/>
+                <a:gd name="connsiteY5" fmla="*/ 2014709 h 3129180"/>
+                <a:gd name="connsiteX6" fmla="*/ 733425 w 6829425"/>
+                <a:gd name="connsiteY6" fmla="*/ 2043284 h 3129180"/>
+                <a:gd name="connsiteX7" fmla="*/ 866775 w 6829425"/>
+                <a:gd name="connsiteY7" fmla="*/ 2033759 h 3129180"/>
+                <a:gd name="connsiteX8" fmla="*/ 1143000 w 6829425"/>
+                <a:gd name="connsiteY8" fmla="*/ 1662284 h 3129180"/>
+                <a:gd name="connsiteX9" fmla="*/ 1323975 w 6829425"/>
+                <a:gd name="connsiteY9" fmla="*/ 1728959 h 3129180"/>
+                <a:gd name="connsiteX10" fmla="*/ 1447800 w 6829425"/>
+                <a:gd name="connsiteY10" fmla="*/ 1624184 h 3129180"/>
+                <a:gd name="connsiteX11" fmla="*/ 1552575 w 6829425"/>
+                <a:gd name="connsiteY11" fmla="*/ 1547984 h 3129180"/>
+                <a:gd name="connsiteX12" fmla="*/ 1657350 w 6829425"/>
+                <a:gd name="connsiteY12" fmla="*/ 1700384 h 3129180"/>
+                <a:gd name="connsiteX13" fmla="*/ 1819275 w 6829425"/>
+                <a:gd name="connsiteY13" fmla="*/ 1986134 h 3129180"/>
+                <a:gd name="connsiteX14" fmla="*/ 1971675 w 6829425"/>
+                <a:gd name="connsiteY14" fmla="*/ 2214734 h 3129180"/>
+                <a:gd name="connsiteX15" fmla="*/ 2133600 w 6829425"/>
+                <a:gd name="connsiteY15" fmla="*/ 2205209 h 3129180"/>
+                <a:gd name="connsiteX16" fmla="*/ 2457450 w 6829425"/>
+                <a:gd name="connsiteY16" fmla="*/ 1681334 h 3129180"/>
+                <a:gd name="connsiteX17" fmla="*/ 2743200 w 6829425"/>
+                <a:gd name="connsiteY17" fmla="*/ 1081259 h 3129180"/>
+                <a:gd name="connsiteX18" fmla="*/ 2847975 w 6829425"/>
+                <a:gd name="connsiteY18" fmla="*/ 776459 h 3129180"/>
+                <a:gd name="connsiteX19" fmla="*/ 2933700 w 6829425"/>
+                <a:gd name="connsiteY19" fmla="*/ 538334 h 3129180"/>
+                <a:gd name="connsiteX20" fmla="*/ 3057525 w 6829425"/>
+                <a:gd name="connsiteY20" fmla="*/ 528809 h 3129180"/>
+                <a:gd name="connsiteX21" fmla="*/ 3162300 w 6829425"/>
+                <a:gd name="connsiteY21" fmla="*/ 757409 h 3129180"/>
+                <a:gd name="connsiteX22" fmla="*/ 3352800 w 6829425"/>
+                <a:gd name="connsiteY22" fmla="*/ 709784 h 3129180"/>
+                <a:gd name="connsiteX23" fmla="*/ 3400425 w 6829425"/>
+                <a:gd name="connsiteY23" fmla="*/ 605009 h 3129180"/>
+                <a:gd name="connsiteX24" fmla="*/ 3448050 w 6829425"/>
+                <a:gd name="connsiteY24" fmla="*/ 538334 h 3129180"/>
+                <a:gd name="connsiteX25" fmla="*/ 3514725 w 6829425"/>
+                <a:gd name="connsiteY25" fmla="*/ 585959 h 3129180"/>
+                <a:gd name="connsiteX26" fmla="*/ 3638550 w 6829425"/>
+                <a:gd name="connsiteY26" fmla="*/ 481184 h 3129180"/>
+                <a:gd name="connsiteX27" fmla="*/ 3914775 w 6829425"/>
+                <a:gd name="connsiteY27" fmla="*/ 4934 h 3129180"/>
+                <a:gd name="connsiteX28" fmla="*/ 4076700 w 6829425"/>
+                <a:gd name="connsiteY28" fmla="*/ 252584 h 3129180"/>
+                <a:gd name="connsiteX29" fmla="*/ 4229100 w 6829425"/>
+                <a:gd name="connsiteY29" fmla="*/ 566909 h 3129180"/>
+                <a:gd name="connsiteX30" fmla="*/ 4524375 w 6829425"/>
+                <a:gd name="connsiteY30" fmla="*/ 1071734 h 3129180"/>
+                <a:gd name="connsiteX31" fmla="*/ 4895850 w 6829425"/>
+                <a:gd name="connsiteY31" fmla="*/ 2109959 h 3129180"/>
+                <a:gd name="connsiteX32" fmla="*/ 5038725 w 6829425"/>
+                <a:gd name="connsiteY32" fmla="*/ 2567159 h 3129180"/>
+                <a:gd name="connsiteX33" fmla="*/ 5457825 w 6829425"/>
+                <a:gd name="connsiteY33" fmla="*/ 2652884 h 3129180"/>
+                <a:gd name="connsiteX34" fmla="*/ 5705475 w 6829425"/>
+                <a:gd name="connsiteY34" fmla="*/ 2891009 h 3129180"/>
+                <a:gd name="connsiteX35" fmla="*/ 5886450 w 6829425"/>
+                <a:gd name="connsiteY35" fmla="*/ 3129134 h 3129180"/>
+                <a:gd name="connsiteX36" fmla="*/ 6200775 w 6829425"/>
+                <a:gd name="connsiteY36" fmla="*/ 2871959 h 3129180"/>
+                <a:gd name="connsiteX37" fmla="*/ 6496050 w 6829425"/>
+                <a:gd name="connsiteY37" fmla="*/ 1843259 h 3129180"/>
+                <a:gd name="connsiteX38" fmla="*/ 6686550 w 6829425"/>
+                <a:gd name="connsiteY38" fmla="*/ 1252709 h 3129180"/>
+                <a:gd name="connsiteX39" fmla="*/ 6829425 w 6829425"/>
+                <a:gd name="connsiteY39" fmla="*/ 986009 h 3129180"/>
+              </a:gdLst>
+              <a:ahLst/>
+              <a:cxnLst>
+                <a:cxn ang="0">
+                  <a:pos x="connsiteX0" y="connsiteY0"/>
+                </a:cxn>
+                <a:cxn ang="0">
+                  <a:pos x="connsiteX1" y="connsiteY1"/>
+                </a:cxn>
+                <a:cxn ang="0">
+                  <a:pos x="connsiteX2" y="connsiteY2"/>
+                </a:cxn>
+                <a:cxn ang="0">
+                  <a:pos x="connsiteX3" y="connsiteY3"/>
+                </a:cxn>
+                <a:cxn ang="0">
+                  <a:pos x="connsiteX4" y="connsiteY4"/>
+                </a:cxn>
+                <a:cxn ang="0">
+                  <a:pos x="connsiteX5" y="connsiteY5"/>
+                </a:cxn>
+                <a:cxn ang="0">
+                  <a:pos x="connsiteX6" y="connsiteY6"/>
+                </a:cxn>
+                <a:cxn ang="0">
+                  <a:pos x="connsiteX7" y="connsiteY7"/>
+                </a:cxn>
+                <a:cxn ang="0">
+                  <a:pos x="connsiteX8" y="connsiteY8"/>
+                </a:cxn>
+                <a:cxn ang="0">
+                  <a:pos x="connsiteX9" y="connsiteY9"/>
+                </a:cxn>
+                <a:cxn ang="0">
+                  <a:pos x="connsiteX10" y="connsiteY10"/>
+                </a:cxn>
+                <a:cxn ang="0">
+                  <a:pos x="connsiteX11" y="connsiteY11"/>
+                </a:cxn>
+                <a:cxn ang="0">
+                  <a:pos x="connsiteX12" y="connsiteY12"/>
+                </a:cxn>
+                <a:cxn ang="0">
+                  <a:pos x="connsiteX13" y="connsiteY13"/>
+                </a:cxn>
+                <a:cxn ang="0">
+                  <a:pos x="connsiteX14" y="connsiteY14"/>
+                </a:cxn>
+                <a:cxn ang="0">
+                  <a:pos x="connsiteX15" y="connsiteY15"/>
+                </a:cxn>
+                <a:cxn ang="0">
+                  <a:pos x="connsiteX16" y="connsiteY16"/>
+                </a:cxn>
+                <a:cxn ang="0">
+                  <a:pos x="connsiteX17" y="connsiteY17"/>
+                </a:cxn>
+                <a:cxn ang="0">
+                  <a:pos x="connsiteX18" y="connsiteY18"/>
+                </a:cxn>
+                <a:cxn ang="0">
+                  <a:pos x="connsiteX19" y="connsiteY19"/>
+                </a:cxn>
+                <a:cxn ang="0">
+                  <a:pos x="connsiteX20" y="connsiteY20"/>
+                </a:cxn>
+                <a:cxn ang="0">
+                  <a:pos x="connsiteX21" y="connsiteY21"/>
+                </a:cxn>
+                <a:cxn ang="0">
+                  <a:pos x="connsiteX22" y="connsiteY22"/>
+                </a:cxn>
+                <a:cxn ang="0">
+                  <a:pos x="connsiteX23" y="connsiteY23"/>
+                </a:cxn>
+                <a:cxn ang="0">
+                  <a:pos x="connsiteX24" y="connsiteY24"/>
+                </a:cxn>
+                <a:cxn ang="0">
+                  <a:pos x="connsiteX25" y="connsiteY25"/>
+                </a:cxn>
+                <a:cxn ang="0">
+                  <a:pos x="connsiteX26" y="connsiteY26"/>
+                </a:cxn>
+                <a:cxn ang="0">
+                  <a:pos x="connsiteX27" y="connsiteY27"/>
+                </a:cxn>
+                <a:cxn ang="0">
+                  <a:pos x="connsiteX28" y="connsiteY28"/>
+                </a:cxn>
+                <a:cxn ang="0">
+                  <a:pos x="connsiteX29" y="connsiteY29"/>
+                </a:cxn>
+                <a:cxn ang="0">
+                  <a:pos x="connsiteX30" y="connsiteY30"/>
+                </a:cxn>
+                <a:cxn ang="0">
+                  <a:pos x="connsiteX31" y="connsiteY31"/>
+                </a:cxn>
+                <a:cxn ang="0">
+                  <a:pos x="connsiteX32" y="connsiteY32"/>
+                </a:cxn>
+                <a:cxn ang="0">
+                  <a:pos x="connsiteX33" y="connsiteY33"/>
+                </a:cxn>
+                <a:cxn ang="0">
+                  <a:pos x="connsiteX34" y="connsiteY34"/>
+                </a:cxn>
+                <a:cxn ang="0">
+                  <a:pos x="connsiteX35" y="connsiteY35"/>
+                </a:cxn>
+                <a:cxn ang="0">
+                  <a:pos x="connsiteX36" y="connsiteY36"/>
+                </a:cxn>
+                <a:cxn ang="0">
+                  <a:pos x="connsiteX37" y="connsiteY37"/>
+                </a:cxn>
+                <a:cxn ang="0">
+                  <a:pos x="connsiteX38" y="connsiteY38"/>
+                </a:cxn>
+                <a:cxn ang="0">
+                  <a:pos x="connsiteX39" y="connsiteY39"/>
+                </a:cxn>
+              </a:cxnLst>
+              <a:rect l="l" t="t" r="r" b="b"/>
+              <a:pathLst>
+                <a:path w="6829425" h="3129180">
+                  <a:moveTo>
+                    <a:pt x="0" y="1709909"/>
+                  </a:moveTo>
+                  <a:cubicBezTo>
+                    <a:pt x="23812" y="1701178"/>
+                    <a:pt x="47625" y="1692447"/>
+                    <a:pt x="76200" y="1709909"/>
+                  </a:cubicBezTo>
+                  <a:cubicBezTo>
+                    <a:pt x="104775" y="1727371"/>
+                    <a:pt x="111125" y="1809922"/>
+                    <a:pt x="171450" y="1814684"/>
+                  </a:cubicBezTo>
+                  <a:cubicBezTo>
+                    <a:pt x="231775" y="1819447"/>
+                    <a:pt x="360363" y="1735309"/>
+                    <a:pt x="438150" y="1738484"/>
+                  </a:cubicBezTo>
+                  <a:cubicBezTo>
+                    <a:pt x="515937" y="1741659"/>
+                    <a:pt x="592138" y="1787697"/>
+                    <a:pt x="638175" y="1833734"/>
+                  </a:cubicBezTo>
+                  <a:cubicBezTo>
+                    <a:pt x="684212" y="1879771"/>
+                    <a:pt x="698500" y="1979784"/>
+                    <a:pt x="714375" y="2014709"/>
+                  </a:cubicBezTo>
+                  <a:cubicBezTo>
+                    <a:pt x="730250" y="2049634"/>
+                    <a:pt x="708025" y="2040109"/>
+                    <a:pt x="733425" y="2043284"/>
+                  </a:cubicBezTo>
+                  <a:cubicBezTo>
+                    <a:pt x="758825" y="2046459"/>
+                    <a:pt x="798513" y="2097259"/>
+                    <a:pt x="866775" y="2033759"/>
+                  </a:cubicBezTo>
+                  <a:cubicBezTo>
+                    <a:pt x="935037" y="1970259"/>
+                    <a:pt x="1066800" y="1713084"/>
+                    <a:pt x="1143000" y="1662284"/>
+                  </a:cubicBezTo>
+                  <a:cubicBezTo>
+                    <a:pt x="1219200" y="1611484"/>
+                    <a:pt x="1273175" y="1735309"/>
+                    <a:pt x="1323975" y="1728959"/>
+                  </a:cubicBezTo>
+                  <a:cubicBezTo>
+                    <a:pt x="1374775" y="1722609"/>
+                    <a:pt x="1409700" y="1654346"/>
+                    <a:pt x="1447800" y="1624184"/>
+                  </a:cubicBezTo>
+                  <a:cubicBezTo>
+                    <a:pt x="1485900" y="1594022"/>
+                    <a:pt x="1517650" y="1535284"/>
+                    <a:pt x="1552575" y="1547984"/>
+                  </a:cubicBezTo>
+                  <a:cubicBezTo>
+                    <a:pt x="1587500" y="1560684"/>
+                    <a:pt x="1612900" y="1627359"/>
+                    <a:pt x="1657350" y="1700384"/>
+                  </a:cubicBezTo>
+                  <a:cubicBezTo>
+                    <a:pt x="1701800" y="1773409"/>
+                    <a:pt x="1766888" y="1900409"/>
+                    <a:pt x="1819275" y="1986134"/>
+                  </a:cubicBezTo>
+                  <a:cubicBezTo>
+                    <a:pt x="1871663" y="2071859"/>
+                    <a:pt x="1919288" y="2178222"/>
+                    <a:pt x="1971675" y="2214734"/>
+                  </a:cubicBezTo>
+                  <a:cubicBezTo>
+                    <a:pt x="2024062" y="2251246"/>
+                    <a:pt x="2052638" y="2294109"/>
+                    <a:pt x="2133600" y="2205209"/>
+                  </a:cubicBezTo>
+                  <a:cubicBezTo>
+                    <a:pt x="2214562" y="2116309"/>
+                    <a:pt x="2355850" y="1868659"/>
+                    <a:pt x="2457450" y="1681334"/>
+                  </a:cubicBezTo>
+                  <a:cubicBezTo>
+                    <a:pt x="2559050" y="1494009"/>
+                    <a:pt x="2678113" y="1232071"/>
+                    <a:pt x="2743200" y="1081259"/>
+                  </a:cubicBezTo>
+                  <a:cubicBezTo>
+                    <a:pt x="2808287" y="930447"/>
+                    <a:pt x="2816225" y="866946"/>
+                    <a:pt x="2847975" y="776459"/>
+                  </a:cubicBezTo>
+                  <a:cubicBezTo>
+                    <a:pt x="2879725" y="685972"/>
+                    <a:pt x="2898775" y="579609"/>
+                    <a:pt x="2933700" y="538334"/>
+                  </a:cubicBezTo>
+                  <a:cubicBezTo>
+                    <a:pt x="2968625" y="497059"/>
+                    <a:pt x="3019425" y="492297"/>
+                    <a:pt x="3057525" y="528809"/>
+                  </a:cubicBezTo>
+                  <a:cubicBezTo>
+                    <a:pt x="3095625" y="565321"/>
+                    <a:pt x="3113088" y="727247"/>
+                    <a:pt x="3162300" y="757409"/>
+                  </a:cubicBezTo>
+                  <a:cubicBezTo>
+                    <a:pt x="3211512" y="787571"/>
+                    <a:pt x="3313113" y="735184"/>
+                    <a:pt x="3352800" y="709784"/>
+                  </a:cubicBezTo>
+                  <a:cubicBezTo>
+                    <a:pt x="3392488" y="684384"/>
+                    <a:pt x="3384550" y="633584"/>
+                    <a:pt x="3400425" y="605009"/>
+                  </a:cubicBezTo>
+                  <a:cubicBezTo>
+                    <a:pt x="3416300" y="576434"/>
+                    <a:pt x="3429000" y="541509"/>
+                    <a:pt x="3448050" y="538334"/>
+                  </a:cubicBezTo>
+                  <a:cubicBezTo>
+                    <a:pt x="3467100" y="535159"/>
+                    <a:pt x="3482975" y="595484"/>
+                    <a:pt x="3514725" y="585959"/>
+                  </a:cubicBezTo>
+                  <a:cubicBezTo>
+                    <a:pt x="3546475" y="576434"/>
+                    <a:pt x="3571875" y="578021"/>
+                    <a:pt x="3638550" y="481184"/>
+                  </a:cubicBezTo>
+                  <a:cubicBezTo>
+                    <a:pt x="3705225" y="384346"/>
+                    <a:pt x="3841750" y="43034"/>
+                    <a:pt x="3914775" y="4934"/>
+                  </a:cubicBezTo>
+                  <a:cubicBezTo>
+                    <a:pt x="3987800" y="-33166"/>
+                    <a:pt x="4024312" y="158921"/>
+                    <a:pt x="4076700" y="252584"/>
+                  </a:cubicBezTo>
+                  <a:cubicBezTo>
+                    <a:pt x="4129088" y="346247"/>
+                    <a:pt x="4154488" y="430384"/>
+                    <a:pt x="4229100" y="566909"/>
+                  </a:cubicBezTo>
+                  <a:cubicBezTo>
+                    <a:pt x="4303713" y="703434"/>
+                    <a:pt x="4413250" y="814559"/>
+                    <a:pt x="4524375" y="1071734"/>
+                  </a:cubicBezTo>
+                  <a:cubicBezTo>
+                    <a:pt x="4635500" y="1328909"/>
+                    <a:pt x="4810125" y="1860722"/>
+                    <a:pt x="4895850" y="2109959"/>
+                  </a:cubicBezTo>
+                  <a:cubicBezTo>
+                    <a:pt x="4981575" y="2359196"/>
+                    <a:pt x="4945063" y="2476672"/>
+                    <a:pt x="5038725" y="2567159"/>
+                  </a:cubicBezTo>
+                  <a:cubicBezTo>
+                    <a:pt x="5132388" y="2657647"/>
+                    <a:pt x="5346700" y="2598909"/>
+                    <a:pt x="5457825" y="2652884"/>
+                  </a:cubicBezTo>
+                  <a:cubicBezTo>
+                    <a:pt x="5568950" y="2706859"/>
+                    <a:pt x="5634038" y="2811634"/>
+                    <a:pt x="5705475" y="2891009"/>
+                  </a:cubicBezTo>
+                  <a:cubicBezTo>
+                    <a:pt x="5776912" y="2970384"/>
+                    <a:pt x="5803900" y="3132309"/>
+                    <a:pt x="5886450" y="3129134"/>
+                  </a:cubicBezTo>
+                  <a:cubicBezTo>
+                    <a:pt x="5969000" y="3125959"/>
+                    <a:pt x="6099175" y="3086271"/>
+                    <a:pt x="6200775" y="2871959"/>
+                  </a:cubicBezTo>
+                  <a:cubicBezTo>
+                    <a:pt x="6302375" y="2657647"/>
+                    <a:pt x="6415088" y="2113134"/>
+                    <a:pt x="6496050" y="1843259"/>
+                  </a:cubicBezTo>
+                  <a:cubicBezTo>
+                    <a:pt x="6577012" y="1573384"/>
+                    <a:pt x="6630988" y="1395584"/>
+                    <a:pt x="6686550" y="1252709"/>
+                  </a:cubicBezTo>
+                  <a:cubicBezTo>
+                    <a:pt x="6742113" y="1109834"/>
+                    <a:pt x="6810375" y="1039984"/>
+                    <a:pt x="6829425" y="986009"/>
+                  </a:cubicBezTo>
+                </a:path>
+              </a:pathLst>
+            </a:custGeom>
+            <a:noFill/>
+            <a:ln>
+              <a:solidFill>
+                <a:srgbClr val="FF0000"/>
+              </a:solidFill>
+            </a:ln>
+          </p:spPr>
+          <p:style>
+            <a:lnRef idx="2">
+              <a:schemeClr val="accent1">
+                <a:shade val="50000"/>
+              </a:schemeClr>
+            </a:lnRef>
+            <a:fillRef idx="1">
+              <a:schemeClr val="accent1"/>
+            </a:fillRef>
+            <a:effectRef idx="0">
+              <a:schemeClr val="accent1"/>
+            </a:effectRef>
+            <a:fontRef idx="minor">
+              <a:schemeClr val="lt1"/>
+            </a:fontRef>
+          </p:style>
+          <p:txBody>
+            <a:bodyPr rtlCol="0" anchor="ctr"/>
+            <a:lstStyle/>
+            <a:p>
+              <a:pPr algn="ctr"/>
+              <a:endParaRPr lang="ko-KR" altLang="en-US"/>
+            </a:p>
+          </p:txBody>
+        </p:sp>
+      </p:grpSp>
+    </p:spTree>
+    <p:extLst>
+      <p:ext uri="{BB962C8B-B14F-4D97-AF65-F5344CB8AC3E}">
+        <p14:creationId xmlns:p14="http://schemas.microsoft.com/office/powerpoint/2010/main" val="1045347788"/>
+      </p:ext>
+    </p:extLst>
+  </p:cSld>
+  <p:clrMapOvr>
+    <a:masterClrMapping/>
+  </p:clrMapOvr>
+  <p:timing>
+    <p:tnLst>
+      <p:par>
+        <p:cTn id="1" dur="indefinite" restart="never" nodeType="tmRoot">
+          <p:childTnLst>
+            <p:seq concurrent="1" nextAc="seek">
+              <p:cTn id="2" dur="indefinite" nodeType="mainSeq">
+                <p:childTnLst>
+                  <p:par>
+                    <p:cTn id="3" fill="hold">
+                      <p:stCondLst>
+                        <p:cond delay="indefinite"/>
+                      </p:stCondLst>
+                      <p:childTnLst>
+                        <p:par>
+                          <p:cTn id="4" fill="hold">
+                            <p:stCondLst>
+                              <p:cond delay="0"/>
+                            </p:stCondLst>
+                            <p:childTnLst>
+                              <p:par>
+                                <p:cTn id="5" presetID="1" presetClass="entr" presetSubtype="0" fill="hold" nodeType="clickEffect">
+                                  <p:stCondLst>
+                                    <p:cond delay="0"/>
+                                  </p:stCondLst>
+                                  <p:childTnLst>
+                                    <p:set>
+                                      <p:cBhvr>
+                                        <p:cTn id="6" dur="1" fill="hold">
+                                          <p:stCondLst>
+                                            <p:cond delay="0"/>
+                                          </p:stCondLst>
+                                        </p:cTn>
+                                        <p:tgtEl>
+                                          <p:spTgt spid="3"/>
+                                        </p:tgtEl>
+                                        <p:attrNameLst>
+                                          <p:attrName>style.visibility</p:attrName>
+                                        </p:attrNameLst>
+                                      </p:cBhvr>
+                                      <p:to>
+                                        <p:strVal val="visible"/>
+                                      </p:to>
+                                    </p:set>
+                                  </p:childTnLst>
+                                </p:cTn>
+                              </p:par>
+                            </p:childTnLst>
+                          </p:cTn>
+                        </p:par>
+                        <p:par>
+                          <p:cTn id="7" fill="hold">
+                            <p:stCondLst>
+                              <p:cond delay="0"/>
+                            </p:stCondLst>
+                            <p:childTnLst>
+                              <p:par>
+                                <p:cTn id="8" presetID="1" presetClass="entr" presetSubtype="0" fill="hold" nodeType="afterEffect">
+                                  <p:stCondLst>
+                                    <p:cond delay="500"/>
+                                  </p:stCondLst>
+                                  <p:childTnLst>
+                                    <p:set>
+                                      <p:cBhvr>
+                                        <p:cTn id="9" dur="1" fill="hold">
+                                          <p:stCondLst>
+                                            <p:cond delay="0"/>
+                                          </p:stCondLst>
+                                        </p:cTn>
+                                        <p:tgtEl>
+                                          <p:spTgt spid="19"/>
+                                        </p:tgtEl>
+                                        <p:attrNameLst>
+                                          <p:attrName>style.visibility</p:attrName>
+                                        </p:attrNameLst>
+                                      </p:cBhvr>
+                                      <p:to>
+                                        <p:strVal val="visible"/>
+                                      </p:to>
+                                    </p:set>
+                                  </p:childTnLst>
+                                </p:cTn>
+                              </p:par>
+                            </p:childTnLst>
+                          </p:cTn>
+                        </p:par>
+                        <p:par>
+                          <p:cTn id="10" fill="hold">
+                            <p:stCondLst>
+                              <p:cond delay="500"/>
+                            </p:stCondLst>
+                            <p:childTnLst>
+                              <p:par>
+                                <p:cTn id="11" presetID="1" presetClass="entr" presetSubtype="0" fill="hold" nodeType="afterEffect">
+                                  <p:stCondLst>
+                                    <p:cond delay="500"/>
+                                  </p:stCondLst>
+                                  <p:childTnLst>
+                                    <p:set>
+                                      <p:cBhvr>
+                                        <p:cTn id="12" dur="1" fill="hold">
+                                          <p:stCondLst>
+                                            <p:cond delay="0"/>
+                                          </p:stCondLst>
+                                        </p:cTn>
+                                        <p:tgtEl>
+                                          <p:spTgt spid="29"/>
+                                        </p:tgtEl>
+                                        <p:attrNameLst>
+                                          <p:attrName>style.visibility</p:attrName>
+                                        </p:attrNameLst>
+                                      </p:cBhvr>
+                                      <p:to>
+                                        <p:strVal val="visible"/>
+                                      </p:to>
+                                    </p:set>
+                                  </p:childTnLst>
+                                </p:cTn>
+                              </p:par>
+                            </p:childTnLst>
+                          </p:cTn>
+                        </p:par>
+                        <p:par>
+                          <p:cTn id="13" fill="hold">
+                            <p:stCondLst>
+                              <p:cond delay="1000"/>
+                            </p:stCondLst>
+                            <p:childTnLst>
+                              <p:par>
+                                <p:cTn id="14" presetID="1" presetClass="entr" presetSubtype="0" fill="hold" grpId="0" nodeType="afterEffect">
+                                  <p:stCondLst>
+                                    <p:cond delay="500"/>
+                                  </p:stCondLst>
+                                  <p:childTnLst>
+                                    <p:set>
+                                      <p:cBhvr>
+                                        <p:cTn id="15" dur="1" fill="hold">
+                                          <p:stCondLst>
+                                            <p:cond delay="0"/>
+                                          </p:stCondLst>
+                                        </p:cTn>
+                                        <p:tgtEl>
+                                          <p:spTgt spid="36"/>
+                                        </p:tgtEl>
+                                        <p:attrNameLst>
+                                          <p:attrName>style.visibility</p:attrName>
+                                        </p:attrNameLst>
+                                      </p:cBhvr>
+                                      <p:to>
+                                        <p:strVal val="visible"/>
+                                      </p:to>
+                                    </p:set>
+                                  </p:childTnLst>
+                                </p:cTn>
+                              </p:par>
+                            </p:childTnLst>
+                          </p:cTn>
+                        </p:par>
+                        <p:par>
+                          <p:cTn id="16" fill="hold">
+                            <p:stCondLst>
+                              <p:cond delay="1500"/>
+                            </p:stCondLst>
+                            <p:childTnLst>
+                              <p:par>
+                                <p:cTn id="17" presetID="1" presetClass="entr" presetSubtype="0" fill="hold" grpId="0" nodeType="afterEffect">
+                                  <p:stCondLst>
+                                    <p:cond delay="500"/>
+                                  </p:stCondLst>
+                                  <p:childTnLst>
+                                    <p:set>
+                                      <p:cBhvr>
+                                        <p:cTn id="18" dur="1" fill="hold">
+                                          <p:stCondLst>
+                                            <p:cond delay="0"/>
+                                          </p:stCondLst>
+                                        </p:cTn>
+                                        <p:tgtEl>
+                                          <p:spTgt spid="8"/>
+                                        </p:tgtEl>
+                                        <p:attrNameLst>
+                                          <p:attrName>style.visibility</p:attrName>
+                                        </p:attrNameLst>
+                                      </p:cBhvr>
+                                      <p:to>
+                                        <p:strVal val="visible"/>
+                                      </p:to>
+                                    </p:set>
+                                  </p:childTnLst>
+                                </p:cTn>
+                              </p:par>
+                            </p:childTnLst>
+                          </p:cTn>
+                        </p:par>
+                      </p:childTnLst>
+                    </p:cTn>
+                  </p:par>
+                  <p:par>
+                    <p:cTn id="19" fill="hold">
+                      <p:stCondLst>
+                        <p:cond delay="indefinite"/>
+                      </p:stCondLst>
+                      <p:childTnLst>
+                        <p:par>
+                          <p:cTn id="20" fill="hold">
+                            <p:stCondLst>
+                              <p:cond delay="0"/>
+                            </p:stCondLst>
+                            <p:childTnLst>
+                              <p:par>
+                                <p:cTn id="21" presetID="1" presetClass="entr" presetSubtype="0" fill="hold" grpId="0" nodeType="clickEffect">
+                                  <p:stCondLst>
+                                    <p:cond delay="0"/>
+                                  </p:stCondLst>
+                                  <p:childTnLst>
+                                    <p:set>
+                                      <p:cBhvr>
+                                        <p:cTn id="22" dur="1" fill="hold">
+                                          <p:stCondLst>
+                                            <p:cond delay="0"/>
+                                          </p:stCondLst>
+                                        </p:cTn>
+                                        <p:tgtEl>
+                                          <p:spTgt spid="5"/>
+                                        </p:tgtEl>
+                                        <p:attrNameLst>
+                                          <p:attrName>style.visibility</p:attrName>
+                                        </p:attrNameLst>
+                                      </p:cBhvr>
+                                      <p:to>
+                                        <p:strVal val="visible"/>
+                                      </p:to>
+                                    </p:set>
+                                  </p:childTnLst>
+                                </p:cTn>
+                              </p:par>
+                            </p:childTnLst>
+                          </p:cTn>
+                        </p:par>
+                        <p:par>
+                          <p:cTn id="23" fill="hold">
+                            <p:stCondLst>
+                              <p:cond delay="0"/>
+                            </p:stCondLst>
+                            <p:childTnLst>
+                              <p:par>
+                                <p:cTn id="24" presetID="1" presetClass="entr" presetSubtype="0" fill="hold" grpId="0" nodeType="afterEffect">
+                                  <p:stCondLst>
+                                    <p:cond delay="500"/>
+                                  </p:stCondLst>
+                                  <p:childTnLst>
+                                    <p:set>
+                                      <p:cBhvr>
+                                        <p:cTn id="25" dur="1" fill="hold">
+                                          <p:stCondLst>
+                                            <p:cond delay="0"/>
+                                          </p:stCondLst>
+                                        </p:cTn>
+                                        <p:tgtEl>
+                                          <p:spTgt spid="35"/>
+                                        </p:tgtEl>
+                                        <p:attrNameLst>
+                                          <p:attrName>style.visibility</p:attrName>
+                                        </p:attrNameLst>
+                                      </p:cBhvr>
+                                      <p:to>
+                                        <p:strVal val="visible"/>
+                                      </p:to>
+                                    </p:set>
+                                  </p:childTnLst>
+                                </p:cTn>
+                              </p:par>
+                            </p:childTnLst>
+                          </p:cTn>
+                        </p:par>
+                        <p:par>
+                          <p:cTn id="26" fill="hold">
+                            <p:stCondLst>
+                              <p:cond delay="500"/>
+                            </p:stCondLst>
+                            <p:childTnLst>
+                              <p:par>
+                                <p:cTn id="27" presetID="1" presetClass="entr" presetSubtype="0" fill="hold" grpId="0" nodeType="afterEffect">
+                                  <p:stCondLst>
+                                    <p:cond delay="500"/>
+                                  </p:stCondLst>
+                                  <p:childTnLst>
+                                    <p:set>
+                                      <p:cBhvr>
+                                        <p:cTn id="28" dur="1" fill="hold">
+                                          <p:stCondLst>
+                                            <p:cond delay="0"/>
+                                          </p:stCondLst>
+                                        </p:cTn>
+                                        <p:tgtEl>
+                                          <p:spTgt spid="43"/>
+                                        </p:tgtEl>
+                                        <p:attrNameLst>
+                                          <p:attrName>style.visibility</p:attrName>
+                                        </p:attrNameLst>
+                                      </p:cBhvr>
+                                      <p:to>
+                                        <p:strVal val="visible"/>
+                                      </p:to>
+                                    </p:set>
+                                  </p:childTnLst>
+                                </p:cTn>
+                              </p:par>
+                            </p:childTnLst>
+                          </p:cTn>
+                        </p:par>
+                        <p:par>
+                          <p:cTn id="29" fill="hold">
+                            <p:stCondLst>
+                              <p:cond delay="1000"/>
+                            </p:stCondLst>
+                            <p:childTnLst>
+                              <p:par>
+                                <p:cTn id="30" presetID="1" presetClass="entr" presetSubtype="0" fill="hold" nodeType="afterEffect">
+                                  <p:stCondLst>
+                                    <p:cond delay="500"/>
+                                  </p:stCondLst>
+                                  <p:childTnLst>
+                                    <p:set>
+                                      <p:cBhvr>
+                                        <p:cTn id="31" dur="1" fill="hold">
+                                          <p:stCondLst>
+                                            <p:cond delay="0"/>
+                                          </p:stCondLst>
+                                        </p:cTn>
+                                        <p:tgtEl>
+                                          <p:spTgt spid="37"/>
+                                        </p:tgtEl>
+                                        <p:attrNameLst>
+                                          <p:attrName>style.visibility</p:attrName>
+                                        </p:attrNameLst>
+                                      </p:cBhvr>
+                                      <p:to>
+                                        <p:strVal val="visible"/>
+                                      </p:to>
+                                    </p:set>
+                                  </p:childTnLst>
+                                </p:cTn>
+                              </p:par>
+                            </p:childTnLst>
+                          </p:cTn>
+                        </p:par>
+                        <p:par>
+                          <p:cTn id="32" fill="hold">
+                            <p:stCondLst>
+                              <p:cond delay="1500"/>
+                            </p:stCondLst>
+                            <p:childTnLst>
+                              <p:par>
+                                <p:cTn id="33" presetID="1" presetClass="exit" presetSubtype="0" fill="hold" grpId="1" nodeType="afterEffect">
+                                  <p:stCondLst>
+                                    <p:cond delay="500"/>
+                                  </p:stCondLst>
+                                  <p:childTnLst>
+                                    <p:set>
+                                      <p:cBhvr>
+                                        <p:cTn id="34" dur="1" fill="hold">
+                                          <p:stCondLst>
+                                            <p:cond delay="0"/>
+                                          </p:stCondLst>
+                                        </p:cTn>
+                                        <p:tgtEl>
+                                          <p:spTgt spid="43"/>
+                                        </p:tgtEl>
+                                        <p:attrNameLst>
+                                          <p:attrName>style.visibility</p:attrName>
+                                        </p:attrNameLst>
+                                      </p:cBhvr>
+                                      <p:to>
+                                        <p:strVal val="hidden"/>
+                                      </p:to>
+                                    </p:set>
+                                  </p:childTnLst>
+                                </p:cTn>
+                              </p:par>
+                            </p:childTnLst>
+                          </p:cTn>
+                        </p:par>
+                      </p:childTnLst>
+                    </p:cTn>
+                  </p:par>
+                  <p:par>
+                    <p:cTn id="35" fill="hold">
+                      <p:stCondLst>
+                        <p:cond delay="indefinite"/>
+                      </p:stCondLst>
+                      <p:childTnLst>
+                        <p:par>
+                          <p:cTn id="36" fill="hold">
+                            <p:stCondLst>
+                              <p:cond delay="0"/>
+                            </p:stCondLst>
+                            <p:childTnLst>
+                              <p:par>
+                                <p:cTn id="37" presetID="1" presetClass="entr" presetSubtype="0" fill="hold" grpId="0" nodeType="clickEffect">
+                                  <p:stCondLst>
+                                    <p:cond delay="0"/>
+                                  </p:stCondLst>
+                                  <p:childTnLst>
+                                    <p:set>
+                                      <p:cBhvr>
+                                        <p:cTn id="38" dur="1" fill="hold">
+                                          <p:stCondLst>
+                                            <p:cond delay="0"/>
+                                          </p:stCondLst>
+                                        </p:cTn>
+                                        <p:tgtEl>
+                                          <p:spTgt spid="9"/>
+                                        </p:tgtEl>
+                                        <p:attrNameLst>
+                                          <p:attrName>style.visibility</p:attrName>
+                                        </p:attrNameLst>
+                                      </p:cBhvr>
+                                      <p:to>
+                                        <p:strVal val="visible"/>
+                                      </p:to>
+                                    </p:set>
+                                  </p:childTnLst>
+                                </p:cTn>
+                              </p:par>
+                            </p:childTnLst>
+                          </p:cTn>
+                        </p:par>
+                        <p:par>
+                          <p:cTn id="39" fill="hold">
+                            <p:stCondLst>
+                              <p:cond delay="0"/>
+                            </p:stCondLst>
+                            <p:childTnLst>
+                              <p:par>
+                                <p:cTn id="40" presetID="1" presetClass="entr" presetSubtype="0" fill="hold" grpId="0" nodeType="afterEffect">
+                                  <p:stCondLst>
+                                    <p:cond delay="500"/>
+                                  </p:stCondLst>
+                                  <p:childTnLst>
+                                    <p:set>
+                                      <p:cBhvr>
+                                        <p:cTn id="41" dur="1" fill="hold">
+                                          <p:stCondLst>
+                                            <p:cond delay="0"/>
+                                          </p:stCondLst>
+                                        </p:cTn>
+                                        <p:tgtEl>
+                                          <p:spTgt spid="10"/>
+                                        </p:tgtEl>
+                                        <p:attrNameLst>
+                                          <p:attrName>style.visibility</p:attrName>
+                                        </p:attrNameLst>
+                                      </p:cBhvr>
+                                      <p:to>
+                                        <p:strVal val="visible"/>
+                                      </p:to>
+                                    </p:set>
+                                  </p:childTnLst>
+                                </p:cTn>
+                              </p:par>
+                            </p:childTnLst>
+                          </p:cTn>
+                        </p:par>
+                        <p:par>
+                          <p:cTn id="42" fill="hold">
+                            <p:stCondLst>
+                              <p:cond delay="500"/>
+                            </p:stCondLst>
+                            <p:childTnLst>
+                              <p:par>
+                                <p:cTn id="43" presetID="1" presetClass="entr" presetSubtype="0" fill="hold" grpId="0" nodeType="afterEffect">
+                                  <p:stCondLst>
+                                    <p:cond delay="500"/>
+                                  </p:stCondLst>
+                                  <p:childTnLst>
+                                    <p:set>
+                                      <p:cBhvr>
+                                        <p:cTn id="44" dur="1" fill="hold">
+                                          <p:stCondLst>
+                                            <p:cond delay="0"/>
+                                          </p:stCondLst>
+                                        </p:cTn>
+                                        <p:tgtEl>
+                                          <p:spTgt spid="44"/>
+                                        </p:tgtEl>
+                                        <p:attrNameLst>
+                                          <p:attrName>style.visibility</p:attrName>
+                                        </p:attrNameLst>
+                                      </p:cBhvr>
+                                      <p:to>
+                                        <p:strVal val="visible"/>
+                                      </p:to>
+                                    </p:set>
+                                  </p:childTnLst>
+                                </p:cTn>
+                              </p:par>
+                            </p:childTnLst>
+                          </p:cTn>
+                        </p:par>
+                        <p:par>
+                          <p:cTn id="45" fill="hold">
+                            <p:stCondLst>
+                              <p:cond delay="1000"/>
+                            </p:stCondLst>
+                            <p:childTnLst>
+                              <p:par>
+                                <p:cTn id="46" presetID="1" presetClass="entr" presetSubtype="0" fill="hold" grpId="0" nodeType="afterEffect">
+                                  <p:stCondLst>
+                                    <p:cond delay="500"/>
+                                  </p:stCondLst>
+                                  <p:childTnLst>
+                                    <p:set>
+                                      <p:cBhvr>
+                                        <p:cTn id="47" dur="1" fill="hold">
+                                          <p:stCondLst>
+                                            <p:cond delay="0"/>
+                                          </p:stCondLst>
+                                        </p:cTn>
+                                        <p:tgtEl>
+                                          <p:spTgt spid="45"/>
+                                        </p:tgtEl>
+                                        <p:attrNameLst>
+                                          <p:attrName>style.visibility</p:attrName>
+                                        </p:attrNameLst>
+                                      </p:cBhvr>
+                                      <p:to>
+                                        <p:strVal val="visible"/>
+                                      </p:to>
+                                    </p:set>
+                                  </p:childTnLst>
+                                </p:cTn>
+                              </p:par>
+                            </p:childTnLst>
+                          </p:cTn>
+                        </p:par>
+                      </p:childTnLst>
+                    </p:cTn>
+                  </p:par>
+                  <p:par>
+                    <p:cTn id="48" fill="hold">
+                      <p:stCondLst>
+                        <p:cond delay="indefinite"/>
+                      </p:stCondLst>
+                      <p:childTnLst>
+                        <p:par>
+                          <p:cTn id="49" fill="hold">
+                            <p:stCondLst>
+                              <p:cond delay="0"/>
+                            </p:stCondLst>
+                            <p:childTnLst>
+                              <p:par>
+                                <p:cTn id="50" presetID="1" presetClass="exit" presetSubtype="0" fill="hold" grpId="1" nodeType="clickEffect">
+                                  <p:stCondLst>
+                                    <p:cond delay="0"/>
+                                  </p:stCondLst>
+                                  <p:childTnLst>
+                                    <p:set>
+                                      <p:cBhvr>
+                                        <p:cTn id="51" dur="1" fill="hold">
+                                          <p:stCondLst>
+                                            <p:cond delay="0"/>
+                                          </p:stCondLst>
+                                        </p:cTn>
+                                        <p:tgtEl>
+                                          <p:spTgt spid="9"/>
+                                        </p:tgtEl>
+                                        <p:attrNameLst>
+                                          <p:attrName>style.visibility</p:attrName>
+                                        </p:attrNameLst>
+                                      </p:cBhvr>
+                                      <p:to>
+                                        <p:strVal val="hidden"/>
+                                      </p:to>
+                                    </p:set>
+                                  </p:childTnLst>
+                                </p:cTn>
+                              </p:par>
+                              <p:par>
+                                <p:cTn id="52" presetID="1" presetClass="entr" presetSubtype="0" fill="hold" grpId="0" nodeType="withEffect">
+                                  <p:stCondLst>
+                                    <p:cond delay="0"/>
+                                  </p:stCondLst>
+                                  <p:childTnLst>
+                                    <p:set>
+                                      <p:cBhvr>
+                                        <p:cTn id="53" dur="1" fill="hold">
+                                          <p:stCondLst>
+                                            <p:cond delay="0"/>
+                                          </p:stCondLst>
+                                        </p:cTn>
+                                        <p:tgtEl>
+                                          <p:spTgt spid="50"/>
+                                        </p:tgtEl>
+                                        <p:attrNameLst>
+                                          <p:attrName>style.visibility</p:attrName>
+                                        </p:attrNameLst>
+                                      </p:cBhvr>
+                                      <p:to>
+                                        <p:strVal val="visible"/>
+                                      </p:to>
+                                    </p:set>
+                                  </p:childTnLst>
+                                </p:cTn>
+                              </p:par>
+                            </p:childTnLst>
+                          </p:cTn>
+                        </p:par>
+                        <p:par>
+                          <p:cTn id="54" fill="hold">
+                            <p:stCondLst>
+                              <p:cond delay="0"/>
+                            </p:stCondLst>
+                            <p:childTnLst>
+                              <p:par>
+                                <p:cTn id="55" presetID="1" presetClass="entr" presetSubtype="0" fill="hold" grpId="0" nodeType="afterEffect">
+                                  <p:stCondLst>
+                                    <p:cond delay="500"/>
+                                  </p:stCondLst>
+                                  <p:childTnLst>
+                                    <p:set>
+                                      <p:cBhvr>
+                                        <p:cTn id="56" dur="1" fill="hold">
+                                          <p:stCondLst>
+                                            <p:cond delay="0"/>
+                                          </p:stCondLst>
+                                        </p:cTn>
+                                        <p:tgtEl>
+                                          <p:spTgt spid="47"/>
+                                        </p:tgtEl>
+                                        <p:attrNameLst>
+                                          <p:attrName>style.visibility</p:attrName>
+                                        </p:attrNameLst>
+                                      </p:cBhvr>
+                                      <p:to>
+                                        <p:strVal val="visible"/>
+                                      </p:to>
+                                    </p:set>
+                                  </p:childTnLst>
+                                </p:cTn>
+                              </p:par>
+                            </p:childTnLst>
+                          </p:cTn>
+                        </p:par>
+                        <p:par>
+                          <p:cTn id="57" fill="hold">
+                            <p:stCondLst>
+                              <p:cond delay="500"/>
+                            </p:stCondLst>
+                            <p:childTnLst>
+                              <p:par>
+                                <p:cTn id="58" presetID="1" presetClass="entr" presetSubtype="0" fill="hold" grpId="0" nodeType="afterEffect">
+                                  <p:stCondLst>
+                                    <p:cond delay="500"/>
+                                  </p:stCondLst>
+                                  <p:childTnLst>
+                                    <p:set>
+                                      <p:cBhvr>
+                                        <p:cTn id="59" dur="1" fill="hold">
+                                          <p:stCondLst>
+                                            <p:cond delay="0"/>
+                                          </p:stCondLst>
+                                        </p:cTn>
+                                        <p:tgtEl>
+                                          <p:spTgt spid="48"/>
+                                        </p:tgtEl>
+                                        <p:attrNameLst>
+                                          <p:attrName>style.visibility</p:attrName>
+                                        </p:attrNameLst>
+                                      </p:cBhvr>
+                                      <p:to>
+                                        <p:strVal val="visible"/>
+                                      </p:to>
+                                    </p:set>
+                                  </p:childTnLst>
+                                </p:cTn>
+                              </p:par>
+                            </p:childTnLst>
+                          </p:cTn>
+                        </p:par>
+                        <p:par>
+                          <p:cTn id="60" fill="hold">
+                            <p:stCondLst>
+                              <p:cond delay="1000"/>
+                            </p:stCondLst>
+                            <p:childTnLst>
+                              <p:par>
+                                <p:cTn id="61" presetID="1" presetClass="entr" presetSubtype="0" fill="hold" grpId="0" nodeType="afterEffect">
+                                  <p:stCondLst>
+                                    <p:cond delay="500"/>
+                                  </p:stCondLst>
+                                  <p:childTnLst>
+                                    <p:set>
+                                      <p:cBhvr>
+                                        <p:cTn id="62" dur="1" fill="hold">
+                                          <p:stCondLst>
+                                            <p:cond delay="0"/>
+                                          </p:stCondLst>
+                                        </p:cTn>
+                                        <p:tgtEl>
+                                          <p:spTgt spid="49"/>
+                                        </p:tgtEl>
+                                        <p:attrNameLst>
+                                          <p:attrName>style.visibility</p:attrName>
+                                        </p:attrNameLst>
+                                      </p:cBhvr>
+                                      <p:to>
+                                        <p:strVal val="visible"/>
+                                      </p:to>
+                                    </p:set>
+                                  </p:childTnLst>
+                                </p:cTn>
+                              </p:par>
+                            </p:childTnLst>
+                          </p:cTn>
+                        </p:par>
+                      </p:childTnLst>
+                    </p:cTn>
+                  </p:par>
+                  <p:par>
+                    <p:cTn id="63" fill="hold">
+                      <p:stCondLst>
+                        <p:cond delay="indefinite"/>
+                      </p:stCondLst>
+                      <p:childTnLst>
+                        <p:par>
+                          <p:cTn id="64" fill="hold">
+                            <p:stCondLst>
+                              <p:cond delay="0"/>
+                            </p:stCondLst>
+                            <p:childTnLst>
+                              <p:par>
+                                <p:cTn id="65" presetID="1" presetClass="entr" presetSubtype="0" fill="hold" grpId="0" nodeType="clickEffect">
+                                  <p:stCondLst>
+                                    <p:cond delay="0"/>
+                                  </p:stCondLst>
+                                  <p:childTnLst>
+                                    <p:set>
+                                      <p:cBhvr>
+                                        <p:cTn id="66" dur="1" fill="hold">
+                                          <p:stCondLst>
+                                            <p:cond delay="0"/>
+                                          </p:stCondLst>
+                                        </p:cTn>
+                                        <p:tgtEl>
+                                          <p:spTgt spid="11"/>
+                                        </p:tgtEl>
+                                        <p:attrNameLst>
+                                          <p:attrName>style.visibility</p:attrName>
+                                        </p:attrNameLst>
+                                      </p:cBhvr>
+                                      <p:to>
+                                        <p:strVal val="visible"/>
+                                      </p:to>
+                                    </p:set>
+                                  </p:childTnLst>
+                                </p:cTn>
+                              </p:par>
+                            </p:childTnLst>
+                          </p:cTn>
+                        </p:par>
+                        <p:par>
+                          <p:cTn id="67" fill="hold">
+                            <p:stCondLst>
+                              <p:cond delay="0"/>
+                            </p:stCondLst>
+                            <p:childTnLst>
+                              <p:par>
+                                <p:cTn id="68" presetID="1" presetClass="entr" presetSubtype="0" fill="hold" grpId="0" nodeType="afterEffect">
+                                  <p:stCondLst>
+                                    <p:cond delay="500"/>
+                                  </p:stCondLst>
+                                  <p:childTnLst>
+                                    <p:set>
+                                      <p:cBhvr>
+                                        <p:cTn id="69" dur="1" fill="hold">
+                                          <p:stCondLst>
+                                            <p:cond delay="0"/>
+                                          </p:stCondLst>
+                                        </p:cTn>
+                                        <p:tgtEl>
+                                          <p:spTgt spid="51"/>
+                                        </p:tgtEl>
+                                        <p:attrNameLst>
+                                          <p:attrName>style.visibility</p:attrName>
+                                        </p:attrNameLst>
+                                      </p:cBhvr>
+                                      <p:to>
+                                        <p:strVal val="visible"/>
+                                      </p:to>
+                                    </p:set>
+                                  </p:childTnLst>
+                                </p:cTn>
+                              </p:par>
+                            </p:childTnLst>
+                          </p:cTn>
+                        </p:par>
+                        <p:par>
+                          <p:cTn id="70" fill="hold">
+                            <p:stCondLst>
+                              <p:cond delay="500"/>
+                            </p:stCondLst>
+                            <p:childTnLst>
+                              <p:par>
+                                <p:cTn id="71" presetID="1" presetClass="entr" presetSubtype="0" fill="hold" grpId="0" nodeType="afterEffect">
+                                  <p:stCondLst>
+                                    <p:cond delay="500"/>
+                                  </p:stCondLst>
+                                  <p:childTnLst>
+                                    <p:set>
+                                      <p:cBhvr>
+                                        <p:cTn id="72" dur="1" fill="hold">
+                                          <p:stCondLst>
+                                            <p:cond delay="0"/>
+                                          </p:stCondLst>
+                                        </p:cTn>
+                                        <p:tgtEl>
+                                          <p:spTgt spid="52"/>
+                                        </p:tgtEl>
+                                        <p:attrNameLst>
+                                          <p:attrName>style.visibility</p:attrName>
+                                        </p:attrNameLst>
+                                      </p:cBhvr>
+                                      <p:to>
+                                        <p:strVal val="visible"/>
+                                      </p:to>
+                                    </p:set>
+                                  </p:childTnLst>
+                                </p:cTn>
+                              </p:par>
+                            </p:childTnLst>
+                          </p:cTn>
+                        </p:par>
+                        <p:par>
+                          <p:cTn id="73" fill="hold">
+                            <p:stCondLst>
+                              <p:cond delay="1000"/>
+                            </p:stCondLst>
+                            <p:childTnLst>
+                              <p:par>
+                                <p:cTn id="74" presetID="1" presetClass="entr" presetSubtype="0" fill="hold" grpId="0" nodeType="afterEffect">
+                                  <p:stCondLst>
+                                    <p:cond delay="500"/>
+                                  </p:stCondLst>
+                                  <p:childTnLst>
+                                    <p:set>
+                                      <p:cBhvr>
+                                        <p:cTn id="75" dur="1" fill="hold">
+                                          <p:stCondLst>
+                                            <p:cond delay="0"/>
+                                          </p:stCondLst>
+                                        </p:cTn>
+                                        <p:tgtEl>
+                                          <p:spTgt spid="53"/>
+                                        </p:tgtEl>
+                                        <p:attrNameLst>
+                                          <p:attrName>style.visibility</p:attrName>
+                                        </p:attrNameLst>
+                                      </p:cBhvr>
+                                      <p:to>
+                                        <p:strVal val="visible"/>
+                                      </p:to>
+                                    </p:set>
+                                  </p:childTnLst>
+                                </p:cTn>
+                              </p:par>
+                            </p:childTnLst>
+                          </p:cTn>
+                        </p:par>
+                      </p:childTnLst>
+                    </p:cTn>
+                  </p:par>
+                  <p:par>
+                    <p:cTn id="76" fill="hold">
+                      <p:stCondLst>
+                        <p:cond delay="indefinite"/>
+                      </p:stCondLst>
+                      <p:childTnLst>
+                        <p:par>
+                          <p:cTn id="77" fill="hold">
+                            <p:stCondLst>
+                              <p:cond delay="0"/>
+                            </p:stCondLst>
+                            <p:childTnLst>
+                              <p:par>
+                                <p:cTn id="78" presetID="1" presetClass="exit" presetSubtype="0" fill="hold" grpId="1" nodeType="clickEffect">
+                                  <p:stCondLst>
+                                    <p:cond delay="0"/>
+                                  </p:stCondLst>
+                                  <p:childTnLst>
+                                    <p:set>
+                                      <p:cBhvr>
+                                        <p:cTn id="79" dur="1" fill="hold">
+                                          <p:stCondLst>
+                                            <p:cond delay="0"/>
+                                          </p:stCondLst>
+                                        </p:cTn>
+                                        <p:tgtEl>
+                                          <p:spTgt spid="11"/>
+                                        </p:tgtEl>
+                                        <p:attrNameLst>
+                                          <p:attrName>style.visibility</p:attrName>
+                                        </p:attrNameLst>
+                                      </p:cBhvr>
+                                      <p:to>
+                                        <p:strVal val="hidden"/>
+                                      </p:to>
+                                    </p:set>
+                                  </p:childTnLst>
+                                </p:cTn>
+                              </p:par>
+                              <p:par>
+                                <p:cTn id="80" presetID="1" presetClass="entr" presetSubtype="0" fill="hold" grpId="0" nodeType="withEffect">
+                                  <p:stCondLst>
+                                    <p:cond delay="0"/>
+                                  </p:stCondLst>
+                                  <p:childTnLst>
+                                    <p:set>
+                                      <p:cBhvr>
+                                        <p:cTn id="81" dur="1" fill="hold">
+                                          <p:stCondLst>
+                                            <p:cond delay="0"/>
+                                          </p:stCondLst>
+                                        </p:cTn>
+                                        <p:tgtEl>
+                                          <p:spTgt spid="54"/>
+                                        </p:tgtEl>
+                                        <p:attrNameLst>
+                                          <p:attrName>style.visibility</p:attrName>
+                                        </p:attrNameLst>
+                                      </p:cBhvr>
+                                      <p:to>
+                                        <p:strVal val="visible"/>
+                                      </p:to>
+                                    </p:set>
+                                  </p:childTnLst>
+                                </p:cTn>
+                              </p:par>
+                            </p:childTnLst>
+                          </p:cTn>
+                        </p:par>
+                        <p:par>
+                          <p:cTn id="82" fill="hold">
+                            <p:stCondLst>
+                              <p:cond delay="0"/>
+                            </p:stCondLst>
+                            <p:childTnLst>
+                              <p:par>
+                                <p:cTn id="83" presetID="1" presetClass="entr" presetSubtype="0" fill="hold" grpId="0" nodeType="afterEffect">
+                                  <p:stCondLst>
+                                    <p:cond delay="500"/>
+                                  </p:stCondLst>
+                                  <p:childTnLst>
+                                    <p:set>
+                                      <p:cBhvr>
+                                        <p:cTn id="84" dur="1" fill="hold">
+                                          <p:stCondLst>
+                                            <p:cond delay="0"/>
+                                          </p:stCondLst>
+                                        </p:cTn>
+                                        <p:tgtEl>
+                                          <p:spTgt spid="55"/>
+                                        </p:tgtEl>
+                                        <p:attrNameLst>
+                                          <p:attrName>style.visibility</p:attrName>
+                                        </p:attrNameLst>
+                                      </p:cBhvr>
+                                      <p:to>
+                                        <p:strVal val="visible"/>
+                                      </p:to>
+                                    </p:set>
+                                  </p:childTnLst>
+                                </p:cTn>
+                              </p:par>
+                            </p:childTnLst>
+                          </p:cTn>
+                        </p:par>
+                        <p:par>
+                          <p:cTn id="85" fill="hold">
+                            <p:stCondLst>
+                              <p:cond delay="500"/>
+                            </p:stCondLst>
+                            <p:childTnLst>
+                              <p:par>
+                                <p:cTn id="86" presetID="1" presetClass="entr" presetSubtype="0" fill="hold" grpId="0" nodeType="afterEffect">
+                                  <p:stCondLst>
+                                    <p:cond delay="500"/>
+                                  </p:stCondLst>
+                                  <p:childTnLst>
+                                    <p:set>
+                                      <p:cBhvr>
+                                        <p:cTn id="87" dur="1" fill="hold">
+                                          <p:stCondLst>
+                                            <p:cond delay="0"/>
+                                          </p:stCondLst>
+                                        </p:cTn>
+                                        <p:tgtEl>
+                                          <p:spTgt spid="56"/>
+                                        </p:tgtEl>
+                                        <p:attrNameLst>
+                                          <p:attrName>style.visibility</p:attrName>
+                                        </p:attrNameLst>
+                                      </p:cBhvr>
+                                      <p:to>
+                                        <p:strVal val="visible"/>
+                                      </p:to>
+                                    </p:set>
+                                  </p:childTnLst>
+                                </p:cTn>
+                              </p:par>
+                            </p:childTnLst>
+                          </p:cTn>
+                        </p:par>
+                        <p:par>
+                          <p:cTn id="88" fill="hold">
+                            <p:stCondLst>
+                              <p:cond delay="1000"/>
+                            </p:stCondLst>
+                            <p:childTnLst>
+                              <p:par>
+                                <p:cTn id="89" presetID="1" presetClass="entr" presetSubtype="0" fill="hold" grpId="0" nodeType="afterEffect">
+                                  <p:stCondLst>
+                                    <p:cond delay="500"/>
+                                  </p:stCondLst>
+                                  <p:childTnLst>
+                                    <p:set>
+                                      <p:cBhvr>
+                                        <p:cTn id="90" dur="1" fill="hold">
+                                          <p:stCondLst>
+                                            <p:cond delay="0"/>
+                                          </p:stCondLst>
+                                        </p:cTn>
+                                        <p:tgtEl>
+                                          <p:spTgt spid="57"/>
+                                        </p:tgtEl>
+                                        <p:attrNameLst>
+                                          <p:attrName>style.visibility</p:attrName>
+                                        </p:attrNameLst>
+                                      </p:cBhvr>
+                                      <p:to>
+                                        <p:strVal val="visible"/>
+                                      </p:to>
+                                    </p:set>
+                                  </p:childTnLst>
+                                </p:cTn>
+                              </p:par>
+                            </p:childTnLst>
+                          </p:cTn>
+                        </p:par>
+                      </p:childTnLst>
+                    </p:cTn>
+                  </p:par>
+                  <p:par>
+                    <p:cTn id="91" fill="hold">
+                      <p:stCondLst>
+                        <p:cond delay="indefinite"/>
+                      </p:stCondLst>
+                      <p:childTnLst>
+                        <p:par>
+                          <p:cTn id="92" fill="hold">
+                            <p:stCondLst>
+                              <p:cond delay="0"/>
+                            </p:stCondLst>
+                            <p:childTnLst>
+                              <p:par>
+                                <p:cTn id="93" presetID="1" presetClass="exit" presetSubtype="0" fill="hold" nodeType="clickEffect">
+                                  <p:stCondLst>
+                                    <p:cond delay="0"/>
+                                  </p:stCondLst>
+                                  <p:childTnLst>
+                                    <p:set>
+                                      <p:cBhvr>
+                                        <p:cTn id="94" dur="1" fill="hold">
+                                          <p:stCondLst>
+                                            <p:cond delay="0"/>
+                                          </p:stCondLst>
+                                        </p:cTn>
+                                        <p:tgtEl>
+                                          <p:spTgt spid="3"/>
+                                        </p:tgtEl>
+                                        <p:attrNameLst>
+                                          <p:attrName>style.visibility</p:attrName>
+                                        </p:attrNameLst>
+                                      </p:cBhvr>
+                                      <p:to>
+                                        <p:strVal val="hidden"/>
+                                      </p:to>
+                                    </p:set>
+                                  </p:childTnLst>
+                                </p:cTn>
+                              </p:par>
+                              <p:par>
+                                <p:cTn id="95" presetID="1" presetClass="exit" presetSubtype="0" fill="hold" nodeType="withEffect">
+                                  <p:stCondLst>
+                                    <p:cond delay="0"/>
+                                  </p:stCondLst>
+                                  <p:childTnLst>
+                                    <p:set>
+                                      <p:cBhvr>
+                                        <p:cTn id="96" dur="1" fill="hold">
+                                          <p:stCondLst>
+                                            <p:cond delay="0"/>
+                                          </p:stCondLst>
+                                        </p:cTn>
+                                        <p:tgtEl>
+                                          <p:spTgt spid="19"/>
+                                        </p:tgtEl>
+                                        <p:attrNameLst>
+                                          <p:attrName>style.visibility</p:attrName>
+                                        </p:attrNameLst>
+                                      </p:cBhvr>
+                                      <p:to>
+                                        <p:strVal val="hidden"/>
+                                      </p:to>
+                                    </p:set>
+                                  </p:childTnLst>
+                                </p:cTn>
+                              </p:par>
+                              <p:par>
+                                <p:cTn id="97" presetID="1" presetClass="exit" presetSubtype="0" fill="hold" nodeType="withEffect">
+                                  <p:stCondLst>
+                                    <p:cond delay="0"/>
+                                  </p:stCondLst>
+                                  <p:childTnLst>
+                                    <p:set>
+                                      <p:cBhvr>
+                                        <p:cTn id="98" dur="1" fill="hold">
+                                          <p:stCondLst>
+                                            <p:cond delay="0"/>
+                                          </p:stCondLst>
+                                        </p:cTn>
+                                        <p:tgtEl>
+                                          <p:spTgt spid="29"/>
+                                        </p:tgtEl>
+                                        <p:attrNameLst>
+                                          <p:attrName>style.visibility</p:attrName>
+                                        </p:attrNameLst>
+                                      </p:cBhvr>
+                                      <p:to>
+                                        <p:strVal val="hidden"/>
+                                      </p:to>
+                                    </p:set>
+                                  </p:childTnLst>
+                                </p:cTn>
+                              </p:par>
+                              <p:par>
+                                <p:cTn id="99" presetID="1" presetClass="exit" presetSubtype="0" fill="hold" grpId="1" nodeType="withEffect">
+                                  <p:stCondLst>
+                                    <p:cond delay="0"/>
+                                  </p:stCondLst>
+                                  <p:childTnLst>
+                                    <p:set>
+                                      <p:cBhvr>
+                                        <p:cTn id="100" dur="1" fill="hold">
+                                          <p:stCondLst>
+                                            <p:cond delay="0"/>
+                                          </p:stCondLst>
+                                        </p:cTn>
+                                        <p:tgtEl>
+                                          <p:spTgt spid="36"/>
+                                        </p:tgtEl>
+                                        <p:attrNameLst>
+                                          <p:attrName>style.visibility</p:attrName>
+                                        </p:attrNameLst>
+                                      </p:cBhvr>
+                                      <p:to>
+                                        <p:strVal val="hidden"/>
+                                      </p:to>
+                                    </p:set>
+                                  </p:childTnLst>
+                                </p:cTn>
+                              </p:par>
+                              <p:par>
+                                <p:cTn id="101" presetID="1" presetClass="exit" presetSubtype="0" fill="hold" grpId="1" nodeType="withEffect">
+                                  <p:stCondLst>
+                                    <p:cond delay="0"/>
+                                  </p:stCondLst>
+                                  <p:childTnLst>
+                                    <p:set>
+                                      <p:cBhvr>
+                                        <p:cTn id="102" dur="1" fill="hold">
+                                          <p:stCondLst>
+                                            <p:cond delay="0"/>
+                                          </p:stCondLst>
+                                        </p:cTn>
+                                        <p:tgtEl>
+                                          <p:spTgt spid="8"/>
+                                        </p:tgtEl>
+                                        <p:attrNameLst>
+                                          <p:attrName>style.visibility</p:attrName>
+                                        </p:attrNameLst>
+                                      </p:cBhvr>
+                                      <p:to>
+                                        <p:strVal val="hidden"/>
+                                      </p:to>
+                                    </p:set>
+                                  </p:childTnLst>
+                                </p:cTn>
+                              </p:par>
+                              <p:par>
+                                <p:cTn id="103" presetID="1" presetClass="exit" presetSubtype="0" fill="hold" grpId="1" nodeType="withEffect">
+                                  <p:stCondLst>
+                                    <p:cond delay="0"/>
+                                  </p:stCondLst>
+                                  <p:childTnLst>
+                                    <p:set>
+                                      <p:cBhvr>
+                                        <p:cTn id="104" dur="1" fill="hold">
+                                          <p:stCondLst>
+                                            <p:cond delay="0"/>
+                                          </p:stCondLst>
+                                        </p:cTn>
+                                        <p:tgtEl>
+                                          <p:spTgt spid="5"/>
+                                        </p:tgtEl>
+                                        <p:attrNameLst>
+                                          <p:attrName>style.visibility</p:attrName>
+                                        </p:attrNameLst>
+                                      </p:cBhvr>
+                                      <p:to>
+                                        <p:strVal val="hidden"/>
+                                      </p:to>
+                                    </p:set>
+                                  </p:childTnLst>
+                                </p:cTn>
+                              </p:par>
+                              <p:par>
+                                <p:cTn id="105" presetID="1" presetClass="exit" presetSubtype="0" fill="hold" grpId="1" nodeType="withEffect">
+                                  <p:stCondLst>
+                                    <p:cond delay="0"/>
+                                  </p:stCondLst>
+                                  <p:childTnLst>
+                                    <p:set>
+                                      <p:cBhvr>
+                                        <p:cTn id="106" dur="1" fill="hold">
+                                          <p:stCondLst>
+                                            <p:cond delay="0"/>
+                                          </p:stCondLst>
+                                        </p:cTn>
+                                        <p:tgtEl>
+                                          <p:spTgt spid="35"/>
+                                        </p:tgtEl>
+                                        <p:attrNameLst>
+                                          <p:attrName>style.visibility</p:attrName>
+                                        </p:attrNameLst>
+                                      </p:cBhvr>
+                                      <p:to>
+                                        <p:strVal val="hidden"/>
+                                      </p:to>
+                                    </p:set>
+                                  </p:childTnLst>
+                                </p:cTn>
+                              </p:par>
+                              <p:par>
+                                <p:cTn id="107" presetID="1" presetClass="exit" presetSubtype="0" fill="hold" grpId="2" nodeType="withEffect">
+                                  <p:stCondLst>
+                                    <p:cond delay="0"/>
+                                  </p:stCondLst>
+                                  <p:childTnLst>
+                                    <p:set>
+                                      <p:cBhvr>
+                                        <p:cTn id="108" dur="1" fill="hold">
+                                          <p:stCondLst>
+                                            <p:cond delay="0"/>
+                                          </p:stCondLst>
+                                        </p:cTn>
+                                        <p:tgtEl>
+                                          <p:spTgt spid="43"/>
+                                        </p:tgtEl>
+                                        <p:attrNameLst>
+                                          <p:attrName>style.visibility</p:attrName>
+                                        </p:attrNameLst>
+                                      </p:cBhvr>
+                                      <p:to>
+                                        <p:strVal val="hidden"/>
+                                      </p:to>
+                                    </p:set>
+                                  </p:childTnLst>
+                                </p:cTn>
+                              </p:par>
+                              <p:par>
+                                <p:cTn id="109" presetID="1" presetClass="exit" presetSubtype="0" fill="hold" nodeType="withEffect">
+                                  <p:stCondLst>
+                                    <p:cond delay="0"/>
+                                  </p:stCondLst>
+                                  <p:childTnLst>
+                                    <p:set>
+                                      <p:cBhvr>
+                                        <p:cTn id="110" dur="1" fill="hold">
+                                          <p:stCondLst>
+                                            <p:cond delay="0"/>
+                                          </p:stCondLst>
+                                        </p:cTn>
+                                        <p:tgtEl>
+                                          <p:spTgt spid="37"/>
+                                        </p:tgtEl>
+                                        <p:attrNameLst>
+                                          <p:attrName>style.visibility</p:attrName>
+                                        </p:attrNameLst>
+                                      </p:cBhvr>
+                                      <p:to>
+                                        <p:strVal val="hidden"/>
+                                      </p:to>
+                                    </p:set>
+                                  </p:childTnLst>
+                                </p:cTn>
+                              </p:par>
+                              <p:par>
+                                <p:cTn id="111" presetID="1" presetClass="exit" presetSubtype="0" fill="hold" grpId="2" nodeType="withEffect">
+                                  <p:stCondLst>
+                                    <p:cond delay="0"/>
+                                  </p:stCondLst>
+                                  <p:childTnLst>
+                                    <p:set>
+                                      <p:cBhvr>
+                                        <p:cTn id="112" dur="1" fill="hold">
+                                          <p:stCondLst>
+                                            <p:cond delay="0"/>
+                                          </p:stCondLst>
+                                        </p:cTn>
+                                        <p:tgtEl>
+                                          <p:spTgt spid="9"/>
+                                        </p:tgtEl>
+                                        <p:attrNameLst>
+                                          <p:attrName>style.visibility</p:attrName>
+                                        </p:attrNameLst>
+                                      </p:cBhvr>
+                                      <p:to>
+                                        <p:strVal val="hidden"/>
+                                      </p:to>
+                                    </p:set>
+                                  </p:childTnLst>
+                                </p:cTn>
+                              </p:par>
+                              <p:par>
+                                <p:cTn id="113" presetID="1" presetClass="exit" presetSubtype="0" fill="hold" grpId="1" nodeType="withEffect">
+                                  <p:stCondLst>
+                                    <p:cond delay="0"/>
+                                  </p:stCondLst>
+                                  <p:childTnLst>
+                                    <p:set>
+                                      <p:cBhvr>
+                                        <p:cTn id="114" dur="1" fill="hold">
+                                          <p:stCondLst>
+                                            <p:cond delay="0"/>
+                                          </p:stCondLst>
+                                        </p:cTn>
+                                        <p:tgtEl>
+                                          <p:spTgt spid="10"/>
+                                        </p:tgtEl>
+                                        <p:attrNameLst>
+                                          <p:attrName>style.visibility</p:attrName>
+                                        </p:attrNameLst>
+                                      </p:cBhvr>
+                                      <p:to>
+                                        <p:strVal val="hidden"/>
+                                      </p:to>
+                                    </p:set>
+                                  </p:childTnLst>
+                                </p:cTn>
+                              </p:par>
+                              <p:par>
+                                <p:cTn id="115" presetID="1" presetClass="exit" presetSubtype="0" fill="hold" grpId="1" nodeType="withEffect">
+                                  <p:stCondLst>
+                                    <p:cond delay="0"/>
+                                  </p:stCondLst>
+                                  <p:childTnLst>
+                                    <p:set>
+                                      <p:cBhvr>
+                                        <p:cTn id="116" dur="1" fill="hold">
+                                          <p:stCondLst>
+                                            <p:cond delay="0"/>
+                                          </p:stCondLst>
+                                        </p:cTn>
+                                        <p:tgtEl>
+                                          <p:spTgt spid="44"/>
+                                        </p:tgtEl>
+                                        <p:attrNameLst>
+                                          <p:attrName>style.visibility</p:attrName>
+                                        </p:attrNameLst>
+                                      </p:cBhvr>
+                                      <p:to>
+                                        <p:strVal val="hidden"/>
+                                      </p:to>
+                                    </p:set>
+                                  </p:childTnLst>
+                                </p:cTn>
+                              </p:par>
+                              <p:par>
+                                <p:cTn id="117" presetID="1" presetClass="exit" presetSubtype="0" fill="hold" grpId="1" nodeType="withEffect">
+                                  <p:stCondLst>
+                                    <p:cond delay="0"/>
+                                  </p:stCondLst>
+                                  <p:childTnLst>
+                                    <p:set>
+                                      <p:cBhvr>
+                                        <p:cTn id="118" dur="1" fill="hold">
+                                          <p:stCondLst>
+                                            <p:cond delay="0"/>
+                                          </p:stCondLst>
+                                        </p:cTn>
+                                        <p:tgtEl>
+                                          <p:spTgt spid="45"/>
+                                        </p:tgtEl>
+                                        <p:attrNameLst>
+                                          <p:attrName>style.visibility</p:attrName>
+                                        </p:attrNameLst>
+                                      </p:cBhvr>
+                                      <p:to>
+                                        <p:strVal val="hidden"/>
+                                      </p:to>
+                                    </p:set>
+                                  </p:childTnLst>
+                                </p:cTn>
+                              </p:par>
+                              <p:par>
+                                <p:cTn id="119" presetID="1" presetClass="exit" presetSubtype="0" fill="hold" grpId="1" nodeType="withEffect">
+                                  <p:stCondLst>
+                                    <p:cond delay="0"/>
+                                  </p:stCondLst>
+                                  <p:childTnLst>
+                                    <p:set>
+                                      <p:cBhvr>
+                                        <p:cTn id="120" dur="1" fill="hold">
+                                          <p:stCondLst>
+                                            <p:cond delay="0"/>
+                                          </p:stCondLst>
+                                        </p:cTn>
+                                        <p:tgtEl>
+                                          <p:spTgt spid="50"/>
+                                        </p:tgtEl>
+                                        <p:attrNameLst>
+                                          <p:attrName>style.visibility</p:attrName>
+                                        </p:attrNameLst>
+                                      </p:cBhvr>
+                                      <p:to>
+                                        <p:strVal val="hidden"/>
+                                      </p:to>
+                                    </p:set>
+                                  </p:childTnLst>
+                                </p:cTn>
+                              </p:par>
+                              <p:par>
+                                <p:cTn id="121" presetID="1" presetClass="exit" presetSubtype="0" fill="hold" grpId="1" nodeType="withEffect">
+                                  <p:stCondLst>
+                                    <p:cond delay="0"/>
+                                  </p:stCondLst>
+                                  <p:childTnLst>
+                                    <p:set>
+                                      <p:cBhvr>
+                                        <p:cTn id="122" dur="1" fill="hold">
+                                          <p:stCondLst>
+                                            <p:cond delay="0"/>
+                                          </p:stCondLst>
+                                        </p:cTn>
+                                        <p:tgtEl>
+                                          <p:spTgt spid="47"/>
+                                        </p:tgtEl>
+                                        <p:attrNameLst>
+                                          <p:attrName>style.visibility</p:attrName>
+                                        </p:attrNameLst>
+                                      </p:cBhvr>
+                                      <p:to>
+                                        <p:strVal val="hidden"/>
+                                      </p:to>
+                                    </p:set>
+                                  </p:childTnLst>
+                                </p:cTn>
+                              </p:par>
+                              <p:par>
+                                <p:cTn id="123" presetID="1" presetClass="exit" presetSubtype="0" fill="hold" grpId="1" nodeType="withEffect">
+                                  <p:stCondLst>
+                                    <p:cond delay="0"/>
+                                  </p:stCondLst>
+                                  <p:childTnLst>
+                                    <p:set>
+                                      <p:cBhvr>
+                                        <p:cTn id="124" dur="1" fill="hold">
+                                          <p:stCondLst>
+                                            <p:cond delay="0"/>
+                                          </p:stCondLst>
+                                        </p:cTn>
+                                        <p:tgtEl>
+                                          <p:spTgt spid="48"/>
+                                        </p:tgtEl>
+                                        <p:attrNameLst>
+                                          <p:attrName>style.visibility</p:attrName>
+                                        </p:attrNameLst>
+                                      </p:cBhvr>
+                                      <p:to>
+                                        <p:strVal val="hidden"/>
+                                      </p:to>
+                                    </p:set>
+                                  </p:childTnLst>
+                                </p:cTn>
+                              </p:par>
+                              <p:par>
+                                <p:cTn id="125" presetID="1" presetClass="exit" presetSubtype="0" fill="hold" grpId="1" nodeType="withEffect">
+                                  <p:stCondLst>
+                                    <p:cond delay="0"/>
+                                  </p:stCondLst>
+                                  <p:childTnLst>
+                                    <p:set>
+                                      <p:cBhvr>
+                                        <p:cTn id="126" dur="1" fill="hold">
+                                          <p:stCondLst>
+                                            <p:cond delay="0"/>
+                                          </p:stCondLst>
+                                        </p:cTn>
+                                        <p:tgtEl>
+                                          <p:spTgt spid="49"/>
+                                        </p:tgtEl>
+                                        <p:attrNameLst>
+                                          <p:attrName>style.visibility</p:attrName>
+                                        </p:attrNameLst>
+                                      </p:cBhvr>
+                                      <p:to>
+                                        <p:strVal val="hidden"/>
+                                      </p:to>
+                                    </p:set>
+                                  </p:childTnLst>
+                                </p:cTn>
+                              </p:par>
+                              <p:par>
+                                <p:cTn id="127" presetID="1" presetClass="exit" presetSubtype="0" fill="hold" grpId="2" nodeType="withEffect">
+                                  <p:stCondLst>
+                                    <p:cond delay="0"/>
+                                  </p:stCondLst>
+                                  <p:childTnLst>
+                                    <p:set>
+                                      <p:cBhvr>
+                                        <p:cTn id="128" dur="1" fill="hold">
+                                          <p:stCondLst>
+                                            <p:cond delay="0"/>
+                                          </p:stCondLst>
+                                        </p:cTn>
+                                        <p:tgtEl>
+                                          <p:spTgt spid="11"/>
+                                        </p:tgtEl>
+                                        <p:attrNameLst>
+                                          <p:attrName>style.visibility</p:attrName>
+                                        </p:attrNameLst>
+                                      </p:cBhvr>
+                                      <p:to>
+                                        <p:strVal val="hidden"/>
+                                      </p:to>
+                                    </p:set>
+                                  </p:childTnLst>
+                                </p:cTn>
+                              </p:par>
+                              <p:par>
+                                <p:cTn id="129" presetID="1" presetClass="exit" presetSubtype="0" fill="hold" grpId="1" nodeType="withEffect">
+                                  <p:stCondLst>
+                                    <p:cond delay="0"/>
+                                  </p:stCondLst>
+                                  <p:childTnLst>
+                                    <p:set>
+                                      <p:cBhvr>
+                                        <p:cTn id="130" dur="1" fill="hold">
+                                          <p:stCondLst>
+                                            <p:cond delay="0"/>
+                                          </p:stCondLst>
+                                        </p:cTn>
+                                        <p:tgtEl>
+                                          <p:spTgt spid="51"/>
+                                        </p:tgtEl>
+                                        <p:attrNameLst>
+                                          <p:attrName>style.visibility</p:attrName>
+                                        </p:attrNameLst>
+                                      </p:cBhvr>
+                                      <p:to>
+                                        <p:strVal val="hidden"/>
+                                      </p:to>
+                                    </p:set>
+                                  </p:childTnLst>
+                                </p:cTn>
+                              </p:par>
+                              <p:par>
+                                <p:cTn id="131" presetID="1" presetClass="exit" presetSubtype="0" fill="hold" grpId="1" nodeType="withEffect">
+                                  <p:stCondLst>
+                                    <p:cond delay="0"/>
+                                  </p:stCondLst>
+                                  <p:childTnLst>
+                                    <p:set>
+                                      <p:cBhvr>
+                                        <p:cTn id="132" dur="1" fill="hold">
+                                          <p:stCondLst>
+                                            <p:cond delay="0"/>
+                                          </p:stCondLst>
+                                        </p:cTn>
+                                        <p:tgtEl>
+                                          <p:spTgt spid="52"/>
+                                        </p:tgtEl>
+                                        <p:attrNameLst>
+                                          <p:attrName>style.visibility</p:attrName>
+                                        </p:attrNameLst>
+                                      </p:cBhvr>
+                                      <p:to>
+                                        <p:strVal val="hidden"/>
+                                      </p:to>
+                                    </p:set>
+                                  </p:childTnLst>
+                                </p:cTn>
+                              </p:par>
+                              <p:par>
+                                <p:cTn id="133" presetID="1" presetClass="exit" presetSubtype="0" fill="hold" grpId="1" nodeType="withEffect">
+                                  <p:stCondLst>
+                                    <p:cond delay="0"/>
+                                  </p:stCondLst>
+                                  <p:childTnLst>
+                                    <p:set>
+                                      <p:cBhvr>
+                                        <p:cTn id="134" dur="1" fill="hold">
+                                          <p:stCondLst>
+                                            <p:cond delay="0"/>
+                                          </p:stCondLst>
+                                        </p:cTn>
+                                        <p:tgtEl>
+                                          <p:spTgt spid="53"/>
+                                        </p:tgtEl>
+                                        <p:attrNameLst>
+                                          <p:attrName>style.visibility</p:attrName>
+                                        </p:attrNameLst>
+                                      </p:cBhvr>
+                                      <p:to>
+                                        <p:strVal val="hidden"/>
+                                      </p:to>
+                                    </p:set>
+                                  </p:childTnLst>
+                                </p:cTn>
+                              </p:par>
+                              <p:par>
+                                <p:cTn id="135" presetID="1" presetClass="exit" presetSubtype="0" fill="hold" grpId="1" nodeType="withEffect">
+                                  <p:stCondLst>
+                                    <p:cond delay="0"/>
+                                  </p:stCondLst>
+                                  <p:childTnLst>
+                                    <p:set>
+                                      <p:cBhvr>
+                                        <p:cTn id="136" dur="1" fill="hold">
+                                          <p:stCondLst>
+                                            <p:cond delay="0"/>
+                                          </p:stCondLst>
+                                        </p:cTn>
+                                        <p:tgtEl>
+                                          <p:spTgt spid="54"/>
+                                        </p:tgtEl>
+                                        <p:attrNameLst>
+                                          <p:attrName>style.visibility</p:attrName>
+                                        </p:attrNameLst>
+                                      </p:cBhvr>
+                                      <p:to>
+                                        <p:strVal val="hidden"/>
+                                      </p:to>
+                                    </p:set>
+                                  </p:childTnLst>
+                                </p:cTn>
+                              </p:par>
+                              <p:par>
+                                <p:cTn id="137" presetID="1" presetClass="exit" presetSubtype="0" fill="hold" grpId="1" nodeType="withEffect">
+                                  <p:stCondLst>
+                                    <p:cond delay="0"/>
+                                  </p:stCondLst>
+                                  <p:childTnLst>
+                                    <p:set>
+                                      <p:cBhvr>
+                                        <p:cTn id="138" dur="1" fill="hold">
+                                          <p:stCondLst>
+                                            <p:cond delay="0"/>
+                                          </p:stCondLst>
+                                        </p:cTn>
+                                        <p:tgtEl>
+                                          <p:spTgt spid="55"/>
+                                        </p:tgtEl>
+                                        <p:attrNameLst>
+                                          <p:attrName>style.visibility</p:attrName>
+                                        </p:attrNameLst>
+                                      </p:cBhvr>
+                                      <p:to>
+                                        <p:strVal val="hidden"/>
+                                      </p:to>
+                                    </p:set>
+                                  </p:childTnLst>
+                                </p:cTn>
+                              </p:par>
+                              <p:par>
+                                <p:cTn id="139" presetID="1" presetClass="exit" presetSubtype="0" fill="hold" grpId="1" nodeType="withEffect">
+                                  <p:stCondLst>
+                                    <p:cond delay="0"/>
+                                  </p:stCondLst>
+                                  <p:childTnLst>
+                                    <p:set>
+                                      <p:cBhvr>
+                                        <p:cTn id="140" dur="1" fill="hold">
+                                          <p:stCondLst>
+                                            <p:cond delay="0"/>
+                                          </p:stCondLst>
+                                        </p:cTn>
+                                        <p:tgtEl>
+                                          <p:spTgt spid="56"/>
+                                        </p:tgtEl>
+                                        <p:attrNameLst>
+                                          <p:attrName>style.visibility</p:attrName>
+                                        </p:attrNameLst>
+                                      </p:cBhvr>
+                                      <p:to>
+                                        <p:strVal val="hidden"/>
+                                      </p:to>
+                                    </p:set>
+                                  </p:childTnLst>
+                                </p:cTn>
+                              </p:par>
+                              <p:par>
+                                <p:cTn id="141" presetID="1" presetClass="exit" presetSubtype="0" fill="hold" grpId="1" nodeType="withEffect">
+                                  <p:stCondLst>
+                                    <p:cond delay="0"/>
+                                  </p:stCondLst>
+                                  <p:childTnLst>
+                                    <p:set>
+                                      <p:cBhvr>
+                                        <p:cTn id="142" dur="1" fill="hold">
+                                          <p:stCondLst>
+                                            <p:cond delay="0"/>
+                                          </p:stCondLst>
+                                        </p:cTn>
+                                        <p:tgtEl>
+                                          <p:spTgt spid="57"/>
+                                        </p:tgtEl>
+                                        <p:attrNameLst>
+                                          <p:attrName>style.visibility</p:attrName>
+                                        </p:attrNameLst>
+                                      </p:cBhvr>
+                                      <p:to>
+                                        <p:strVal val="hidden"/>
+                                      </p:to>
+                                    </p:set>
+                                  </p:childTnLst>
+                                </p:cTn>
+                              </p:par>
+                            </p:childTnLst>
+                          </p:cTn>
+                        </p:par>
+                        <p:par>
+                          <p:cTn id="143" fill="hold">
+                            <p:stCondLst>
+                              <p:cond delay="0"/>
+                            </p:stCondLst>
+                            <p:childTnLst>
+                              <p:par>
+                                <p:cTn id="144" presetID="1" presetClass="entr" presetSubtype="0" fill="hold" nodeType="afterEffect">
+                                  <p:stCondLst>
+                                    <p:cond delay="500"/>
+                                  </p:stCondLst>
+                                  <p:childTnLst>
+                                    <p:set>
+                                      <p:cBhvr>
+                                        <p:cTn id="145" dur="1" fill="hold">
+                                          <p:stCondLst>
+                                            <p:cond delay="0"/>
+                                          </p:stCondLst>
+                                        </p:cTn>
+                                        <p:tgtEl>
+                                          <p:spTgt spid="65"/>
+                                        </p:tgtEl>
+                                        <p:attrNameLst>
+                                          <p:attrName>style.visibility</p:attrName>
+                                        </p:attrNameLst>
+                                      </p:cBhvr>
+                                      <p:to>
+                                        <p:strVal val="visible"/>
+                                      </p:to>
+                                    </p:set>
+                                  </p:childTnLst>
+                                </p:cTn>
+                              </p:par>
+                            </p:childTnLst>
+                          </p:cTn>
+                        </p:par>
+                      </p:childTnLst>
+                    </p:cTn>
+                  </p:par>
+                </p:childTnLst>
+              </p:cTn>
+              <p:prevCondLst>
+                <p:cond evt="onPrev" delay="0">
+                  <p:tgtEl>
+                    <p:sldTgt/>
+                  </p:tgtEl>
+                </p:cond>
+              </p:prevCondLst>
+              <p:nextCondLst>
+                <p:cond evt="onNext" delay="0">
+                  <p:tgtEl>
+                    <p:sldTgt/>
+                  </p:tgtEl>
+                </p:cond>
+              </p:nextCondLst>
+            </p:seq>
+          </p:childTnLst>
+        </p:cTn>
+      </p:par>
+    </p:tnLst>
+    <p:bldLst>
+      <p:bldP spid="5" grpId="0"/>
+      <p:bldP spid="5" grpId="1"/>
+      <p:bldP spid="35" grpId="0"/>
+      <p:bldP spid="35" grpId="1"/>
+      <p:bldP spid="36" grpId="0"/>
+      <p:bldP spid="36" grpId="1"/>
+      <p:bldP spid="8" grpId="0"/>
+      <p:bldP spid="8" grpId="1"/>
+      <p:bldP spid="43" grpId="0"/>
+      <p:bldP spid="43" grpId="1"/>
+      <p:bldP spid="43" grpId="2"/>
+      <p:bldP spid="9" grpId="0"/>
+      <p:bldP spid="9" grpId="1"/>
+      <p:bldP spid="9" grpId="2"/>
+      <p:bldP spid="10" grpId="0"/>
+      <p:bldP spid="10" grpId="1"/>
+      <p:bldP spid="44" grpId="0"/>
+      <p:bldP spid="44" grpId="1"/>
+      <p:bldP spid="45" grpId="0"/>
+      <p:bldP spid="45" grpId="1"/>
+      <p:bldP spid="47" grpId="0"/>
+      <p:bldP spid="47" grpId="1"/>
+      <p:bldP spid="48" grpId="0"/>
+      <p:bldP spid="48" grpId="1"/>
+      <p:bldP spid="49" grpId="0"/>
+      <p:bldP spid="49" grpId="1"/>
+      <p:bldP spid="50" grpId="0"/>
+      <p:bldP spid="50" grpId="1"/>
+      <p:bldP spid="11" grpId="0"/>
+      <p:bldP spid="11" grpId="1"/>
+      <p:bldP spid="11" grpId="2"/>
+      <p:bldP spid="51" grpId="0"/>
+      <p:bldP spid="51" grpId="1"/>
+      <p:bldP spid="52" grpId="0"/>
+      <p:bldP spid="52" grpId="1"/>
+      <p:bldP spid="53" grpId="0"/>
+      <p:bldP spid="53" grpId="1"/>
+      <p:bldP spid="54" grpId="0"/>
+      <p:bldP spid="54" grpId="1"/>
+      <p:bldP spid="55" grpId="0"/>
+      <p:bldP spid="55" grpId="1"/>
+      <p:bldP spid="56" grpId="0"/>
+      <p:bldP spid="56" grpId="1"/>
+      <p:bldP spid="57" grpId="0"/>
+      <p:bldP spid="57" grpId="1"/>
+    </p:bldLst>
+  </p:timing>
+</p:sld>
+</file>
+
+<file path=ppt/slides/slide6.xml><?xml version="1.0" encoding="utf-8"?>
+<p:sld xmlns:a="http://schemas.openxmlformats.org/drawingml/2006/main" xmlns:r="http://schemas.openxmlformats.org/officeDocument/2006/relationships" xmlns:p="http://schemas.openxmlformats.org/presentationml/2006/main">
+  <p:cSld>
+    <p:spTree>
+      <p:nvGrpSpPr>
+        <p:cNvPr id="1" name=""/>
+        <p:cNvGrpSpPr/>
+        <p:nvPr/>
+      </p:nvGrpSpPr>
+      <p:grpSpPr>
+        <a:xfrm>
+          <a:off x="0" y="0"/>
+          <a:ext cx="0" cy="0"/>
+          <a:chOff x="0" y="0"/>
+          <a:chExt cx="0" cy="0"/>
+        </a:xfrm>
+      </p:grpSpPr>
+      <p:sp>
+        <p:nvSpPr>
+          <p:cNvPr id="4" name="TextBox 3"/>
+          <p:cNvSpPr txBox="1"/>
+          <p:nvPr/>
+        </p:nvSpPr>
+        <p:spPr>
+          <a:xfrm>
+            <a:off x="179512" y="332656"/>
+            <a:ext cx="8964488" cy="707886"/>
+          </a:xfrm>
+          <a:prstGeom prst="rect">
+            <a:avLst/>
+          </a:prstGeom>
+          <a:noFill/>
+        </p:spPr>
+        <p:txBody>
+          <a:bodyPr wrap="square" rtlCol="0">
+            <a:spAutoFit/>
+          </a:bodyPr>
+          <a:lstStyle/>
+          <a:p>
+            <a:r>
+              <a:rPr lang="ko-KR" altLang="en-US" sz="4000" dirty="0" smtClean="0">
+                <a:latin typeface="카페24 고운밤" pitchFamily="2" charset="-127"/>
+                <a:ea typeface="카페24 고운밤" pitchFamily="2" charset="-127"/>
+              </a:rPr>
+              <a:t>코드 설명</a:t>
+            </a:r>
+            <a:endParaRPr lang="ko-KR" altLang="en-US" sz="4000" dirty="0">
+              <a:latin typeface="카페24 고운밤" pitchFamily="2" charset="-127"/>
+              <a:ea typeface="카페24 고운밤" pitchFamily="2" charset="-127"/>
+            </a:endParaRPr>
+          </a:p>
+        </p:txBody>
+      </p:sp>
+      <p:sp>
+        <p:nvSpPr>
+          <p:cNvPr id="2" name="TextBox 1"/>
+          <p:cNvSpPr txBox="1"/>
+          <p:nvPr/>
+        </p:nvSpPr>
+        <p:spPr>
+          <a:xfrm>
+            <a:off x="971600" y="1441748"/>
+            <a:ext cx="2398413" cy="369332"/>
+          </a:xfrm>
+          <a:prstGeom prst="rect">
+            <a:avLst/>
+          </a:prstGeom>
+          <a:noFill/>
+        </p:spPr>
+        <p:txBody>
+          <a:bodyPr wrap="none" rtlCol="0">
+            <a:spAutoFit/>
+          </a:bodyPr>
+          <a:lstStyle/>
+          <a:p>
+            <a:r>
+              <a:rPr lang="ko-KR" altLang="en-US" dirty="0" smtClean="0">
+                <a:latin typeface="카페24 고운밤" pitchFamily="2" charset="-127"/>
+                <a:ea typeface="카페24 고운밤" pitchFamily="2" charset="-127"/>
+              </a:rPr>
+              <a:t>만든 </a:t>
+            </a:r>
+            <a:r>
+              <a:rPr lang="en-US" altLang="ko-KR" dirty="0" err="1" smtClean="0">
+                <a:latin typeface="카페24 고운밤" pitchFamily="2" charset="-127"/>
+                <a:ea typeface="카페24 고운밤" pitchFamily="2" charset="-127"/>
+              </a:rPr>
+              <a:t>cs</a:t>
+            </a:r>
+            <a:r>
+              <a:rPr lang="en-US" altLang="ko-KR" dirty="0" smtClean="0">
+                <a:latin typeface="카페24 고운밤" pitchFamily="2" charset="-127"/>
+                <a:ea typeface="카페24 고운밤" pitchFamily="2" charset="-127"/>
+              </a:rPr>
+              <a:t> </a:t>
+            </a:r>
+            <a:r>
+              <a:rPr lang="ko-KR" altLang="en-US" dirty="0" smtClean="0">
+                <a:latin typeface="카페24 고운밤" pitchFamily="2" charset="-127"/>
+                <a:ea typeface="카페24 고운밤" pitchFamily="2" charset="-127"/>
+              </a:rPr>
+              <a:t>파일은 총 </a:t>
+            </a:r>
+            <a:r>
+              <a:rPr lang="en-US" altLang="ko-KR" dirty="0" smtClean="0">
+                <a:latin typeface="카페24 고운밤" pitchFamily="2" charset="-127"/>
+                <a:ea typeface="카페24 고운밤" pitchFamily="2" charset="-127"/>
+              </a:rPr>
+              <a:t>6</a:t>
+            </a:r>
+            <a:r>
+              <a:rPr lang="ko-KR" altLang="en-US" dirty="0" smtClean="0">
+                <a:latin typeface="카페24 고운밤" pitchFamily="2" charset="-127"/>
+                <a:ea typeface="카페24 고운밤" pitchFamily="2" charset="-127"/>
+              </a:rPr>
+              <a:t>개이고</a:t>
+            </a:r>
+            <a:endParaRPr lang="en-US" altLang="ko-KR" dirty="0" smtClean="0">
+              <a:latin typeface="카페24 고운밤" pitchFamily="2" charset="-127"/>
+              <a:ea typeface="카페24 고운밤" pitchFamily="2" charset="-127"/>
+            </a:endParaRPr>
+          </a:p>
+        </p:txBody>
+      </p:sp>
+      <p:sp>
+        <p:nvSpPr>
+          <p:cNvPr id="3" name="TextBox 2"/>
+          <p:cNvSpPr txBox="1"/>
+          <p:nvPr/>
+        </p:nvSpPr>
+        <p:spPr>
+          <a:xfrm>
+            <a:off x="971600" y="2132856"/>
+            <a:ext cx="2129109" cy="1754326"/>
+          </a:xfrm>
+          <a:prstGeom prst="rect">
+            <a:avLst/>
+          </a:prstGeom>
+          <a:noFill/>
+        </p:spPr>
+        <p:txBody>
+          <a:bodyPr wrap="none" rtlCol="0">
+            <a:spAutoFit/>
+          </a:bodyPr>
+          <a:lstStyle/>
+          <a:p>
+            <a:r>
+              <a:rPr lang="en-US" altLang="ko-KR" dirty="0" err="1" smtClean="0">
+                <a:latin typeface="카페24 고운밤" pitchFamily="2" charset="-127"/>
+                <a:ea typeface="카페24 고운밤" pitchFamily="2" charset="-127"/>
+              </a:rPr>
+              <a:t>MapDisplay.cs</a:t>
+            </a:r>
+            <a:endParaRPr lang="en-US" altLang="ko-KR" dirty="0" smtClean="0">
+              <a:latin typeface="카페24 고운밤" pitchFamily="2" charset="-127"/>
+              <a:ea typeface="카페24 고운밤" pitchFamily="2" charset="-127"/>
+            </a:endParaRPr>
+          </a:p>
+          <a:p>
+            <a:r>
+              <a:rPr lang="en-US" altLang="ko-KR" dirty="0" err="1" smtClean="0">
+                <a:latin typeface="카페24 고운밤" pitchFamily="2" charset="-127"/>
+                <a:ea typeface="카페24 고운밤" pitchFamily="2" charset="-127"/>
+              </a:rPr>
+              <a:t>MapGenerator.cs</a:t>
+            </a:r>
+            <a:endParaRPr lang="en-US" altLang="ko-KR" dirty="0" smtClean="0">
+              <a:latin typeface="카페24 고운밤" pitchFamily="2" charset="-127"/>
+              <a:ea typeface="카페24 고운밤" pitchFamily="2" charset="-127"/>
+            </a:endParaRPr>
+          </a:p>
+          <a:p>
+            <a:r>
+              <a:rPr lang="en-US" altLang="ko-KR" dirty="0" err="1" smtClean="0">
+                <a:latin typeface="카페24 고운밤" pitchFamily="2" charset="-127"/>
+                <a:ea typeface="카페24 고운밤" pitchFamily="2" charset="-127"/>
+              </a:rPr>
+              <a:t>MeshGenerator.cs</a:t>
+            </a:r>
+            <a:endParaRPr lang="en-US" altLang="ko-KR" dirty="0">
+              <a:latin typeface="카페24 고운밤" pitchFamily="2" charset="-127"/>
+              <a:ea typeface="카페24 고운밤" pitchFamily="2" charset="-127"/>
+            </a:endParaRPr>
+          </a:p>
+          <a:p>
+            <a:r>
+              <a:rPr lang="en-US" altLang="ko-KR" dirty="0" err="1" smtClean="0">
+                <a:latin typeface="카페24 고운밤" pitchFamily="2" charset="-127"/>
+                <a:ea typeface="카페24 고운밤" pitchFamily="2" charset="-127"/>
+              </a:rPr>
+              <a:t>Noise.cs</a:t>
+            </a:r>
+            <a:endParaRPr lang="en-US" altLang="ko-KR" dirty="0">
+              <a:latin typeface="카페24 고운밤" pitchFamily="2" charset="-127"/>
+              <a:ea typeface="카페24 고운밤" pitchFamily="2" charset="-127"/>
+            </a:endParaRPr>
+          </a:p>
+          <a:p>
+            <a:r>
+              <a:rPr lang="en-US" altLang="ko-KR" dirty="0" err="1" smtClean="0">
+                <a:latin typeface="카페24 고운밤" pitchFamily="2" charset="-127"/>
+                <a:ea typeface="카페24 고운밤" pitchFamily="2" charset="-127"/>
+              </a:rPr>
+              <a:t>TextureGenerator.cs</a:t>
+            </a:r>
+            <a:endParaRPr lang="en-US" altLang="ko-KR" dirty="0">
+              <a:latin typeface="카페24 고운밤" pitchFamily="2" charset="-127"/>
+              <a:ea typeface="카페24 고운밤" pitchFamily="2" charset="-127"/>
+            </a:endParaRPr>
+          </a:p>
+          <a:p>
+            <a:r>
+              <a:rPr lang="en-US" altLang="ko-KR" dirty="0" err="1" smtClean="0">
+                <a:latin typeface="카페24 고운밤" pitchFamily="2" charset="-127"/>
+                <a:ea typeface="카페24 고운밤" pitchFamily="2" charset="-127"/>
+              </a:rPr>
+              <a:t>MapGeneratorEditor.cs</a:t>
+            </a:r>
+            <a:endParaRPr lang="en-US" altLang="ko-KR" dirty="0">
+              <a:latin typeface="카페24 고운밤" pitchFamily="2" charset="-127"/>
+              <a:ea typeface="카페24 고운밤" pitchFamily="2" charset="-127"/>
+            </a:endParaRPr>
+          </a:p>
+        </p:txBody>
+      </p:sp>
+      <p:sp>
+        <p:nvSpPr>
+          <p:cNvPr id="7" name="TextBox 6"/>
+          <p:cNvSpPr txBox="1"/>
+          <p:nvPr/>
+        </p:nvSpPr>
+        <p:spPr>
+          <a:xfrm>
+            <a:off x="2699792" y="2139206"/>
+            <a:ext cx="4126451" cy="369332"/>
+          </a:xfrm>
+          <a:prstGeom prst="rect">
+            <a:avLst/>
+          </a:prstGeom>
+          <a:noFill/>
+        </p:spPr>
+        <p:txBody>
+          <a:bodyPr wrap="none" rtlCol="0">
+            <a:spAutoFit/>
+          </a:bodyPr>
+          <a:lstStyle/>
+          <a:p>
+            <a:r>
+              <a:rPr lang="en-US" altLang="ko-KR" dirty="0" smtClean="0">
+                <a:latin typeface="카페24 고운밤" pitchFamily="2" charset="-127"/>
+                <a:ea typeface="카페24 고운밤" pitchFamily="2" charset="-127"/>
+              </a:rPr>
+              <a:t>Generator</a:t>
+            </a:r>
+            <a:r>
+              <a:rPr lang="ko-KR" altLang="en-US" dirty="0">
+                <a:latin typeface="카페24 고운밤" pitchFamily="2" charset="-127"/>
+                <a:ea typeface="카페24 고운밤" pitchFamily="2" charset="-127"/>
+              </a:rPr>
+              <a:t>가 만든 것을 </a:t>
+            </a:r>
+            <a:r>
+              <a:rPr lang="ko-KR" altLang="en-US" dirty="0" err="1">
+                <a:latin typeface="카페24 고운밤" pitchFamily="2" charset="-127"/>
+                <a:ea typeface="카페24 고운밤" pitchFamily="2" charset="-127"/>
+              </a:rPr>
+              <a:t>유니티에서</a:t>
+            </a:r>
+            <a:r>
+              <a:rPr lang="ko-KR" altLang="en-US" dirty="0">
+                <a:latin typeface="카페24 고운밤" pitchFamily="2" charset="-127"/>
+                <a:ea typeface="카페24 고운밤" pitchFamily="2" charset="-127"/>
+              </a:rPr>
+              <a:t> 보여주는 </a:t>
+            </a:r>
+            <a:r>
+              <a:rPr lang="en-US" altLang="ko-KR" dirty="0" err="1">
+                <a:latin typeface="카페24 고운밤" pitchFamily="2" charset="-127"/>
+                <a:ea typeface="카페24 고운밤" pitchFamily="2" charset="-127"/>
+              </a:rPr>
+              <a:t>cs</a:t>
+            </a:r>
+            <a:endParaRPr lang="ko-KR" altLang="en-US" dirty="0"/>
+          </a:p>
+        </p:txBody>
+      </p:sp>
+      <p:sp>
+        <p:nvSpPr>
+          <p:cNvPr id="8" name="TextBox 7"/>
+          <p:cNvSpPr txBox="1"/>
+          <p:nvPr/>
+        </p:nvSpPr>
+        <p:spPr>
+          <a:xfrm>
+            <a:off x="2333402" y="2139206"/>
+            <a:ext cx="415498" cy="369332"/>
+          </a:xfrm>
+          <a:prstGeom prst="rect">
+            <a:avLst/>
+          </a:prstGeom>
+          <a:noFill/>
+        </p:spPr>
+        <p:txBody>
+          <a:bodyPr wrap="none" rtlCol="0">
+            <a:spAutoFit/>
+          </a:bodyPr>
+          <a:lstStyle/>
+          <a:p>
+            <a:r>
+              <a:rPr lang="en-US" altLang="ko-KR" dirty="0">
+                <a:latin typeface="카페24 고운밤" pitchFamily="2" charset="-127"/>
+                <a:ea typeface="카페24 고운밤" pitchFamily="2" charset="-127"/>
+              </a:rPr>
+              <a:t>&gt;&gt;&gt;</a:t>
+            </a:r>
+            <a:endParaRPr lang="ko-KR" altLang="en-US" dirty="0"/>
+          </a:p>
+        </p:txBody>
+      </p:sp>
+      <p:sp>
+        <p:nvSpPr>
+          <p:cNvPr id="9" name="직사각형 8"/>
+          <p:cNvSpPr/>
+          <p:nvPr/>
+        </p:nvSpPr>
+        <p:spPr>
+          <a:xfrm>
+            <a:off x="2839428" y="2414836"/>
+            <a:ext cx="3297698" cy="369332"/>
+          </a:xfrm>
+          <a:prstGeom prst="rect">
+            <a:avLst/>
+          </a:prstGeom>
+        </p:spPr>
+        <p:txBody>
+          <a:bodyPr wrap="none">
+            <a:spAutoFit/>
+          </a:bodyPr>
+          <a:lstStyle/>
+          <a:p>
+            <a:r>
+              <a:rPr lang="en-US" altLang="ko-KR" dirty="0">
+                <a:latin typeface="카페24 고운밤" pitchFamily="2" charset="-127"/>
+                <a:ea typeface="카페24 고운밤" pitchFamily="2" charset="-127"/>
+              </a:rPr>
+              <a:t>Generator</a:t>
+            </a:r>
+            <a:r>
+              <a:rPr lang="ko-KR" altLang="en-US" dirty="0">
+                <a:latin typeface="카페24 고운밤" pitchFamily="2" charset="-127"/>
+                <a:ea typeface="카페24 고운밤" pitchFamily="2" charset="-127"/>
+              </a:rPr>
+              <a:t>들을 호출해 </a:t>
+            </a:r>
+            <a:r>
+              <a:rPr lang="ko-KR" altLang="en-US" dirty="0" err="1">
+                <a:latin typeface="카페24 고운밤" pitchFamily="2" charset="-127"/>
+                <a:ea typeface="카페24 고운밤" pitchFamily="2" charset="-127"/>
+              </a:rPr>
+              <a:t>맵을</a:t>
+            </a:r>
+            <a:r>
+              <a:rPr lang="ko-KR" altLang="en-US" dirty="0">
+                <a:latin typeface="카페24 고운밤" pitchFamily="2" charset="-127"/>
+                <a:ea typeface="카페24 고운밤" pitchFamily="2" charset="-127"/>
+              </a:rPr>
+              <a:t> 만드는 </a:t>
+            </a:r>
+            <a:r>
+              <a:rPr lang="en-US" altLang="ko-KR" dirty="0" err="1">
+                <a:latin typeface="카페24 고운밤" pitchFamily="2" charset="-127"/>
+                <a:ea typeface="카페24 고운밤" pitchFamily="2" charset="-127"/>
+              </a:rPr>
+              <a:t>cs</a:t>
+            </a:r>
+            <a:endParaRPr lang="ko-KR" altLang="en-US" dirty="0"/>
+          </a:p>
+        </p:txBody>
+      </p:sp>
+      <p:sp>
+        <p:nvSpPr>
+          <p:cNvPr id="10" name="직사각형 9"/>
+          <p:cNvSpPr/>
+          <p:nvPr/>
+        </p:nvSpPr>
+        <p:spPr>
+          <a:xfrm>
+            <a:off x="3034432" y="2696220"/>
+            <a:ext cx="3924472" cy="369332"/>
+          </a:xfrm>
+          <a:prstGeom prst="rect">
+            <a:avLst/>
+          </a:prstGeom>
+        </p:spPr>
+        <p:txBody>
+          <a:bodyPr wrap="none">
+            <a:spAutoFit/>
+          </a:bodyPr>
+          <a:lstStyle/>
+          <a:p>
+            <a:r>
+              <a:rPr lang="en-US" altLang="ko-KR" dirty="0" err="1">
+                <a:latin typeface="카페24 고운밤" pitchFamily="2" charset="-127"/>
+                <a:ea typeface="카페24 고운밤" pitchFamily="2" charset="-127"/>
+              </a:rPr>
+              <a:t>Noise.cs</a:t>
+            </a:r>
+            <a:r>
+              <a:rPr lang="ko-KR" altLang="en-US" dirty="0">
+                <a:latin typeface="카페24 고운밤" pitchFamily="2" charset="-127"/>
+                <a:ea typeface="카페24 고운밤" pitchFamily="2" charset="-127"/>
+              </a:rPr>
+              <a:t>에서 만든 </a:t>
+            </a:r>
+            <a:r>
+              <a:rPr lang="en-US" altLang="ko-KR" dirty="0">
+                <a:latin typeface="카페24 고운밤" pitchFamily="2" charset="-127"/>
+                <a:ea typeface="카페24 고운밤" pitchFamily="2" charset="-127"/>
+              </a:rPr>
+              <a:t>Noise</a:t>
+            </a:r>
+            <a:r>
+              <a:rPr lang="ko-KR" altLang="en-US" dirty="0">
+                <a:latin typeface="카페24 고운밤" pitchFamily="2" charset="-127"/>
+                <a:ea typeface="카페24 고운밤" pitchFamily="2" charset="-127"/>
+              </a:rPr>
+              <a:t>로 </a:t>
+            </a:r>
+            <a:r>
+              <a:rPr lang="en-US" altLang="ko-KR" dirty="0">
+                <a:latin typeface="카페24 고운밤" pitchFamily="2" charset="-127"/>
+                <a:ea typeface="카페24 고운밤" pitchFamily="2" charset="-127"/>
+              </a:rPr>
+              <a:t>Mesh</a:t>
+            </a:r>
+            <a:r>
+              <a:rPr lang="ko-KR" altLang="en-US" dirty="0">
+                <a:latin typeface="카페24 고운밤" pitchFamily="2" charset="-127"/>
+                <a:ea typeface="카페24 고운밤" pitchFamily="2" charset="-127"/>
+              </a:rPr>
+              <a:t>를 만드는 </a:t>
+            </a:r>
+            <a:r>
+              <a:rPr lang="en-US" altLang="ko-KR" dirty="0" err="1">
+                <a:latin typeface="카페24 고운밤" pitchFamily="2" charset="-127"/>
+                <a:ea typeface="카페24 고운밤" pitchFamily="2" charset="-127"/>
+              </a:rPr>
+              <a:t>cs</a:t>
+            </a:r>
+            <a:endParaRPr lang="ko-KR" altLang="en-US" dirty="0"/>
+          </a:p>
+        </p:txBody>
+      </p:sp>
+      <p:sp>
+        <p:nvSpPr>
+          <p:cNvPr id="11" name="직사각형 10"/>
+          <p:cNvSpPr/>
+          <p:nvPr/>
+        </p:nvSpPr>
+        <p:spPr>
+          <a:xfrm>
+            <a:off x="2212153" y="2955910"/>
+            <a:ext cx="2165978" cy="369332"/>
+          </a:xfrm>
+          <a:prstGeom prst="rect">
+            <a:avLst/>
+          </a:prstGeom>
+        </p:spPr>
+        <p:txBody>
+          <a:bodyPr wrap="none">
+            <a:spAutoFit/>
+          </a:bodyPr>
+          <a:lstStyle/>
+          <a:p>
+            <a:r>
+              <a:rPr lang="en-US" altLang="ko-KR" dirty="0" err="1">
+                <a:latin typeface="카페24 고운밤" pitchFamily="2" charset="-127"/>
+                <a:ea typeface="카페24 고운밤" pitchFamily="2" charset="-127"/>
+              </a:rPr>
+              <a:t>PerlinNoise</a:t>
+            </a:r>
+            <a:r>
+              <a:rPr lang="ko-KR" altLang="en-US" dirty="0">
+                <a:latin typeface="카페24 고운밤" pitchFamily="2" charset="-127"/>
+                <a:ea typeface="카페24 고운밤" pitchFamily="2" charset="-127"/>
+              </a:rPr>
+              <a:t>를 만드는 </a:t>
+            </a:r>
+            <a:r>
+              <a:rPr lang="en-US" altLang="ko-KR" dirty="0" err="1">
+                <a:latin typeface="카페24 고운밤" pitchFamily="2" charset="-127"/>
+                <a:ea typeface="카페24 고운밤" pitchFamily="2" charset="-127"/>
+              </a:rPr>
+              <a:t>cs</a:t>
+            </a:r>
+            <a:endParaRPr lang="ko-KR" altLang="en-US" dirty="0"/>
+          </a:p>
+        </p:txBody>
+      </p:sp>
+      <p:sp>
+        <p:nvSpPr>
+          <p:cNvPr id="12" name="직사각형 11"/>
+          <p:cNvSpPr/>
+          <p:nvPr/>
+        </p:nvSpPr>
+        <p:spPr>
+          <a:xfrm>
+            <a:off x="3250456" y="3244726"/>
+            <a:ext cx="4100803" cy="369332"/>
+          </a:xfrm>
+          <a:prstGeom prst="rect">
+            <a:avLst/>
+          </a:prstGeom>
+        </p:spPr>
+        <p:txBody>
+          <a:bodyPr wrap="none">
+            <a:spAutoFit/>
+          </a:bodyPr>
+          <a:lstStyle/>
+          <a:p>
+            <a:r>
+              <a:rPr lang="en-US" altLang="ko-KR" dirty="0" err="1">
+                <a:latin typeface="카페24 고운밤" pitchFamily="2" charset="-127"/>
+                <a:ea typeface="카페24 고운밤" pitchFamily="2" charset="-127"/>
+              </a:rPr>
+              <a:t>Noise.cs</a:t>
+            </a:r>
+            <a:r>
+              <a:rPr lang="ko-KR" altLang="en-US" dirty="0">
+                <a:latin typeface="카페24 고운밤" pitchFamily="2" charset="-127"/>
+                <a:ea typeface="카페24 고운밤" pitchFamily="2" charset="-127"/>
+              </a:rPr>
+              <a:t>에서 만든 </a:t>
+            </a:r>
+            <a:r>
+              <a:rPr lang="en-US" altLang="ko-KR" dirty="0">
+                <a:latin typeface="카페24 고운밤" pitchFamily="2" charset="-127"/>
+                <a:ea typeface="카페24 고운밤" pitchFamily="2" charset="-127"/>
+              </a:rPr>
+              <a:t>Noise</a:t>
+            </a:r>
+            <a:r>
+              <a:rPr lang="ko-KR" altLang="en-US" dirty="0">
+                <a:latin typeface="카페24 고운밤" pitchFamily="2" charset="-127"/>
+                <a:ea typeface="카페24 고운밤" pitchFamily="2" charset="-127"/>
+              </a:rPr>
+              <a:t>로 </a:t>
+            </a:r>
+            <a:r>
+              <a:rPr lang="en-US" altLang="ko-KR" dirty="0">
+                <a:latin typeface="카페24 고운밤" pitchFamily="2" charset="-127"/>
+                <a:ea typeface="카페24 고운밤" pitchFamily="2" charset="-127"/>
+              </a:rPr>
+              <a:t>Texture</a:t>
+            </a:r>
+            <a:r>
+              <a:rPr lang="ko-KR" altLang="en-US" dirty="0">
+                <a:latin typeface="카페24 고운밤" pitchFamily="2" charset="-127"/>
+                <a:ea typeface="카페24 고운밤" pitchFamily="2" charset="-127"/>
+              </a:rPr>
+              <a:t>를 만드는 </a:t>
+            </a:r>
+            <a:r>
+              <a:rPr lang="en-US" altLang="ko-KR" dirty="0" err="1">
+                <a:latin typeface="카페24 고운밤" pitchFamily="2" charset="-127"/>
+                <a:ea typeface="카페24 고운밤" pitchFamily="2" charset="-127"/>
+              </a:rPr>
+              <a:t>cs</a:t>
+            </a:r>
+            <a:endParaRPr lang="ko-KR" altLang="en-US" dirty="0"/>
+          </a:p>
+        </p:txBody>
+      </p:sp>
+      <p:sp>
+        <p:nvSpPr>
+          <p:cNvPr id="13" name="직사각형 12"/>
+          <p:cNvSpPr/>
+          <p:nvPr/>
+        </p:nvSpPr>
+        <p:spPr>
+          <a:xfrm>
+            <a:off x="3432572" y="3511500"/>
+            <a:ext cx="3076483" cy="369332"/>
+          </a:xfrm>
+          <a:prstGeom prst="rect">
+            <a:avLst/>
+          </a:prstGeom>
+        </p:spPr>
+        <p:txBody>
+          <a:bodyPr wrap="none">
+            <a:spAutoFit/>
+          </a:bodyPr>
+          <a:lstStyle/>
+          <a:p>
+            <a:r>
+              <a:rPr lang="en-US" altLang="ko-KR" dirty="0" err="1">
+                <a:latin typeface="카페24 고운밤" pitchFamily="2" charset="-127"/>
+                <a:ea typeface="카페24 고운밤" pitchFamily="2" charset="-127"/>
+              </a:rPr>
+              <a:t>MapGenerator</a:t>
+            </a:r>
+            <a:r>
+              <a:rPr lang="ko-KR" altLang="en-US" dirty="0">
+                <a:latin typeface="카페24 고운밤" pitchFamily="2" charset="-127"/>
+                <a:ea typeface="카페24 고운밤" pitchFamily="2" charset="-127"/>
+              </a:rPr>
+              <a:t>의 </a:t>
+            </a:r>
+            <a:r>
+              <a:rPr lang="ko-KR" altLang="en-US" dirty="0" err="1">
+                <a:latin typeface="카페24 고운밤" pitchFamily="2" charset="-127"/>
+                <a:ea typeface="카페24 고운밤" pitchFamily="2" charset="-127"/>
+              </a:rPr>
+              <a:t>커스텀</a:t>
+            </a:r>
+            <a:r>
+              <a:rPr lang="ko-KR" altLang="en-US" dirty="0">
+                <a:latin typeface="카페24 고운밤" pitchFamily="2" charset="-127"/>
+                <a:ea typeface="카페24 고운밤" pitchFamily="2" charset="-127"/>
+              </a:rPr>
+              <a:t> </a:t>
+            </a:r>
+            <a:r>
+              <a:rPr lang="ko-KR" altLang="en-US" dirty="0" smtClean="0">
+                <a:latin typeface="카페24 고운밤" pitchFamily="2" charset="-127"/>
+                <a:ea typeface="카페24 고운밤" pitchFamily="2" charset="-127"/>
+              </a:rPr>
+              <a:t>에디터</a:t>
+            </a:r>
+            <a:r>
+              <a:rPr lang="en-US" altLang="ko-KR" dirty="0" smtClean="0">
+                <a:latin typeface="카페24 고운밤" pitchFamily="2" charset="-127"/>
+                <a:ea typeface="카페24 고운밤" pitchFamily="2" charset="-127"/>
+              </a:rPr>
+              <a:t> </a:t>
+            </a:r>
+            <a:r>
+              <a:rPr lang="en-US" altLang="ko-KR" dirty="0" err="1">
+                <a:latin typeface="카페24 고운밤" pitchFamily="2" charset="-127"/>
+                <a:ea typeface="카페24 고운밤" pitchFamily="2" charset="-127"/>
+              </a:rPr>
+              <a:t>cs</a:t>
+            </a:r>
+            <a:endParaRPr lang="ko-KR" altLang="en-US" dirty="0"/>
+          </a:p>
+        </p:txBody>
+      </p:sp>
+      <p:sp>
+        <p:nvSpPr>
+          <p:cNvPr id="19" name="TextBox 18"/>
+          <p:cNvSpPr txBox="1"/>
+          <p:nvPr/>
+        </p:nvSpPr>
+        <p:spPr>
+          <a:xfrm>
+            <a:off x="2500318" y="2420888"/>
+            <a:ext cx="415498" cy="369332"/>
+          </a:xfrm>
+          <a:prstGeom prst="rect">
+            <a:avLst/>
+          </a:prstGeom>
+          <a:noFill/>
+        </p:spPr>
+        <p:txBody>
+          <a:bodyPr wrap="none" rtlCol="0">
+            <a:spAutoFit/>
+          </a:bodyPr>
+          <a:lstStyle/>
+          <a:p>
+            <a:r>
+              <a:rPr lang="en-US" altLang="ko-KR" dirty="0">
+                <a:latin typeface="카페24 고운밤" pitchFamily="2" charset="-127"/>
+                <a:ea typeface="카페24 고운밤" pitchFamily="2" charset="-127"/>
+              </a:rPr>
+              <a:t>&gt;&gt;&gt;</a:t>
+            </a:r>
+            <a:endParaRPr lang="ko-KR" altLang="en-US" dirty="0"/>
+          </a:p>
+        </p:txBody>
+      </p:sp>
+      <p:sp>
+        <p:nvSpPr>
+          <p:cNvPr id="20" name="TextBox 19"/>
+          <p:cNvSpPr txBox="1"/>
+          <p:nvPr/>
+        </p:nvSpPr>
+        <p:spPr>
+          <a:xfrm>
+            <a:off x="2618934" y="2696220"/>
+            <a:ext cx="415498" cy="369332"/>
+          </a:xfrm>
+          <a:prstGeom prst="rect">
+            <a:avLst/>
+          </a:prstGeom>
+          <a:noFill/>
+        </p:spPr>
+        <p:txBody>
+          <a:bodyPr wrap="none" rtlCol="0">
+            <a:spAutoFit/>
+          </a:bodyPr>
+          <a:lstStyle/>
+          <a:p>
+            <a:r>
+              <a:rPr lang="en-US" altLang="ko-KR" dirty="0">
+                <a:latin typeface="카페24 고운밤" pitchFamily="2" charset="-127"/>
+                <a:ea typeface="카페24 고운밤" pitchFamily="2" charset="-127"/>
+              </a:rPr>
+              <a:t>&gt;&gt;&gt;</a:t>
+            </a:r>
+            <a:endParaRPr lang="ko-KR" altLang="en-US" dirty="0"/>
+          </a:p>
+        </p:txBody>
+      </p:sp>
+      <p:sp>
+        <p:nvSpPr>
+          <p:cNvPr id="21" name="TextBox 20"/>
+          <p:cNvSpPr txBox="1"/>
+          <p:nvPr/>
+        </p:nvSpPr>
+        <p:spPr>
+          <a:xfrm>
+            <a:off x="1803005" y="2968610"/>
+            <a:ext cx="415498" cy="369332"/>
+          </a:xfrm>
+          <a:prstGeom prst="rect">
+            <a:avLst/>
+          </a:prstGeom>
+          <a:noFill/>
+        </p:spPr>
+        <p:txBody>
+          <a:bodyPr wrap="none" rtlCol="0">
+            <a:spAutoFit/>
+          </a:bodyPr>
+          <a:lstStyle/>
+          <a:p>
+            <a:r>
+              <a:rPr lang="en-US" altLang="ko-KR" dirty="0">
+                <a:latin typeface="카페24 고운밤" pitchFamily="2" charset="-127"/>
+                <a:ea typeface="카페24 고운밤" pitchFamily="2" charset="-127"/>
+              </a:rPr>
+              <a:t>&gt;&gt;&gt;</a:t>
+            </a:r>
+            <a:endParaRPr lang="ko-KR" altLang="en-US" dirty="0"/>
+          </a:p>
+        </p:txBody>
+      </p:sp>
+      <p:sp>
+        <p:nvSpPr>
+          <p:cNvPr id="22" name="TextBox 21"/>
+          <p:cNvSpPr txBox="1"/>
+          <p:nvPr/>
+        </p:nvSpPr>
+        <p:spPr>
+          <a:xfrm>
+            <a:off x="2826683" y="3244726"/>
+            <a:ext cx="415498" cy="369332"/>
+          </a:xfrm>
+          <a:prstGeom prst="rect">
+            <a:avLst/>
+          </a:prstGeom>
+          <a:noFill/>
+        </p:spPr>
+        <p:txBody>
+          <a:bodyPr wrap="none" rtlCol="0">
+            <a:spAutoFit/>
+          </a:bodyPr>
+          <a:lstStyle/>
+          <a:p>
+            <a:r>
+              <a:rPr lang="en-US" altLang="ko-KR" dirty="0">
+                <a:latin typeface="카페24 고운밤" pitchFamily="2" charset="-127"/>
+                <a:ea typeface="카페24 고운밤" pitchFamily="2" charset="-127"/>
+              </a:rPr>
+              <a:t>&gt;&gt;&gt;</a:t>
+            </a:r>
+            <a:endParaRPr lang="ko-KR" altLang="en-US" dirty="0"/>
+          </a:p>
+        </p:txBody>
+      </p:sp>
+      <p:sp>
+        <p:nvSpPr>
+          <p:cNvPr id="23" name="TextBox 22"/>
+          <p:cNvSpPr txBox="1"/>
+          <p:nvPr/>
+        </p:nvSpPr>
+        <p:spPr>
+          <a:xfrm>
+            <a:off x="3059832" y="3501008"/>
+            <a:ext cx="415498" cy="369332"/>
+          </a:xfrm>
+          <a:prstGeom prst="rect">
+            <a:avLst/>
+          </a:prstGeom>
+          <a:noFill/>
+        </p:spPr>
+        <p:txBody>
+          <a:bodyPr wrap="none" rtlCol="0">
+            <a:spAutoFit/>
+          </a:bodyPr>
+          <a:lstStyle/>
+          <a:p>
+            <a:r>
+              <a:rPr lang="en-US" altLang="ko-KR" dirty="0">
+                <a:latin typeface="카페24 고운밤" pitchFamily="2" charset="-127"/>
+                <a:ea typeface="카페24 고운밤" pitchFamily="2" charset="-127"/>
+              </a:rPr>
+              <a:t>&gt;&gt;&gt;</a:t>
+            </a:r>
+            <a:endParaRPr lang="ko-KR" altLang="en-US" dirty="0"/>
+          </a:p>
+        </p:txBody>
+      </p:sp>
+    </p:spTree>
+    <p:extLst>
+      <p:ext uri="{BB962C8B-B14F-4D97-AF65-F5344CB8AC3E}">
+        <p14:creationId xmlns:p14="http://schemas.microsoft.com/office/powerpoint/2010/main" val="1164133524"/>
+      </p:ext>
+    </p:extLst>
+  </p:cSld>
+  <p:clrMapOvr>
+    <a:masterClrMapping/>
+  </p:clrMapOvr>
+  <p:timing>
+    <p:tnLst>
+      <p:par>
+        <p:cTn id="1" dur="indefinite" restart="never" nodeType="tmRoot">
+          <p:childTnLst>
+            <p:seq concurrent="1" nextAc="seek">
+              <p:cTn id="2" dur="indefinite" nodeType="mainSeq">
+                <p:childTnLst>
+                  <p:par>
+                    <p:cTn id="3" fill="hold">
+                      <p:stCondLst>
+                        <p:cond delay="indefinite"/>
+                      </p:stCondLst>
+                      <p:childTnLst>
+                        <p:par>
+                          <p:cTn id="4" fill="hold">
+                            <p:stCondLst>
+                              <p:cond delay="0"/>
+                            </p:stCondLst>
+                            <p:childTnLst>
+                              <p:par>
+                                <p:cTn id="5" presetID="1" presetClass="entr" presetSubtype="0" fill="hold" grpId="0" nodeType="clickEffect">
+                                  <p:stCondLst>
+                                    <p:cond delay="0"/>
+                                  </p:stCondLst>
+                                  <p:childTnLst>
+                                    <p:set>
+                                      <p:cBhvr>
+                                        <p:cTn id="6" dur="1" fill="hold">
+                                          <p:stCondLst>
+                                            <p:cond delay="0"/>
+                                          </p:stCondLst>
+                                        </p:cTn>
+                                        <p:tgtEl>
+                                          <p:spTgt spid="8"/>
+                                        </p:tgtEl>
+                                        <p:attrNameLst>
+                                          <p:attrName>style.visibility</p:attrName>
+                                        </p:attrNameLst>
+                                      </p:cBhvr>
+                                      <p:to>
+                                        <p:strVal val="visible"/>
+                                      </p:to>
+                                    </p:set>
+                                  </p:childTnLst>
+                                </p:cTn>
+                              </p:par>
+                            </p:childTnLst>
+                          </p:cTn>
+                        </p:par>
+                        <p:par>
+                          <p:cTn id="7" fill="hold">
+                            <p:stCondLst>
+                              <p:cond delay="0"/>
+                            </p:stCondLst>
+                            <p:childTnLst>
+                              <p:par>
+                                <p:cTn id="8" presetID="1" presetClass="entr" presetSubtype="0" fill="hold" grpId="0" nodeType="afterEffect">
+                                  <p:stCondLst>
+                                    <p:cond delay="500"/>
+                                  </p:stCondLst>
+                                  <p:childTnLst>
+                                    <p:set>
+                                      <p:cBhvr>
+                                        <p:cTn id="9" dur="1" fill="hold">
+                                          <p:stCondLst>
+                                            <p:cond delay="0"/>
+                                          </p:stCondLst>
+                                        </p:cTn>
+                                        <p:tgtEl>
+                                          <p:spTgt spid="7"/>
+                                        </p:tgtEl>
+                                        <p:attrNameLst>
+                                          <p:attrName>style.visibility</p:attrName>
+                                        </p:attrNameLst>
+                                      </p:cBhvr>
+                                      <p:to>
+                                        <p:strVal val="visible"/>
+                                      </p:to>
+                                    </p:set>
+                                  </p:childTnLst>
+                                </p:cTn>
+                              </p:par>
+                            </p:childTnLst>
+                          </p:cTn>
+                        </p:par>
+                      </p:childTnLst>
+                    </p:cTn>
+                  </p:par>
+                  <p:par>
+                    <p:cTn id="10" fill="hold">
+                      <p:stCondLst>
+                        <p:cond delay="indefinite"/>
+                      </p:stCondLst>
+                      <p:childTnLst>
+                        <p:par>
+                          <p:cTn id="11" fill="hold">
+                            <p:stCondLst>
+                              <p:cond delay="0"/>
+                            </p:stCondLst>
+                            <p:childTnLst>
+                              <p:par>
+                                <p:cTn id="12" presetID="1" presetClass="entr" presetSubtype="0" fill="hold" grpId="0" nodeType="clickEffect">
+                                  <p:stCondLst>
+                                    <p:cond delay="0"/>
+                                  </p:stCondLst>
+                                  <p:childTnLst>
+                                    <p:set>
+                                      <p:cBhvr>
+                                        <p:cTn id="13" dur="1" fill="hold">
+                                          <p:stCondLst>
+                                            <p:cond delay="0"/>
+                                          </p:stCondLst>
+                                        </p:cTn>
+                                        <p:tgtEl>
+                                          <p:spTgt spid="19"/>
+                                        </p:tgtEl>
+                                        <p:attrNameLst>
+                                          <p:attrName>style.visibility</p:attrName>
+                                        </p:attrNameLst>
+                                      </p:cBhvr>
+                                      <p:to>
+                                        <p:strVal val="visible"/>
+                                      </p:to>
+                                    </p:set>
+                                  </p:childTnLst>
+                                </p:cTn>
+                              </p:par>
+                            </p:childTnLst>
+                          </p:cTn>
+                        </p:par>
+                        <p:par>
+                          <p:cTn id="14" fill="hold">
+                            <p:stCondLst>
+                              <p:cond delay="0"/>
+                            </p:stCondLst>
+                            <p:childTnLst>
+                              <p:par>
+                                <p:cTn id="15" presetID="1" presetClass="entr" presetSubtype="0" fill="hold" grpId="0" nodeType="afterEffect">
+                                  <p:stCondLst>
+                                    <p:cond delay="500"/>
+                                  </p:stCondLst>
+                                  <p:childTnLst>
+                                    <p:set>
+                                      <p:cBhvr>
+                                        <p:cTn id="16" dur="1" fill="hold">
+                                          <p:stCondLst>
+                                            <p:cond delay="0"/>
+                                          </p:stCondLst>
+                                        </p:cTn>
+                                        <p:tgtEl>
+                                          <p:spTgt spid="9"/>
+                                        </p:tgtEl>
+                                        <p:attrNameLst>
+                                          <p:attrName>style.visibility</p:attrName>
+                                        </p:attrNameLst>
+                                      </p:cBhvr>
+                                      <p:to>
+                                        <p:strVal val="visible"/>
+                                      </p:to>
+                                    </p:set>
+                                  </p:childTnLst>
+                                </p:cTn>
+                              </p:par>
+                            </p:childTnLst>
+                          </p:cTn>
+                        </p:par>
+                      </p:childTnLst>
+                    </p:cTn>
+                  </p:par>
+                  <p:par>
+                    <p:cTn id="17" fill="hold">
+                      <p:stCondLst>
+                        <p:cond delay="indefinite"/>
+                      </p:stCondLst>
+                      <p:childTnLst>
+                        <p:par>
+                          <p:cTn id="18" fill="hold">
+                            <p:stCondLst>
+                              <p:cond delay="0"/>
+                            </p:stCondLst>
+                            <p:childTnLst>
+                              <p:par>
+                                <p:cTn id="19" presetID="1" presetClass="entr" presetSubtype="0" fill="hold" grpId="0" nodeType="clickEffect">
+                                  <p:stCondLst>
+                                    <p:cond delay="0"/>
+                                  </p:stCondLst>
+                                  <p:childTnLst>
+                                    <p:set>
+                                      <p:cBhvr>
+                                        <p:cTn id="20" dur="1" fill="hold">
+                                          <p:stCondLst>
+                                            <p:cond delay="0"/>
+                                          </p:stCondLst>
+                                        </p:cTn>
+                                        <p:tgtEl>
+                                          <p:spTgt spid="20"/>
+                                        </p:tgtEl>
+                                        <p:attrNameLst>
+                                          <p:attrName>style.visibility</p:attrName>
+                                        </p:attrNameLst>
+                                      </p:cBhvr>
+                                      <p:to>
+                                        <p:strVal val="visible"/>
+                                      </p:to>
+                                    </p:set>
+                                  </p:childTnLst>
+                                </p:cTn>
+                              </p:par>
+                            </p:childTnLst>
+                          </p:cTn>
+                        </p:par>
+                        <p:par>
+                          <p:cTn id="21" fill="hold">
+                            <p:stCondLst>
+                              <p:cond delay="0"/>
+                            </p:stCondLst>
+                            <p:childTnLst>
+                              <p:par>
+                                <p:cTn id="22" presetID="1" presetClass="entr" presetSubtype="0" fill="hold" grpId="0" nodeType="afterEffect">
+                                  <p:stCondLst>
+                                    <p:cond delay="500"/>
+                                  </p:stCondLst>
+                                  <p:childTnLst>
+                                    <p:set>
+                                      <p:cBhvr>
+                                        <p:cTn id="23" dur="1" fill="hold">
+                                          <p:stCondLst>
+                                            <p:cond delay="0"/>
+                                          </p:stCondLst>
+                                        </p:cTn>
+                                        <p:tgtEl>
+                                          <p:spTgt spid="10"/>
+                                        </p:tgtEl>
+                                        <p:attrNameLst>
+                                          <p:attrName>style.visibility</p:attrName>
+                                        </p:attrNameLst>
+                                      </p:cBhvr>
+                                      <p:to>
+                                        <p:strVal val="visible"/>
+                                      </p:to>
+                                    </p:set>
+                                  </p:childTnLst>
+                                </p:cTn>
+                              </p:par>
+                            </p:childTnLst>
+                          </p:cTn>
+                        </p:par>
+                      </p:childTnLst>
+                    </p:cTn>
+                  </p:par>
+                  <p:par>
+                    <p:cTn id="24" fill="hold">
+                      <p:stCondLst>
+                        <p:cond delay="indefinite"/>
+                      </p:stCondLst>
+                      <p:childTnLst>
+                        <p:par>
+                          <p:cTn id="25" fill="hold">
+                            <p:stCondLst>
+                              <p:cond delay="0"/>
+                            </p:stCondLst>
+                            <p:childTnLst>
+                              <p:par>
+                                <p:cTn id="26" presetID="1" presetClass="entr" presetSubtype="0" fill="hold" grpId="0" nodeType="clickEffect">
+                                  <p:stCondLst>
+                                    <p:cond delay="0"/>
+                                  </p:stCondLst>
+                                  <p:childTnLst>
+                                    <p:set>
+                                      <p:cBhvr>
+                                        <p:cTn id="27" dur="1" fill="hold">
+                                          <p:stCondLst>
+                                            <p:cond delay="0"/>
+                                          </p:stCondLst>
+                                        </p:cTn>
+                                        <p:tgtEl>
+                                          <p:spTgt spid="21"/>
+                                        </p:tgtEl>
+                                        <p:attrNameLst>
+                                          <p:attrName>style.visibility</p:attrName>
+                                        </p:attrNameLst>
+                                      </p:cBhvr>
+                                      <p:to>
+                                        <p:strVal val="visible"/>
+                                      </p:to>
+                                    </p:set>
+                                  </p:childTnLst>
+                                </p:cTn>
+                              </p:par>
+                            </p:childTnLst>
+                          </p:cTn>
+                        </p:par>
+                        <p:par>
+                          <p:cTn id="28" fill="hold">
+                            <p:stCondLst>
+                              <p:cond delay="0"/>
+                            </p:stCondLst>
+                            <p:childTnLst>
+                              <p:par>
+                                <p:cTn id="29" presetID="1" presetClass="entr" presetSubtype="0" fill="hold" grpId="0" nodeType="afterEffect">
+                                  <p:stCondLst>
+                                    <p:cond delay="500"/>
+                                  </p:stCondLst>
+                                  <p:childTnLst>
+                                    <p:set>
+                                      <p:cBhvr>
+                                        <p:cTn id="30" dur="1" fill="hold">
+                                          <p:stCondLst>
+                                            <p:cond delay="0"/>
+                                          </p:stCondLst>
+                                        </p:cTn>
+                                        <p:tgtEl>
+                                          <p:spTgt spid="11"/>
+                                        </p:tgtEl>
+                                        <p:attrNameLst>
+                                          <p:attrName>style.visibility</p:attrName>
+                                        </p:attrNameLst>
+                                      </p:cBhvr>
+                                      <p:to>
+                                        <p:strVal val="visible"/>
+                                      </p:to>
+                                    </p:set>
+                                  </p:childTnLst>
+                                </p:cTn>
+                              </p:par>
+                            </p:childTnLst>
+                          </p:cTn>
+                        </p:par>
+                      </p:childTnLst>
+                    </p:cTn>
+                  </p:par>
+                  <p:par>
+                    <p:cTn id="31" fill="hold">
+                      <p:stCondLst>
+                        <p:cond delay="indefinite"/>
+                      </p:stCondLst>
+                      <p:childTnLst>
+                        <p:par>
+                          <p:cTn id="32" fill="hold">
+                            <p:stCondLst>
+                              <p:cond delay="0"/>
+                            </p:stCondLst>
+                            <p:childTnLst>
+                              <p:par>
+                                <p:cTn id="33" presetID="1" presetClass="entr" presetSubtype="0" fill="hold" grpId="0" nodeType="clickEffect">
+                                  <p:stCondLst>
+                                    <p:cond delay="0"/>
+                                  </p:stCondLst>
+                                  <p:childTnLst>
+                                    <p:set>
+                                      <p:cBhvr>
+                                        <p:cTn id="34" dur="1" fill="hold">
+                                          <p:stCondLst>
+                                            <p:cond delay="0"/>
+                                          </p:stCondLst>
+                                        </p:cTn>
+                                        <p:tgtEl>
+                                          <p:spTgt spid="22"/>
+                                        </p:tgtEl>
+                                        <p:attrNameLst>
+                                          <p:attrName>style.visibility</p:attrName>
+                                        </p:attrNameLst>
+                                      </p:cBhvr>
+                                      <p:to>
+                                        <p:strVal val="visible"/>
+                                      </p:to>
+                                    </p:set>
+                                  </p:childTnLst>
+                                </p:cTn>
+                              </p:par>
+                            </p:childTnLst>
+                          </p:cTn>
+                        </p:par>
+                        <p:par>
+                          <p:cTn id="35" fill="hold">
+                            <p:stCondLst>
+                              <p:cond delay="0"/>
+                            </p:stCondLst>
+                            <p:childTnLst>
+                              <p:par>
+                                <p:cTn id="36" presetID="1" presetClass="entr" presetSubtype="0" fill="hold" grpId="0" nodeType="afterEffect">
+                                  <p:stCondLst>
+                                    <p:cond delay="500"/>
+                                  </p:stCondLst>
+                                  <p:childTnLst>
+                                    <p:set>
+                                      <p:cBhvr>
+                                        <p:cTn id="37" dur="1" fill="hold">
+                                          <p:stCondLst>
+                                            <p:cond delay="0"/>
+                                          </p:stCondLst>
+                                        </p:cTn>
+                                        <p:tgtEl>
+                                          <p:spTgt spid="12"/>
+                                        </p:tgtEl>
+                                        <p:attrNameLst>
+                                          <p:attrName>style.visibility</p:attrName>
+                                        </p:attrNameLst>
+                                      </p:cBhvr>
+                                      <p:to>
+                                        <p:strVal val="visible"/>
+                                      </p:to>
+                                    </p:set>
+                                  </p:childTnLst>
+                                </p:cTn>
+                              </p:par>
+                            </p:childTnLst>
+                          </p:cTn>
+                        </p:par>
+                      </p:childTnLst>
+                    </p:cTn>
+                  </p:par>
+                  <p:par>
+                    <p:cTn id="38" fill="hold">
+                      <p:stCondLst>
+                        <p:cond delay="indefinite"/>
+                      </p:stCondLst>
+                      <p:childTnLst>
+                        <p:par>
+                          <p:cTn id="39" fill="hold">
+                            <p:stCondLst>
+                              <p:cond delay="0"/>
+                            </p:stCondLst>
+                            <p:childTnLst>
+                              <p:par>
+                                <p:cTn id="40" presetID="1" presetClass="entr" presetSubtype="0" fill="hold" grpId="0" nodeType="clickEffect">
+                                  <p:stCondLst>
+                                    <p:cond delay="0"/>
+                                  </p:stCondLst>
+                                  <p:childTnLst>
+                                    <p:set>
+                                      <p:cBhvr>
+                                        <p:cTn id="41" dur="1" fill="hold">
+                                          <p:stCondLst>
+                                            <p:cond delay="0"/>
+                                          </p:stCondLst>
+                                        </p:cTn>
+                                        <p:tgtEl>
+                                          <p:spTgt spid="23"/>
+                                        </p:tgtEl>
+                                        <p:attrNameLst>
+                                          <p:attrName>style.visibility</p:attrName>
+                                        </p:attrNameLst>
+                                      </p:cBhvr>
+                                      <p:to>
+                                        <p:strVal val="visible"/>
+                                      </p:to>
+                                    </p:set>
+                                  </p:childTnLst>
+                                </p:cTn>
+                              </p:par>
+                            </p:childTnLst>
+                          </p:cTn>
+                        </p:par>
+                        <p:par>
+                          <p:cTn id="42" fill="hold">
+                            <p:stCondLst>
+                              <p:cond delay="0"/>
+                            </p:stCondLst>
+                            <p:childTnLst>
+                              <p:par>
+                                <p:cTn id="43" presetID="1" presetClass="entr" presetSubtype="0" fill="hold" grpId="0" nodeType="afterEffect">
+                                  <p:stCondLst>
+                                    <p:cond delay="500"/>
+                                  </p:stCondLst>
+                                  <p:childTnLst>
+                                    <p:set>
+                                      <p:cBhvr>
+                                        <p:cTn id="44" dur="1" fill="hold">
+                                          <p:stCondLst>
+                                            <p:cond delay="0"/>
+                                          </p:stCondLst>
+                                        </p:cTn>
+                                        <p:tgtEl>
+                                          <p:spTgt spid="13"/>
+                                        </p:tgtEl>
+                                        <p:attrNameLst>
+                                          <p:attrName>style.visibility</p:attrName>
+                                        </p:attrNameLst>
+                                      </p:cBhvr>
+                                      <p:to>
+                                        <p:strVal val="visible"/>
+                                      </p:to>
+                                    </p:set>
+                                  </p:childTnLst>
+                                </p:cTn>
+                              </p:par>
+                            </p:childTnLst>
+                          </p:cTn>
+                        </p:par>
+                      </p:childTnLst>
+                    </p:cTn>
+                  </p:par>
+                </p:childTnLst>
+              </p:cTn>
+              <p:prevCondLst>
+                <p:cond evt="onPrev" delay="0">
+                  <p:tgtEl>
+                    <p:sldTgt/>
+                  </p:tgtEl>
+                </p:cond>
+              </p:prevCondLst>
+              <p:nextCondLst>
+                <p:cond evt="onNext" delay="0">
+                  <p:tgtEl>
+                    <p:sldTgt/>
+                  </p:tgtEl>
+                </p:cond>
+              </p:nextCondLst>
+            </p:seq>
+          </p:childTnLst>
+        </p:cTn>
+      </p:par>
+    </p:tnLst>
+    <p:bldLst>
+      <p:bldP spid="7" grpId="0"/>
+      <p:bldP spid="8" grpId="0"/>
+      <p:bldP spid="9" grpId="0"/>
+      <p:bldP spid="10" grpId="0"/>
+      <p:bldP spid="11" grpId="0"/>
+      <p:bldP spid="12" grpId="0"/>
+      <p:bldP spid="13" grpId="0"/>
+      <p:bldP spid="19" grpId="0"/>
+      <p:bldP spid="20" grpId="0"/>
+      <p:bldP spid="21" grpId="0"/>
+      <p:bldP spid="22" grpId="0"/>
+      <p:bldP spid="23" grpId="0"/>
+    </p:bldLst>
   </p:timing>
 </p:sld>
 </file>
@@ -5152,4 +14495,289 @@
   <a:objectDefaults/>
   <a:extraClrSchemeLst/>
 </a:theme>
+</file>
+
+<file path=ppt/theme/theme2.xml><?xml version="1.0" encoding="utf-8"?>
+<a:theme xmlns:a="http://schemas.openxmlformats.org/drawingml/2006/main" name="Office 테마">
+  <a:themeElements>
+    <a:clrScheme name="Office">
+      <a:dk1>
+        <a:sysClr val="windowText" lastClr="000000"/>
+      </a:dk1>
+      <a:lt1>
+        <a:sysClr val="window" lastClr="FFFFFF"/>
+      </a:lt1>
+      <a:dk2>
+        <a:srgbClr val="1F497D"/>
+      </a:dk2>
+      <a:lt2>
+        <a:srgbClr val="EEECE1"/>
+      </a:lt2>
+      <a:accent1>
+        <a:srgbClr val="4F81BD"/>
+      </a:accent1>
+      <a:accent2>
+        <a:srgbClr val="C0504D"/>
+      </a:accent2>
+      <a:accent3>
+        <a:srgbClr val="9BBB59"/>
+      </a:accent3>
+      <a:accent4>
+        <a:srgbClr val="8064A2"/>
+      </a:accent4>
+      <a:accent5>
+        <a:srgbClr val="4BACC6"/>
+      </a:accent5>
+      <a:accent6>
+        <a:srgbClr val="F79646"/>
+      </a:accent6>
+      <a:hlink>
+        <a:srgbClr val="0000FF"/>
+      </a:hlink>
+      <a:folHlink>
+        <a:srgbClr val="800080"/>
+      </a:folHlink>
+    </a:clrScheme>
+    <a:fontScheme name="Office">
+      <a:majorFont>
+        <a:latin typeface="맑은 고딕"/>
+        <a:ea typeface=""/>
+        <a:cs typeface=""/>
+        <a:font script="Jpan" typeface="ＭＳ Ｐゴシック"/>
+        <a:font script="Hang" typeface="맑은 고딕"/>
+        <a:font script="Hans" typeface="宋体"/>
+        <a:font script="Hant" typeface="新細明體"/>
+        <a:font script="Arab" typeface="Times New Roman"/>
+        <a:font script="Hebr" typeface="Times New Roman"/>
+        <a:font script="Thai" typeface="Angsana New"/>
+        <a:font script="Ethi" typeface="Nyala"/>
+        <a:font script="Beng" typeface="Vrinda"/>
+        <a:font script="Gujr" typeface="Shruti"/>
+        <a:font script="Khmr" typeface="MoolBoran"/>
+        <a:font script="Knda" typeface="Tunga"/>
+        <a:font script="Guru" typeface="Raavi"/>
+        <a:font script="Cans" typeface="Euphemia"/>
+        <a:font script="Cher" typeface="Plantagenet Cherokee"/>
+        <a:font script="Yiii" typeface="Microsoft Yi Baiti"/>
+        <a:font script="Tibt" typeface="Microsoft Himalaya"/>
+        <a:font script="Thaa" typeface="MV Boli"/>
+        <a:font script="Deva" typeface="Mangal"/>
+        <a:font script="Telu" typeface="Gautami"/>
+        <a:font script="Taml" typeface="Latha"/>
+        <a:font script="Syrc" typeface="Estrangelo Edessa"/>
+        <a:font script="Orya" typeface="Kalinga"/>
+        <a:font script="Mlym" typeface="Kartika"/>
+        <a:font script="Laoo" typeface="DokChampa"/>
+        <a:font script="Sinh" typeface="Iskoola Pota"/>
+        <a:font script="Mong" typeface="Mongolian Baiti"/>
+        <a:font script="Viet" typeface="Times New Roman"/>
+        <a:font script="Uigh" typeface="Microsoft Uighur"/>
+        <a:font script="Geor" typeface="Sylfaen"/>
+      </a:majorFont>
+      <a:minorFont>
+        <a:latin typeface="맑은 고딕"/>
+        <a:ea typeface=""/>
+        <a:cs typeface=""/>
+        <a:font script="Jpan" typeface="ＭＳ Ｐゴシック"/>
+        <a:font script="Hang" typeface="맑은 고딕"/>
+        <a:font script="Hans" typeface="宋体"/>
+        <a:font script="Hant" typeface="新細明體"/>
+        <a:font script="Arab" typeface="Arial"/>
+        <a:font script="Hebr" typeface="Arial"/>
+        <a:font script="Thai" typeface="Cordia New"/>
+        <a:font script="Ethi" typeface="Nyala"/>
+        <a:font script="Beng" typeface="Vrinda"/>
+        <a:font script="Gujr" typeface="Shruti"/>
+        <a:font script="Khmr" typeface="DaunPenh"/>
+        <a:font script="Knda" typeface="Tunga"/>
+        <a:font script="Guru" typeface="Raavi"/>
+        <a:font script="Cans" typeface="Euphemia"/>
+        <a:font script="Cher" typeface="Plantagenet Cherokee"/>
+        <a:font script="Yiii" typeface="Microsoft Yi Baiti"/>
+        <a:font script="Tibt" typeface="Microsoft Himalaya"/>
+        <a:font script="Thaa" typeface="MV Boli"/>
+        <a:font script="Deva" typeface="Mangal"/>
+        <a:font script="Telu" typeface="Gautami"/>
+        <a:font script="Taml" typeface="Latha"/>
+        <a:font script="Syrc" typeface="Estrangelo Edessa"/>
+        <a:font script="Orya" typeface="Kalinga"/>
+        <a:font script="Mlym" typeface="Kartika"/>
+        <a:font script="Laoo" typeface="DokChampa"/>
+        <a:font script="Sinh" typeface="Iskoola Pota"/>
+        <a:font script="Mong" typeface="Mongolian Baiti"/>
+        <a:font script="Viet" typeface="Arial"/>
+        <a:font script="Uigh" typeface="Microsoft Uighur"/>
+        <a:font script="Geor" typeface="Sylfaen"/>
+      </a:minorFont>
+    </a:fontScheme>
+    <a:fmtScheme name="Office">
+      <a:fillStyleLst>
+        <a:solidFill>
+          <a:schemeClr val="phClr"/>
+        </a:solidFill>
+        <a:gradFill rotWithShape="1">
+          <a:gsLst>
+            <a:gs pos="0">
+              <a:schemeClr val="phClr">
+                <a:tint val="50000"/>
+                <a:satMod val="300000"/>
+              </a:schemeClr>
+            </a:gs>
+            <a:gs pos="35000">
+              <a:schemeClr val="phClr">
+                <a:tint val="37000"/>
+                <a:satMod val="300000"/>
+              </a:schemeClr>
+            </a:gs>
+            <a:gs pos="100000">
+              <a:schemeClr val="phClr">
+                <a:tint val="15000"/>
+                <a:satMod val="350000"/>
+              </a:schemeClr>
+            </a:gs>
+          </a:gsLst>
+          <a:lin ang="16200000" scaled="1"/>
+        </a:gradFill>
+        <a:gradFill rotWithShape="1">
+          <a:gsLst>
+            <a:gs pos="0">
+              <a:schemeClr val="phClr">
+                <a:shade val="51000"/>
+                <a:satMod val="130000"/>
+              </a:schemeClr>
+            </a:gs>
+            <a:gs pos="80000">
+              <a:schemeClr val="phClr">
+                <a:shade val="93000"/>
+                <a:satMod val="130000"/>
+              </a:schemeClr>
+            </a:gs>
+            <a:gs pos="100000">
+              <a:schemeClr val="phClr">
+                <a:shade val="94000"/>
+                <a:satMod val="135000"/>
+              </a:schemeClr>
+            </a:gs>
+          </a:gsLst>
+          <a:lin ang="16200000" scaled="0"/>
+        </a:gradFill>
+      </a:fillStyleLst>
+      <a:lnStyleLst>
+        <a:ln w="9525" cap="flat" cmpd="sng" algn="ctr">
+          <a:solidFill>
+            <a:schemeClr val="phClr">
+              <a:shade val="95000"/>
+              <a:satMod val="105000"/>
+            </a:schemeClr>
+          </a:solidFill>
+          <a:prstDash val="solid"/>
+        </a:ln>
+        <a:ln w="25400" cap="flat" cmpd="sng" algn="ctr">
+          <a:solidFill>
+            <a:schemeClr val="phClr"/>
+          </a:solidFill>
+          <a:prstDash val="solid"/>
+        </a:ln>
+        <a:ln w="38100" cap="flat" cmpd="sng" algn="ctr">
+          <a:solidFill>
+            <a:schemeClr val="phClr"/>
+          </a:solidFill>
+          <a:prstDash val="solid"/>
+        </a:ln>
+      </a:lnStyleLst>
+      <a:effectStyleLst>
+        <a:effectStyle>
+          <a:effectLst>
+            <a:outerShdw blurRad="40000" dist="20000" dir="5400000" rotWithShape="0">
+              <a:srgbClr val="000000">
+                <a:alpha val="38000"/>
+              </a:srgbClr>
+            </a:outerShdw>
+          </a:effectLst>
+        </a:effectStyle>
+        <a:effectStyle>
+          <a:effectLst>
+            <a:outerShdw blurRad="40000" dist="23000" dir="5400000" rotWithShape="0">
+              <a:srgbClr val="000000">
+                <a:alpha val="35000"/>
+              </a:srgbClr>
+            </a:outerShdw>
+          </a:effectLst>
+        </a:effectStyle>
+        <a:effectStyle>
+          <a:effectLst>
+            <a:outerShdw blurRad="40000" dist="23000" dir="5400000" rotWithShape="0">
+              <a:srgbClr val="000000">
+                <a:alpha val="35000"/>
+              </a:srgbClr>
+            </a:outerShdw>
+          </a:effectLst>
+          <a:scene3d>
+            <a:camera prst="orthographicFront">
+              <a:rot lat="0" lon="0" rev="0"/>
+            </a:camera>
+            <a:lightRig rig="threePt" dir="t">
+              <a:rot lat="0" lon="0" rev="1200000"/>
+            </a:lightRig>
+          </a:scene3d>
+          <a:sp3d>
+            <a:bevelT w="63500" h="25400"/>
+          </a:sp3d>
+        </a:effectStyle>
+      </a:effectStyleLst>
+      <a:bgFillStyleLst>
+        <a:solidFill>
+          <a:schemeClr val="phClr"/>
+        </a:solidFill>
+        <a:gradFill rotWithShape="1">
+          <a:gsLst>
+            <a:gs pos="0">
+              <a:schemeClr val="phClr">
+                <a:tint val="40000"/>
+                <a:satMod val="350000"/>
+              </a:schemeClr>
+            </a:gs>
+            <a:gs pos="40000">
+              <a:schemeClr val="phClr">
+                <a:tint val="45000"/>
+                <a:shade val="99000"/>
+                <a:satMod val="350000"/>
+              </a:schemeClr>
+            </a:gs>
+            <a:gs pos="100000">
+              <a:schemeClr val="phClr">
+                <a:shade val="20000"/>
+                <a:satMod val="255000"/>
+              </a:schemeClr>
+            </a:gs>
+          </a:gsLst>
+          <a:path path="circle">
+            <a:fillToRect l="50000" t="-80000" r="50000" b="180000"/>
+          </a:path>
+        </a:gradFill>
+        <a:gradFill rotWithShape="1">
+          <a:gsLst>
+            <a:gs pos="0">
+              <a:schemeClr val="phClr">
+                <a:tint val="80000"/>
+                <a:satMod val="300000"/>
+              </a:schemeClr>
+            </a:gs>
+            <a:gs pos="100000">
+              <a:schemeClr val="phClr">
+                <a:shade val="30000"/>
+                <a:satMod val="200000"/>
+              </a:schemeClr>
+            </a:gs>
+          </a:gsLst>
+          <a:path path="circle">
+            <a:fillToRect l="50000" t="50000" r="50000" b="50000"/>
+          </a:path>
+        </a:gradFill>
+      </a:bgFillStyleLst>
+    </a:fmtScheme>
+  </a:themeElements>
+  <a:objectDefaults/>
+  <a:extraClrSchemeLst/>
+</a:theme>
 </file>
--- a/영훈/절차적 생성 패턴.pptx
+++ b/영훈/절차적 생성 패턴.pptx
@@ -5,7 +5,7 @@
     <p:sldMasterId id="2147483660" r:id="rId1"/>
   </p:sldMasterIdLst>
   <p:notesMasterIdLst>
-    <p:notesMasterId r:id="rId8"/>
+    <p:notesMasterId r:id="rId9"/>
   </p:notesMasterIdLst>
   <p:sldIdLst>
     <p:sldId id="256" r:id="rId2"/>
@@ -14,6 +14,7 @@
     <p:sldId id="259" r:id="rId5"/>
     <p:sldId id="260" r:id="rId6"/>
     <p:sldId id="261" r:id="rId7"/>
+    <p:sldId id="262" r:id="rId8"/>
   </p:sldIdLst>
   <p:sldSz cx="9144000" cy="6858000" type="screen4x3"/>
   <p:notesSz cx="6858000" cy="9144000"/>
@@ -1017,7 +1018,7 @@
           <a:p>
             <a:fld id="{697C0DED-E396-4803-911E-0A034BC491DA}" type="datetimeFigureOut">
               <a:rPr lang="ko-KR" altLang="en-US" smtClean="0"/>
-              <a:t>2022-01-18</a:t>
+              <a:t>2022-01-19</a:t>
             </a:fld>
             <a:endParaRPr lang="ko-KR" altLang="en-US"/>
           </a:p>
@@ -1182,7 +1183,7 @@
           <a:p>
             <a:fld id="{697C0DED-E396-4803-911E-0A034BC491DA}" type="datetimeFigureOut">
               <a:rPr lang="ko-KR" altLang="en-US" smtClean="0"/>
-              <a:t>2022-01-18</a:t>
+              <a:t>2022-01-19</a:t>
             </a:fld>
             <a:endParaRPr lang="ko-KR" altLang="en-US"/>
           </a:p>
@@ -1357,7 +1358,7 @@
           <a:p>
             <a:fld id="{697C0DED-E396-4803-911E-0A034BC491DA}" type="datetimeFigureOut">
               <a:rPr lang="ko-KR" altLang="en-US" smtClean="0"/>
-              <a:t>2022-01-18</a:t>
+              <a:t>2022-01-19</a:t>
             </a:fld>
             <a:endParaRPr lang="ko-KR" altLang="en-US"/>
           </a:p>
@@ -1522,7 +1523,7 @@
           <a:p>
             <a:fld id="{697C0DED-E396-4803-911E-0A034BC491DA}" type="datetimeFigureOut">
               <a:rPr lang="ko-KR" altLang="en-US" smtClean="0"/>
-              <a:t>2022-01-18</a:t>
+              <a:t>2022-01-19</a:t>
             </a:fld>
             <a:endParaRPr lang="ko-KR" altLang="en-US"/>
           </a:p>
@@ -2075,7 +2076,7 @@
           <a:p>
             <a:fld id="{697C0DED-E396-4803-911E-0A034BC491DA}" type="datetimeFigureOut">
               <a:rPr lang="ko-KR" altLang="en-US" smtClean="0"/>
-              <a:t>2022-01-18</a:t>
+              <a:t>2022-01-19</a:t>
             </a:fld>
             <a:endParaRPr lang="ko-KR" altLang="en-US"/>
           </a:p>
@@ -2335,7 +2336,7 @@
           <a:p>
             <a:fld id="{697C0DED-E396-4803-911E-0A034BC491DA}" type="datetimeFigureOut">
               <a:rPr lang="ko-KR" altLang="en-US" smtClean="0"/>
-              <a:t>2022-01-18</a:t>
+              <a:t>2022-01-19</a:t>
             </a:fld>
             <a:endParaRPr lang="ko-KR" altLang="en-US"/>
           </a:p>
@@ -2823,7 +2824,7 @@
           <a:p>
             <a:fld id="{697C0DED-E396-4803-911E-0A034BC491DA}" type="datetimeFigureOut">
               <a:rPr lang="ko-KR" altLang="en-US" smtClean="0"/>
-              <a:t>2022-01-18</a:t>
+              <a:t>2022-01-19</a:t>
             </a:fld>
             <a:endParaRPr lang="ko-KR" altLang="en-US"/>
           </a:p>
@@ -2936,7 +2937,7 @@
           <a:p>
             <a:fld id="{697C0DED-E396-4803-911E-0A034BC491DA}" type="datetimeFigureOut">
               <a:rPr lang="ko-KR" altLang="en-US" smtClean="0"/>
-              <a:t>2022-01-18</a:t>
+              <a:t>2022-01-19</a:t>
             </a:fld>
             <a:endParaRPr lang="ko-KR" altLang="en-US"/>
           </a:p>
@@ -3026,7 +3027,7 @@
           <a:p>
             <a:fld id="{697C0DED-E396-4803-911E-0A034BC491DA}" type="datetimeFigureOut">
               <a:rPr lang="ko-KR" altLang="en-US" smtClean="0"/>
-              <a:t>2022-01-18</a:t>
+              <a:t>2022-01-19</a:t>
             </a:fld>
             <a:endParaRPr lang="ko-KR" altLang="en-US"/>
           </a:p>
@@ -3456,7 +3457,7 @@
           <a:p>
             <a:fld id="{697C0DED-E396-4803-911E-0A034BC491DA}" type="datetimeFigureOut">
               <a:rPr lang="ko-KR" altLang="en-US" smtClean="0"/>
-              <a:t>2022-01-18</a:t>
+              <a:t>2022-01-19</a:t>
             </a:fld>
             <a:endParaRPr lang="ko-KR" altLang="en-US"/>
           </a:p>
@@ -3989,7 +3990,7 @@
           <a:p>
             <a:fld id="{697C0DED-E396-4803-911E-0A034BC491DA}" type="datetimeFigureOut">
               <a:rPr lang="ko-KR" altLang="en-US" smtClean="0"/>
-              <a:t>2022-01-18</a:t>
+              <a:t>2022-01-19</a:t>
             </a:fld>
             <a:endParaRPr lang="ko-KR" altLang="en-US"/>
           </a:p>
@@ -4829,7 +4830,7 @@
           <a:p>
             <a:fld id="{697C0DED-E396-4803-911E-0A034BC491DA}" type="datetimeFigureOut">
               <a:rPr lang="ko-KR" altLang="en-US" smtClean="0"/>
-              <a:t>2022-01-18</a:t>
+              <a:t>2022-01-19</a:t>
             </a:fld>
             <a:endParaRPr lang="ko-KR" altLang="en-US"/>
           </a:p>
@@ -5411,13 +5412,6 @@
                 <a:ea typeface="카페24 고운밤" pitchFamily="2" charset="-127"/>
               </a:rPr>
               <a:t>유니티</a:t>
-            </a:r>
-            <a:r>
-              <a:rPr lang="ko-KR" altLang="en-US" sz="3200" dirty="0" smtClean="0">
-                <a:latin typeface="카페24 고운밤" pitchFamily="2" charset="-127"/>
-                <a:ea typeface="카페24 고운밤" pitchFamily="2" charset="-127"/>
-              </a:rPr>
-              <a:t> 프로그램 실행</a:t>
             </a:r>
             <a:endParaRPr lang="ko-KR" altLang="en-US" sz="3200" dirty="0">
               <a:latin typeface="카페24 고운밤" pitchFamily="2" charset="-127"/>
@@ -14221,6 +14215,86 @@
 </p:sld>
 </file>
 
+<file path=ppt/slides/slide7.xml><?xml version="1.0" encoding="utf-8"?>
+<p:sld xmlns:a="http://schemas.openxmlformats.org/drawingml/2006/main" xmlns:r="http://schemas.openxmlformats.org/officeDocument/2006/relationships" xmlns:p="http://schemas.openxmlformats.org/presentationml/2006/main">
+  <p:cSld>
+    <p:spTree>
+      <p:nvGrpSpPr>
+        <p:cNvPr id="1" name=""/>
+        <p:cNvGrpSpPr/>
+        <p:nvPr/>
+      </p:nvGrpSpPr>
+      <p:grpSpPr>
+        <a:xfrm>
+          <a:off x="0" y="0"/>
+          <a:ext cx="0" cy="0"/>
+          <a:chOff x="0" y="0"/>
+          <a:chExt cx="0" cy="0"/>
+        </a:xfrm>
+      </p:grpSpPr>
+      <p:sp>
+        <p:nvSpPr>
+          <p:cNvPr id="4" name="TextBox 3"/>
+          <p:cNvSpPr txBox="1"/>
+          <p:nvPr/>
+        </p:nvSpPr>
+        <p:spPr>
+          <a:xfrm>
+            <a:off x="179512" y="332656"/>
+            <a:ext cx="8964488" cy="707886"/>
+          </a:xfrm>
+          <a:prstGeom prst="rect">
+            <a:avLst/>
+          </a:prstGeom>
+          <a:noFill/>
+        </p:spPr>
+        <p:txBody>
+          <a:bodyPr wrap="square" rtlCol="0">
+            <a:spAutoFit/>
+          </a:bodyPr>
+          <a:lstStyle/>
+          <a:p>
+            <a:r>
+              <a:rPr lang="ko-KR" altLang="en-US" sz="4000" dirty="0" err="1" smtClean="0">
+                <a:latin typeface="카페24 고운밤" pitchFamily="2" charset="-127"/>
+                <a:ea typeface="카페24 고운밤" pitchFamily="2" charset="-127"/>
+              </a:rPr>
+              <a:t>유니</a:t>
+            </a:r>
+            <a:r>
+              <a:rPr lang="ko-KR" altLang="en-US" sz="4000" dirty="0" err="1">
+                <a:latin typeface="카페24 고운밤" pitchFamily="2" charset="-127"/>
+                <a:ea typeface="카페24 고운밤" pitchFamily="2" charset="-127"/>
+              </a:rPr>
+              <a:t>티</a:t>
+            </a:r>
+            <a:endParaRPr lang="ko-KR" altLang="en-US" sz="4000" dirty="0">
+              <a:latin typeface="카페24 고운밤" pitchFamily="2" charset="-127"/>
+              <a:ea typeface="카페24 고운밤" pitchFamily="2" charset="-127"/>
+            </a:endParaRPr>
+          </a:p>
+        </p:txBody>
+      </p:sp>
+    </p:spTree>
+    <p:extLst>
+      <p:ext uri="{BB962C8B-B14F-4D97-AF65-F5344CB8AC3E}">
+        <p14:creationId xmlns:p14="http://schemas.microsoft.com/office/powerpoint/2010/main" val="2045775233"/>
+      </p:ext>
+    </p:extLst>
+  </p:cSld>
+  <p:clrMapOvr>
+    <a:masterClrMapping/>
+  </p:clrMapOvr>
+  <p:timing>
+    <p:tnLst>
+      <p:par>
+        <p:cTn id="1" dur="indefinite" restart="never" nodeType="tmRoot"/>
+      </p:par>
+    </p:tnLst>
+  </p:timing>
+</p:sld>
+</file>
+
 <file path=ppt/theme/theme1.xml><?xml version="1.0" encoding="utf-8"?>
 <a:theme xmlns:a="http://schemas.openxmlformats.org/drawingml/2006/main" name="각">
   <a:themeElements>
